--- a/保衛潛艇戰(守城遊戲).pptx
+++ b/保衛潛艇戰(守城遊戲).pptx
@@ -23,7 +23,8 @@
     <p:sldId id="269" r:id="rId17"/>
     <p:sldId id="270" r:id="rId18"/>
     <p:sldId id="272" r:id="rId19"/>
-    <p:sldId id="271" r:id="rId20"/>
+    <p:sldId id="273" r:id="rId20"/>
+    <p:sldId id="271" r:id="rId21"/>
   </p:sldIdLst>
   <p:sldSz cx="12192000" cy="6858000"/>
   <p:notesSz cx="6858000" cy="9144000"/>
@@ -122,6 +123,22 @@
       </a:defRPr>
     </a:lvl9pPr>
   </p:defaultTextStyle>
+  <p:extLst>
+    <p:ext uri="{EFAFB233-063F-42B5-8137-9DF3F51BA10A}">
+      <p15:sldGuideLst xmlns:p15="http://schemas.microsoft.com/office/powerpoint/2012/main">
+        <p15:guide id="1" orient="horz" pos="2160">
+          <p15:clr>
+            <a:srgbClr val="A4A3A4"/>
+          </p15:clr>
+        </p15:guide>
+        <p15:guide id="2" pos="3840">
+          <p15:clr>
+            <a:srgbClr val="A4A3A4"/>
+          </p15:clr>
+        </p15:guide>
+      </p15:sldGuideLst>
+    </p:ext>
+  </p:extLst>
 </p:presentation>
 </file>
 
@@ -257,7 +274,7 @@
             <a:fld id="{68371185-F1A7-4927-B9D6-E6583EC84139}" type="datetimeFigureOut">
               <a:rPr lang="zh-TW" altLang="en-US" smtClean="0"/>
               <a:pPr/>
-              <a:t>2019/12/3</a:t>
+              <a:t>2019/12/4</a:t>
             </a:fld>
             <a:endParaRPr lang="zh-TW" altLang="en-US"/>
           </a:p>
@@ -309,7 +326,7 @@
     </p:spTree>
     <p:extLst>
       <p:ext uri="{BB962C8B-B14F-4D97-AF65-F5344CB8AC3E}">
-        <p14:creationId xmlns:p14="http://schemas.microsoft.com/office/powerpoint/2010/main" xmlns="" val="786275168"/>
+        <p14:creationId xmlns:p14="http://schemas.microsoft.com/office/powerpoint/2010/main" val="786275168"/>
       </p:ext>
     </p:extLst>
   </p:cSld>
@@ -429,7 +446,7 @@
             <a:fld id="{68371185-F1A7-4927-B9D6-E6583EC84139}" type="datetimeFigureOut">
               <a:rPr lang="zh-TW" altLang="en-US" smtClean="0"/>
               <a:pPr/>
-              <a:t>2019/12/3</a:t>
+              <a:t>2019/12/4</a:t>
             </a:fld>
             <a:endParaRPr lang="zh-TW" altLang="en-US"/>
           </a:p>
@@ -481,7 +498,7 @@
     </p:spTree>
     <p:extLst>
       <p:ext uri="{BB962C8B-B14F-4D97-AF65-F5344CB8AC3E}">
-        <p14:creationId xmlns:p14="http://schemas.microsoft.com/office/powerpoint/2010/main" xmlns="" val="2527833522"/>
+        <p14:creationId xmlns:p14="http://schemas.microsoft.com/office/powerpoint/2010/main" val="2527833522"/>
       </p:ext>
     </p:extLst>
   </p:cSld>
@@ -611,7 +628,7 @@
             <a:fld id="{68371185-F1A7-4927-B9D6-E6583EC84139}" type="datetimeFigureOut">
               <a:rPr lang="zh-TW" altLang="en-US" smtClean="0"/>
               <a:pPr/>
-              <a:t>2019/12/3</a:t>
+              <a:t>2019/12/4</a:t>
             </a:fld>
             <a:endParaRPr lang="zh-TW" altLang="en-US"/>
           </a:p>
@@ -663,7 +680,7 @@
     </p:spTree>
     <p:extLst>
       <p:ext uri="{BB962C8B-B14F-4D97-AF65-F5344CB8AC3E}">
-        <p14:creationId xmlns:p14="http://schemas.microsoft.com/office/powerpoint/2010/main" xmlns="" val="547632053"/>
+        <p14:creationId xmlns:p14="http://schemas.microsoft.com/office/powerpoint/2010/main" val="547632053"/>
       </p:ext>
     </p:extLst>
   </p:cSld>
@@ -965,7 +982,7 @@
             <a:fld id="{68371185-F1A7-4927-B9D6-E6583EC84139}" type="datetimeFigureOut">
               <a:rPr lang="zh-TW" altLang="en-US" smtClean="0"/>
               <a:pPr/>
-              <a:t>2019/12/3</a:t>
+              <a:t>2019/12/4</a:t>
             </a:fld>
             <a:endParaRPr lang="zh-TW" altLang="en-US"/>
           </a:p>
@@ -1111,7 +1128,7 @@
             <a:fld id="{68371185-F1A7-4927-B9D6-E6583EC84139}" type="datetimeFigureOut">
               <a:rPr lang="zh-TW" altLang="en-US" smtClean="0"/>
               <a:pPr/>
-              <a:t>2019/12/3</a:t>
+              <a:t>2019/12/4</a:t>
             </a:fld>
             <a:endParaRPr lang="zh-TW" altLang="en-US"/>
           </a:p>
@@ -1529,7 +1546,7 @@
             <a:fld id="{68371185-F1A7-4927-B9D6-E6583EC84139}" type="datetimeFigureOut">
               <a:rPr lang="zh-TW" altLang="en-US" smtClean="0"/>
               <a:pPr/>
-              <a:t>2019/12/3</a:t>
+              <a:t>2019/12/4</a:t>
             </a:fld>
             <a:endParaRPr lang="zh-TW" altLang="en-US"/>
           </a:p>
@@ -1773,7 +1790,7 @@
             <a:fld id="{68371185-F1A7-4927-B9D6-E6583EC84139}" type="datetimeFigureOut">
               <a:rPr lang="zh-TW" altLang="en-US" smtClean="0"/>
               <a:pPr/>
-              <a:t>2019/12/3</a:t>
+              <a:t>2019/12/4</a:t>
             </a:fld>
             <a:endParaRPr lang="zh-TW" altLang="en-US"/>
           </a:p>
@@ -2011,7 +2028,7 @@
             <a:fld id="{68371185-F1A7-4927-B9D6-E6583EC84139}" type="datetimeFigureOut">
               <a:rPr lang="zh-TW" altLang="en-US" smtClean="0"/>
               <a:pPr/>
-              <a:t>2019/12/3</a:t>
+              <a:t>2019/12/4</a:t>
             </a:fld>
             <a:endParaRPr lang="zh-TW" altLang="en-US"/>
           </a:p>
@@ -2208,7 +2225,7 @@
             <a:fld id="{68371185-F1A7-4927-B9D6-E6583EC84139}" type="datetimeFigureOut">
               <a:rPr lang="zh-TW" altLang="en-US" smtClean="0"/>
               <a:pPr/>
-              <a:t>2019/12/3</a:t>
+              <a:t>2019/12/4</a:t>
             </a:fld>
             <a:endParaRPr lang="zh-TW" altLang="en-US"/>
           </a:p>
@@ -2308,7 +2325,7 @@
             <a:fld id="{68371185-F1A7-4927-B9D6-E6583EC84139}" type="datetimeFigureOut">
               <a:rPr lang="zh-TW" altLang="en-US" smtClean="0"/>
               <a:pPr/>
-              <a:t>2019/12/3</a:t>
+              <a:t>2019/12/4</a:t>
             </a:fld>
             <a:endParaRPr lang="zh-TW" altLang="en-US"/>
           </a:p>
@@ -2446,7 +2463,7 @@
             <a:fld id="{68371185-F1A7-4927-B9D6-E6583EC84139}" type="datetimeFigureOut">
               <a:rPr lang="zh-TW" altLang="en-US" smtClean="0"/>
               <a:pPr/>
-              <a:t>2019/12/3</a:t>
+              <a:t>2019/12/4</a:t>
             </a:fld>
             <a:endParaRPr lang="zh-TW" altLang="en-US"/>
           </a:p>
@@ -2752,7 +2769,7 @@
             <a:fld id="{68371185-F1A7-4927-B9D6-E6583EC84139}" type="datetimeFigureOut">
               <a:rPr lang="zh-TW" altLang="en-US" smtClean="0"/>
               <a:pPr/>
-              <a:t>2019/12/3</a:t>
+              <a:t>2019/12/4</a:t>
             </a:fld>
             <a:endParaRPr lang="zh-TW" altLang="en-US"/>
           </a:p>
@@ -2804,7 +2821,7 @@
     </p:spTree>
     <p:extLst>
       <p:ext uri="{BB962C8B-B14F-4D97-AF65-F5344CB8AC3E}">
-        <p14:creationId xmlns:p14="http://schemas.microsoft.com/office/powerpoint/2010/main" xmlns="" val="3623616810"/>
+        <p14:creationId xmlns:p14="http://schemas.microsoft.com/office/powerpoint/2010/main" val="3623616810"/>
       </p:ext>
     </p:extLst>
   </p:cSld>
@@ -3138,7 +3155,7 @@
             <a:fld id="{68371185-F1A7-4927-B9D6-E6583EC84139}" type="datetimeFigureOut">
               <a:rPr lang="zh-TW" altLang="en-US" smtClean="0"/>
               <a:pPr/>
-              <a:t>2019/12/3</a:t>
+              <a:t>2019/12/4</a:t>
             </a:fld>
             <a:endParaRPr lang="zh-TW" altLang="en-US"/>
           </a:p>
@@ -3360,7 +3377,7 @@
             <a:fld id="{68371185-F1A7-4927-B9D6-E6583EC84139}" type="datetimeFigureOut">
               <a:rPr lang="zh-TW" altLang="en-US" smtClean="0"/>
               <a:pPr/>
-              <a:t>2019/12/3</a:t>
+              <a:t>2019/12/4</a:t>
             </a:fld>
             <a:endParaRPr lang="zh-TW" altLang="en-US"/>
           </a:p>
@@ -3547,7 +3564,7 @@
             <a:fld id="{68371185-F1A7-4927-B9D6-E6583EC84139}" type="datetimeFigureOut">
               <a:rPr lang="zh-TW" altLang="en-US" smtClean="0"/>
               <a:pPr/>
-              <a:t>2019/12/3</a:t>
+              <a:t>2019/12/4</a:t>
             </a:fld>
             <a:endParaRPr lang="zh-TW" altLang="en-US"/>
           </a:p>
@@ -4030,7 +4047,7 @@
             <a:fld id="{68371185-F1A7-4927-B9D6-E6583EC84139}" type="datetimeFigureOut">
               <a:rPr lang="zh-TW" altLang="en-US" smtClean="0"/>
               <a:pPr/>
-              <a:t>2019/12/3</a:t>
+              <a:t>2019/12/4</a:t>
             </a:fld>
             <a:endParaRPr lang="zh-TW" altLang="en-US"/>
           </a:p>
@@ -4383,7 +4400,7 @@
             <a:fld id="{68371185-F1A7-4927-B9D6-E6583EC84139}" type="datetimeFigureOut">
               <a:rPr lang="zh-TW" altLang="en-US" smtClean="0"/>
               <a:pPr/>
-              <a:t>2019/12/3</a:t>
+              <a:t>2019/12/4</a:t>
             </a:fld>
             <a:endParaRPr lang="zh-TW" altLang="en-US"/>
           </a:p>
@@ -4928,7 +4945,7 @@
             <a:fld id="{68371185-F1A7-4927-B9D6-E6583EC84139}" type="datetimeFigureOut">
               <a:rPr lang="zh-TW" altLang="en-US" smtClean="0"/>
               <a:pPr/>
-              <a:t>2019/12/3</a:t>
+              <a:t>2019/12/4</a:t>
             </a:fld>
             <a:endParaRPr lang="zh-TW" altLang="en-US"/>
           </a:p>
@@ -5225,7 +5242,7 @@
             <a:fld id="{68371185-F1A7-4927-B9D6-E6583EC84139}" type="datetimeFigureOut">
               <a:rPr lang="zh-TW" altLang="en-US" smtClean="0"/>
               <a:pPr/>
-              <a:t>2019/12/3</a:t>
+              <a:t>2019/12/4</a:t>
             </a:fld>
             <a:endParaRPr lang="zh-TW" altLang="en-US"/>
           </a:p>
@@ -5886,7 +5903,7 @@
             <a:fld id="{68371185-F1A7-4927-B9D6-E6583EC84139}" type="datetimeFigureOut">
               <a:rPr lang="zh-TW" altLang="en-US" smtClean="0"/>
               <a:pPr/>
-              <a:t>2019/12/3</a:t>
+              <a:t>2019/12/4</a:t>
             </a:fld>
             <a:endParaRPr lang="zh-TW" altLang="en-US"/>
           </a:p>
@@ -6324,7 +6341,7 @@
             <a:fld id="{68371185-F1A7-4927-B9D6-E6583EC84139}" type="datetimeFigureOut">
               <a:rPr lang="zh-TW" altLang="en-US" smtClean="0"/>
               <a:pPr/>
-              <a:t>2019/12/3</a:t>
+              <a:t>2019/12/4</a:t>
             </a:fld>
             <a:endParaRPr lang="zh-TW" altLang="en-US"/>
           </a:p>
@@ -6639,7 +6656,7 @@
             <a:fld id="{68371185-F1A7-4927-B9D6-E6583EC84139}" type="datetimeFigureOut">
               <a:rPr lang="zh-TW" altLang="en-US" smtClean="0"/>
               <a:pPr/>
-              <a:t>2019/12/3</a:t>
+              <a:t>2019/12/4</a:t>
             </a:fld>
             <a:endParaRPr lang="zh-TW" altLang="en-US"/>
           </a:p>
@@ -6895,7 +6912,7 @@
             <a:fld id="{68371185-F1A7-4927-B9D6-E6583EC84139}" type="datetimeFigureOut">
               <a:rPr lang="zh-TW" altLang="en-US" smtClean="0"/>
               <a:pPr/>
-              <a:t>2019/12/3</a:t>
+              <a:t>2019/12/4</a:t>
             </a:fld>
             <a:endParaRPr lang="zh-TW" altLang="en-US"/>
           </a:p>
@@ -6947,7 +6964,7 @@
     </p:spTree>
     <p:extLst>
       <p:ext uri="{BB962C8B-B14F-4D97-AF65-F5344CB8AC3E}">
-        <p14:creationId xmlns:p14="http://schemas.microsoft.com/office/powerpoint/2010/main" xmlns="" val="128896734"/>
+        <p14:creationId xmlns:p14="http://schemas.microsoft.com/office/powerpoint/2010/main" val="128896734"/>
       </p:ext>
     </p:extLst>
   </p:cSld>
@@ -7622,7 +7639,7 @@
             <a:fld id="{68371185-F1A7-4927-B9D6-E6583EC84139}" type="datetimeFigureOut">
               <a:rPr lang="zh-TW" altLang="en-US" smtClean="0"/>
               <a:pPr/>
-              <a:t>2019/12/3</a:t>
+              <a:t>2019/12/4</a:t>
             </a:fld>
             <a:endParaRPr lang="zh-TW" altLang="en-US"/>
           </a:p>
@@ -8288,7 +8305,7 @@
             <a:fld id="{68371185-F1A7-4927-B9D6-E6583EC84139}" type="datetimeFigureOut">
               <a:rPr lang="zh-TW" altLang="en-US" smtClean="0"/>
               <a:pPr/>
-              <a:t>2019/12/3</a:t>
+              <a:t>2019/12/4</a:t>
             </a:fld>
             <a:endParaRPr lang="zh-TW" altLang="en-US"/>
           </a:p>
@@ -8441,7 +8458,7 @@
             <a:fld id="{68371185-F1A7-4927-B9D6-E6583EC84139}" type="datetimeFigureOut">
               <a:rPr lang="zh-TW" altLang="en-US" smtClean="0"/>
               <a:pPr/>
-              <a:t>2019/12/3</a:t>
+              <a:t>2019/12/4</a:t>
             </a:fld>
             <a:endParaRPr lang="zh-TW" altLang="en-US"/>
           </a:p>
@@ -8976,7 +8993,7 @@
             <a:fld id="{68371185-F1A7-4927-B9D6-E6583EC84139}" type="datetimeFigureOut">
               <a:rPr lang="zh-TW" altLang="en-US" smtClean="0"/>
               <a:pPr/>
-              <a:t>2019/12/3</a:t>
+              <a:t>2019/12/4</a:t>
             </a:fld>
             <a:endParaRPr lang="zh-TW" altLang="en-US"/>
           </a:p>
@@ -9209,7 +9226,7 @@
             <a:fld id="{68371185-F1A7-4927-B9D6-E6583EC84139}" type="datetimeFigureOut">
               <a:rPr lang="zh-TW" altLang="en-US" smtClean="0"/>
               <a:pPr/>
-              <a:t>2019/12/3</a:t>
+              <a:t>2019/12/4</a:t>
             </a:fld>
             <a:endParaRPr lang="zh-TW" altLang="en-US"/>
           </a:p>
@@ -9261,7 +9278,7 @@
     </p:spTree>
     <p:extLst>
       <p:ext uri="{BB962C8B-B14F-4D97-AF65-F5344CB8AC3E}">
-        <p14:creationId xmlns:p14="http://schemas.microsoft.com/office/powerpoint/2010/main" xmlns="" val="3715991765"/>
+        <p14:creationId xmlns:p14="http://schemas.microsoft.com/office/powerpoint/2010/main" val="3715991765"/>
       </p:ext>
     </p:extLst>
   </p:cSld>
@@ -9578,7 +9595,7 @@
             <a:fld id="{68371185-F1A7-4927-B9D6-E6583EC84139}" type="datetimeFigureOut">
               <a:rPr lang="zh-TW" altLang="en-US" smtClean="0"/>
               <a:pPr/>
-              <a:t>2019/12/3</a:t>
+              <a:t>2019/12/4</a:t>
             </a:fld>
             <a:endParaRPr lang="zh-TW" altLang="en-US"/>
           </a:p>
@@ -9630,7 +9647,7 @@
     </p:spTree>
     <p:extLst>
       <p:ext uri="{BB962C8B-B14F-4D97-AF65-F5344CB8AC3E}">
-        <p14:creationId xmlns:p14="http://schemas.microsoft.com/office/powerpoint/2010/main" xmlns="" val="2617057455"/>
+        <p14:creationId xmlns:p14="http://schemas.microsoft.com/office/powerpoint/2010/main" val="2617057455"/>
       </p:ext>
     </p:extLst>
   </p:cSld>
@@ -9698,7 +9715,7 @@
             <a:fld id="{68371185-F1A7-4927-B9D6-E6583EC84139}" type="datetimeFigureOut">
               <a:rPr lang="zh-TW" altLang="en-US" smtClean="0"/>
               <a:pPr/>
-              <a:t>2019/12/3</a:t>
+              <a:t>2019/12/4</a:t>
             </a:fld>
             <a:endParaRPr lang="zh-TW" altLang="en-US"/>
           </a:p>
@@ -9750,7 +9767,7 @@
     </p:spTree>
     <p:extLst>
       <p:ext uri="{BB962C8B-B14F-4D97-AF65-F5344CB8AC3E}">
-        <p14:creationId xmlns:p14="http://schemas.microsoft.com/office/powerpoint/2010/main" xmlns="" val="2340801654"/>
+        <p14:creationId xmlns:p14="http://schemas.microsoft.com/office/powerpoint/2010/main" val="2340801654"/>
       </p:ext>
     </p:extLst>
   </p:cSld>
@@ -9795,7 +9812,7 @@
             <a:fld id="{68371185-F1A7-4927-B9D6-E6583EC84139}" type="datetimeFigureOut">
               <a:rPr lang="zh-TW" altLang="en-US" smtClean="0"/>
               <a:pPr/>
-              <a:t>2019/12/3</a:t>
+              <a:t>2019/12/4</a:t>
             </a:fld>
             <a:endParaRPr lang="zh-TW" altLang="en-US"/>
           </a:p>
@@ -9847,7 +9864,7 @@
     </p:spTree>
     <p:extLst>
       <p:ext uri="{BB962C8B-B14F-4D97-AF65-F5344CB8AC3E}">
-        <p14:creationId xmlns:p14="http://schemas.microsoft.com/office/powerpoint/2010/main" xmlns="" val="195575142"/>
+        <p14:creationId xmlns:p14="http://schemas.microsoft.com/office/powerpoint/2010/main" val="195575142"/>
       </p:ext>
     </p:extLst>
   </p:cSld>
@@ -10074,7 +10091,7 @@
             <a:fld id="{68371185-F1A7-4927-B9D6-E6583EC84139}" type="datetimeFigureOut">
               <a:rPr lang="zh-TW" altLang="en-US" smtClean="0"/>
               <a:pPr/>
-              <a:t>2019/12/3</a:t>
+              <a:t>2019/12/4</a:t>
             </a:fld>
             <a:endParaRPr lang="zh-TW" altLang="en-US"/>
           </a:p>
@@ -10126,7 +10143,7 @@
     </p:spTree>
     <p:extLst>
       <p:ext uri="{BB962C8B-B14F-4D97-AF65-F5344CB8AC3E}">
-        <p14:creationId xmlns:p14="http://schemas.microsoft.com/office/powerpoint/2010/main" xmlns="" val="2209875420"/>
+        <p14:creationId xmlns:p14="http://schemas.microsoft.com/office/powerpoint/2010/main" val="2209875420"/>
       </p:ext>
     </p:extLst>
   </p:cSld>
@@ -10329,7 +10346,7 @@
             <a:fld id="{68371185-F1A7-4927-B9D6-E6583EC84139}" type="datetimeFigureOut">
               <a:rPr lang="zh-TW" altLang="en-US" smtClean="0"/>
               <a:pPr/>
-              <a:t>2019/12/3</a:t>
+              <a:t>2019/12/4</a:t>
             </a:fld>
             <a:endParaRPr lang="zh-TW" altLang="en-US"/>
           </a:p>
@@ -10381,7 +10398,7 @@
     </p:spTree>
     <p:extLst>
       <p:ext uri="{BB962C8B-B14F-4D97-AF65-F5344CB8AC3E}">
-        <p14:creationId xmlns:p14="http://schemas.microsoft.com/office/powerpoint/2010/main" xmlns="" val="1448689589"/>
+        <p14:creationId xmlns:p14="http://schemas.microsoft.com/office/powerpoint/2010/main" val="1448689589"/>
       </p:ext>
     </p:extLst>
   </p:cSld>
@@ -10544,7 +10561,7 @@
             <a:fld id="{68371185-F1A7-4927-B9D6-E6583EC84139}" type="datetimeFigureOut">
               <a:rPr lang="zh-TW" altLang="en-US" smtClean="0"/>
               <a:pPr/>
-              <a:t>2019/12/3</a:t>
+              <a:t>2019/12/4</a:t>
             </a:fld>
             <a:endParaRPr lang="zh-TW" altLang="en-US"/>
           </a:p>
@@ -10632,7 +10649,7 @@
     </p:spTree>
     <p:extLst>
       <p:ext uri="{BB962C8B-B14F-4D97-AF65-F5344CB8AC3E}">
-        <p14:creationId xmlns:p14="http://schemas.microsoft.com/office/powerpoint/2010/main" xmlns="" val="1734713806"/>
+        <p14:creationId xmlns:p14="http://schemas.microsoft.com/office/powerpoint/2010/main" val="1734713806"/>
       </p:ext>
     </p:extLst>
   </p:cSld>
@@ -11084,7 +11101,7 @@
             <a:fld id="{68371185-F1A7-4927-B9D6-E6583EC84139}" type="datetimeFigureOut">
               <a:rPr lang="zh-TW" altLang="en-US" smtClean="0"/>
               <a:pPr/>
-              <a:t>2019/12/3</a:t>
+              <a:t>2019/12/4</a:t>
             </a:fld>
             <a:endParaRPr lang="zh-TW" altLang="en-US"/>
           </a:p>
@@ -11843,7 +11860,7 @@
             <a:fld id="{68371185-F1A7-4927-B9D6-E6583EC84139}" type="datetimeFigureOut">
               <a:rPr lang="zh-TW" altLang="en-US" smtClean="0"/>
               <a:pPr/>
-              <a:t>2019/12/3</a:t>
+              <a:t>2019/12/4</a:t>
             </a:fld>
             <a:endParaRPr lang="zh-TW" altLang="en-US"/>
           </a:p>
@@ -12602,11 +12619,7 @@
             </a:r>
             <a:r>
               <a:rPr lang="zh-TW" altLang="en-US" sz="2000" dirty="0" smtClean="0"/>
-              <a:t>翁</a:t>
-            </a:r>
-            <a:r>
-              <a:rPr lang="zh-TW" altLang="en-US" sz="2000" dirty="0" smtClean="0"/>
-              <a:t>瑄湞</a:t>
+              <a:t>翁瑄湞</a:t>
             </a:r>
             <a:endParaRPr lang="zh-TW" altLang="en-US" sz="2000" dirty="0"/>
           </a:p>
@@ -12638,7 +12651,7 @@
     </p:spTree>
     <p:extLst>
       <p:ext uri="{BB962C8B-B14F-4D97-AF65-F5344CB8AC3E}">
-        <p14:creationId xmlns:p14="http://schemas.microsoft.com/office/powerpoint/2010/main" xmlns="" val="3338767960"/>
+        <p14:creationId xmlns:p14="http://schemas.microsoft.com/office/powerpoint/2010/main" val="3338767960"/>
       </p:ext>
     </p:extLst>
   </p:cSld>
@@ -13118,6 +13131,9 @@
               <a:t>)</a:t>
             </a:r>
           </a:p>
+          <a:p>
+            <a:endParaRPr lang="en-US" altLang="zh-TW" dirty="0" smtClean="0"/>
+          </a:p>
         </p:txBody>
       </p:sp>
     </p:spTree>
@@ -13333,14 +13349,7 @@
                 <a:latin typeface="微軟正黑體" pitchFamily="34" charset="-120"/>
                 <a:ea typeface="微軟正黑體" pitchFamily="34" charset="-120"/>
               </a:rPr>
-              <a:t>判斷</a:t>
-            </a:r>
-            <a:r>
-              <a:rPr lang="zh-TW" altLang="en-US" sz="2000" dirty="0" smtClean="0">
-                <a:latin typeface="微軟正黑體" pitchFamily="34" charset="-120"/>
-                <a:ea typeface="微軟正黑體" pitchFamily="34" charset="-120"/>
-              </a:rPr>
-              <a:t>的程式碼邏輯原理是 </a:t>
+              <a:t>判斷的程式碼邏輯原理是 </a:t>
             </a:r>
             <a:endParaRPr lang="en-US" altLang="zh-TW" sz="2000" dirty="0" smtClean="0">
               <a:latin typeface="微軟正黑體" pitchFamily="34" charset="-120"/>
@@ -14386,6 +14395,109 @@
           <a:p>
             <a:r>
               <a:rPr lang="zh-TW" altLang="en-US" dirty="0" smtClean="0"/>
+              <a:t>碰到的問題</a:t>
+            </a:r>
+            <a:endParaRPr lang="zh-TW" altLang="en-US" dirty="0"/>
+          </a:p>
+        </p:txBody>
+      </p:sp>
+      <p:sp>
+        <p:nvSpPr>
+          <p:cNvPr id="3" name="內容版面配置區 2"/>
+          <p:cNvSpPr>
+            <a:spLocks noGrp="1"/>
+          </p:cNvSpPr>
+          <p:nvPr>
+            <p:ph idx="1"/>
+          </p:nvPr>
+        </p:nvSpPr>
+        <p:spPr/>
+        <p:txBody>
+          <a:bodyPr/>
+          <a:lstStyle/>
+          <a:p>
+            <a:r>
+              <a:rPr lang="zh-TW" altLang="en-US" dirty="0" smtClean="0"/>
+              <a:t>背景音效想要自動撥放 </a:t>
+            </a:r>
+            <a:r>
+              <a:rPr lang="en-US" altLang="zh-TW" dirty="0" smtClean="0"/>
+              <a:t>&gt;&gt;</a:t>
+            </a:r>
+            <a:r>
+              <a:rPr lang="en-US" altLang="zh-TW" dirty="0" err="1" smtClean="0"/>
+              <a:t>autoPlay</a:t>
+            </a:r>
+            <a:r>
+              <a:rPr lang="zh-TW" altLang="en-US" dirty="0" smtClean="0"/>
+              <a:t>的限制</a:t>
+            </a:r>
+            <a:endParaRPr lang="en-US" altLang="zh-TW" dirty="0" smtClean="0"/>
+          </a:p>
+          <a:p>
+            <a:r>
+              <a:rPr lang="zh-TW" altLang="en-US" dirty="0" smtClean="0"/>
+              <a:t>過程中，每批的第</a:t>
+            </a:r>
+            <a:r>
+              <a:rPr lang="en-US" altLang="zh-TW" dirty="0" smtClean="0"/>
+              <a:t>1</a:t>
+            </a:r>
+            <a:r>
+              <a:rPr lang="zh-TW" altLang="en-US" dirty="0" smtClean="0"/>
+              <a:t>隻魚（陣列），刪除失敗</a:t>
+            </a:r>
+            <a:endParaRPr lang="en-US" altLang="zh-TW" dirty="0" smtClean="0"/>
+          </a:p>
+        </p:txBody>
+      </p:sp>
+    </p:spTree>
+    <p:extLst>
+      <p:ext uri="{BB962C8B-B14F-4D97-AF65-F5344CB8AC3E}">
+        <p14:creationId xmlns:p14="http://schemas.microsoft.com/office/powerpoint/2010/main" val="3578967659"/>
+      </p:ext>
+    </p:extLst>
+  </p:cSld>
+  <p:clrMapOvr>
+    <a:masterClrMapping/>
+  </p:clrMapOvr>
+</p:sld>
+</file>
+
+<file path=ppt/slides/slide18.xml><?xml version="1.0" encoding="utf-8"?>
+<p:sld xmlns:a="http://schemas.openxmlformats.org/drawingml/2006/main" xmlns:r="http://schemas.openxmlformats.org/officeDocument/2006/relationships" xmlns:p="http://schemas.openxmlformats.org/presentationml/2006/main">
+  <p:cSld>
+    <p:spTree>
+      <p:nvGrpSpPr>
+        <p:cNvPr id="1" name=""/>
+        <p:cNvGrpSpPr/>
+        <p:nvPr/>
+      </p:nvGrpSpPr>
+      <p:grpSpPr>
+        <a:xfrm>
+          <a:off x="0" y="0"/>
+          <a:ext cx="0" cy="0"/>
+          <a:chOff x="0" y="0"/>
+          <a:chExt cx="0" cy="0"/>
+        </a:xfrm>
+      </p:grpSpPr>
+      <p:sp>
+        <p:nvSpPr>
+          <p:cNvPr id="2" name="標題 1"/>
+          <p:cNvSpPr>
+            <a:spLocks noGrp="1"/>
+          </p:cNvSpPr>
+          <p:nvPr>
+            <p:ph type="title"/>
+          </p:nvPr>
+        </p:nvSpPr>
+        <p:spPr/>
+        <p:txBody>
+          <a:bodyPr/>
+          <a:lstStyle/>
+          <a:p>
+            <a:r>
+              <a:rPr lang="zh-TW" altLang="en-US" dirty="0" smtClean="0"/>
               <a:t>遊戲限制</a:t>
             </a:r>
             <a:endParaRPr lang="zh-TW" altLang="en-US" dirty="0"/>
@@ -14442,11 +14554,7 @@
             </a:pPr>
             <a:r>
               <a:rPr lang="en-US" altLang="zh-TW" dirty="0" smtClean="0"/>
-              <a:t>	</a:t>
-            </a:r>
-            <a:r>
-              <a:rPr lang="en-US" altLang="zh-TW" dirty="0" smtClean="0"/>
-              <a:t>&gt;&gt;</a:t>
+              <a:t>	&gt;&gt;</a:t>
             </a:r>
             <a:r>
               <a:rPr lang="zh-TW" altLang="en-US" dirty="0" smtClean="0"/>
@@ -14464,11 +14572,7 @@
             </a:r>
             <a:r>
               <a:rPr lang="zh-TW" altLang="en-US" dirty="0" smtClean="0"/>
-              <a:t> </a:t>
-            </a:r>
-            <a:r>
-              <a:rPr lang="zh-TW" altLang="en-US" dirty="0" smtClean="0"/>
-              <a:t>因為東西儲存在客戶端，所以可以自己修改數值</a:t>
+              <a:t> 因為東西儲存在客戶端，所以可以自己修改數值</a:t>
             </a:r>
             <a:endParaRPr lang="en-US" altLang="zh-TW" dirty="0" smtClean="0"/>
           </a:p>
@@ -14765,11 +14869,7 @@
             </a:r>
             <a:r>
               <a:rPr lang="en-US" altLang="zh-TW" dirty="0" smtClean="0"/>
-              <a:t> </a:t>
-            </a:r>
-            <a:r>
-              <a:rPr lang="en-US" altLang="zh-TW" dirty="0" smtClean="0"/>
-              <a:t>Photoshop </a:t>
+              <a:t> Photoshop </a:t>
             </a:r>
             <a:r>
               <a:rPr lang="zh-TW" altLang="en-US" dirty="0" smtClean="0"/>
@@ -15263,11 +15363,7 @@
           <a:p>
             <a:r>
               <a:rPr lang="zh-TW" altLang="en-US" dirty="0" smtClean="0"/>
-              <a:t>點擊魚，消滅魚，在時間內若潛艇生命值沒歸零，即算成功</a:t>
-            </a:r>
-            <a:r>
-              <a:rPr lang="zh-TW" altLang="en-US" dirty="0" smtClean="0"/>
-              <a:t>。</a:t>
+              <a:t>點擊魚，消滅魚，在時間內若潛艇生命值沒歸零，即算成功。</a:t>
             </a:r>
             <a:endParaRPr lang="en-US" altLang="zh-TW" dirty="0" smtClean="0"/>
           </a:p>
@@ -15283,7 +15379,7 @@
     </p:spTree>
     <p:extLst>
       <p:ext uri="{BB962C8B-B14F-4D97-AF65-F5344CB8AC3E}">
-        <p14:creationId xmlns:p14="http://schemas.microsoft.com/office/powerpoint/2010/main" xmlns="" val="3327407705"/>
+        <p14:creationId xmlns:p14="http://schemas.microsoft.com/office/powerpoint/2010/main" val="3327407705"/>
       </p:ext>
     </p:extLst>
   </p:cSld>
@@ -15563,11 +15659,7 @@
           <a:p>
             <a:r>
               <a:rPr lang="en-US" altLang="zh-TW" dirty="0" smtClean="0"/>
-              <a:t>3</a:t>
-            </a:r>
-            <a:r>
-              <a:rPr lang="en-US" altLang="zh-TW" dirty="0" smtClean="0"/>
-              <a:t>. </a:t>
+              <a:t>3. </a:t>
             </a:r>
             <a:r>
               <a:rPr lang="zh-TW" altLang="en-US" dirty="0" smtClean="0"/>
@@ -15649,11 +15741,7 @@
           <a:p>
             <a:r>
               <a:rPr lang="en-US" altLang="zh-TW" dirty="0" smtClean="0"/>
-              <a:t>2</a:t>
-            </a:r>
-            <a:r>
-              <a:rPr lang="en-US" altLang="zh-TW" dirty="0" smtClean="0"/>
-              <a:t>. </a:t>
+              <a:t>2. </a:t>
             </a:r>
             <a:r>
               <a:rPr lang="zh-TW" altLang="en-US" dirty="0" smtClean="0"/>
@@ -17693,11 +17781,7 @@
           <a:p>
             <a:r>
               <a:rPr lang="zh-TW" altLang="en-US" dirty="0" smtClean="0"/>
-              <a:t>可以使用</a:t>
-            </a:r>
-            <a:r>
-              <a:rPr lang="zh-TW" altLang="en-US" dirty="0" smtClean="0"/>
-              <a:t>道具。</a:t>
+              <a:t>可以使用道具。</a:t>
             </a:r>
             <a:endParaRPr lang="zh-TW" altLang="en-US" dirty="0"/>
           </a:p>
@@ -17990,11 +18074,7 @@
           <a:p>
             <a:r>
               <a:rPr lang="zh-TW" altLang="en-US" dirty="0" smtClean="0"/>
-              <a:t>而</a:t>
-            </a:r>
-            <a:r>
-              <a:rPr lang="zh-TW" altLang="en-US" dirty="0" smtClean="0"/>
-              <a:t>非時間到還有血量。</a:t>
+              <a:t>而非時間到還有血量。</a:t>
             </a:r>
             <a:endParaRPr lang="en-US" altLang="zh-TW" dirty="0" smtClean="0"/>
           </a:p>
@@ -18269,7 +18349,7 @@
   <a:extraClrSchemeLst/>
   <a:extLst>
     <a:ext uri="{05A4C25C-085E-4340-85A3-A5531E510DB2}">
-      <thm15:themeFamily xmlns:thm15="http://schemas.microsoft.com/office/thememl/2012/main" xmlns="" name="Office Theme" id="{62F939B6-93AF-4DB8-9C6B-D6C7DFDC589F}" vid="{4A3C46E8-61CC-4603-A589-7422A47A8E4A}"/>
+      <thm15:themeFamily xmlns:thm15="http://schemas.microsoft.com/office/thememl/2012/main" name="Office Theme" id="{62F939B6-93AF-4DB8-9C6B-D6C7DFDC589F}" vid="{4A3C46E8-61CC-4603-A589-7422A47A8E4A}"/>
     </a:ext>
   </a:extLst>
 </a:theme>

--- a/保衛潛艇戰(守城遊戲).pptx
+++ b/保衛潛艇戰(守城遊戲).pptx
@@ -5,26 +5,27 @@
     <p:sldMasterId id="2147483648" r:id="rId1"/>
     <p:sldMasterId id="2147483660" r:id="rId2"/>
     <p:sldMasterId id="2147483672" r:id="rId3"/>
+    <p:sldMasterId id="2147483684" r:id="rId4"/>
   </p:sldMasterIdLst>
   <p:sldIdLst>
-    <p:sldId id="256" r:id="rId4"/>
-    <p:sldId id="258" r:id="rId5"/>
-    <p:sldId id="266" r:id="rId6"/>
-    <p:sldId id="257" r:id="rId7"/>
-    <p:sldId id="259" r:id="rId8"/>
-    <p:sldId id="260" r:id="rId9"/>
-    <p:sldId id="264" r:id="rId10"/>
-    <p:sldId id="261" r:id="rId11"/>
-    <p:sldId id="263" r:id="rId12"/>
-    <p:sldId id="262" r:id="rId13"/>
-    <p:sldId id="265" r:id="rId14"/>
-    <p:sldId id="267" r:id="rId15"/>
-    <p:sldId id="268" r:id="rId16"/>
-    <p:sldId id="269" r:id="rId17"/>
-    <p:sldId id="270" r:id="rId18"/>
-    <p:sldId id="272" r:id="rId19"/>
-    <p:sldId id="273" r:id="rId20"/>
-    <p:sldId id="271" r:id="rId21"/>
+    <p:sldId id="256" r:id="rId5"/>
+    <p:sldId id="258" r:id="rId6"/>
+    <p:sldId id="266" r:id="rId7"/>
+    <p:sldId id="257" r:id="rId8"/>
+    <p:sldId id="259" r:id="rId9"/>
+    <p:sldId id="260" r:id="rId10"/>
+    <p:sldId id="264" r:id="rId11"/>
+    <p:sldId id="261" r:id="rId12"/>
+    <p:sldId id="263" r:id="rId13"/>
+    <p:sldId id="262" r:id="rId14"/>
+    <p:sldId id="265" r:id="rId15"/>
+    <p:sldId id="267" r:id="rId16"/>
+    <p:sldId id="268" r:id="rId17"/>
+    <p:sldId id="269" r:id="rId18"/>
+    <p:sldId id="270" r:id="rId19"/>
+    <p:sldId id="272" r:id="rId20"/>
+    <p:sldId id="273" r:id="rId21"/>
+    <p:sldId id="271" r:id="rId22"/>
   </p:sldIdLst>
   <p:sldSz cx="12192000" cy="6858000"/>
   <p:notesSz cx="6858000" cy="9144000"/>
@@ -9054,6 +9055,1953 @@
 </p:sldLayout>
 </file>
 
+<file path=ppt/slideLayouts/slideLayout34.xml><?xml version="1.0" encoding="utf-8"?>
+<p:sldLayout xmlns:a="http://schemas.openxmlformats.org/drawingml/2006/main" xmlns:r="http://schemas.openxmlformats.org/officeDocument/2006/relationships" xmlns:p="http://schemas.openxmlformats.org/presentationml/2006/main" showMasterSp="0" type="title" preserve="1">
+  <p:cSld name="標題投影片">
+    <p:spTree>
+      <p:nvGrpSpPr>
+        <p:cNvPr id="1" name=""/>
+        <p:cNvGrpSpPr/>
+        <p:nvPr/>
+      </p:nvGrpSpPr>
+      <p:grpSpPr>
+        <a:xfrm>
+          <a:off x="0" y="0"/>
+          <a:ext cx="0" cy="0"/>
+          <a:chOff x="0" y="0"/>
+          <a:chExt cx="0" cy="0"/>
+        </a:xfrm>
+      </p:grpSpPr>
+      <p:grpSp>
+        <p:nvGrpSpPr>
+          <p:cNvPr id="7" name="Group 6"/>
+          <p:cNvGrpSpPr/>
+          <p:nvPr/>
+        </p:nvGrpSpPr>
+        <p:grpSpPr>
+          <a:xfrm>
+            <a:off x="0" y="-8467"/>
+            <a:ext cx="12192000" cy="6866467"/>
+            <a:chOff x="0" y="-8467"/>
+            <a:chExt cx="12192000" cy="6866467"/>
+          </a:xfrm>
+        </p:grpSpPr>
+        <p:cxnSp>
+          <p:nvCxnSpPr>
+            <p:cNvPr id="32" name="Straight Connector 31"/>
+            <p:cNvCxnSpPr/>
+            <p:nvPr/>
+          </p:nvCxnSpPr>
+          <p:spPr>
+            <a:xfrm>
+              <a:off x="9371012" y="0"/>
+              <a:ext cx="1219200" cy="6858000"/>
+            </a:xfrm>
+            <a:prstGeom prst="line">
+              <a:avLst/>
+            </a:prstGeom>
+            <a:ln w="9525">
+              <a:solidFill>
+                <a:schemeClr val="bg1">
+                  <a:lumMod val="75000"/>
+                </a:schemeClr>
+              </a:solidFill>
+            </a:ln>
+          </p:spPr>
+          <p:style>
+            <a:lnRef idx="2">
+              <a:schemeClr val="accent1"/>
+            </a:lnRef>
+            <a:fillRef idx="0">
+              <a:schemeClr val="accent1"/>
+            </a:fillRef>
+            <a:effectRef idx="1">
+              <a:schemeClr val="accent1"/>
+            </a:effectRef>
+            <a:fontRef idx="minor">
+              <a:schemeClr val="tx1"/>
+            </a:fontRef>
+          </p:style>
+        </p:cxnSp>
+        <p:cxnSp>
+          <p:nvCxnSpPr>
+            <p:cNvPr id="21" name="Straight Connector 20"/>
+            <p:cNvCxnSpPr/>
+            <p:nvPr/>
+          </p:nvCxnSpPr>
+          <p:spPr>
+            <a:xfrm flipH="1">
+              <a:off x="7425267" y="3681413"/>
+              <a:ext cx="4763558" cy="3176587"/>
+            </a:xfrm>
+            <a:prstGeom prst="line">
+              <a:avLst/>
+            </a:prstGeom>
+            <a:ln w="9525">
+              <a:solidFill>
+                <a:schemeClr val="bg1">
+                  <a:lumMod val="85000"/>
+                </a:schemeClr>
+              </a:solidFill>
+            </a:ln>
+          </p:spPr>
+          <p:style>
+            <a:lnRef idx="2">
+              <a:schemeClr val="accent1"/>
+            </a:lnRef>
+            <a:fillRef idx="0">
+              <a:schemeClr val="accent1"/>
+            </a:fillRef>
+            <a:effectRef idx="1">
+              <a:schemeClr val="accent1"/>
+            </a:effectRef>
+            <a:fontRef idx="minor">
+              <a:schemeClr val="tx1"/>
+            </a:fontRef>
+          </p:style>
+        </p:cxnSp>
+        <p:sp>
+          <p:nvSpPr>
+            <p:cNvPr id="24" name="Rectangle 23"/>
+            <p:cNvSpPr/>
+            <p:nvPr/>
+          </p:nvSpPr>
+          <p:spPr>
+            <a:xfrm>
+              <a:off x="9181476" y="-8467"/>
+              <a:ext cx="3007349" cy="6866467"/>
+            </a:xfrm>
+            <a:custGeom>
+              <a:avLst/>
+              <a:gdLst/>
+              <a:ahLst/>
+              <a:cxnLst/>
+              <a:rect l="l" t="t" r="r" b="b"/>
+              <a:pathLst>
+                <a:path w="3007349" h="6866467">
+                  <a:moveTo>
+                    <a:pt x="2045532" y="0"/>
+                  </a:moveTo>
+                  <a:lnTo>
+                    <a:pt x="3007349" y="0"/>
+                  </a:lnTo>
+                  <a:lnTo>
+                    <a:pt x="3007349" y="6866467"/>
+                  </a:lnTo>
+                  <a:lnTo>
+                    <a:pt x="0" y="6866467"/>
+                  </a:lnTo>
+                  <a:lnTo>
+                    <a:pt x="2045532" y="0"/>
+                  </a:lnTo>
+                  <a:close/>
+                </a:path>
+              </a:pathLst>
+            </a:custGeom>
+            <a:solidFill>
+              <a:schemeClr val="accent1">
+                <a:alpha val="30000"/>
+              </a:schemeClr>
+            </a:solidFill>
+            <a:ln>
+              <a:noFill/>
+            </a:ln>
+            <a:effectLst/>
+          </p:spPr>
+          <p:style>
+            <a:lnRef idx="1">
+              <a:schemeClr val="accent1"/>
+            </a:lnRef>
+            <a:fillRef idx="3">
+              <a:schemeClr val="accent1"/>
+            </a:fillRef>
+            <a:effectRef idx="2">
+              <a:schemeClr val="accent1"/>
+            </a:effectRef>
+            <a:fontRef idx="minor">
+              <a:schemeClr val="lt1"/>
+            </a:fontRef>
+          </p:style>
+        </p:sp>
+        <p:sp>
+          <p:nvSpPr>
+            <p:cNvPr id="26" name="Rectangle 25"/>
+            <p:cNvSpPr/>
+            <p:nvPr/>
+          </p:nvSpPr>
+          <p:spPr>
+            <a:xfrm>
+              <a:off x="9603442" y="-8467"/>
+              <a:ext cx="2588558" cy="6866467"/>
+            </a:xfrm>
+            <a:custGeom>
+              <a:avLst/>
+              <a:gdLst/>
+              <a:ahLst/>
+              <a:cxnLst/>
+              <a:rect l="l" t="t" r="r" b="b"/>
+              <a:pathLst>
+                <a:path w="2573311" h="6866467">
+                  <a:moveTo>
+                    <a:pt x="0" y="0"/>
+                  </a:moveTo>
+                  <a:lnTo>
+                    <a:pt x="2573311" y="0"/>
+                  </a:lnTo>
+                  <a:lnTo>
+                    <a:pt x="2573311" y="6866467"/>
+                  </a:lnTo>
+                  <a:lnTo>
+                    <a:pt x="1202336" y="6866467"/>
+                  </a:lnTo>
+                  <a:lnTo>
+                    <a:pt x="0" y="0"/>
+                  </a:lnTo>
+                  <a:close/>
+                </a:path>
+              </a:pathLst>
+            </a:custGeom>
+            <a:solidFill>
+              <a:schemeClr val="accent1">
+                <a:alpha val="20000"/>
+              </a:schemeClr>
+            </a:solidFill>
+            <a:ln>
+              <a:noFill/>
+            </a:ln>
+            <a:effectLst/>
+          </p:spPr>
+          <p:style>
+            <a:lnRef idx="1">
+              <a:schemeClr val="accent1"/>
+            </a:lnRef>
+            <a:fillRef idx="3">
+              <a:schemeClr val="accent1"/>
+            </a:fillRef>
+            <a:effectRef idx="2">
+              <a:schemeClr val="accent1"/>
+            </a:effectRef>
+            <a:fontRef idx="minor">
+              <a:schemeClr val="lt1"/>
+            </a:fontRef>
+          </p:style>
+        </p:sp>
+        <p:sp>
+          <p:nvSpPr>
+            <p:cNvPr id="27" name="Isosceles Triangle 26"/>
+            <p:cNvSpPr/>
+            <p:nvPr/>
+          </p:nvSpPr>
+          <p:spPr>
+            <a:xfrm>
+              <a:off x="8932333" y="3048000"/>
+              <a:ext cx="3259667" cy="3810000"/>
+            </a:xfrm>
+            <a:prstGeom prst="triangle">
+              <a:avLst>
+                <a:gd name="adj" fmla="val 100000"/>
+              </a:avLst>
+            </a:prstGeom>
+            <a:solidFill>
+              <a:schemeClr val="accent2">
+                <a:alpha val="72000"/>
+              </a:schemeClr>
+            </a:solidFill>
+            <a:ln>
+              <a:noFill/>
+            </a:ln>
+            <a:effectLst/>
+          </p:spPr>
+          <p:style>
+            <a:lnRef idx="1">
+              <a:schemeClr val="accent1"/>
+            </a:lnRef>
+            <a:fillRef idx="3">
+              <a:schemeClr val="accent1"/>
+            </a:fillRef>
+            <a:effectRef idx="2">
+              <a:schemeClr val="accent1"/>
+            </a:effectRef>
+            <a:fontRef idx="minor">
+              <a:schemeClr val="lt1"/>
+            </a:fontRef>
+          </p:style>
+        </p:sp>
+        <p:sp>
+          <p:nvSpPr>
+            <p:cNvPr id="28" name="Rectangle 27"/>
+            <p:cNvSpPr/>
+            <p:nvPr/>
+          </p:nvSpPr>
+          <p:spPr>
+            <a:xfrm>
+              <a:off x="9334500" y="-8467"/>
+              <a:ext cx="2854326" cy="6866467"/>
+            </a:xfrm>
+            <a:custGeom>
+              <a:avLst/>
+              <a:gdLst/>
+              <a:ahLst/>
+              <a:cxnLst/>
+              <a:rect l="l" t="t" r="r" b="b"/>
+              <a:pathLst>
+                <a:path w="2858013" h="6866467">
+                  <a:moveTo>
+                    <a:pt x="0" y="0"/>
+                  </a:moveTo>
+                  <a:lnTo>
+                    <a:pt x="2858013" y="0"/>
+                  </a:lnTo>
+                  <a:lnTo>
+                    <a:pt x="2858013" y="6866467"/>
+                  </a:lnTo>
+                  <a:lnTo>
+                    <a:pt x="2473942" y="6866467"/>
+                  </a:lnTo>
+                  <a:lnTo>
+                    <a:pt x="0" y="0"/>
+                  </a:lnTo>
+                  <a:close/>
+                </a:path>
+              </a:pathLst>
+            </a:custGeom>
+            <a:solidFill>
+              <a:schemeClr val="accent2">
+                <a:lumMod val="75000"/>
+                <a:alpha val="70000"/>
+              </a:schemeClr>
+            </a:solidFill>
+            <a:ln>
+              <a:noFill/>
+            </a:ln>
+            <a:effectLst/>
+          </p:spPr>
+          <p:style>
+            <a:lnRef idx="1">
+              <a:schemeClr val="accent1"/>
+            </a:lnRef>
+            <a:fillRef idx="3">
+              <a:schemeClr val="accent1"/>
+            </a:fillRef>
+            <a:effectRef idx="2">
+              <a:schemeClr val="accent1"/>
+            </a:effectRef>
+            <a:fontRef idx="minor">
+              <a:schemeClr val="lt1"/>
+            </a:fontRef>
+          </p:style>
+        </p:sp>
+        <p:sp>
+          <p:nvSpPr>
+            <p:cNvPr id="29" name="Rectangle 28"/>
+            <p:cNvSpPr/>
+            <p:nvPr/>
+          </p:nvSpPr>
+          <p:spPr>
+            <a:xfrm>
+              <a:off x="10898730" y="-8467"/>
+              <a:ext cx="1290094" cy="6866467"/>
+            </a:xfrm>
+            <a:custGeom>
+              <a:avLst/>
+              <a:gdLst/>
+              <a:ahLst/>
+              <a:cxnLst/>
+              <a:rect l="l" t="t" r="r" b="b"/>
+              <a:pathLst>
+                <a:path w="1290094" h="6858000">
+                  <a:moveTo>
+                    <a:pt x="1019735" y="0"/>
+                  </a:moveTo>
+                  <a:lnTo>
+                    <a:pt x="1290094" y="0"/>
+                  </a:lnTo>
+                  <a:lnTo>
+                    <a:pt x="1290094" y="6858000"/>
+                  </a:lnTo>
+                  <a:lnTo>
+                    <a:pt x="0" y="6858000"/>
+                  </a:lnTo>
+                  <a:lnTo>
+                    <a:pt x="1019735" y="0"/>
+                  </a:lnTo>
+                  <a:close/>
+                </a:path>
+              </a:pathLst>
+            </a:custGeom>
+            <a:solidFill>
+              <a:schemeClr val="accent1">
+                <a:lumMod val="60000"/>
+                <a:lumOff val="40000"/>
+                <a:alpha val="70000"/>
+              </a:schemeClr>
+            </a:solidFill>
+            <a:ln>
+              <a:noFill/>
+            </a:ln>
+            <a:effectLst/>
+          </p:spPr>
+          <p:style>
+            <a:lnRef idx="1">
+              <a:schemeClr val="accent1"/>
+            </a:lnRef>
+            <a:fillRef idx="3">
+              <a:schemeClr val="accent1"/>
+            </a:fillRef>
+            <a:effectRef idx="2">
+              <a:schemeClr val="accent1"/>
+            </a:effectRef>
+            <a:fontRef idx="minor">
+              <a:schemeClr val="lt1"/>
+            </a:fontRef>
+          </p:style>
+        </p:sp>
+        <p:sp>
+          <p:nvSpPr>
+            <p:cNvPr id="30" name="Rectangle 29"/>
+            <p:cNvSpPr/>
+            <p:nvPr/>
+          </p:nvSpPr>
+          <p:spPr>
+            <a:xfrm>
+              <a:off x="10938999" y="-8467"/>
+              <a:ext cx="1249825" cy="6866467"/>
+            </a:xfrm>
+            <a:custGeom>
+              <a:avLst/>
+              <a:gdLst/>
+              <a:ahLst/>
+              <a:cxnLst/>
+              <a:rect l="l" t="t" r="r" b="b"/>
+              <a:pathLst>
+                <a:path w="1249825" h="6858000">
+                  <a:moveTo>
+                    <a:pt x="0" y="0"/>
+                  </a:moveTo>
+                  <a:lnTo>
+                    <a:pt x="1249825" y="0"/>
+                  </a:lnTo>
+                  <a:lnTo>
+                    <a:pt x="1249825" y="6858000"/>
+                  </a:lnTo>
+                  <a:lnTo>
+                    <a:pt x="1109382" y="6858000"/>
+                  </a:lnTo>
+                  <a:lnTo>
+                    <a:pt x="0" y="0"/>
+                  </a:lnTo>
+                  <a:close/>
+                </a:path>
+              </a:pathLst>
+            </a:custGeom>
+            <a:solidFill>
+              <a:schemeClr val="accent1">
+                <a:alpha val="65000"/>
+              </a:schemeClr>
+            </a:solidFill>
+            <a:ln>
+              <a:noFill/>
+            </a:ln>
+            <a:effectLst/>
+          </p:spPr>
+          <p:style>
+            <a:lnRef idx="1">
+              <a:schemeClr val="accent1"/>
+            </a:lnRef>
+            <a:fillRef idx="3">
+              <a:schemeClr val="accent1"/>
+            </a:fillRef>
+            <a:effectRef idx="2">
+              <a:schemeClr val="accent1"/>
+            </a:effectRef>
+            <a:fontRef idx="minor">
+              <a:schemeClr val="lt1"/>
+            </a:fontRef>
+          </p:style>
+        </p:sp>
+        <p:sp>
+          <p:nvSpPr>
+            <p:cNvPr id="31" name="Isosceles Triangle 30"/>
+            <p:cNvSpPr/>
+            <p:nvPr/>
+          </p:nvSpPr>
+          <p:spPr>
+            <a:xfrm>
+              <a:off x="10371666" y="3589867"/>
+              <a:ext cx="1817159" cy="3268133"/>
+            </a:xfrm>
+            <a:prstGeom prst="triangle">
+              <a:avLst>
+                <a:gd name="adj" fmla="val 100000"/>
+              </a:avLst>
+            </a:prstGeom>
+            <a:solidFill>
+              <a:schemeClr val="accent1">
+                <a:alpha val="80000"/>
+              </a:schemeClr>
+            </a:solidFill>
+            <a:ln>
+              <a:noFill/>
+            </a:ln>
+            <a:effectLst/>
+          </p:spPr>
+          <p:style>
+            <a:lnRef idx="1">
+              <a:schemeClr val="accent1"/>
+            </a:lnRef>
+            <a:fillRef idx="3">
+              <a:schemeClr val="accent1"/>
+            </a:fillRef>
+            <a:effectRef idx="2">
+              <a:schemeClr val="accent1"/>
+            </a:effectRef>
+            <a:fontRef idx="minor">
+              <a:schemeClr val="lt1"/>
+            </a:fontRef>
+          </p:style>
+        </p:sp>
+        <p:sp>
+          <p:nvSpPr>
+            <p:cNvPr id="19" name="Isosceles Triangle 18"/>
+            <p:cNvSpPr/>
+            <p:nvPr/>
+          </p:nvSpPr>
+          <p:spPr>
+            <a:xfrm rot="10800000">
+              <a:off x="0" y="0"/>
+              <a:ext cx="842596" cy="5666154"/>
+            </a:xfrm>
+            <a:prstGeom prst="triangle">
+              <a:avLst>
+                <a:gd name="adj" fmla="val 100000"/>
+              </a:avLst>
+            </a:prstGeom>
+            <a:solidFill>
+              <a:schemeClr val="accent1">
+                <a:alpha val="85000"/>
+              </a:schemeClr>
+            </a:solidFill>
+            <a:ln>
+              <a:noFill/>
+            </a:ln>
+            <a:effectLst/>
+          </p:spPr>
+          <p:style>
+            <a:lnRef idx="1">
+              <a:schemeClr val="accent1"/>
+            </a:lnRef>
+            <a:fillRef idx="3">
+              <a:schemeClr val="accent1"/>
+            </a:fillRef>
+            <a:effectRef idx="2">
+              <a:schemeClr val="accent1"/>
+            </a:effectRef>
+            <a:fontRef idx="minor">
+              <a:schemeClr val="lt1"/>
+            </a:fontRef>
+          </p:style>
+        </p:sp>
+      </p:grpSp>
+      <p:sp>
+        <p:nvSpPr>
+          <p:cNvPr id="2" name="Title 1"/>
+          <p:cNvSpPr>
+            <a:spLocks noGrp="1"/>
+          </p:cNvSpPr>
+          <p:nvPr>
+            <p:ph type="ctrTitle"/>
+          </p:nvPr>
+        </p:nvSpPr>
+        <p:spPr>
+          <a:xfrm>
+            <a:off x="1507067" y="2404534"/>
+            <a:ext cx="7766936" cy="1646302"/>
+          </a:xfrm>
+        </p:spPr>
+        <p:txBody>
+          <a:bodyPr anchor="b">
+            <a:noAutofit/>
+          </a:bodyPr>
+          <a:lstStyle>
+            <a:lvl1pPr algn="r">
+              <a:defRPr sz="5400">
+                <a:solidFill>
+                  <a:schemeClr val="accent1"/>
+                </a:solidFill>
+              </a:defRPr>
+            </a:lvl1pPr>
+          </a:lstStyle>
+          <a:p>
+            <a:r>
+              <a:rPr lang="zh-TW" altLang="en-US" smtClean="0"/>
+              <a:t>按一下以編輯母片標題樣式</a:t>
+            </a:r>
+            <a:endParaRPr lang="en-US" dirty="0"/>
+          </a:p>
+        </p:txBody>
+      </p:sp>
+      <p:sp>
+        <p:nvSpPr>
+          <p:cNvPr id="3" name="Subtitle 2"/>
+          <p:cNvSpPr>
+            <a:spLocks noGrp="1"/>
+          </p:cNvSpPr>
+          <p:nvPr>
+            <p:ph type="subTitle" idx="1"/>
+          </p:nvPr>
+        </p:nvSpPr>
+        <p:spPr>
+          <a:xfrm>
+            <a:off x="1507067" y="4050833"/>
+            <a:ext cx="7766936" cy="1096899"/>
+          </a:xfrm>
+        </p:spPr>
+        <p:txBody>
+          <a:bodyPr anchor="t"/>
+          <a:lstStyle>
+            <a:lvl1pPr marL="0" indent="0" algn="r">
+              <a:buNone/>
+              <a:defRPr>
+                <a:solidFill>
+                  <a:schemeClr val="tx1">
+                    <a:lumMod val="50000"/>
+                    <a:lumOff val="50000"/>
+                  </a:schemeClr>
+                </a:solidFill>
+              </a:defRPr>
+            </a:lvl1pPr>
+            <a:lvl2pPr marL="457200" indent="0" algn="ctr">
+              <a:buNone/>
+              <a:defRPr>
+                <a:solidFill>
+                  <a:schemeClr val="tx1">
+                    <a:tint val="75000"/>
+                  </a:schemeClr>
+                </a:solidFill>
+              </a:defRPr>
+            </a:lvl2pPr>
+            <a:lvl3pPr marL="914400" indent="0" algn="ctr">
+              <a:buNone/>
+              <a:defRPr>
+                <a:solidFill>
+                  <a:schemeClr val="tx1">
+                    <a:tint val="75000"/>
+                  </a:schemeClr>
+                </a:solidFill>
+              </a:defRPr>
+            </a:lvl3pPr>
+            <a:lvl4pPr marL="1371600" indent="0" algn="ctr">
+              <a:buNone/>
+              <a:defRPr>
+                <a:solidFill>
+                  <a:schemeClr val="tx1">
+                    <a:tint val="75000"/>
+                  </a:schemeClr>
+                </a:solidFill>
+              </a:defRPr>
+            </a:lvl4pPr>
+            <a:lvl5pPr marL="1828800" indent="0" algn="ctr">
+              <a:buNone/>
+              <a:defRPr>
+                <a:solidFill>
+                  <a:schemeClr val="tx1">
+                    <a:tint val="75000"/>
+                  </a:schemeClr>
+                </a:solidFill>
+              </a:defRPr>
+            </a:lvl5pPr>
+            <a:lvl6pPr marL="2286000" indent="0" algn="ctr">
+              <a:buNone/>
+              <a:defRPr>
+                <a:solidFill>
+                  <a:schemeClr val="tx1">
+                    <a:tint val="75000"/>
+                  </a:schemeClr>
+                </a:solidFill>
+              </a:defRPr>
+            </a:lvl6pPr>
+            <a:lvl7pPr marL="2743200" indent="0" algn="ctr">
+              <a:buNone/>
+              <a:defRPr>
+                <a:solidFill>
+                  <a:schemeClr val="tx1">
+                    <a:tint val="75000"/>
+                  </a:schemeClr>
+                </a:solidFill>
+              </a:defRPr>
+            </a:lvl7pPr>
+            <a:lvl8pPr marL="3200400" indent="0" algn="ctr">
+              <a:buNone/>
+              <a:defRPr>
+                <a:solidFill>
+                  <a:schemeClr val="tx1">
+                    <a:tint val="75000"/>
+                  </a:schemeClr>
+                </a:solidFill>
+              </a:defRPr>
+            </a:lvl8pPr>
+            <a:lvl9pPr marL="3657600" indent="0" algn="ctr">
+              <a:buNone/>
+              <a:defRPr>
+                <a:solidFill>
+                  <a:schemeClr val="tx1">
+                    <a:tint val="75000"/>
+                  </a:schemeClr>
+                </a:solidFill>
+              </a:defRPr>
+            </a:lvl9pPr>
+          </a:lstStyle>
+          <a:p>
+            <a:r>
+              <a:rPr lang="zh-TW" altLang="en-US" smtClean="0"/>
+              <a:t>按一下以編輯母片副標題樣式</a:t>
+            </a:r>
+            <a:endParaRPr lang="en-US" dirty="0"/>
+          </a:p>
+        </p:txBody>
+      </p:sp>
+      <p:sp>
+        <p:nvSpPr>
+          <p:cNvPr id="4" name="Date Placeholder 3"/>
+          <p:cNvSpPr>
+            <a:spLocks noGrp="1"/>
+          </p:cNvSpPr>
+          <p:nvPr>
+            <p:ph type="dt" sz="half" idx="10"/>
+          </p:nvPr>
+        </p:nvSpPr>
+        <p:spPr/>
+        <p:txBody>
+          <a:bodyPr/>
+          <a:lstStyle/>
+          <a:p>
+            <a:fld id="{68371185-F1A7-4927-B9D6-E6583EC84139}" type="datetimeFigureOut">
+              <a:rPr lang="zh-TW" altLang="en-US" smtClean="0"/>
+              <a:pPr/>
+              <a:t>2019/12/4</a:t>
+            </a:fld>
+            <a:endParaRPr lang="zh-TW" altLang="en-US"/>
+          </a:p>
+        </p:txBody>
+      </p:sp>
+      <p:sp>
+        <p:nvSpPr>
+          <p:cNvPr id="5" name="Footer Placeholder 4"/>
+          <p:cNvSpPr>
+            <a:spLocks noGrp="1"/>
+          </p:cNvSpPr>
+          <p:nvPr>
+            <p:ph type="ftr" sz="quarter" idx="11"/>
+          </p:nvPr>
+        </p:nvSpPr>
+        <p:spPr/>
+        <p:txBody>
+          <a:bodyPr/>
+          <a:lstStyle/>
+          <a:p>
+            <a:endParaRPr lang="zh-TW" altLang="en-US"/>
+          </a:p>
+        </p:txBody>
+      </p:sp>
+      <p:sp>
+        <p:nvSpPr>
+          <p:cNvPr id="6" name="Slide Number Placeholder 5"/>
+          <p:cNvSpPr>
+            <a:spLocks noGrp="1"/>
+          </p:cNvSpPr>
+          <p:nvPr>
+            <p:ph type="sldNum" sz="quarter" idx="12"/>
+          </p:nvPr>
+        </p:nvSpPr>
+        <p:spPr/>
+        <p:txBody>
+          <a:bodyPr/>
+          <a:lstStyle/>
+          <a:p>
+            <a:fld id="{D8D0C523-9ECB-4AE2-A7A0-A8044144E2A1}" type="slidenum">
+              <a:rPr lang="zh-TW" altLang="en-US" smtClean="0"/>
+              <a:pPr/>
+              <a:t>‹#›</a:t>
+            </a:fld>
+            <a:endParaRPr lang="zh-TW" altLang="en-US"/>
+          </a:p>
+        </p:txBody>
+      </p:sp>
+    </p:spTree>
+    <p:extLst>
+      <p:ext uri="{BB962C8B-B14F-4D97-AF65-F5344CB8AC3E}">
+        <p14:creationId xmlns:p14="http://schemas.microsoft.com/office/powerpoint/2010/main" val="438416949"/>
+      </p:ext>
+    </p:extLst>
+  </p:cSld>
+  <p:clrMapOvr>
+    <a:masterClrMapping/>
+  </p:clrMapOvr>
+</p:sldLayout>
+</file>
+
+<file path=ppt/slideLayouts/slideLayout35.xml><?xml version="1.0" encoding="utf-8"?>
+<p:sldLayout xmlns:a="http://schemas.openxmlformats.org/drawingml/2006/main" xmlns:r="http://schemas.openxmlformats.org/officeDocument/2006/relationships" xmlns:p="http://schemas.openxmlformats.org/presentationml/2006/main" type="obj" preserve="1">
+  <p:cSld name="標題及物件">
+    <p:spTree>
+      <p:nvGrpSpPr>
+        <p:cNvPr id="1" name=""/>
+        <p:cNvGrpSpPr/>
+        <p:nvPr/>
+      </p:nvGrpSpPr>
+      <p:grpSpPr>
+        <a:xfrm>
+          <a:off x="0" y="0"/>
+          <a:ext cx="0" cy="0"/>
+          <a:chOff x="0" y="0"/>
+          <a:chExt cx="0" cy="0"/>
+        </a:xfrm>
+      </p:grpSpPr>
+      <p:sp>
+        <p:nvSpPr>
+          <p:cNvPr id="2" name="Title 1"/>
+          <p:cNvSpPr>
+            <a:spLocks noGrp="1"/>
+          </p:cNvSpPr>
+          <p:nvPr>
+            <p:ph type="title"/>
+          </p:nvPr>
+        </p:nvSpPr>
+        <p:spPr/>
+        <p:txBody>
+          <a:bodyPr>
+            <a:normAutofit/>
+          </a:bodyPr>
+          <a:lstStyle>
+            <a:lvl1pPr>
+              <a:defRPr sz="3600"/>
+            </a:lvl1pPr>
+          </a:lstStyle>
+          <a:p>
+            <a:r>
+              <a:rPr lang="zh-TW" altLang="en-US" smtClean="0"/>
+              <a:t>按一下以編輯母片標題樣式</a:t>
+            </a:r>
+            <a:endParaRPr lang="en-US" dirty="0"/>
+          </a:p>
+        </p:txBody>
+      </p:sp>
+      <p:sp>
+        <p:nvSpPr>
+          <p:cNvPr id="3" name="Content Placeholder 2"/>
+          <p:cNvSpPr>
+            <a:spLocks noGrp="1"/>
+          </p:cNvSpPr>
+          <p:nvPr>
+            <p:ph idx="1"/>
+          </p:nvPr>
+        </p:nvSpPr>
+        <p:spPr/>
+        <p:txBody>
+          <a:bodyPr/>
+          <a:lstStyle/>
+          <a:p>
+            <a:pPr lvl="0"/>
+            <a:r>
+              <a:rPr lang="zh-TW" altLang="en-US" smtClean="0"/>
+              <a:t>編輯母片文字樣式</a:t>
+            </a:r>
+          </a:p>
+          <a:p>
+            <a:pPr lvl="1"/>
+            <a:r>
+              <a:rPr lang="zh-TW" altLang="en-US" smtClean="0"/>
+              <a:t>第二層</a:t>
+            </a:r>
+          </a:p>
+          <a:p>
+            <a:pPr lvl="2"/>
+            <a:r>
+              <a:rPr lang="zh-TW" altLang="en-US" smtClean="0"/>
+              <a:t>第三層</a:t>
+            </a:r>
+          </a:p>
+          <a:p>
+            <a:pPr lvl="3"/>
+            <a:r>
+              <a:rPr lang="zh-TW" altLang="en-US" smtClean="0"/>
+              <a:t>第四層</a:t>
+            </a:r>
+          </a:p>
+          <a:p>
+            <a:pPr lvl="4"/>
+            <a:r>
+              <a:rPr lang="zh-TW" altLang="en-US" smtClean="0"/>
+              <a:t>第五層</a:t>
+            </a:r>
+            <a:endParaRPr lang="en-US" dirty="0"/>
+          </a:p>
+        </p:txBody>
+      </p:sp>
+      <p:sp>
+        <p:nvSpPr>
+          <p:cNvPr id="4" name="Date Placeholder 3"/>
+          <p:cNvSpPr>
+            <a:spLocks noGrp="1"/>
+          </p:cNvSpPr>
+          <p:nvPr>
+            <p:ph type="dt" sz="half" idx="10"/>
+          </p:nvPr>
+        </p:nvSpPr>
+        <p:spPr/>
+        <p:txBody>
+          <a:bodyPr/>
+          <a:lstStyle/>
+          <a:p>
+            <a:fld id="{68371185-F1A7-4927-B9D6-E6583EC84139}" type="datetimeFigureOut">
+              <a:rPr lang="zh-TW" altLang="en-US" smtClean="0"/>
+              <a:pPr/>
+              <a:t>2019/12/4</a:t>
+            </a:fld>
+            <a:endParaRPr lang="zh-TW" altLang="en-US"/>
+          </a:p>
+        </p:txBody>
+      </p:sp>
+      <p:sp>
+        <p:nvSpPr>
+          <p:cNvPr id="5" name="Footer Placeholder 4"/>
+          <p:cNvSpPr>
+            <a:spLocks noGrp="1"/>
+          </p:cNvSpPr>
+          <p:nvPr>
+            <p:ph type="ftr" sz="quarter" idx="11"/>
+          </p:nvPr>
+        </p:nvSpPr>
+        <p:spPr/>
+        <p:txBody>
+          <a:bodyPr/>
+          <a:lstStyle/>
+          <a:p>
+            <a:endParaRPr lang="zh-TW" altLang="en-US"/>
+          </a:p>
+        </p:txBody>
+      </p:sp>
+      <p:sp>
+        <p:nvSpPr>
+          <p:cNvPr id="6" name="Slide Number Placeholder 5"/>
+          <p:cNvSpPr>
+            <a:spLocks noGrp="1"/>
+          </p:cNvSpPr>
+          <p:nvPr>
+            <p:ph type="sldNum" sz="quarter" idx="12"/>
+          </p:nvPr>
+        </p:nvSpPr>
+        <p:spPr/>
+        <p:txBody>
+          <a:bodyPr/>
+          <a:lstStyle/>
+          <a:p>
+            <a:fld id="{D8D0C523-9ECB-4AE2-A7A0-A8044144E2A1}" type="slidenum">
+              <a:rPr lang="zh-TW" altLang="en-US" smtClean="0"/>
+              <a:pPr/>
+              <a:t>‹#›</a:t>
+            </a:fld>
+            <a:endParaRPr lang="zh-TW" altLang="en-US"/>
+          </a:p>
+        </p:txBody>
+      </p:sp>
+    </p:spTree>
+    <p:extLst>
+      <p:ext uri="{BB962C8B-B14F-4D97-AF65-F5344CB8AC3E}">
+        <p14:creationId xmlns:p14="http://schemas.microsoft.com/office/powerpoint/2010/main" val="2748490259"/>
+      </p:ext>
+    </p:extLst>
+  </p:cSld>
+  <p:clrMapOvr>
+    <a:masterClrMapping/>
+  </p:clrMapOvr>
+</p:sldLayout>
+</file>
+
+<file path=ppt/slideLayouts/slideLayout36.xml><?xml version="1.0" encoding="utf-8"?>
+<p:sldLayout xmlns:a="http://schemas.openxmlformats.org/drawingml/2006/main" xmlns:r="http://schemas.openxmlformats.org/officeDocument/2006/relationships" xmlns:p="http://schemas.openxmlformats.org/presentationml/2006/main" type="secHead" preserve="1">
+  <p:cSld name="章節標題">
+    <p:spTree>
+      <p:nvGrpSpPr>
+        <p:cNvPr id="1" name=""/>
+        <p:cNvGrpSpPr/>
+        <p:nvPr/>
+      </p:nvGrpSpPr>
+      <p:grpSpPr>
+        <a:xfrm>
+          <a:off x="0" y="0"/>
+          <a:ext cx="0" cy="0"/>
+          <a:chOff x="0" y="0"/>
+          <a:chExt cx="0" cy="0"/>
+        </a:xfrm>
+      </p:grpSpPr>
+      <p:sp>
+        <p:nvSpPr>
+          <p:cNvPr id="2" name="Title 1"/>
+          <p:cNvSpPr>
+            <a:spLocks noGrp="1"/>
+          </p:cNvSpPr>
+          <p:nvPr>
+            <p:ph type="title"/>
+          </p:nvPr>
+        </p:nvSpPr>
+        <p:spPr>
+          <a:xfrm>
+            <a:off x="677335" y="2700867"/>
+            <a:ext cx="8596668" cy="1826581"/>
+          </a:xfrm>
+        </p:spPr>
+        <p:txBody>
+          <a:bodyPr anchor="b"/>
+          <a:lstStyle>
+            <a:lvl1pPr algn="l">
+              <a:defRPr sz="4000" b="0" cap="none"/>
+            </a:lvl1pPr>
+          </a:lstStyle>
+          <a:p>
+            <a:r>
+              <a:rPr lang="zh-TW" altLang="en-US" smtClean="0"/>
+              <a:t>按一下以編輯母片標題樣式</a:t>
+            </a:r>
+            <a:endParaRPr lang="en-US" dirty="0"/>
+          </a:p>
+        </p:txBody>
+      </p:sp>
+      <p:sp>
+        <p:nvSpPr>
+          <p:cNvPr id="3" name="Text Placeholder 2"/>
+          <p:cNvSpPr>
+            <a:spLocks noGrp="1"/>
+          </p:cNvSpPr>
+          <p:nvPr>
+            <p:ph type="body" idx="1"/>
+          </p:nvPr>
+        </p:nvSpPr>
+        <p:spPr>
+          <a:xfrm>
+            <a:off x="677335" y="4527448"/>
+            <a:ext cx="8596668" cy="860400"/>
+          </a:xfrm>
+        </p:spPr>
+        <p:txBody>
+          <a:bodyPr anchor="t"/>
+          <a:lstStyle>
+            <a:lvl1pPr marL="0" indent="0" algn="l">
+              <a:buNone/>
+              <a:defRPr sz="2000">
+                <a:solidFill>
+                  <a:schemeClr val="tx1">
+                    <a:lumMod val="50000"/>
+                    <a:lumOff val="50000"/>
+                  </a:schemeClr>
+                </a:solidFill>
+              </a:defRPr>
+            </a:lvl1pPr>
+            <a:lvl2pPr marL="457200" indent="0">
+              <a:buNone/>
+              <a:defRPr sz="1800">
+                <a:solidFill>
+                  <a:schemeClr val="tx1">
+                    <a:tint val="75000"/>
+                  </a:schemeClr>
+                </a:solidFill>
+              </a:defRPr>
+            </a:lvl2pPr>
+            <a:lvl3pPr marL="914400" indent="0">
+              <a:buNone/>
+              <a:defRPr sz="1600">
+                <a:solidFill>
+                  <a:schemeClr val="tx1">
+                    <a:tint val="75000"/>
+                  </a:schemeClr>
+                </a:solidFill>
+              </a:defRPr>
+            </a:lvl3pPr>
+            <a:lvl4pPr marL="1371600" indent="0">
+              <a:buNone/>
+              <a:defRPr sz="1400">
+                <a:solidFill>
+                  <a:schemeClr val="tx1">
+                    <a:tint val="75000"/>
+                  </a:schemeClr>
+                </a:solidFill>
+              </a:defRPr>
+            </a:lvl4pPr>
+            <a:lvl5pPr marL="1828800" indent="0">
+              <a:buNone/>
+              <a:defRPr sz="1400">
+                <a:solidFill>
+                  <a:schemeClr val="tx1">
+                    <a:tint val="75000"/>
+                  </a:schemeClr>
+                </a:solidFill>
+              </a:defRPr>
+            </a:lvl5pPr>
+            <a:lvl6pPr marL="2286000" indent="0">
+              <a:buNone/>
+              <a:defRPr sz="1400">
+                <a:solidFill>
+                  <a:schemeClr val="tx1">
+                    <a:tint val="75000"/>
+                  </a:schemeClr>
+                </a:solidFill>
+              </a:defRPr>
+            </a:lvl6pPr>
+            <a:lvl7pPr marL="2743200" indent="0">
+              <a:buNone/>
+              <a:defRPr sz="1400">
+                <a:solidFill>
+                  <a:schemeClr val="tx1">
+                    <a:tint val="75000"/>
+                  </a:schemeClr>
+                </a:solidFill>
+              </a:defRPr>
+            </a:lvl7pPr>
+            <a:lvl8pPr marL="3200400" indent="0">
+              <a:buNone/>
+              <a:defRPr sz="1400">
+                <a:solidFill>
+                  <a:schemeClr val="tx1">
+                    <a:tint val="75000"/>
+                  </a:schemeClr>
+                </a:solidFill>
+              </a:defRPr>
+            </a:lvl8pPr>
+            <a:lvl9pPr marL="3657600" indent="0">
+              <a:buNone/>
+              <a:defRPr sz="1400">
+                <a:solidFill>
+                  <a:schemeClr val="tx1">
+                    <a:tint val="75000"/>
+                  </a:schemeClr>
+                </a:solidFill>
+              </a:defRPr>
+            </a:lvl9pPr>
+          </a:lstStyle>
+          <a:p>
+            <a:pPr lvl="0"/>
+            <a:r>
+              <a:rPr lang="zh-TW" altLang="en-US" smtClean="0"/>
+              <a:t>編輯母片文字樣式</a:t>
+            </a:r>
+          </a:p>
+        </p:txBody>
+      </p:sp>
+      <p:sp>
+        <p:nvSpPr>
+          <p:cNvPr id="4" name="Date Placeholder 3"/>
+          <p:cNvSpPr>
+            <a:spLocks noGrp="1"/>
+          </p:cNvSpPr>
+          <p:nvPr>
+            <p:ph type="dt" sz="half" idx="10"/>
+          </p:nvPr>
+        </p:nvSpPr>
+        <p:spPr/>
+        <p:txBody>
+          <a:bodyPr/>
+          <a:lstStyle/>
+          <a:p>
+            <a:fld id="{68371185-F1A7-4927-B9D6-E6583EC84139}" type="datetimeFigureOut">
+              <a:rPr lang="zh-TW" altLang="en-US" smtClean="0"/>
+              <a:pPr/>
+              <a:t>2019/12/4</a:t>
+            </a:fld>
+            <a:endParaRPr lang="zh-TW" altLang="en-US"/>
+          </a:p>
+        </p:txBody>
+      </p:sp>
+      <p:sp>
+        <p:nvSpPr>
+          <p:cNvPr id="5" name="Footer Placeholder 4"/>
+          <p:cNvSpPr>
+            <a:spLocks noGrp="1"/>
+          </p:cNvSpPr>
+          <p:nvPr>
+            <p:ph type="ftr" sz="quarter" idx="11"/>
+          </p:nvPr>
+        </p:nvSpPr>
+        <p:spPr/>
+        <p:txBody>
+          <a:bodyPr/>
+          <a:lstStyle/>
+          <a:p>
+            <a:endParaRPr lang="zh-TW" altLang="en-US"/>
+          </a:p>
+        </p:txBody>
+      </p:sp>
+      <p:sp>
+        <p:nvSpPr>
+          <p:cNvPr id="6" name="Slide Number Placeholder 5"/>
+          <p:cNvSpPr>
+            <a:spLocks noGrp="1"/>
+          </p:cNvSpPr>
+          <p:nvPr>
+            <p:ph type="sldNum" sz="quarter" idx="12"/>
+          </p:nvPr>
+        </p:nvSpPr>
+        <p:spPr/>
+        <p:txBody>
+          <a:bodyPr/>
+          <a:lstStyle/>
+          <a:p>
+            <a:fld id="{D8D0C523-9ECB-4AE2-A7A0-A8044144E2A1}" type="slidenum">
+              <a:rPr lang="zh-TW" altLang="en-US" smtClean="0"/>
+              <a:pPr/>
+              <a:t>‹#›</a:t>
+            </a:fld>
+            <a:endParaRPr lang="zh-TW" altLang="en-US"/>
+          </a:p>
+        </p:txBody>
+      </p:sp>
+    </p:spTree>
+    <p:extLst>
+      <p:ext uri="{BB962C8B-B14F-4D97-AF65-F5344CB8AC3E}">
+        <p14:creationId xmlns:p14="http://schemas.microsoft.com/office/powerpoint/2010/main" val="591487899"/>
+      </p:ext>
+    </p:extLst>
+  </p:cSld>
+  <p:clrMapOvr>
+    <a:masterClrMapping/>
+  </p:clrMapOvr>
+</p:sldLayout>
+</file>
+
+<file path=ppt/slideLayouts/slideLayout37.xml><?xml version="1.0" encoding="utf-8"?>
+<p:sldLayout xmlns:a="http://schemas.openxmlformats.org/drawingml/2006/main" xmlns:r="http://schemas.openxmlformats.org/officeDocument/2006/relationships" xmlns:p="http://schemas.openxmlformats.org/presentationml/2006/main" type="twoObj" preserve="1">
+  <p:cSld name="兩項物件">
+    <p:spTree>
+      <p:nvGrpSpPr>
+        <p:cNvPr id="1" name=""/>
+        <p:cNvGrpSpPr/>
+        <p:nvPr/>
+      </p:nvGrpSpPr>
+      <p:grpSpPr>
+        <a:xfrm>
+          <a:off x="0" y="0"/>
+          <a:ext cx="0" cy="0"/>
+          <a:chOff x="0" y="0"/>
+          <a:chExt cx="0" cy="0"/>
+        </a:xfrm>
+      </p:grpSpPr>
+      <p:sp>
+        <p:nvSpPr>
+          <p:cNvPr id="2" name="Title 1"/>
+          <p:cNvSpPr>
+            <a:spLocks noGrp="1"/>
+          </p:cNvSpPr>
+          <p:nvPr>
+            <p:ph type="title"/>
+          </p:nvPr>
+        </p:nvSpPr>
+        <p:spPr/>
+        <p:txBody>
+          <a:bodyPr/>
+          <a:lstStyle/>
+          <a:p>
+            <a:r>
+              <a:rPr lang="zh-TW" altLang="en-US" smtClean="0"/>
+              <a:t>按一下以編輯母片標題樣式</a:t>
+            </a:r>
+            <a:endParaRPr lang="en-US" dirty="0"/>
+          </a:p>
+        </p:txBody>
+      </p:sp>
+      <p:sp>
+        <p:nvSpPr>
+          <p:cNvPr id="3" name="Content Placeholder 2"/>
+          <p:cNvSpPr>
+            <a:spLocks noGrp="1"/>
+          </p:cNvSpPr>
+          <p:nvPr>
+            <p:ph sz="half" idx="1"/>
+          </p:nvPr>
+        </p:nvSpPr>
+        <p:spPr>
+          <a:xfrm>
+            <a:off x="677334" y="2160589"/>
+            <a:ext cx="4184035" cy="3880772"/>
+          </a:xfrm>
+        </p:spPr>
+        <p:txBody>
+          <a:bodyPr/>
+          <a:lstStyle/>
+          <a:p>
+            <a:pPr lvl="0"/>
+            <a:r>
+              <a:rPr lang="zh-TW" altLang="en-US" smtClean="0"/>
+              <a:t>編輯母片文字樣式</a:t>
+            </a:r>
+          </a:p>
+          <a:p>
+            <a:pPr lvl="1"/>
+            <a:r>
+              <a:rPr lang="zh-TW" altLang="en-US" smtClean="0"/>
+              <a:t>第二層</a:t>
+            </a:r>
+          </a:p>
+          <a:p>
+            <a:pPr lvl="2"/>
+            <a:r>
+              <a:rPr lang="zh-TW" altLang="en-US" smtClean="0"/>
+              <a:t>第三層</a:t>
+            </a:r>
+          </a:p>
+          <a:p>
+            <a:pPr lvl="3"/>
+            <a:r>
+              <a:rPr lang="zh-TW" altLang="en-US" smtClean="0"/>
+              <a:t>第四層</a:t>
+            </a:r>
+          </a:p>
+          <a:p>
+            <a:pPr lvl="4"/>
+            <a:r>
+              <a:rPr lang="zh-TW" altLang="en-US" smtClean="0"/>
+              <a:t>第五層</a:t>
+            </a:r>
+            <a:endParaRPr lang="en-US" dirty="0"/>
+          </a:p>
+        </p:txBody>
+      </p:sp>
+      <p:sp>
+        <p:nvSpPr>
+          <p:cNvPr id="4" name="Content Placeholder 3"/>
+          <p:cNvSpPr>
+            <a:spLocks noGrp="1"/>
+          </p:cNvSpPr>
+          <p:nvPr>
+            <p:ph sz="half" idx="2"/>
+          </p:nvPr>
+        </p:nvSpPr>
+        <p:spPr>
+          <a:xfrm>
+            <a:off x="5089970" y="2160589"/>
+            <a:ext cx="4184034" cy="3880773"/>
+          </a:xfrm>
+        </p:spPr>
+        <p:txBody>
+          <a:bodyPr/>
+          <a:lstStyle/>
+          <a:p>
+            <a:pPr lvl="0"/>
+            <a:r>
+              <a:rPr lang="zh-TW" altLang="en-US" smtClean="0"/>
+              <a:t>編輯母片文字樣式</a:t>
+            </a:r>
+          </a:p>
+          <a:p>
+            <a:pPr lvl="1"/>
+            <a:r>
+              <a:rPr lang="zh-TW" altLang="en-US" smtClean="0"/>
+              <a:t>第二層</a:t>
+            </a:r>
+          </a:p>
+          <a:p>
+            <a:pPr lvl="2"/>
+            <a:r>
+              <a:rPr lang="zh-TW" altLang="en-US" smtClean="0"/>
+              <a:t>第三層</a:t>
+            </a:r>
+          </a:p>
+          <a:p>
+            <a:pPr lvl="3"/>
+            <a:r>
+              <a:rPr lang="zh-TW" altLang="en-US" smtClean="0"/>
+              <a:t>第四層</a:t>
+            </a:r>
+          </a:p>
+          <a:p>
+            <a:pPr lvl="4"/>
+            <a:r>
+              <a:rPr lang="zh-TW" altLang="en-US" smtClean="0"/>
+              <a:t>第五層</a:t>
+            </a:r>
+            <a:endParaRPr lang="en-US" dirty="0"/>
+          </a:p>
+        </p:txBody>
+      </p:sp>
+      <p:sp>
+        <p:nvSpPr>
+          <p:cNvPr id="5" name="Date Placeholder 4"/>
+          <p:cNvSpPr>
+            <a:spLocks noGrp="1"/>
+          </p:cNvSpPr>
+          <p:nvPr>
+            <p:ph type="dt" sz="half" idx="10"/>
+          </p:nvPr>
+        </p:nvSpPr>
+        <p:spPr/>
+        <p:txBody>
+          <a:bodyPr/>
+          <a:lstStyle/>
+          <a:p>
+            <a:fld id="{68371185-F1A7-4927-B9D6-E6583EC84139}" type="datetimeFigureOut">
+              <a:rPr lang="zh-TW" altLang="en-US" smtClean="0"/>
+              <a:pPr/>
+              <a:t>2019/12/4</a:t>
+            </a:fld>
+            <a:endParaRPr lang="zh-TW" altLang="en-US"/>
+          </a:p>
+        </p:txBody>
+      </p:sp>
+      <p:sp>
+        <p:nvSpPr>
+          <p:cNvPr id="6" name="Footer Placeholder 5"/>
+          <p:cNvSpPr>
+            <a:spLocks noGrp="1"/>
+          </p:cNvSpPr>
+          <p:nvPr>
+            <p:ph type="ftr" sz="quarter" idx="11"/>
+          </p:nvPr>
+        </p:nvSpPr>
+        <p:spPr/>
+        <p:txBody>
+          <a:bodyPr/>
+          <a:lstStyle/>
+          <a:p>
+            <a:endParaRPr lang="zh-TW" altLang="en-US"/>
+          </a:p>
+        </p:txBody>
+      </p:sp>
+      <p:sp>
+        <p:nvSpPr>
+          <p:cNvPr id="7" name="Slide Number Placeholder 6"/>
+          <p:cNvSpPr>
+            <a:spLocks noGrp="1"/>
+          </p:cNvSpPr>
+          <p:nvPr>
+            <p:ph type="sldNum" sz="quarter" idx="12"/>
+          </p:nvPr>
+        </p:nvSpPr>
+        <p:spPr/>
+        <p:txBody>
+          <a:bodyPr/>
+          <a:lstStyle/>
+          <a:p>
+            <a:fld id="{D8D0C523-9ECB-4AE2-A7A0-A8044144E2A1}" type="slidenum">
+              <a:rPr lang="zh-TW" altLang="en-US" smtClean="0"/>
+              <a:pPr/>
+              <a:t>‹#›</a:t>
+            </a:fld>
+            <a:endParaRPr lang="zh-TW" altLang="en-US"/>
+          </a:p>
+        </p:txBody>
+      </p:sp>
+    </p:spTree>
+    <p:extLst>
+      <p:ext uri="{BB962C8B-B14F-4D97-AF65-F5344CB8AC3E}">
+        <p14:creationId xmlns:p14="http://schemas.microsoft.com/office/powerpoint/2010/main" val="1094863266"/>
+      </p:ext>
+    </p:extLst>
+  </p:cSld>
+  <p:clrMapOvr>
+    <a:masterClrMapping/>
+  </p:clrMapOvr>
+</p:sldLayout>
+</file>
+
+<file path=ppt/slideLayouts/slideLayout38.xml><?xml version="1.0" encoding="utf-8"?>
+<p:sldLayout xmlns:a="http://schemas.openxmlformats.org/drawingml/2006/main" xmlns:r="http://schemas.openxmlformats.org/officeDocument/2006/relationships" xmlns:p="http://schemas.openxmlformats.org/presentationml/2006/main" type="twoTxTwoObj" preserve="1">
+  <p:cSld name="比對">
+    <p:spTree>
+      <p:nvGrpSpPr>
+        <p:cNvPr id="1" name=""/>
+        <p:cNvGrpSpPr/>
+        <p:nvPr/>
+      </p:nvGrpSpPr>
+      <p:grpSpPr>
+        <a:xfrm>
+          <a:off x="0" y="0"/>
+          <a:ext cx="0" cy="0"/>
+          <a:chOff x="0" y="0"/>
+          <a:chExt cx="0" cy="0"/>
+        </a:xfrm>
+      </p:grpSpPr>
+      <p:sp>
+        <p:nvSpPr>
+          <p:cNvPr id="2" name="Title 1"/>
+          <p:cNvSpPr>
+            <a:spLocks noGrp="1"/>
+          </p:cNvSpPr>
+          <p:nvPr>
+            <p:ph type="title"/>
+          </p:nvPr>
+        </p:nvSpPr>
+        <p:spPr/>
+        <p:txBody>
+          <a:bodyPr/>
+          <a:lstStyle>
+            <a:lvl1pPr>
+              <a:defRPr/>
+            </a:lvl1pPr>
+          </a:lstStyle>
+          <a:p>
+            <a:r>
+              <a:rPr lang="zh-TW" altLang="en-US" smtClean="0"/>
+              <a:t>按一下以編輯母片標題樣式</a:t>
+            </a:r>
+            <a:endParaRPr lang="en-US" dirty="0"/>
+          </a:p>
+        </p:txBody>
+      </p:sp>
+      <p:sp>
+        <p:nvSpPr>
+          <p:cNvPr id="3" name="Text Placeholder 2"/>
+          <p:cNvSpPr>
+            <a:spLocks noGrp="1"/>
+          </p:cNvSpPr>
+          <p:nvPr>
+            <p:ph type="body" idx="1"/>
+          </p:nvPr>
+        </p:nvSpPr>
+        <p:spPr>
+          <a:xfrm>
+            <a:off x="675745" y="2160983"/>
+            <a:ext cx="4185623" cy="576262"/>
+          </a:xfrm>
+        </p:spPr>
+        <p:txBody>
+          <a:bodyPr anchor="b">
+            <a:noAutofit/>
+          </a:bodyPr>
+          <a:lstStyle>
+            <a:lvl1pPr marL="0" indent="0">
+              <a:buNone/>
+              <a:defRPr sz="2400" b="0"/>
+            </a:lvl1pPr>
+            <a:lvl2pPr marL="457200" indent="0">
+              <a:buNone/>
+              <a:defRPr sz="2000" b="1"/>
+            </a:lvl2pPr>
+            <a:lvl3pPr marL="914400" indent="0">
+              <a:buNone/>
+              <a:defRPr sz="1800" b="1"/>
+            </a:lvl3pPr>
+            <a:lvl4pPr marL="1371600" indent="0">
+              <a:buNone/>
+              <a:defRPr sz="1600" b="1"/>
+            </a:lvl4pPr>
+            <a:lvl5pPr marL="1828800" indent="0">
+              <a:buNone/>
+              <a:defRPr sz="1600" b="1"/>
+            </a:lvl5pPr>
+            <a:lvl6pPr marL="2286000" indent="0">
+              <a:buNone/>
+              <a:defRPr sz="1600" b="1"/>
+            </a:lvl6pPr>
+            <a:lvl7pPr marL="2743200" indent="0">
+              <a:buNone/>
+              <a:defRPr sz="1600" b="1"/>
+            </a:lvl7pPr>
+            <a:lvl8pPr marL="3200400" indent="0">
+              <a:buNone/>
+              <a:defRPr sz="1600" b="1"/>
+            </a:lvl8pPr>
+            <a:lvl9pPr marL="3657600" indent="0">
+              <a:buNone/>
+              <a:defRPr sz="1600" b="1"/>
+            </a:lvl9pPr>
+          </a:lstStyle>
+          <a:p>
+            <a:pPr lvl="0"/>
+            <a:r>
+              <a:rPr lang="zh-TW" altLang="en-US" smtClean="0"/>
+              <a:t>編輯母片文字樣式</a:t>
+            </a:r>
+          </a:p>
+        </p:txBody>
+      </p:sp>
+      <p:sp>
+        <p:nvSpPr>
+          <p:cNvPr id="4" name="Content Placeholder 3"/>
+          <p:cNvSpPr>
+            <a:spLocks noGrp="1"/>
+          </p:cNvSpPr>
+          <p:nvPr>
+            <p:ph sz="half" idx="2"/>
+          </p:nvPr>
+        </p:nvSpPr>
+        <p:spPr>
+          <a:xfrm>
+            <a:off x="675745" y="2737245"/>
+            <a:ext cx="4185623" cy="3304117"/>
+          </a:xfrm>
+        </p:spPr>
+        <p:txBody>
+          <a:bodyPr>
+            <a:normAutofit/>
+          </a:bodyPr>
+          <a:lstStyle/>
+          <a:p>
+            <a:pPr lvl="0"/>
+            <a:r>
+              <a:rPr lang="zh-TW" altLang="en-US" smtClean="0"/>
+              <a:t>編輯母片文字樣式</a:t>
+            </a:r>
+          </a:p>
+          <a:p>
+            <a:pPr lvl="1"/>
+            <a:r>
+              <a:rPr lang="zh-TW" altLang="en-US" smtClean="0"/>
+              <a:t>第二層</a:t>
+            </a:r>
+          </a:p>
+          <a:p>
+            <a:pPr lvl="2"/>
+            <a:r>
+              <a:rPr lang="zh-TW" altLang="en-US" smtClean="0"/>
+              <a:t>第三層</a:t>
+            </a:r>
+          </a:p>
+          <a:p>
+            <a:pPr lvl="3"/>
+            <a:r>
+              <a:rPr lang="zh-TW" altLang="en-US" smtClean="0"/>
+              <a:t>第四層</a:t>
+            </a:r>
+          </a:p>
+          <a:p>
+            <a:pPr lvl="4"/>
+            <a:r>
+              <a:rPr lang="zh-TW" altLang="en-US" smtClean="0"/>
+              <a:t>第五層</a:t>
+            </a:r>
+            <a:endParaRPr lang="en-US" dirty="0"/>
+          </a:p>
+        </p:txBody>
+      </p:sp>
+      <p:sp>
+        <p:nvSpPr>
+          <p:cNvPr id="5" name="Text Placeholder 4"/>
+          <p:cNvSpPr>
+            <a:spLocks noGrp="1"/>
+          </p:cNvSpPr>
+          <p:nvPr>
+            <p:ph type="body" sz="quarter" idx="3"/>
+          </p:nvPr>
+        </p:nvSpPr>
+        <p:spPr>
+          <a:xfrm>
+            <a:off x="5088383" y="2160983"/>
+            <a:ext cx="4185618" cy="576262"/>
+          </a:xfrm>
+        </p:spPr>
+        <p:txBody>
+          <a:bodyPr anchor="b">
+            <a:noAutofit/>
+          </a:bodyPr>
+          <a:lstStyle>
+            <a:lvl1pPr marL="0" indent="0">
+              <a:buNone/>
+              <a:defRPr sz="2400" b="0"/>
+            </a:lvl1pPr>
+            <a:lvl2pPr marL="457200" indent="0">
+              <a:buNone/>
+              <a:defRPr sz="2000" b="1"/>
+            </a:lvl2pPr>
+            <a:lvl3pPr marL="914400" indent="0">
+              <a:buNone/>
+              <a:defRPr sz="1800" b="1"/>
+            </a:lvl3pPr>
+            <a:lvl4pPr marL="1371600" indent="0">
+              <a:buNone/>
+              <a:defRPr sz="1600" b="1"/>
+            </a:lvl4pPr>
+            <a:lvl5pPr marL="1828800" indent="0">
+              <a:buNone/>
+              <a:defRPr sz="1600" b="1"/>
+            </a:lvl5pPr>
+            <a:lvl6pPr marL="2286000" indent="0">
+              <a:buNone/>
+              <a:defRPr sz="1600" b="1"/>
+            </a:lvl6pPr>
+            <a:lvl7pPr marL="2743200" indent="0">
+              <a:buNone/>
+              <a:defRPr sz="1600" b="1"/>
+            </a:lvl7pPr>
+            <a:lvl8pPr marL="3200400" indent="0">
+              <a:buNone/>
+              <a:defRPr sz="1600" b="1"/>
+            </a:lvl8pPr>
+            <a:lvl9pPr marL="3657600" indent="0">
+              <a:buNone/>
+              <a:defRPr sz="1600" b="1"/>
+            </a:lvl9pPr>
+          </a:lstStyle>
+          <a:p>
+            <a:pPr lvl="0"/>
+            <a:r>
+              <a:rPr lang="zh-TW" altLang="en-US" smtClean="0"/>
+              <a:t>編輯母片文字樣式</a:t>
+            </a:r>
+          </a:p>
+        </p:txBody>
+      </p:sp>
+      <p:sp>
+        <p:nvSpPr>
+          <p:cNvPr id="6" name="Content Placeholder 5"/>
+          <p:cNvSpPr>
+            <a:spLocks noGrp="1"/>
+          </p:cNvSpPr>
+          <p:nvPr>
+            <p:ph sz="quarter" idx="4"/>
+          </p:nvPr>
+        </p:nvSpPr>
+        <p:spPr>
+          <a:xfrm>
+            <a:off x="5088384" y="2737245"/>
+            <a:ext cx="4185617" cy="3304117"/>
+          </a:xfrm>
+        </p:spPr>
+        <p:txBody>
+          <a:bodyPr>
+            <a:normAutofit/>
+          </a:bodyPr>
+          <a:lstStyle/>
+          <a:p>
+            <a:pPr lvl="0"/>
+            <a:r>
+              <a:rPr lang="zh-TW" altLang="en-US" smtClean="0"/>
+              <a:t>編輯母片文字樣式</a:t>
+            </a:r>
+          </a:p>
+          <a:p>
+            <a:pPr lvl="1"/>
+            <a:r>
+              <a:rPr lang="zh-TW" altLang="en-US" smtClean="0"/>
+              <a:t>第二層</a:t>
+            </a:r>
+          </a:p>
+          <a:p>
+            <a:pPr lvl="2"/>
+            <a:r>
+              <a:rPr lang="zh-TW" altLang="en-US" smtClean="0"/>
+              <a:t>第三層</a:t>
+            </a:r>
+          </a:p>
+          <a:p>
+            <a:pPr lvl="3"/>
+            <a:r>
+              <a:rPr lang="zh-TW" altLang="en-US" smtClean="0"/>
+              <a:t>第四層</a:t>
+            </a:r>
+          </a:p>
+          <a:p>
+            <a:pPr lvl="4"/>
+            <a:r>
+              <a:rPr lang="zh-TW" altLang="en-US" smtClean="0"/>
+              <a:t>第五層</a:t>
+            </a:r>
+            <a:endParaRPr lang="en-US" dirty="0"/>
+          </a:p>
+        </p:txBody>
+      </p:sp>
+      <p:sp>
+        <p:nvSpPr>
+          <p:cNvPr id="7" name="Date Placeholder 6"/>
+          <p:cNvSpPr>
+            <a:spLocks noGrp="1"/>
+          </p:cNvSpPr>
+          <p:nvPr>
+            <p:ph type="dt" sz="half" idx="10"/>
+          </p:nvPr>
+        </p:nvSpPr>
+        <p:spPr/>
+        <p:txBody>
+          <a:bodyPr/>
+          <a:lstStyle/>
+          <a:p>
+            <a:fld id="{68371185-F1A7-4927-B9D6-E6583EC84139}" type="datetimeFigureOut">
+              <a:rPr lang="zh-TW" altLang="en-US" smtClean="0"/>
+              <a:pPr/>
+              <a:t>2019/12/4</a:t>
+            </a:fld>
+            <a:endParaRPr lang="zh-TW" altLang="en-US"/>
+          </a:p>
+        </p:txBody>
+      </p:sp>
+      <p:sp>
+        <p:nvSpPr>
+          <p:cNvPr id="8" name="Footer Placeholder 7"/>
+          <p:cNvSpPr>
+            <a:spLocks noGrp="1"/>
+          </p:cNvSpPr>
+          <p:nvPr>
+            <p:ph type="ftr" sz="quarter" idx="11"/>
+          </p:nvPr>
+        </p:nvSpPr>
+        <p:spPr/>
+        <p:txBody>
+          <a:bodyPr/>
+          <a:lstStyle/>
+          <a:p>
+            <a:endParaRPr lang="zh-TW" altLang="en-US"/>
+          </a:p>
+        </p:txBody>
+      </p:sp>
+      <p:sp>
+        <p:nvSpPr>
+          <p:cNvPr id="9" name="Slide Number Placeholder 8"/>
+          <p:cNvSpPr>
+            <a:spLocks noGrp="1"/>
+          </p:cNvSpPr>
+          <p:nvPr>
+            <p:ph type="sldNum" sz="quarter" idx="12"/>
+          </p:nvPr>
+        </p:nvSpPr>
+        <p:spPr/>
+        <p:txBody>
+          <a:bodyPr/>
+          <a:lstStyle/>
+          <a:p>
+            <a:fld id="{D8D0C523-9ECB-4AE2-A7A0-A8044144E2A1}" type="slidenum">
+              <a:rPr lang="zh-TW" altLang="en-US" smtClean="0"/>
+              <a:pPr/>
+              <a:t>‹#›</a:t>
+            </a:fld>
+            <a:endParaRPr lang="zh-TW" altLang="en-US"/>
+          </a:p>
+        </p:txBody>
+      </p:sp>
+    </p:spTree>
+    <p:extLst>
+      <p:ext uri="{BB962C8B-B14F-4D97-AF65-F5344CB8AC3E}">
+        <p14:creationId xmlns:p14="http://schemas.microsoft.com/office/powerpoint/2010/main" val="4256742869"/>
+      </p:ext>
+    </p:extLst>
+  </p:cSld>
+  <p:clrMapOvr>
+    <a:masterClrMapping/>
+  </p:clrMapOvr>
+</p:sldLayout>
+</file>
+
+<file path=ppt/slideLayouts/slideLayout39.xml><?xml version="1.0" encoding="utf-8"?>
+<p:sldLayout xmlns:a="http://schemas.openxmlformats.org/drawingml/2006/main" xmlns:r="http://schemas.openxmlformats.org/officeDocument/2006/relationships" xmlns:p="http://schemas.openxmlformats.org/presentationml/2006/main" type="titleOnly" preserve="1">
+  <p:cSld name="只有標題">
+    <p:spTree>
+      <p:nvGrpSpPr>
+        <p:cNvPr id="1" name=""/>
+        <p:cNvGrpSpPr/>
+        <p:nvPr/>
+      </p:nvGrpSpPr>
+      <p:grpSpPr>
+        <a:xfrm>
+          <a:off x="0" y="0"/>
+          <a:ext cx="0" cy="0"/>
+          <a:chOff x="0" y="0"/>
+          <a:chExt cx="0" cy="0"/>
+        </a:xfrm>
+      </p:grpSpPr>
+      <p:sp>
+        <p:nvSpPr>
+          <p:cNvPr id="2" name="Title 1"/>
+          <p:cNvSpPr>
+            <a:spLocks noGrp="1"/>
+          </p:cNvSpPr>
+          <p:nvPr>
+            <p:ph type="title"/>
+          </p:nvPr>
+        </p:nvSpPr>
+        <p:spPr>
+          <a:xfrm>
+            <a:off x="677334" y="609600"/>
+            <a:ext cx="8596668" cy="1320800"/>
+          </a:xfrm>
+        </p:spPr>
+        <p:txBody>
+          <a:bodyPr/>
+          <a:lstStyle/>
+          <a:p>
+            <a:r>
+              <a:rPr lang="zh-TW" altLang="en-US" smtClean="0"/>
+              <a:t>按一下以編輯母片標題樣式</a:t>
+            </a:r>
+            <a:endParaRPr lang="en-US" dirty="0"/>
+          </a:p>
+        </p:txBody>
+      </p:sp>
+      <p:sp>
+        <p:nvSpPr>
+          <p:cNvPr id="3" name="Date Placeholder 2"/>
+          <p:cNvSpPr>
+            <a:spLocks noGrp="1"/>
+          </p:cNvSpPr>
+          <p:nvPr>
+            <p:ph type="dt" sz="half" idx="10"/>
+          </p:nvPr>
+        </p:nvSpPr>
+        <p:spPr/>
+        <p:txBody>
+          <a:bodyPr/>
+          <a:lstStyle/>
+          <a:p>
+            <a:fld id="{68371185-F1A7-4927-B9D6-E6583EC84139}" type="datetimeFigureOut">
+              <a:rPr lang="zh-TW" altLang="en-US" smtClean="0"/>
+              <a:pPr/>
+              <a:t>2019/12/4</a:t>
+            </a:fld>
+            <a:endParaRPr lang="zh-TW" altLang="en-US"/>
+          </a:p>
+        </p:txBody>
+      </p:sp>
+      <p:sp>
+        <p:nvSpPr>
+          <p:cNvPr id="4" name="Footer Placeholder 3"/>
+          <p:cNvSpPr>
+            <a:spLocks noGrp="1"/>
+          </p:cNvSpPr>
+          <p:nvPr>
+            <p:ph type="ftr" sz="quarter" idx="11"/>
+          </p:nvPr>
+        </p:nvSpPr>
+        <p:spPr/>
+        <p:txBody>
+          <a:bodyPr/>
+          <a:lstStyle/>
+          <a:p>
+            <a:endParaRPr lang="zh-TW" altLang="en-US"/>
+          </a:p>
+        </p:txBody>
+      </p:sp>
+      <p:sp>
+        <p:nvSpPr>
+          <p:cNvPr id="5" name="Slide Number Placeholder 4"/>
+          <p:cNvSpPr>
+            <a:spLocks noGrp="1"/>
+          </p:cNvSpPr>
+          <p:nvPr>
+            <p:ph type="sldNum" sz="quarter" idx="12"/>
+          </p:nvPr>
+        </p:nvSpPr>
+        <p:spPr/>
+        <p:txBody>
+          <a:bodyPr/>
+          <a:lstStyle/>
+          <a:p>
+            <a:fld id="{D8D0C523-9ECB-4AE2-A7A0-A8044144E2A1}" type="slidenum">
+              <a:rPr lang="zh-TW" altLang="en-US" smtClean="0"/>
+              <a:pPr/>
+              <a:t>‹#›</a:t>
+            </a:fld>
+            <a:endParaRPr lang="zh-TW" altLang="en-US"/>
+          </a:p>
+        </p:txBody>
+      </p:sp>
+    </p:spTree>
+    <p:extLst>
+      <p:ext uri="{BB962C8B-B14F-4D97-AF65-F5344CB8AC3E}">
+        <p14:creationId xmlns:p14="http://schemas.microsoft.com/office/powerpoint/2010/main" val="1452659025"/>
+      </p:ext>
+    </p:extLst>
+  </p:cSld>
+  <p:clrMapOvr>
+    <a:masterClrMapping/>
+  </p:clrMapOvr>
+</p:sldLayout>
+</file>
+
 <file path=ppt/slideLayouts/slideLayout4.xml><?xml version="1.0" encoding="utf-8"?>
 <p:sldLayout xmlns:a="http://schemas.openxmlformats.org/drawingml/2006/main" xmlns:r="http://schemas.openxmlformats.org/officeDocument/2006/relationships" xmlns:p="http://schemas.openxmlformats.org/presentationml/2006/main" type="twoObj" preserve="1">
   <p:cSld name="兩項物件">
@@ -9279,6 +11227,2602 @@
     <p:extLst>
       <p:ext uri="{BB962C8B-B14F-4D97-AF65-F5344CB8AC3E}">
         <p14:creationId xmlns:p14="http://schemas.microsoft.com/office/powerpoint/2010/main" val="3715991765"/>
+      </p:ext>
+    </p:extLst>
+  </p:cSld>
+  <p:clrMapOvr>
+    <a:masterClrMapping/>
+  </p:clrMapOvr>
+</p:sldLayout>
+</file>
+
+<file path=ppt/slideLayouts/slideLayout40.xml><?xml version="1.0" encoding="utf-8"?>
+<p:sldLayout xmlns:a="http://schemas.openxmlformats.org/drawingml/2006/main" xmlns:r="http://schemas.openxmlformats.org/officeDocument/2006/relationships" xmlns:p="http://schemas.openxmlformats.org/presentationml/2006/main" type="blank" preserve="1">
+  <p:cSld name="空白">
+    <p:spTree>
+      <p:nvGrpSpPr>
+        <p:cNvPr id="1" name=""/>
+        <p:cNvGrpSpPr/>
+        <p:nvPr/>
+      </p:nvGrpSpPr>
+      <p:grpSpPr>
+        <a:xfrm>
+          <a:off x="0" y="0"/>
+          <a:ext cx="0" cy="0"/>
+          <a:chOff x="0" y="0"/>
+          <a:chExt cx="0" cy="0"/>
+        </a:xfrm>
+      </p:grpSpPr>
+      <p:sp>
+        <p:nvSpPr>
+          <p:cNvPr id="2" name="Date Placeholder 1"/>
+          <p:cNvSpPr>
+            <a:spLocks noGrp="1"/>
+          </p:cNvSpPr>
+          <p:nvPr>
+            <p:ph type="dt" sz="half" idx="10"/>
+          </p:nvPr>
+        </p:nvSpPr>
+        <p:spPr/>
+        <p:txBody>
+          <a:bodyPr/>
+          <a:lstStyle/>
+          <a:p>
+            <a:fld id="{68371185-F1A7-4927-B9D6-E6583EC84139}" type="datetimeFigureOut">
+              <a:rPr lang="zh-TW" altLang="en-US" smtClean="0"/>
+              <a:pPr/>
+              <a:t>2019/12/4</a:t>
+            </a:fld>
+            <a:endParaRPr lang="zh-TW" altLang="en-US"/>
+          </a:p>
+        </p:txBody>
+      </p:sp>
+      <p:sp>
+        <p:nvSpPr>
+          <p:cNvPr id="3" name="Footer Placeholder 2"/>
+          <p:cNvSpPr>
+            <a:spLocks noGrp="1"/>
+          </p:cNvSpPr>
+          <p:nvPr>
+            <p:ph type="ftr" sz="quarter" idx="11"/>
+          </p:nvPr>
+        </p:nvSpPr>
+        <p:spPr/>
+        <p:txBody>
+          <a:bodyPr/>
+          <a:lstStyle/>
+          <a:p>
+            <a:endParaRPr lang="zh-TW" altLang="en-US"/>
+          </a:p>
+        </p:txBody>
+      </p:sp>
+      <p:sp>
+        <p:nvSpPr>
+          <p:cNvPr id="4" name="Slide Number Placeholder 3"/>
+          <p:cNvSpPr>
+            <a:spLocks noGrp="1"/>
+          </p:cNvSpPr>
+          <p:nvPr>
+            <p:ph type="sldNum" sz="quarter" idx="12"/>
+          </p:nvPr>
+        </p:nvSpPr>
+        <p:spPr/>
+        <p:txBody>
+          <a:bodyPr/>
+          <a:lstStyle/>
+          <a:p>
+            <a:fld id="{D8D0C523-9ECB-4AE2-A7A0-A8044144E2A1}" type="slidenum">
+              <a:rPr lang="zh-TW" altLang="en-US" smtClean="0"/>
+              <a:pPr/>
+              <a:t>‹#›</a:t>
+            </a:fld>
+            <a:endParaRPr lang="zh-TW" altLang="en-US"/>
+          </a:p>
+        </p:txBody>
+      </p:sp>
+    </p:spTree>
+    <p:extLst>
+      <p:ext uri="{BB962C8B-B14F-4D97-AF65-F5344CB8AC3E}">
+        <p14:creationId xmlns:p14="http://schemas.microsoft.com/office/powerpoint/2010/main" val="1552664573"/>
+      </p:ext>
+    </p:extLst>
+  </p:cSld>
+  <p:clrMapOvr>
+    <a:masterClrMapping/>
+  </p:clrMapOvr>
+</p:sldLayout>
+</file>
+
+<file path=ppt/slideLayouts/slideLayout41.xml><?xml version="1.0" encoding="utf-8"?>
+<p:sldLayout xmlns:a="http://schemas.openxmlformats.org/drawingml/2006/main" xmlns:r="http://schemas.openxmlformats.org/officeDocument/2006/relationships" xmlns:p="http://schemas.openxmlformats.org/presentationml/2006/main" type="objTx" preserve="1">
+  <p:cSld name="含標題的內容">
+    <p:spTree>
+      <p:nvGrpSpPr>
+        <p:cNvPr id="1" name=""/>
+        <p:cNvGrpSpPr/>
+        <p:nvPr/>
+      </p:nvGrpSpPr>
+      <p:grpSpPr>
+        <a:xfrm>
+          <a:off x="0" y="0"/>
+          <a:ext cx="0" cy="0"/>
+          <a:chOff x="0" y="0"/>
+          <a:chExt cx="0" cy="0"/>
+        </a:xfrm>
+      </p:grpSpPr>
+      <p:sp>
+        <p:nvSpPr>
+          <p:cNvPr id="2" name="Title 1"/>
+          <p:cNvSpPr>
+            <a:spLocks noGrp="1"/>
+          </p:cNvSpPr>
+          <p:nvPr>
+            <p:ph type="title"/>
+          </p:nvPr>
+        </p:nvSpPr>
+        <p:spPr>
+          <a:xfrm>
+            <a:off x="677334" y="1498604"/>
+            <a:ext cx="3854528" cy="1278466"/>
+          </a:xfrm>
+        </p:spPr>
+        <p:txBody>
+          <a:bodyPr anchor="b">
+            <a:normAutofit/>
+          </a:bodyPr>
+          <a:lstStyle>
+            <a:lvl1pPr>
+              <a:defRPr sz="2000"/>
+            </a:lvl1pPr>
+          </a:lstStyle>
+          <a:p>
+            <a:r>
+              <a:rPr lang="zh-TW" altLang="en-US" smtClean="0"/>
+              <a:t>按一下以編輯母片標題樣式</a:t>
+            </a:r>
+            <a:endParaRPr lang="en-US" dirty="0"/>
+          </a:p>
+        </p:txBody>
+      </p:sp>
+      <p:sp>
+        <p:nvSpPr>
+          <p:cNvPr id="3" name="Content Placeholder 2"/>
+          <p:cNvSpPr>
+            <a:spLocks noGrp="1"/>
+          </p:cNvSpPr>
+          <p:nvPr>
+            <p:ph idx="1"/>
+          </p:nvPr>
+        </p:nvSpPr>
+        <p:spPr>
+          <a:xfrm>
+            <a:off x="4760461" y="514924"/>
+            <a:ext cx="4513541" cy="5526437"/>
+          </a:xfrm>
+        </p:spPr>
+        <p:txBody>
+          <a:bodyPr>
+            <a:normAutofit/>
+          </a:bodyPr>
+          <a:lstStyle/>
+          <a:p>
+            <a:pPr lvl="0"/>
+            <a:r>
+              <a:rPr lang="zh-TW" altLang="en-US" smtClean="0"/>
+              <a:t>編輯母片文字樣式</a:t>
+            </a:r>
+          </a:p>
+          <a:p>
+            <a:pPr lvl="1"/>
+            <a:r>
+              <a:rPr lang="zh-TW" altLang="en-US" smtClean="0"/>
+              <a:t>第二層</a:t>
+            </a:r>
+          </a:p>
+          <a:p>
+            <a:pPr lvl="2"/>
+            <a:r>
+              <a:rPr lang="zh-TW" altLang="en-US" smtClean="0"/>
+              <a:t>第三層</a:t>
+            </a:r>
+          </a:p>
+          <a:p>
+            <a:pPr lvl="3"/>
+            <a:r>
+              <a:rPr lang="zh-TW" altLang="en-US" smtClean="0"/>
+              <a:t>第四層</a:t>
+            </a:r>
+          </a:p>
+          <a:p>
+            <a:pPr lvl="4"/>
+            <a:r>
+              <a:rPr lang="zh-TW" altLang="en-US" smtClean="0"/>
+              <a:t>第五層</a:t>
+            </a:r>
+            <a:endParaRPr lang="en-US" dirty="0"/>
+          </a:p>
+        </p:txBody>
+      </p:sp>
+      <p:sp>
+        <p:nvSpPr>
+          <p:cNvPr id="4" name="Text Placeholder 3"/>
+          <p:cNvSpPr>
+            <a:spLocks noGrp="1"/>
+          </p:cNvSpPr>
+          <p:nvPr>
+            <p:ph type="body" sz="half" idx="2"/>
+          </p:nvPr>
+        </p:nvSpPr>
+        <p:spPr>
+          <a:xfrm>
+            <a:off x="677334" y="2777069"/>
+            <a:ext cx="3854528" cy="2584449"/>
+          </a:xfrm>
+        </p:spPr>
+        <p:txBody>
+          <a:bodyPr>
+            <a:normAutofit/>
+          </a:bodyPr>
+          <a:lstStyle>
+            <a:lvl1pPr marL="0" indent="0">
+              <a:buNone/>
+              <a:defRPr sz="1400"/>
+            </a:lvl1pPr>
+            <a:lvl2pPr marL="457063" indent="0">
+              <a:buNone/>
+              <a:defRPr sz="1400"/>
+            </a:lvl2pPr>
+            <a:lvl3pPr marL="914126" indent="0">
+              <a:buNone/>
+              <a:defRPr sz="1200"/>
+            </a:lvl3pPr>
+            <a:lvl4pPr marL="1371189" indent="0">
+              <a:buNone/>
+              <a:defRPr sz="1000"/>
+            </a:lvl4pPr>
+            <a:lvl5pPr marL="1828251" indent="0">
+              <a:buNone/>
+              <a:defRPr sz="1000"/>
+            </a:lvl5pPr>
+            <a:lvl6pPr marL="2285314" indent="0">
+              <a:buNone/>
+              <a:defRPr sz="1000"/>
+            </a:lvl6pPr>
+            <a:lvl7pPr marL="2742377" indent="0">
+              <a:buNone/>
+              <a:defRPr sz="1000"/>
+            </a:lvl7pPr>
+            <a:lvl8pPr marL="3199440" indent="0">
+              <a:buNone/>
+              <a:defRPr sz="1000"/>
+            </a:lvl8pPr>
+            <a:lvl9pPr marL="3656503" indent="0">
+              <a:buNone/>
+              <a:defRPr sz="1000"/>
+            </a:lvl9pPr>
+          </a:lstStyle>
+          <a:p>
+            <a:pPr lvl="0"/>
+            <a:r>
+              <a:rPr lang="zh-TW" altLang="en-US" smtClean="0"/>
+              <a:t>編輯母片文字樣式</a:t>
+            </a:r>
+          </a:p>
+        </p:txBody>
+      </p:sp>
+      <p:sp>
+        <p:nvSpPr>
+          <p:cNvPr id="5" name="Date Placeholder 4"/>
+          <p:cNvSpPr>
+            <a:spLocks noGrp="1"/>
+          </p:cNvSpPr>
+          <p:nvPr>
+            <p:ph type="dt" sz="half" idx="10"/>
+          </p:nvPr>
+        </p:nvSpPr>
+        <p:spPr/>
+        <p:txBody>
+          <a:bodyPr/>
+          <a:lstStyle/>
+          <a:p>
+            <a:fld id="{68371185-F1A7-4927-B9D6-E6583EC84139}" type="datetimeFigureOut">
+              <a:rPr lang="zh-TW" altLang="en-US" smtClean="0"/>
+              <a:pPr/>
+              <a:t>2019/12/4</a:t>
+            </a:fld>
+            <a:endParaRPr lang="zh-TW" altLang="en-US"/>
+          </a:p>
+        </p:txBody>
+      </p:sp>
+      <p:sp>
+        <p:nvSpPr>
+          <p:cNvPr id="6" name="Footer Placeholder 5"/>
+          <p:cNvSpPr>
+            <a:spLocks noGrp="1"/>
+          </p:cNvSpPr>
+          <p:nvPr>
+            <p:ph type="ftr" sz="quarter" idx="11"/>
+          </p:nvPr>
+        </p:nvSpPr>
+        <p:spPr/>
+        <p:txBody>
+          <a:bodyPr/>
+          <a:lstStyle/>
+          <a:p>
+            <a:endParaRPr lang="zh-TW" altLang="en-US"/>
+          </a:p>
+        </p:txBody>
+      </p:sp>
+      <p:sp>
+        <p:nvSpPr>
+          <p:cNvPr id="7" name="Slide Number Placeholder 6"/>
+          <p:cNvSpPr>
+            <a:spLocks noGrp="1"/>
+          </p:cNvSpPr>
+          <p:nvPr>
+            <p:ph type="sldNum" sz="quarter" idx="12"/>
+          </p:nvPr>
+        </p:nvSpPr>
+        <p:spPr/>
+        <p:txBody>
+          <a:bodyPr/>
+          <a:lstStyle/>
+          <a:p>
+            <a:fld id="{D8D0C523-9ECB-4AE2-A7A0-A8044144E2A1}" type="slidenum">
+              <a:rPr lang="zh-TW" altLang="en-US" smtClean="0"/>
+              <a:pPr/>
+              <a:t>‹#›</a:t>
+            </a:fld>
+            <a:endParaRPr lang="zh-TW" altLang="en-US"/>
+          </a:p>
+        </p:txBody>
+      </p:sp>
+    </p:spTree>
+    <p:extLst>
+      <p:ext uri="{BB962C8B-B14F-4D97-AF65-F5344CB8AC3E}">
+        <p14:creationId xmlns:p14="http://schemas.microsoft.com/office/powerpoint/2010/main" val="2710509491"/>
+      </p:ext>
+    </p:extLst>
+  </p:cSld>
+  <p:clrMapOvr>
+    <a:masterClrMapping/>
+  </p:clrMapOvr>
+</p:sldLayout>
+</file>
+
+<file path=ppt/slideLayouts/slideLayout42.xml><?xml version="1.0" encoding="utf-8"?>
+<p:sldLayout xmlns:a="http://schemas.openxmlformats.org/drawingml/2006/main" xmlns:r="http://schemas.openxmlformats.org/officeDocument/2006/relationships" xmlns:p="http://schemas.openxmlformats.org/presentationml/2006/main" type="picTx" preserve="1">
+  <p:cSld name="含標題的圖片">
+    <p:spTree>
+      <p:nvGrpSpPr>
+        <p:cNvPr id="1" name=""/>
+        <p:cNvGrpSpPr/>
+        <p:nvPr/>
+      </p:nvGrpSpPr>
+      <p:grpSpPr>
+        <a:xfrm>
+          <a:off x="0" y="0"/>
+          <a:ext cx="0" cy="0"/>
+          <a:chOff x="0" y="0"/>
+          <a:chExt cx="0" cy="0"/>
+        </a:xfrm>
+      </p:grpSpPr>
+      <p:sp>
+        <p:nvSpPr>
+          <p:cNvPr id="2" name="Title 1"/>
+          <p:cNvSpPr>
+            <a:spLocks noGrp="1"/>
+          </p:cNvSpPr>
+          <p:nvPr>
+            <p:ph type="title"/>
+          </p:nvPr>
+        </p:nvSpPr>
+        <p:spPr>
+          <a:xfrm>
+            <a:off x="677334" y="4800600"/>
+            <a:ext cx="8596667" cy="566738"/>
+          </a:xfrm>
+        </p:spPr>
+        <p:txBody>
+          <a:bodyPr anchor="b">
+            <a:normAutofit/>
+          </a:bodyPr>
+          <a:lstStyle>
+            <a:lvl1pPr algn="l">
+              <a:defRPr sz="2400" b="0"/>
+            </a:lvl1pPr>
+          </a:lstStyle>
+          <a:p>
+            <a:r>
+              <a:rPr lang="zh-TW" altLang="en-US" smtClean="0"/>
+              <a:t>按一下以編輯母片標題樣式</a:t>
+            </a:r>
+            <a:endParaRPr lang="en-US" dirty="0"/>
+          </a:p>
+        </p:txBody>
+      </p:sp>
+      <p:sp>
+        <p:nvSpPr>
+          <p:cNvPr id="3" name="Picture Placeholder 2"/>
+          <p:cNvSpPr>
+            <a:spLocks noGrp="1" noChangeAspect="1"/>
+          </p:cNvSpPr>
+          <p:nvPr>
+            <p:ph type="pic" idx="1"/>
+          </p:nvPr>
+        </p:nvSpPr>
+        <p:spPr>
+          <a:xfrm>
+            <a:off x="677334" y="609600"/>
+            <a:ext cx="8596668" cy="3845718"/>
+          </a:xfrm>
+        </p:spPr>
+        <p:txBody>
+          <a:bodyPr anchor="t">
+            <a:normAutofit/>
+          </a:bodyPr>
+          <a:lstStyle>
+            <a:lvl1pPr marL="0" indent="0" algn="ctr">
+              <a:buNone/>
+              <a:defRPr sz="1600"/>
+            </a:lvl1pPr>
+            <a:lvl2pPr marL="457200" indent="0">
+              <a:buNone/>
+              <a:defRPr sz="1600"/>
+            </a:lvl2pPr>
+            <a:lvl3pPr marL="914400" indent="0">
+              <a:buNone/>
+              <a:defRPr sz="1600"/>
+            </a:lvl3pPr>
+            <a:lvl4pPr marL="1371600" indent="0">
+              <a:buNone/>
+              <a:defRPr sz="1600"/>
+            </a:lvl4pPr>
+            <a:lvl5pPr marL="1828800" indent="0">
+              <a:buNone/>
+              <a:defRPr sz="1600"/>
+            </a:lvl5pPr>
+            <a:lvl6pPr marL="2286000" indent="0">
+              <a:buNone/>
+              <a:defRPr sz="1600"/>
+            </a:lvl6pPr>
+            <a:lvl7pPr marL="2743200" indent="0">
+              <a:buNone/>
+              <a:defRPr sz="1600"/>
+            </a:lvl7pPr>
+            <a:lvl8pPr marL="3200400" indent="0">
+              <a:buNone/>
+              <a:defRPr sz="1600"/>
+            </a:lvl8pPr>
+            <a:lvl9pPr marL="3657600" indent="0">
+              <a:buNone/>
+              <a:defRPr sz="1600"/>
+            </a:lvl9pPr>
+          </a:lstStyle>
+          <a:p>
+            <a:r>
+              <a:rPr lang="zh-TW" altLang="en-US" smtClean="0"/>
+              <a:t>按一下圖示以新增圖片</a:t>
+            </a:r>
+            <a:endParaRPr lang="en-US" dirty="0"/>
+          </a:p>
+        </p:txBody>
+      </p:sp>
+      <p:sp>
+        <p:nvSpPr>
+          <p:cNvPr id="4" name="Text Placeholder 3"/>
+          <p:cNvSpPr>
+            <a:spLocks noGrp="1"/>
+          </p:cNvSpPr>
+          <p:nvPr>
+            <p:ph type="body" sz="half" idx="2"/>
+          </p:nvPr>
+        </p:nvSpPr>
+        <p:spPr>
+          <a:xfrm>
+            <a:off x="677334" y="5367338"/>
+            <a:ext cx="8596667" cy="674024"/>
+          </a:xfrm>
+        </p:spPr>
+        <p:txBody>
+          <a:bodyPr>
+            <a:normAutofit/>
+          </a:bodyPr>
+          <a:lstStyle>
+            <a:lvl1pPr marL="0" indent="0">
+              <a:buNone/>
+              <a:defRPr sz="1200"/>
+            </a:lvl1pPr>
+            <a:lvl2pPr marL="457200" indent="0">
+              <a:buNone/>
+              <a:defRPr sz="1200"/>
+            </a:lvl2pPr>
+            <a:lvl3pPr marL="914400" indent="0">
+              <a:buNone/>
+              <a:defRPr sz="1000"/>
+            </a:lvl3pPr>
+            <a:lvl4pPr marL="1371600" indent="0">
+              <a:buNone/>
+              <a:defRPr sz="900"/>
+            </a:lvl4pPr>
+            <a:lvl5pPr marL="1828800" indent="0">
+              <a:buNone/>
+              <a:defRPr sz="900"/>
+            </a:lvl5pPr>
+            <a:lvl6pPr marL="2286000" indent="0">
+              <a:buNone/>
+              <a:defRPr sz="900"/>
+            </a:lvl6pPr>
+            <a:lvl7pPr marL="2743200" indent="0">
+              <a:buNone/>
+              <a:defRPr sz="900"/>
+            </a:lvl7pPr>
+            <a:lvl8pPr marL="3200400" indent="0">
+              <a:buNone/>
+              <a:defRPr sz="900"/>
+            </a:lvl8pPr>
+            <a:lvl9pPr marL="3657600" indent="0">
+              <a:buNone/>
+              <a:defRPr sz="900"/>
+            </a:lvl9pPr>
+          </a:lstStyle>
+          <a:p>
+            <a:pPr lvl="0"/>
+            <a:r>
+              <a:rPr lang="zh-TW" altLang="en-US" smtClean="0"/>
+              <a:t>編輯母片文字樣式</a:t>
+            </a:r>
+          </a:p>
+        </p:txBody>
+      </p:sp>
+      <p:sp>
+        <p:nvSpPr>
+          <p:cNvPr id="5" name="Date Placeholder 4"/>
+          <p:cNvSpPr>
+            <a:spLocks noGrp="1"/>
+          </p:cNvSpPr>
+          <p:nvPr>
+            <p:ph type="dt" sz="half" idx="10"/>
+          </p:nvPr>
+        </p:nvSpPr>
+        <p:spPr/>
+        <p:txBody>
+          <a:bodyPr/>
+          <a:lstStyle/>
+          <a:p>
+            <a:fld id="{68371185-F1A7-4927-B9D6-E6583EC84139}" type="datetimeFigureOut">
+              <a:rPr lang="zh-TW" altLang="en-US" smtClean="0"/>
+              <a:pPr/>
+              <a:t>2019/12/4</a:t>
+            </a:fld>
+            <a:endParaRPr lang="zh-TW" altLang="en-US"/>
+          </a:p>
+        </p:txBody>
+      </p:sp>
+      <p:sp>
+        <p:nvSpPr>
+          <p:cNvPr id="6" name="Footer Placeholder 5"/>
+          <p:cNvSpPr>
+            <a:spLocks noGrp="1"/>
+          </p:cNvSpPr>
+          <p:nvPr>
+            <p:ph type="ftr" sz="quarter" idx="11"/>
+          </p:nvPr>
+        </p:nvSpPr>
+        <p:spPr/>
+        <p:txBody>
+          <a:bodyPr/>
+          <a:lstStyle/>
+          <a:p>
+            <a:endParaRPr lang="zh-TW" altLang="en-US"/>
+          </a:p>
+        </p:txBody>
+      </p:sp>
+      <p:sp>
+        <p:nvSpPr>
+          <p:cNvPr id="7" name="Slide Number Placeholder 6"/>
+          <p:cNvSpPr>
+            <a:spLocks noGrp="1"/>
+          </p:cNvSpPr>
+          <p:nvPr>
+            <p:ph type="sldNum" sz="quarter" idx="12"/>
+          </p:nvPr>
+        </p:nvSpPr>
+        <p:spPr/>
+        <p:txBody>
+          <a:bodyPr/>
+          <a:lstStyle/>
+          <a:p>
+            <a:fld id="{D8D0C523-9ECB-4AE2-A7A0-A8044144E2A1}" type="slidenum">
+              <a:rPr lang="zh-TW" altLang="en-US" smtClean="0"/>
+              <a:pPr/>
+              <a:t>‹#›</a:t>
+            </a:fld>
+            <a:endParaRPr lang="zh-TW" altLang="en-US"/>
+          </a:p>
+        </p:txBody>
+      </p:sp>
+    </p:spTree>
+    <p:extLst>
+      <p:ext uri="{BB962C8B-B14F-4D97-AF65-F5344CB8AC3E}">
+        <p14:creationId xmlns:p14="http://schemas.microsoft.com/office/powerpoint/2010/main" val="2029938781"/>
+      </p:ext>
+    </p:extLst>
+  </p:cSld>
+  <p:clrMapOvr>
+    <a:masterClrMapping/>
+  </p:clrMapOvr>
+</p:sldLayout>
+</file>
+
+<file path=ppt/slideLayouts/slideLayout43.xml><?xml version="1.0" encoding="utf-8"?>
+<p:sldLayout xmlns:a="http://schemas.openxmlformats.org/drawingml/2006/main" xmlns:r="http://schemas.openxmlformats.org/officeDocument/2006/relationships" xmlns:p="http://schemas.openxmlformats.org/presentationml/2006/main" preserve="1">
+  <p:cSld name="標題與說明文字">
+    <p:spTree>
+      <p:nvGrpSpPr>
+        <p:cNvPr id="1" name=""/>
+        <p:cNvGrpSpPr/>
+        <p:nvPr/>
+      </p:nvGrpSpPr>
+      <p:grpSpPr>
+        <a:xfrm>
+          <a:off x="0" y="0"/>
+          <a:ext cx="0" cy="0"/>
+          <a:chOff x="0" y="0"/>
+          <a:chExt cx="0" cy="0"/>
+        </a:xfrm>
+      </p:grpSpPr>
+      <p:sp>
+        <p:nvSpPr>
+          <p:cNvPr id="2" name="Title 1"/>
+          <p:cNvSpPr>
+            <a:spLocks noGrp="1"/>
+          </p:cNvSpPr>
+          <p:nvPr>
+            <p:ph type="title"/>
+          </p:nvPr>
+        </p:nvSpPr>
+        <p:spPr>
+          <a:xfrm>
+            <a:off x="677335" y="609600"/>
+            <a:ext cx="8596668" cy="3403600"/>
+          </a:xfrm>
+        </p:spPr>
+        <p:txBody>
+          <a:bodyPr anchor="ctr">
+            <a:normAutofit/>
+          </a:bodyPr>
+          <a:lstStyle>
+            <a:lvl1pPr algn="l">
+              <a:defRPr sz="4400" b="0" cap="none"/>
+            </a:lvl1pPr>
+          </a:lstStyle>
+          <a:p>
+            <a:r>
+              <a:rPr lang="zh-TW" altLang="en-US" smtClean="0"/>
+              <a:t>按一下以編輯母片標題樣式</a:t>
+            </a:r>
+            <a:endParaRPr lang="en-US" dirty="0"/>
+          </a:p>
+        </p:txBody>
+      </p:sp>
+      <p:sp>
+        <p:nvSpPr>
+          <p:cNvPr id="3" name="Text Placeholder 2"/>
+          <p:cNvSpPr>
+            <a:spLocks noGrp="1"/>
+          </p:cNvSpPr>
+          <p:nvPr>
+            <p:ph type="body" idx="1"/>
+          </p:nvPr>
+        </p:nvSpPr>
+        <p:spPr>
+          <a:xfrm>
+            <a:off x="677335" y="4470400"/>
+            <a:ext cx="8596668" cy="1570962"/>
+          </a:xfrm>
+        </p:spPr>
+        <p:txBody>
+          <a:bodyPr anchor="ctr">
+            <a:normAutofit/>
+          </a:bodyPr>
+          <a:lstStyle>
+            <a:lvl1pPr marL="0" indent="0" algn="l">
+              <a:buNone/>
+              <a:defRPr sz="1800">
+                <a:solidFill>
+                  <a:schemeClr val="tx1">
+                    <a:lumMod val="75000"/>
+                    <a:lumOff val="25000"/>
+                  </a:schemeClr>
+                </a:solidFill>
+              </a:defRPr>
+            </a:lvl1pPr>
+            <a:lvl2pPr marL="457200" indent="0">
+              <a:buNone/>
+              <a:defRPr sz="1800">
+                <a:solidFill>
+                  <a:schemeClr val="tx1">
+                    <a:tint val="75000"/>
+                  </a:schemeClr>
+                </a:solidFill>
+              </a:defRPr>
+            </a:lvl2pPr>
+            <a:lvl3pPr marL="914400" indent="0">
+              <a:buNone/>
+              <a:defRPr sz="1600">
+                <a:solidFill>
+                  <a:schemeClr val="tx1">
+                    <a:tint val="75000"/>
+                  </a:schemeClr>
+                </a:solidFill>
+              </a:defRPr>
+            </a:lvl3pPr>
+            <a:lvl4pPr marL="1371600" indent="0">
+              <a:buNone/>
+              <a:defRPr sz="1400">
+                <a:solidFill>
+                  <a:schemeClr val="tx1">
+                    <a:tint val="75000"/>
+                  </a:schemeClr>
+                </a:solidFill>
+              </a:defRPr>
+            </a:lvl4pPr>
+            <a:lvl5pPr marL="1828800" indent="0">
+              <a:buNone/>
+              <a:defRPr sz="1400">
+                <a:solidFill>
+                  <a:schemeClr val="tx1">
+                    <a:tint val="75000"/>
+                  </a:schemeClr>
+                </a:solidFill>
+              </a:defRPr>
+            </a:lvl5pPr>
+            <a:lvl6pPr marL="2286000" indent="0">
+              <a:buNone/>
+              <a:defRPr sz="1400">
+                <a:solidFill>
+                  <a:schemeClr val="tx1">
+                    <a:tint val="75000"/>
+                  </a:schemeClr>
+                </a:solidFill>
+              </a:defRPr>
+            </a:lvl6pPr>
+            <a:lvl7pPr marL="2743200" indent="0">
+              <a:buNone/>
+              <a:defRPr sz="1400">
+                <a:solidFill>
+                  <a:schemeClr val="tx1">
+                    <a:tint val="75000"/>
+                  </a:schemeClr>
+                </a:solidFill>
+              </a:defRPr>
+            </a:lvl7pPr>
+            <a:lvl8pPr marL="3200400" indent="0">
+              <a:buNone/>
+              <a:defRPr sz="1400">
+                <a:solidFill>
+                  <a:schemeClr val="tx1">
+                    <a:tint val="75000"/>
+                  </a:schemeClr>
+                </a:solidFill>
+              </a:defRPr>
+            </a:lvl8pPr>
+            <a:lvl9pPr marL="3657600" indent="0">
+              <a:buNone/>
+              <a:defRPr sz="1400">
+                <a:solidFill>
+                  <a:schemeClr val="tx1">
+                    <a:tint val="75000"/>
+                  </a:schemeClr>
+                </a:solidFill>
+              </a:defRPr>
+            </a:lvl9pPr>
+          </a:lstStyle>
+          <a:p>
+            <a:pPr lvl="0"/>
+            <a:r>
+              <a:rPr lang="zh-TW" altLang="en-US" smtClean="0"/>
+              <a:t>編輯母片文字樣式</a:t>
+            </a:r>
+          </a:p>
+        </p:txBody>
+      </p:sp>
+      <p:sp>
+        <p:nvSpPr>
+          <p:cNvPr id="4" name="Date Placeholder 3"/>
+          <p:cNvSpPr>
+            <a:spLocks noGrp="1"/>
+          </p:cNvSpPr>
+          <p:nvPr>
+            <p:ph type="dt" sz="half" idx="10"/>
+          </p:nvPr>
+        </p:nvSpPr>
+        <p:spPr/>
+        <p:txBody>
+          <a:bodyPr/>
+          <a:lstStyle/>
+          <a:p>
+            <a:fld id="{68371185-F1A7-4927-B9D6-E6583EC84139}" type="datetimeFigureOut">
+              <a:rPr lang="zh-TW" altLang="en-US" smtClean="0"/>
+              <a:pPr/>
+              <a:t>2019/12/4</a:t>
+            </a:fld>
+            <a:endParaRPr lang="zh-TW" altLang="en-US"/>
+          </a:p>
+        </p:txBody>
+      </p:sp>
+      <p:sp>
+        <p:nvSpPr>
+          <p:cNvPr id="5" name="Footer Placeholder 4"/>
+          <p:cNvSpPr>
+            <a:spLocks noGrp="1"/>
+          </p:cNvSpPr>
+          <p:nvPr>
+            <p:ph type="ftr" sz="quarter" idx="11"/>
+          </p:nvPr>
+        </p:nvSpPr>
+        <p:spPr/>
+        <p:txBody>
+          <a:bodyPr/>
+          <a:lstStyle/>
+          <a:p>
+            <a:endParaRPr lang="zh-TW" altLang="en-US"/>
+          </a:p>
+        </p:txBody>
+      </p:sp>
+      <p:sp>
+        <p:nvSpPr>
+          <p:cNvPr id="6" name="Slide Number Placeholder 5"/>
+          <p:cNvSpPr>
+            <a:spLocks noGrp="1"/>
+          </p:cNvSpPr>
+          <p:nvPr>
+            <p:ph type="sldNum" sz="quarter" idx="12"/>
+          </p:nvPr>
+        </p:nvSpPr>
+        <p:spPr/>
+        <p:txBody>
+          <a:bodyPr/>
+          <a:lstStyle/>
+          <a:p>
+            <a:fld id="{D8D0C523-9ECB-4AE2-A7A0-A8044144E2A1}" type="slidenum">
+              <a:rPr lang="zh-TW" altLang="en-US" smtClean="0"/>
+              <a:pPr/>
+              <a:t>‹#›</a:t>
+            </a:fld>
+            <a:endParaRPr lang="zh-TW" altLang="en-US"/>
+          </a:p>
+        </p:txBody>
+      </p:sp>
+    </p:spTree>
+    <p:extLst>
+      <p:ext uri="{BB962C8B-B14F-4D97-AF65-F5344CB8AC3E}">
+        <p14:creationId xmlns:p14="http://schemas.microsoft.com/office/powerpoint/2010/main" val="3201205308"/>
+      </p:ext>
+    </p:extLst>
+  </p:cSld>
+  <p:clrMapOvr>
+    <a:masterClrMapping/>
+  </p:clrMapOvr>
+</p:sldLayout>
+</file>
+
+<file path=ppt/slideLayouts/slideLayout44.xml><?xml version="1.0" encoding="utf-8"?>
+<p:sldLayout xmlns:a="http://schemas.openxmlformats.org/drawingml/2006/main" xmlns:r="http://schemas.openxmlformats.org/officeDocument/2006/relationships" xmlns:p="http://schemas.openxmlformats.org/presentationml/2006/main" preserve="1">
+  <p:cSld name="引述 (含標題)">
+    <p:spTree>
+      <p:nvGrpSpPr>
+        <p:cNvPr id="1" name=""/>
+        <p:cNvGrpSpPr/>
+        <p:nvPr/>
+      </p:nvGrpSpPr>
+      <p:grpSpPr>
+        <a:xfrm>
+          <a:off x="0" y="0"/>
+          <a:ext cx="0" cy="0"/>
+          <a:chOff x="0" y="0"/>
+          <a:chExt cx="0" cy="0"/>
+        </a:xfrm>
+      </p:grpSpPr>
+      <p:sp>
+        <p:nvSpPr>
+          <p:cNvPr id="2" name="Title 1"/>
+          <p:cNvSpPr>
+            <a:spLocks noGrp="1"/>
+          </p:cNvSpPr>
+          <p:nvPr>
+            <p:ph type="title"/>
+          </p:nvPr>
+        </p:nvSpPr>
+        <p:spPr>
+          <a:xfrm>
+            <a:off x="931334" y="609600"/>
+            <a:ext cx="8094134" cy="3022600"/>
+          </a:xfrm>
+        </p:spPr>
+        <p:txBody>
+          <a:bodyPr anchor="ctr">
+            <a:normAutofit/>
+          </a:bodyPr>
+          <a:lstStyle>
+            <a:lvl1pPr algn="l">
+              <a:defRPr sz="4400" b="0" cap="none"/>
+            </a:lvl1pPr>
+          </a:lstStyle>
+          <a:p>
+            <a:r>
+              <a:rPr lang="zh-TW" altLang="en-US" smtClean="0"/>
+              <a:t>按一下以編輯母片標題樣式</a:t>
+            </a:r>
+            <a:endParaRPr lang="en-US" dirty="0"/>
+          </a:p>
+        </p:txBody>
+      </p:sp>
+      <p:sp>
+        <p:nvSpPr>
+          <p:cNvPr id="23" name="Text Placeholder 9"/>
+          <p:cNvSpPr>
+            <a:spLocks noGrp="1"/>
+          </p:cNvSpPr>
+          <p:nvPr>
+            <p:ph type="body" sz="quarter" idx="13"/>
+          </p:nvPr>
+        </p:nvSpPr>
+        <p:spPr>
+          <a:xfrm>
+            <a:off x="1366139" y="3632200"/>
+            <a:ext cx="7224524" cy="381000"/>
+          </a:xfrm>
+        </p:spPr>
+        <p:txBody>
+          <a:bodyPr anchor="ctr">
+            <a:noAutofit/>
+          </a:bodyPr>
+          <a:lstStyle>
+            <a:lvl1pPr marL="0" indent="0">
+              <a:buFontTx/>
+              <a:buNone/>
+              <a:defRPr sz="1600">
+                <a:solidFill>
+                  <a:schemeClr val="tx1">
+                    <a:lumMod val="50000"/>
+                    <a:lumOff val="50000"/>
+                  </a:schemeClr>
+                </a:solidFill>
+              </a:defRPr>
+            </a:lvl1pPr>
+            <a:lvl2pPr marL="457200" indent="0">
+              <a:buFontTx/>
+              <a:buNone/>
+              <a:defRPr/>
+            </a:lvl2pPr>
+            <a:lvl3pPr marL="914400" indent="0">
+              <a:buFontTx/>
+              <a:buNone/>
+              <a:defRPr/>
+            </a:lvl3pPr>
+            <a:lvl4pPr marL="1371600" indent="0">
+              <a:buFontTx/>
+              <a:buNone/>
+              <a:defRPr/>
+            </a:lvl4pPr>
+            <a:lvl5pPr marL="1828800" indent="0">
+              <a:buFontTx/>
+              <a:buNone/>
+              <a:defRPr/>
+            </a:lvl5pPr>
+          </a:lstStyle>
+          <a:p>
+            <a:pPr lvl="0"/>
+            <a:r>
+              <a:rPr lang="zh-TW" altLang="en-US" smtClean="0"/>
+              <a:t>編輯母片文字樣式</a:t>
+            </a:r>
+          </a:p>
+        </p:txBody>
+      </p:sp>
+      <p:sp>
+        <p:nvSpPr>
+          <p:cNvPr id="3" name="Text Placeholder 2"/>
+          <p:cNvSpPr>
+            <a:spLocks noGrp="1"/>
+          </p:cNvSpPr>
+          <p:nvPr>
+            <p:ph type="body" idx="1"/>
+          </p:nvPr>
+        </p:nvSpPr>
+        <p:spPr>
+          <a:xfrm>
+            <a:off x="677335" y="4470400"/>
+            <a:ext cx="8596668" cy="1570962"/>
+          </a:xfrm>
+        </p:spPr>
+        <p:txBody>
+          <a:bodyPr anchor="ctr">
+            <a:normAutofit/>
+          </a:bodyPr>
+          <a:lstStyle>
+            <a:lvl1pPr marL="0" indent="0" algn="l">
+              <a:buNone/>
+              <a:defRPr sz="1800">
+                <a:solidFill>
+                  <a:schemeClr val="tx1">
+                    <a:lumMod val="75000"/>
+                    <a:lumOff val="25000"/>
+                  </a:schemeClr>
+                </a:solidFill>
+              </a:defRPr>
+            </a:lvl1pPr>
+            <a:lvl2pPr marL="457200" indent="0">
+              <a:buNone/>
+              <a:defRPr sz="1800">
+                <a:solidFill>
+                  <a:schemeClr val="tx1">
+                    <a:tint val="75000"/>
+                  </a:schemeClr>
+                </a:solidFill>
+              </a:defRPr>
+            </a:lvl2pPr>
+            <a:lvl3pPr marL="914400" indent="0">
+              <a:buNone/>
+              <a:defRPr sz="1600">
+                <a:solidFill>
+                  <a:schemeClr val="tx1">
+                    <a:tint val="75000"/>
+                  </a:schemeClr>
+                </a:solidFill>
+              </a:defRPr>
+            </a:lvl3pPr>
+            <a:lvl4pPr marL="1371600" indent="0">
+              <a:buNone/>
+              <a:defRPr sz="1400">
+                <a:solidFill>
+                  <a:schemeClr val="tx1">
+                    <a:tint val="75000"/>
+                  </a:schemeClr>
+                </a:solidFill>
+              </a:defRPr>
+            </a:lvl4pPr>
+            <a:lvl5pPr marL="1828800" indent="0">
+              <a:buNone/>
+              <a:defRPr sz="1400">
+                <a:solidFill>
+                  <a:schemeClr val="tx1">
+                    <a:tint val="75000"/>
+                  </a:schemeClr>
+                </a:solidFill>
+              </a:defRPr>
+            </a:lvl5pPr>
+            <a:lvl6pPr marL="2286000" indent="0">
+              <a:buNone/>
+              <a:defRPr sz="1400">
+                <a:solidFill>
+                  <a:schemeClr val="tx1">
+                    <a:tint val="75000"/>
+                  </a:schemeClr>
+                </a:solidFill>
+              </a:defRPr>
+            </a:lvl6pPr>
+            <a:lvl7pPr marL="2743200" indent="0">
+              <a:buNone/>
+              <a:defRPr sz="1400">
+                <a:solidFill>
+                  <a:schemeClr val="tx1">
+                    <a:tint val="75000"/>
+                  </a:schemeClr>
+                </a:solidFill>
+              </a:defRPr>
+            </a:lvl7pPr>
+            <a:lvl8pPr marL="3200400" indent="0">
+              <a:buNone/>
+              <a:defRPr sz="1400">
+                <a:solidFill>
+                  <a:schemeClr val="tx1">
+                    <a:tint val="75000"/>
+                  </a:schemeClr>
+                </a:solidFill>
+              </a:defRPr>
+            </a:lvl8pPr>
+            <a:lvl9pPr marL="3657600" indent="0">
+              <a:buNone/>
+              <a:defRPr sz="1400">
+                <a:solidFill>
+                  <a:schemeClr val="tx1">
+                    <a:tint val="75000"/>
+                  </a:schemeClr>
+                </a:solidFill>
+              </a:defRPr>
+            </a:lvl9pPr>
+          </a:lstStyle>
+          <a:p>
+            <a:pPr lvl="0"/>
+            <a:r>
+              <a:rPr lang="zh-TW" altLang="en-US" smtClean="0"/>
+              <a:t>編輯母片文字樣式</a:t>
+            </a:r>
+          </a:p>
+        </p:txBody>
+      </p:sp>
+      <p:sp>
+        <p:nvSpPr>
+          <p:cNvPr id="4" name="Date Placeholder 3"/>
+          <p:cNvSpPr>
+            <a:spLocks noGrp="1"/>
+          </p:cNvSpPr>
+          <p:nvPr>
+            <p:ph type="dt" sz="half" idx="10"/>
+          </p:nvPr>
+        </p:nvSpPr>
+        <p:spPr/>
+        <p:txBody>
+          <a:bodyPr/>
+          <a:lstStyle/>
+          <a:p>
+            <a:fld id="{68371185-F1A7-4927-B9D6-E6583EC84139}" type="datetimeFigureOut">
+              <a:rPr lang="zh-TW" altLang="en-US" smtClean="0"/>
+              <a:pPr/>
+              <a:t>2019/12/4</a:t>
+            </a:fld>
+            <a:endParaRPr lang="zh-TW" altLang="en-US"/>
+          </a:p>
+        </p:txBody>
+      </p:sp>
+      <p:sp>
+        <p:nvSpPr>
+          <p:cNvPr id="5" name="Footer Placeholder 4"/>
+          <p:cNvSpPr>
+            <a:spLocks noGrp="1"/>
+          </p:cNvSpPr>
+          <p:nvPr>
+            <p:ph type="ftr" sz="quarter" idx="11"/>
+          </p:nvPr>
+        </p:nvSpPr>
+        <p:spPr/>
+        <p:txBody>
+          <a:bodyPr/>
+          <a:lstStyle/>
+          <a:p>
+            <a:endParaRPr lang="zh-TW" altLang="en-US"/>
+          </a:p>
+        </p:txBody>
+      </p:sp>
+      <p:sp>
+        <p:nvSpPr>
+          <p:cNvPr id="6" name="Slide Number Placeholder 5"/>
+          <p:cNvSpPr>
+            <a:spLocks noGrp="1"/>
+          </p:cNvSpPr>
+          <p:nvPr>
+            <p:ph type="sldNum" sz="quarter" idx="12"/>
+          </p:nvPr>
+        </p:nvSpPr>
+        <p:spPr/>
+        <p:txBody>
+          <a:bodyPr/>
+          <a:lstStyle/>
+          <a:p>
+            <a:fld id="{D8D0C523-9ECB-4AE2-A7A0-A8044144E2A1}" type="slidenum">
+              <a:rPr lang="zh-TW" altLang="en-US" smtClean="0"/>
+              <a:pPr/>
+              <a:t>‹#›</a:t>
+            </a:fld>
+            <a:endParaRPr lang="zh-TW" altLang="en-US"/>
+          </a:p>
+        </p:txBody>
+      </p:sp>
+      <p:sp>
+        <p:nvSpPr>
+          <p:cNvPr id="20" name="TextBox 19"/>
+          <p:cNvSpPr txBox="1"/>
+          <p:nvPr/>
+        </p:nvSpPr>
+        <p:spPr>
+          <a:xfrm>
+            <a:off x="541870" y="790378"/>
+            <a:ext cx="609600" cy="584776"/>
+          </a:xfrm>
+          <a:prstGeom prst="rect">
+            <a:avLst/>
+          </a:prstGeom>
+        </p:spPr>
+        <p:txBody>
+          <a:bodyPr vert="horz" lIns="91440" tIns="45720" rIns="91440" bIns="45720" rtlCol="0" anchor="ctr">
+            <a:noAutofit/>
+          </a:bodyPr>
+          <a:lstStyle/>
+          <a:p>
+            <a:pPr lvl="0"/>
+            <a:r>
+              <a:rPr lang="en-US" sz="8000" baseline="0" dirty="0">
+                <a:ln w="3175" cmpd="sng">
+                  <a:noFill/>
+                </a:ln>
+                <a:solidFill>
+                  <a:schemeClr val="accent1">
+                    <a:lumMod val="60000"/>
+                    <a:lumOff val="40000"/>
+                  </a:schemeClr>
+                </a:solidFill>
+                <a:effectLst/>
+                <a:latin typeface="Arial"/>
+              </a:rPr>
+              <a:t>“</a:t>
+            </a:r>
+          </a:p>
+        </p:txBody>
+      </p:sp>
+      <p:sp>
+        <p:nvSpPr>
+          <p:cNvPr id="22" name="TextBox 21"/>
+          <p:cNvSpPr txBox="1"/>
+          <p:nvPr/>
+        </p:nvSpPr>
+        <p:spPr>
+          <a:xfrm>
+            <a:off x="8893011" y="2886556"/>
+            <a:ext cx="609600" cy="584776"/>
+          </a:xfrm>
+          <a:prstGeom prst="rect">
+            <a:avLst/>
+          </a:prstGeom>
+        </p:spPr>
+        <p:txBody>
+          <a:bodyPr vert="horz" lIns="91440" tIns="45720" rIns="91440" bIns="45720" rtlCol="0" anchor="ctr">
+            <a:noAutofit/>
+          </a:bodyPr>
+          <a:lstStyle/>
+          <a:p>
+            <a:pPr lvl="0"/>
+            <a:r>
+              <a:rPr lang="en-US" sz="8000" baseline="0" dirty="0">
+                <a:ln w="3175" cmpd="sng">
+                  <a:noFill/>
+                </a:ln>
+                <a:solidFill>
+                  <a:schemeClr val="accent1">
+                    <a:lumMod val="60000"/>
+                    <a:lumOff val="40000"/>
+                  </a:schemeClr>
+                </a:solidFill>
+                <a:latin typeface="Arial"/>
+              </a:rPr>
+              <a:t>”</a:t>
+            </a:r>
+            <a:endParaRPr lang="en-US" dirty="0">
+              <a:solidFill>
+                <a:schemeClr val="accent1">
+                  <a:lumMod val="60000"/>
+                  <a:lumOff val="40000"/>
+                </a:schemeClr>
+              </a:solidFill>
+              <a:latin typeface="Arial"/>
+            </a:endParaRPr>
+          </a:p>
+        </p:txBody>
+      </p:sp>
+    </p:spTree>
+    <p:extLst>
+      <p:ext uri="{BB962C8B-B14F-4D97-AF65-F5344CB8AC3E}">
+        <p14:creationId xmlns:p14="http://schemas.microsoft.com/office/powerpoint/2010/main" val="2049513647"/>
+      </p:ext>
+    </p:extLst>
+  </p:cSld>
+  <p:clrMapOvr>
+    <a:masterClrMapping/>
+  </p:clrMapOvr>
+</p:sldLayout>
+</file>
+
+<file path=ppt/slideLayouts/slideLayout45.xml><?xml version="1.0" encoding="utf-8"?>
+<p:sldLayout xmlns:a="http://schemas.openxmlformats.org/drawingml/2006/main" xmlns:r="http://schemas.openxmlformats.org/officeDocument/2006/relationships" xmlns:p="http://schemas.openxmlformats.org/presentationml/2006/main" preserve="1">
+  <p:cSld name="名片">
+    <p:spTree>
+      <p:nvGrpSpPr>
+        <p:cNvPr id="1" name=""/>
+        <p:cNvGrpSpPr/>
+        <p:nvPr/>
+      </p:nvGrpSpPr>
+      <p:grpSpPr>
+        <a:xfrm>
+          <a:off x="0" y="0"/>
+          <a:ext cx="0" cy="0"/>
+          <a:chOff x="0" y="0"/>
+          <a:chExt cx="0" cy="0"/>
+        </a:xfrm>
+      </p:grpSpPr>
+      <p:sp>
+        <p:nvSpPr>
+          <p:cNvPr id="2" name="Title 1"/>
+          <p:cNvSpPr>
+            <a:spLocks noGrp="1"/>
+          </p:cNvSpPr>
+          <p:nvPr>
+            <p:ph type="title"/>
+          </p:nvPr>
+        </p:nvSpPr>
+        <p:spPr>
+          <a:xfrm>
+            <a:off x="677335" y="1931988"/>
+            <a:ext cx="8596668" cy="2595460"/>
+          </a:xfrm>
+        </p:spPr>
+        <p:txBody>
+          <a:bodyPr anchor="b">
+            <a:normAutofit/>
+          </a:bodyPr>
+          <a:lstStyle>
+            <a:lvl1pPr algn="l">
+              <a:defRPr sz="4400" b="0" cap="none"/>
+            </a:lvl1pPr>
+          </a:lstStyle>
+          <a:p>
+            <a:r>
+              <a:rPr lang="zh-TW" altLang="en-US" smtClean="0"/>
+              <a:t>按一下以編輯母片標題樣式</a:t>
+            </a:r>
+            <a:endParaRPr lang="en-US" dirty="0"/>
+          </a:p>
+        </p:txBody>
+      </p:sp>
+      <p:sp>
+        <p:nvSpPr>
+          <p:cNvPr id="3" name="Text Placeholder 2"/>
+          <p:cNvSpPr>
+            <a:spLocks noGrp="1"/>
+          </p:cNvSpPr>
+          <p:nvPr>
+            <p:ph type="body" idx="1"/>
+          </p:nvPr>
+        </p:nvSpPr>
+        <p:spPr>
+          <a:xfrm>
+            <a:off x="677335" y="4527448"/>
+            <a:ext cx="8596668" cy="1513914"/>
+          </a:xfrm>
+        </p:spPr>
+        <p:txBody>
+          <a:bodyPr anchor="t">
+            <a:normAutofit/>
+          </a:bodyPr>
+          <a:lstStyle>
+            <a:lvl1pPr marL="0" indent="0" algn="l">
+              <a:buNone/>
+              <a:defRPr sz="1800">
+                <a:solidFill>
+                  <a:schemeClr val="tx1">
+                    <a:lumMod val="75000"/>
+                    <a:lumOff val="25000"/>
+                  </a:schemeClr>
+                </a:solidFill>
+              </a:defRPr>
+            </a:lvl1pPr>
+            <a:lvl2pPr marL="457200" indent="0">
+              <a:buNone/>
+              <a:defRPr sz="1800">
+                <a:solidFill>
+                  <a:schemeClr val="tx1">
+                    <a:tint val="75000"/>
+                  </a:schemeClr>
+                </a:solidFill>
+              </a:defRPr>
+            </a:lvl2pPr>
+            <a:lvl3pPr marL="914400" indent="0">
+              <a:buNone/>
+              <a:defRPr sz="1600">
+                <a:solidFill>
+                  <a:schemeClr val="tx1">
+                    <a:tint val="75000"/>
+                  </a:schemeClr>
+                </a:solidFill>
+              </a:defRPr>
+            </a:lvl3pPr>
+            <a:lvl4pPr marL="1371600" indent="0">
+              <a:buNone/>
+              <a:defRPr sz="1400">
+                <a:solidFill>
+                  <a:schemeClr val="tx1">
+                    <a:tint val="75000"/>
+                  </a:schemeClr>
+                </a:solidFill>
+              </a:defRPr>
+            </a:lvl4pPr>
+            <a:lvl5pPr marL="1828800" indent="0">
+              <a:buNone/>
+              <a:defRPr sz="1400">
+                <a:solidFill>
+                  <a:schemeClr val="tx1">
+                    <a:tint val="75000"/>
+                  </a:schemeClr>
+                </a:solidFill>
+              </a:defRPr>
+            </a:lvl5pPr>
+            <a:lvl6pPr marL="2286000" indent="0">
+              <a:buNone/>
+              <a:defRPr sz="1400">
+                <a:solidFill>
+                  <a:schemeClr val="tx1">
+                    <a:tint val="75000"/>
+                  </a:schemeClr>
+                </a:solidFill>
+              </a:defRPr>
+            </a:lvl6pPr>
+            <a:lvl7pPr marL="2743200" indent="0">
+              <a:buNone/>
+              <a:defRPr sz="1400">
+                <a:solidFill>
+                  <a:schemeClr val="tx1">
+                    <a:tint val="75000"/>
+                  </a:schemeClr>
+                </a:solidFill>
+              </a:defRPr>
+            </a:lvl7pPr>
+            <a:lvl8pPr marL="3200400" indent="0">
+              <a:buNone/>
+              <a:defRPr sz="1400">
+                <a:solidFill>
+                  <a:schemeClr val="tx1">
+                    <a:tint val="75000"/>
+                  </a:schemeClr>
+                </a:solidFill>
+              </a:defRPr>
+            </a:lvl8pPr>
+            <a:lvl9pPr marL="3657600" indent="0">
+              <a:buNone/>
+              <a:defRPr sz="1400">
+                <a:solidFill>
+                  <a:schemeClr val="tx1">
+                    <a:tint val="75000"/>
+                  </a:schemeClr>
+                </a:solidFill>
+              </a:defRPr>
+            </a:lvl9pPr>
+          </a:lstStyle>
+          <a:p>
+            <a:pPr lvl="0"/>
+            <a:r>
+              <a:rPr lang="zh-TW" altLang="en-US" smtClean="0"/>
+              <a:t>編輯母片文字樣式</a:t>
+            </a:r>
+          </a:p>
+        </p:txBody>
+      </p:sp>
+      <p:sp>
+        <p:nvSpPr>
+          <p:cNvPr id="4" name="Date Placeholder 3"/>
+          <p:cNvSpPr>
+            <a:spLocks noGrp="1"/>
+          </p:cNvSpPr>
+          <p:nvPr>
+            <p:ph type="dt" sz="half" idx="10"/>
+          </p:nvPr>
+        </p:nvSpPr>
+        <p:spPr/>
+        <p:txBody>
+          <a:bodyPr/>
+          <a:lstStyle/>
+          <a:p>
+            <a:fld id="{68371185-F1A7-4927-B9D6-E6583EC84139}" type="datetimeFigureOut">
+              <a:rPr lang="zh-TW" altLang="en-US" smtClean="0"/>
+              <a:pPr/>
+              <a:t>2019/12/4</a:t>
+            </a:fld>
+            <a:endParaRPr lang="zh-TW" altLang="en-US"/>
+          </a:p>
+        </p:txBody>
+      </p:sp>
+      <p:sp>
+        <p:nvSpPr>
+          <p:cNvPr id="5" name="Footer Placeholder 4"/>
+          <p:cNvSpPr>
+            <a:spLocks noGrp="1"/>
+          </p:cNvSpPr>
+          <p:nvPr>
+            <p:ph type="ftr" sz="quarter" idx="11"/>
+          </p:nvPr>
+        </p:nvSpPr>
+        <p:spPr/>
+        <p:txBody>
+          <a:bodyPr/>
+          <a:lstStyle/>
+          <a:p>
+            <a:endParaRPr lang="zh-TW" altLang="en-US"/>
+          </a:p>
+        </p:txBody>
+      </p:sp>
+      <p:sp>
+        <p:nvSpPr>
+          <p:cNvPr id="6" name="Slide Number Placeholder 5"/>
+          <p:cNvSpPr>
+            <a:spLocks noGrp="1"/>
+          </p:cNvSpPr>
+          <p:nvPr>
+            <p:ph type="sldNum" sz="quarter" idx="12"/>
+          </p:nvPr>
+        </p:nvSpPr>
+        <p:spPr/>
+        <p:txBody>
+          <a:bodyPr/>
+          <a:lstStyle/>
+          <a:p>
+            <a:fld id="{D8D0C523-9ECB-4AE2-A7A0-A8044144E2A1}" type="slidenum">
+              <a:rPr lang="zh-TW" altLang="en-US" smtClean="0"/>
+              <a:pPr/>
+              <a:t>‹#›</a:t>
+            </a:fld>
+            <a:endParaRPr lang="zh-TW" altLang="en-US"/>
+          </a:p>
+        </p:txBody>
+      </p:sp>
+    </p:spTree>
+    <p:extLst>
+      <p:ext uri="{BB962C8B-B14F-4D97-AF65-F5344CB8AC3E}">
+        <p14:creationId xmlns:p14="http://schemas.microsoft.com/office/powerpoint/2010/main" val="4198173561"/>
+      </p:ext>
+    </p:extLst>
+  </p:cSld>
+  <p:clrMapOvr>
+    <a:masterClrMapping/>
+  </p:clrMapOvr>
+</p:sldLayout>
+</file>
+
+<file path=ppt/slideLayouts/slideLayout46.xml><?xml version="1.0" encoding="utf-8"?>
+<p:sldLayout xmlns:a="http://schemas.openxmlformats.org/drawingml/2006/main" xmlns:r="http://schemas.openxmlformats.org/officeDocument/2006/relationships" xmlns:p="http://schemas.openxmlformats.org/presentationml/2006/main" preserve="1">
+  <p:cSld name="引述名片">
+    <p:spTree>
+      <p:nvGrpSpPr>
+        <p:cNvPr id="1" name=""/>
+        <p:cNvGrpSpPr/>
+        <p:nvPr/>
+      </p:nvGrpSpPr>
+      <p:grpSpPr>
+        <a:xfrm>
+          <a:off x="0" y="0"/>
+          <a:ext cx="0" cy="0"/>
+          <a:chOff x="0" y="0"/>
+          <a:chExt cx="0" cy="0"/>
+        </a:xfrm>
+      </p:grpSpPr>
+      <p:sp>
+        <p:nvSpPr>
+          <p:cNvPr id="2" name="Title 1"/>
+          <p:cNvSpPr>
+            <a:spLocks noGrp="1"/>
+          </p:cNvSpPr>
+          <p:nvPr>
+            <p:ph type="title"/>
+          </p:nvPr>
+        </p:nvSpPr>
+        <p:spPr>
+          <a:xfrm>
+            <a:off x="931334" y="609600"/>
+            <a:ext cx="8094134" cy="3022600"/>
+          </a:xfrm>
+        </p:spPr>
+        <p:txBody>
+          <a:bodyPr anchor="ctr">
+            <a:normAutofit/>
+          </a:bodyPr>
+          <a:lstStyle>
+            <a:lvl1pPr algn="l">
+              <a:defRPr sz="4400" b="0" cap="none"/>
+            </a:lvl1pPr>
+          </a:lstStyle>
+          <a:p>
+            <a:r>
+              <a:rPr lang="zh-TW" altLang="en-US" smtClean="0"/>
+              <a:t>按一下以編輯母片標題樣式</a:t>
+            </a:r>
+            <a:endParaRPr lang="en-US" dirty="0"/>
+          </a:p>
+        </p:txBody>
+      </p:sp>
+      <p:sp>
+        <p:nvSpPr>
+          <p:cNvPr id="23" name="Text Placeholder 9"/>
+          <p:cNvSpPr>
+            <a:spLocks noGrp="1"/>
+          </p:cNvSpPr>
+          <p:nvPr>
+            <p:ph type="body" sz="quarter" idx="13"/>
+          </p:nvPr>
+        </p:nvSpPr>
+        <p:spPr>
+          <a:xfrm>
+            <a:off x="677332" y="4013200"/>
+            <a:ext cx="8596669" cy="514248"/>
+          </a:xfrm>
+        </p:spPr>
+        <p:txBody>
+          <a:bodyPr anchor="b">
+            <a:noAutofit/>
+          </a:bodyPr>
+          <a:lstStyle>
+            <a:lvl1pPr marL="0" indent="0">
+              <a:buFontTx/>
+              <a:buNone/>
+              <a:defRPr sz="2400">
+                <a:solidFill>
+                  <a:schemeClr val="tx1">
+                    <a:lumMod val="75000"/>
+                    <a:lumOff val="25000"/>
+                  </a:schemeClr>
+                </a:solidFill>
+              </a:defRPr>
+            </a:lvl1pPr>
+            <a:lvl2pPr marL="457200" indent="0">
+              <a:buFontTx/>
+              <a:buNone/>
+              <a:defRPr/>
+            </a:lvl2pPr>
+            <a:lvl3pPr marL="914400" indent="0">
+              <a:buFontTx/>
+              <a:buNone/>
+              <a:defRPr/>
+            </a:lvl3pPr>
+            <a:lvl4pPr marL="1371600" indent="0">
+              <a:buFontTx/>
+              <a:buNone/>
+              <a:defRPr/>
+            </a:lvl4pPr>
+            <a:lvl5pPr marL="1828800" indent="0">
+              <a:buFontTx/>
+              <a:buNone/>
+              <a:defRPr/>
+            </a:lvl5pPr>
+          </a:lstStyle>
+          <a:p>
+            <a:pPr lvl="0"/>
+            <a:r>
+              <a:rPr lang="zh-TW" altLang="en-US" smtClean="0"/>
+              <a:t>編輯母片文字樣式</a:t>
+            </a:r>
+          </a:p>
+        </p:txBody>
+      </p:sp>
+      <p:sp>
+        <p:nvSpPr>
+          <p:cNvPr id="3" name="Text Placeholder 2"/>
+          <p:cNvSpPr>
+            <a:spLocks noGrp="1"/>
+          </p:cNvSpPr>
+          <p:nvPr>
+            <p:ph type="body" idx="1"/>
+          </p:nvPr>
+        </p:nvSpPr>
+        <p:spPr>
+          <a:xfrm>
+            <a:off x="677335" y="4527448"/>
+            <a:ext cx="8596668" cy="1513914"/>
+          </a:xfrm>
+        </p:spPr>
+        <p:txBody>
+          <a:bodyPr anchor="t">
+            <a:normAutofit/>
+          </a:bodyPr>
+          <a:lstStyle>
+            <a:lvl1pPr marL="0" indent="0" algn="l">
+              <a:buNone/>
+              <a:defRPr sz="1800">
+                <a:solidFill>
+                  <a:schemeClr val="tx1">
+                    <a:lumMod val="50000"/>
+                    <a:lumOff val="50000"/>
+                  </a:schemeClr>
+                </a:solidFill>
+              </a:defRPr>
+            </a:lvl1pPr>
+            <a:lvl2pPr marL="457200" indent="0">
+              <a:buNone/>
+              <a:defRPr sz="1800">
+                <a:solidFill>
+                  <a:schemeClr val="tx1">
+                    <a:tint val="75000"/>
+                  </a:schemeClr>
+                </a:solidFill>
+              </a:defRPr>
+            </a:lvl2pPr>
+            <a:lvl3pPr marL="914400" indent="0">
+              <a:buNone/>
+              <a:defRPr sz="1600">
+                <a:solidFill>
+                  <a:schemeClr val="tx1">
+                    <a:tint val="75000"/>
+                  </a:schemeClr>
+                </a:solidFill>
+              </a:defRPr>
+            </a:lvl3pPr>
+            <a:lvl4pPr marL="1371600" indent="0">
+              <a:buNone/>
+              <a:defRPr sz="1400">
+                <a:solidFill>
+                  <a:schemeClr val="tx1">
+                    <a:tint val="75000"/>
+                  </a:schemeClr>
+                </a:solidFill>
+              </a:defRPr>
+            </a:lvl4pPr>
+            <a:lvl5pPr marL="1828800" indent="0">
+              <a:buNone/>
+              <a:defRPr sz="1400">
+                <a:solidFill>
+                  <a:schemeClr val="tx1">
+                    <a:tint val="75000"/>
+                  </a:schemeClr>
+                </a:solidFill>
+              </a:defRPr>
+            </a:lvl5pPr>
+            <a:lvl6pPr marL="2286000" indent="0">
+              <a:buNone/>
+              <a:defRPr sz="1400">
+                <a:solidFill>
+                  <a:schemeClr val="tx1">
+                    <a:tint val="75000"/>
+                  </a:schemeClr>
+                </a:solidFill>
+              </a:defRPr>
+            </a:lvl6pPr>
+            <a:lvl7pPr marL="2743200" indent="0">
+              <a:buNone/>
+              <a:defRPr sz="1400">
+                <a:solidFill>
+                  <a:schemeClr val="tx1">
+                    <a:tint val="75000"/>
+                  </a:schemeClr>
+                </a:solidFill>
+              </a:defRPr>
+            </a:lvl7pPr>
+            <a:lvl8pPr marL="3200400" indent="0">
+              <a:buNone/>
+              <a:defRPr sz="1400">
+                <a:solidFill>
+                  <a:schemeClr val="tx1">
+                    <a:tint val="75000"/>
+                  </a:schemeClr>
+                </a:solidFill>
+              </a:defRPr>
+            </a:lvl8pPr>
+            <a:lvl9pPr marL="3657600" indent="0">
+              <a:buNone/>
+              <a:defRPr sz="1400">
+                <a:solidFill>
+                  <a:schemeClr val="tx1">
+                    <a:tint val="75000"/>
+                  </a:schemeClr>
+                </a:solidFill>
+              </a:defRPr>
+            </a:lvl9pPr>
+          </a:lstStyle>
+          <a:p>
+            <a:pPr lvl="0"/>
+            <a:r>
+              <a:rPr lang="zh-TW" altLang="en-US" smtClean="0"/>
+              <a:t>編輯母片文字樣式</a:t>
+            </a:r>
+          </a:p>
+        </p:txBody>
+      </p:sp>
+      <p:sp>
+        <p:nvSpPr>
+          <p:cNvPr id="4" name="Date Placeholder 3"/>
+          <p:cNvSpPr>
+            <a:spLocks noGrp="1"/>
+          </p:cNvSpPr>
+          <p:nvPr>
+            <p:ph type="dt" sz="half" idx="10"/>
+          </p:nvPr>
+        </p:nvSpPr>
+        <p:spPr/>
+        <p:txBody>
+          <a:bodyPr/>
+          <a:lstStyle/>
+          <a:p>
+            <a:fld id="{68371185-F1A7-4927-B9D6-E6583EC84139}" type="datetimeFigureOut">
+              <a:rPr lang="zh-TW" altLang="en-US" smtClean="0"/>
+              <a:pPr/>
+              <a:t>2019/12/4</a:t>
+            </a:fld>
+            <a:endParaRPr lang="zh-TW" altLang="en-US"/>
+          </a:p>
+        </p:txBody>
+      </p:sp>
+      <p:sp>
+        <p:nvSpPr>
+          <p:cNvPr id="5" name="Footer Placeholder 4"/>
+          <p:cNvSpPr>
+            <a:spLocks noGrp="1"/>
+          </p:cNvSpPr>
+          <p:nvPr>
+            <p:ph type="ftr" sz="quarter" idx="11"/>
+          </p:nvPr>
+        </p:nvSpPr>
+        <p:spPr/>
+        <p:txBody>
+          <a:bodyPr/>
+          <a:lstStyle/>
+          <a:p>
+            <a:endParaRPr lang="zh-TW" altLang="en-US"/>
+          </a:p>
+        </p:txBody>
+      </p:sp>
+      <p:sp>
+        <p:nvSpPr>
+          <p:cNvPr id="6" name="Slide Number Placeholder 5"/>
+          <p:cNvSpPr>
+            <a:spLocks noGrp="1"/>
+          </p:cNvSpPr>
+          <p:nvPr>
+            <p:ph type="sldNum" sz="quarter" idx="12"/>
+          </p:nvPr>
+        </p:nvSpPr>
+        <p:spPr/>
+        <p:txBody>
+          <a:bodyPr/>
+          <a:lstStyle/>
+          <a:p>
+            <a:fld id="{D8D0C523-9ECB-4AE2-A7A0-A8044144E2A1}" type="slidenum">
+              <a:rPr lang="zh-TW" altLang="en-US" smtClean="0"/>
+              <a:pPr/>
+              <a:t>‹#›</a:t>
+            </a:fld>
+            <a:endParaRPr lang="zh-TW" altLang="en-US"/>
+          </a:p>
+        </p:txBody>
+      </p:sp>
+      <p:sp>
+        <p:nvSpPr>
+          <p:cNvPr id="24" name="TextBox 23"/>
+          <p:cNvSpPr txBox="1"/>
+          <p:nvPr/>
+        </p:nvSpPr>
+        <p:spPr>
+          <a:xfrm>
+            <a:off x="541870" y="790378"/>
+            <a:ext cx="609600" cy="584776"/>
+          </a:xfrm>
+          <a:prstGeom prst="rect">
+            <a:avLst/>
+          </a:prstGeom>
+        </p:spPr>
+        <p:txBody>
+          <a:bodyPr vert="horz" lIns="91440" tIns="45720" rIns="91440" bIns="45720" rtlCol="0" anchor="ctr">
+            <a:noAutofit/>
+          </a:bodyPr>
+          <a:lstStyle/>
+          <a:p>
+            <a:pPr lvl="0"/>
+            <a:r>
+              <a:rPr lang="en-US" sz="8000" baseline="0" dirty="0">
+                <a:ln w="3175" cmpd="sng">
+                  <a:noFill/>
+                </a:ln>
+                <a:solidFill>
+                  <a:schemeClr val="accent1">
+                    <a:lumMod val="60000"/>
+                    <a:lumOff val="40000"/>
+                  </a:schemeClr>
+                </a:solidFill>
+                <a:effectLst/>
+                <a:latin typeface="Arial"/>
+              </a:rPr>
+              <a:t>“</a:t>
+            </a:r>
+          </a:p>
+        </p:txBody>
+      </p:sp>
+      <p:sp>
+        <p:nvSpPr>
+          <p:cNvPr id="25" name="TextBox 24"/>
+          <p:cNvSpPr txBox="1"/>
+          <p:nvPr/>
+        </p:nvSpPr>
+        <p:spPr>
+          <a:xfrm>
+            <a:off x="8893011" y="2886556"/>
+            <a:ext cx="609600" cy="584776"/>
+          </a:xfrm>
+          <a:prstGeom prst="rect">
+            <a:avLst/>
+          </a:prstGeom>
+        </p:spPr>
+        <p:txBody>
+          <a:bodyPr vert="horz" lIns="91440" tIns="45720" rIns="91440" bIns="45720" rtlCol="0" anchor="ctr">
+            <a:noAutofit/>
+          </a:bodyPr>
+          <a:lstStyle/>
+          <a:p>
+            <a:pPr lvl="0"/>
+            <a:r>
+              <a:rPr lang="en-US" sz="8000" baseline="0" dirty="0">
+                <a:ln w="3175" cmpd="sng">
+                  <a:noFill/>
+                </a:ln>
+                <a:solidFill>
+                  <a:schemeClr val="accent1">
+                    <a:lumMod val="60000"/>
+                    <a:lumOff val="40000"/>
+                  </a:schemeClr>
+                </a:solidFill>
+                <a:effectLst/>
+                <a:latin typeface="Arial"/>
+              </a:rPr>
+              <a:t>”</a:t>
+            </a:r>
+          </a:p>
+        </p:txBody>
+      </p:sp>
+    </p:spTree>
+    <p:extLst>
+      <p:ext uri="{BB962C8B-B14F-4D97-AF65-F5344CB8AC3E}">
+        <p14:creationId xmlns:p14="http://schemas.microsoft.com/office/powerpoint/2010/main" val="864248112"/>
+      </p:ext>
+    </p:extLst>
+  </p:cSld>
+  <p:clrMapOvr>
+    <a:masterClrMapping/>
+  </p:clrMapOvr>
+</p:sldLayout>
+</file>
+
+<file path=ppt/slideLayouts/slideLayout47.xml><?xml version="1.0" encoding="utf-8"?>
+<p:sldLayout xmlns:a="http://schemas.openxmlformats.org/drawingml/2006/main" xmlns:r="http://schemas.openxmlformats.org/officeDocument/2006/relationships" xmlns:p="http://schemas.openxmlformats.org/presentationml/2006/main" preserve="1">
+  <p:cSld name="是非題">
+    <p:spTree>
+      <p:nvGrpSpPr>
+        <p:cNvPr id="1" name=""/>
+        <p:cNvGrpSpPr/>
+        <p:nvPr/>
+      </p:nvGrpSpPr>
+      <p:grpSpPr>
+        <a:xfrm>
+          <a:off x="0" y="0"/>
+          <a:ext cx="0" cy="0"/>
+          <a:chOff x="0" y="0"/>
+          <a:chExt cx="0" cy="0"/>
+        </a:xfrm>
+      </p:grpSpPr>
+      <p:sp>
+        <p:nvSpPr>
+          <p:cNvPr id="2" name="Title 1"/>
+          <p:cNvSpPr>
+            <a:spLocks noGrp="1"/>
+          </p:cNvSpPr>
+          <p:nvPr>
+            <p:ph type="title"/>
+          </p:nvPr>
+        </p:nvSpPr>
+        <p:spPr>
+          <a:xfrm>
+            <a:off x="685799" y="609600"/>
+            <a:ext cx="8588203" cy="3022600"/>
+          </a:xfrm>
+        </p:spPr>
+        <p:txBody>
+          <a:bodyPr anchor="ctr">
+            <a:normAutofit/>
+          </a:bodyPr>
+          <a:lstStyle>
+            <a:lvl1pPr algn="l">
+              <a:defRPr sz="4400" b="0" cap="none"/>
+            </a:lvl1pPr>
+          </a:lstStyle>
+          <a:p>
+            <a:r>
+              <a:rPr lang="zh-TW" altLang="en-US" smtClean="0"/>
+              <a:t>按一下以編輯母片標題樣式</a:t>
+            </a:r>
+            <a:endParaRPr lang="en-US" dirty="0"/>
+          </a:p>
+        </p:txBody>
+      </p:sp>
+      <p:sp>
+        <p:nvSpPr>
+          <p:cNvPr id="23" name="Text Placeholder 9"/>
+          <p:cNvSpPr>
+            <a:spLocks noGrp="1"/>
+          </p:cNvSpPr>
+          <p:nvPr>
+            <p:ph type="body" sz="quarter" idx="13"/>
+          </p:nvPr>
+        </p:nvSpPr>
+        <p:spPr>
+          <a:xfrm>
+            <a:off x="677332" y="4013200"/>
+            <a:ext cx="8596669" cy="514248"/>
+          </a:xfrm>
+        </p:spPr>
+        <p:txBody>
+          <a:bodyPr anchor="b">
+            <a:noAutofit/>
+          </a:bodyPr>
+          <a:lstStyle>
+            <a:lvl1pPr marL="0" indent="0">
+              <a:buFontTx/>
+              <a:buNone/>
+              <a:defRPr sz="2400">
+                <a:solidFill>
+                  <a:schemeClr val="accent1"/>
+                </a:solidFill>
+              </a:defRPr>
+            </a:lvl1pPr>
+            <a:lvl2pPr marL="457200" indent="0">
+              <a:buFontTx/>
+              <a:buNone/>
+              <a:defRPr/>
+            </a:lvl2pPr>
+            <a:lvl3pPr marL="914400" indent="0">
+              <a:buFontTx/>
+              <a:buNone/>
+              <a:defRPr/>
+            </a:lvl3pPr>
+            <a:lvl4pPr marL="1371600" indent="0">
+              <a:buFontTx/>
+              <a:buNone/>
+              <a:defRPr/>
+            </a:lvl4pPr>
+            <a:lvl5pPr marL="1828800" indent="0">
+              <a:buFontTx/>
+              <a:buNone/>
+              <a:defRPr/>
+            </a:lvl5pPr>
+          </a:lstStyle>
+          <a:p>
+            <a:pPr lvl="0"/>
+            <a:r>
+              <a:rPr lang="zh-TW" altLang="en-US" smtClean="0"/>
+              <a:t>編輯母片文字樣式</a:t>
+            </a:r>
+          </a:p>
+        </p:txBody>
+      </p:sp>
+      <p:sp>
+        <p:nvSpPr>
+          <p:cNvPr id="3" name="Text Placeholder 2"/>
+          <p:cNvSpPr>
+            <a:spLocks noGrp="1"/>
+          </p:cNvSpPr>
+          <p:nvPr>
+            <p:ph type="body" idx="1"/>
+          </p:nvPr>
+        </p:nvSpPr>
+        <p:spPr>
+          <a:xfrm>
+            <a:off x="677335" y="4527448"/>
+            <a:ext cx="8596668" cy="1513914"/>
+          </a:xfrm>
+        </p:spPr>
+        <p:txBody>
+          <a:bodyPr anchor="t">
+            <a:normAutofit/>
+          </a:bodyPr>
+          <a:lstStyle>
+            <a:lvl1pPr marL="0" indent="0" algn="l">
+              <a:buNone/>
+              <a:defRPr sz="1800">
+                <a:solidFill>
+                  <a:schemeClr val="tx1">
+                    <a:lumMod val="50000"/>
+                    <a:lumOff val="50000"/>
+                  </a:schemeClr>
+                </a:solidFill>
+              </a:defRPr>
+            </a:lvl1pPr>
+            <a:lvl2pPr marL="457200" indent="0">
+              <a:buNone/>
+              <a:defRPr sz="1800">
+                <a:solidFill>
+                  <a:schemeClr val="tx1">
+                    <a:tint val="75000"/>
+                  </a:schemeClr>
+                </a:solidFill>
+              </a:defRPr>
+            </a:lvl2pPr>
+            <a:lvl3pPr marL="914400" indent="0">
+              <a:buNone/>
+              <a:defRPr sz="1600">
+                <a:solidFill>
+                  <a:schemeClr val="tx1">
+                    <a:tint val="75000"/>
+                  </a:schemeClr>
+                </a:solidFill>
+              </a:defRPr>
+            </a:lvl3pPr>
+            <a:lvl4pPr marL="1371600" indent="0">
+              <a:buNone/>
+              <a:defRPr sz="1400">
+                <a:solidFill>
+                  <a:schemeClr val="tx1">
+                    <a:tint val="75000"/>
+                  </a:schemeClr>
+                </a:solidFill>
+              </a:defRPr>
+            </a:lvl4pPr>
+            <a:lvl5pPr marL="1828800" indent="0">
+              <a:buNone/>
+              <a:defRPr sz="1400">
+                <a:solidFill>
+                  <a:schemeClr val="tx1">
+                    <a:tint val="75000"/>
+                  </a:schemeClr>
+                </a:solidFill>
+              </a:defRPr>
+            </a:lvl5pPr>
+            <a:lvl6pPr marL="2286000" indent="0">
+              <a:buNone/>
+              <a:defRPr sz="1400">
+                <a:solidFill>
+                  <a:schemeClr val="tx1">
+                    <a:tint val="75000"/>
+                  </a:schemeClr>
+                </a:solidFill>
+              </a:defRPr>
+            </a:lvl6pPr>
+            <a:lvl7pPr marL="2743200" indent="0">
+              <a:buNone/>
+              <a:defRPr sz="1400">
+                <a:solidFill>
+                  <a:schemeClr val="tx1">
+                    <a:tint val="75000"/>
+                  </a:schemeClr>
+                </a:solidFill>
+              </a:defRPr>
+            </a:lvl7pPr>
+            <a:lvl8pPr marL="3200400" indent="0">
+              <a:buNone/>
+              <a:defRPr sz="1400">
+                <a:solidFill>
+                  <a:schemeClr val="tx1">
+                    <a:tint val="75000"/>
+                  </a:schemeClr>
+                </a:solidFill>
+              </a:defRPr>
+            </a:lvl8pPr>
+            <a:lvl9pPr marL="3657600" indent="0">
+              <a:buNone/>
+              <a:defRPr sz="1400">
+                <a:solidFill>
+                  <a:schemeClr val="tx1">
+                    <a:tint val="75000"/>
+                  </a:schemeClr>
+                </a:solidFill>
+              </a:defRPr>
+            </a:lvl9pPr>
+          </a:lstStyle>
+          <a:p>
+            <a:pPr lvl="0"/>
+            <a:r>
+              <a:rPr lang="zh-TW" altLang="en-US" smtClean="0"/>
+              <a:t>編輯母片文字樣式</a:t>
+            </a:r>
+          </a:p>
+        </p:txBody>
+      </p:sp>
+      <p:sp>
+        <p:nvSpPr>
+          <p:cNvPr id="4" name="Date Placeholder 3"/>
+          <p:cNvSpPr>
+            <a:spLocks noGrp="1"/>
+          </p:cNvSpPr>
+          <p:nvPr>
+            <p:ph type="dt" sz="half" idx="10"/>
+          </p:nvPr>
+        </p:nvSpPr>
+        <p:spPr/>
+        <p:txBody>
+          <a:bodyPr/>
+          <a:lstStyle/>
+          <a:p>
+            <a:fld id="{68371185-F1A7-4927-B9D6-E6583EC84139}" type="datetimeFigureOut">
+              <a:rPr lang="zh-TW" altLang="en-US" smtClean="0"/>
+              <a:pPr/>
+              <a:t>2019/12/4</a:t>
+            </a:fld>
+            <a:endParaRPr lang="zh-TW" altLang="en-US"/>
+          </a:p>
+        </p:txBody>
+      </p:sp>
+      <p:sp>
+        <p:nvSpPr>
+          <p:cNvPr id="5" name="Footer Placeholder 4"/>
+          <p:cNvSpPr>
+            <a:spLocks noGrp="1"/>
+          </p:cNvSpPr>
+          <p:nvPr>
+            <p:ph type="ftr" sz="quarter" idx="11"/>
+          </p:nvPr>
+        </p:nvSpPr>
+        <p:spPr/>
+        <p:txBody>
+          <a:bodyPr/>
+          <a:lstStyle/>
+          <a:p>
+            <a:endParaRPr lang="zh-TW" altLang="en-US"/>
+          </a:p>
+        </p:txBody>
+      </p:sp>
+      <p:sp>
+        <p:nvSpPr>
+          <p:cNvPr id="6" name="Slide Number Placeholder 5"/>
+          <p:cNvSpPr>
+            <a:spLocks noGrp="1"/>
+          </p:cNvSpPr>
+          <p:nvPr>
+            <p:ph type="sldNum" sz="quarter" idx="12"/>
+          </p:nvPr>
+        </p:nvSpPr>
+        <p:spPr/>
+        <p:txBody>
+          <a:bodyPr/>
+          <a:lstStyle/>
+          <a:p>
+            <a:fld id="{D8D0C523-9ECB-4AE2-A7A0-A8044144E2A1}" type="slidenum">
+              <a:rPr lang="zh-TW" altLang="en-US" smtClean="0"/>
+              <a:pPr/>
+              <a:t>‹#›</a:t>
+            </a:fld>
+            <a:endParaRPr lang="zh-TW" altLang="en-US"/>
+          </a:p>
+        </p:txBody>
+      </p:sp>
+    </p:spTree>
+    <p:extLst>
+      <p:ext uri="{BB962C8B-B14F-4D97-AF65-F5344CB8AC3E}">
+        <p14:creationId xmlns:p14="http://schemas.microsoft.com/office/powerpoint/2010/main" val="2647261571"/>
+      </p:ext>
+    </p:extLst>
+  </p:cSld>
+  <p:clrMapOvr>
+    <a:masterClrMapping/>
+  </p:clrMapOvr>
+</p:sldLayout>
+</file>
+
+<file path=ppt/slideLayouts/slideLayout48.xml><?xml version="1.0" encoding="utf-8"?>
+<p:sldLayout xmlns:a="http://schemas.openxmlformats.org/drawingml/2006/main" xmlns:r="http://schemas.openxmlformats.org/officeDocument/2006/relationships" xmlns:p="http://schemas.openxmlformats.org/presentationml/2006/main" type="vertTx" preserve="1">
+  <p:cSld name="標題及直排文字">
+    <p:spTree>
+      <p:nvGrpSpPr>
+        <p:cNvPr id="1" name=""/>
+        <p:cNvGrpSpPr/>
+        <p:nvPr/>
+      </p:nvGrpSpPr>
+      <p:grpSpPr>
+        <a:xfrm>
+          <a:off x="0" y="0"/>
+          <a:ext cx="0" cy="0"/>
+          <a:chOff x="0" y="0"/>
+          <a:chExt cx="0" cy="0"/>
+        </a:xfrm>
+      </p:grpSpPr>
+      <p:sp>
+        <p:nvSpPr>
+          <p:cNvPr id="2" name="Title 1"/>
+          <p:cNvSpPr>
+            <a:spLocks noGrp="1"/>
+          </p:cNvSpPr>
+          <p:nvPr>
+            <p:ph type="title"/>
+          </p:nvPr>
+        </p:nvSpPr>
+        <p:spPr/>
+        <p:txBody>
+          <a:bodyPr/>
+          <a:lstStyle/>
+          <a:p>
+            <a:r>
+              <a:rPr lang="zh-TW" altLang="en-US" smtClean="0"/>
+              <a:t>按一下以編輯母片標題樣式</a:t>
+            </a:r>
+            <a:endParaRPr lang="en-US" dirty="0"/>
+          </a:p>
+        </p:txBody>
+      </p:sp>
+      <p:sp>
+        <p:nvSpPr>
+          <p:cNvPr id="3" name="Vertical Text Placeholder 2"/>
+          <p:cNvSpPr>
+            <a:spLocks noGrp="1"/>
+          </p:cNvSpPr>
+          <p:nvPr>
+            <p:ph type="body" orient="vert" idx="1"/>
+          </p:nvPr>
+        </p:nvSpPr>
+        <p:spPr/>
+        <p:txBody>
+          <a:bodyPr vert="eaVert"/>
+          <a:lstStyle/>
+          <a:p>
+            <a:pPr lvl="0"/>
+            <a:r>
+              <a:rPr lang="zh-TW" altLang="en-US" smtClean="0"/>
+              <a:t>編輯母片文字樣式</a:t>
+            </a:r>
+          </a:p>
+          <a:p>
+            <a:pPr lvl="1"/>
+            <a:r>
+              <a:rPr lang="zh-TW" altLang="en-US" smtClean="0"/>
+              <a:t>第二層</a:t>
+            </a:r>
+          </a:p>
+          <a:p>
+            <a:pPr lvl="2"/>
+            <a:r>
+              <a:rPr lang="zh-TW" altLang="en-US" smtClean="0"/>
+              <a:t>第三層</a:t>
+            </a:r>
+          </a:p>
+          <a:p>
+            <a:pPr lvl="3"/>
+            <a:r>
+              <a:rPr lang="zh-TW" altLang="en-US" smtClean="0"/>
+              <a:t>第四層</a:t>
+            </a:r>
+          </a:p>
+          <a:p>
+            <a:pPr lvl="4"/>
+            <a:r>
+              <a:rPr lang="zh-TW" altLang="en-US" smtClean="0"/>
+              <a:t>第五層</a:t>
+            </a:r>
+            <a:endParaRPr lang="en-US" dirty="0"/>
+          </a:p>
+        </p:txBody>
+      </p:sp>
+      <p:sp>
+        <p:nvSpPr>
+          <p:cNvPr id="4" name="Date Placeholder 3"/>
+          <p:cNvSpPr>
+            <a:spLocks noGrp="1"/>
+          </p:cNvSpPr>
+          <p:nvPr>
+            <p:ph type="dt" sz="half" idx="10"/>
+          </p:nvPr>
+        </p:nvSpPr>
+        <p:spPr/>
+        <p:txBody>
+          <a:bodyPr/>
+          <a:lstStyle/>
+          <a:p>
+            <a:fld id="{68371185-F1A7-4927-B9D6-E6583EC84139}" type="datetimeFigureOut">
+              <a:rPr lang="zh-TW" altLang="en-US" smtClean="0"/>
+              <a:pPr/>
+              <a:t>2019/12/4</a:t>
+            </a:fld>
+            <a:endParaRPr lang="zh-TW" altLang="en-US"/>
+          </a:p>
+        </p:txBody>
+      </p:sp>
+      <p:sp>
+        <p:nvSpPr>
+          <p:cNvPr id="5" name="Footer Placeholder 4"/>
+          <p:cNvSpPr>
+            <a:spLocks noGrp="1"/>
+          </p:cNvSpPr>
+          <p:nvPr>
+            <p:ph type="ftr" sz="quarter" idx="11"/>
+          </p:nvPr>
+        </p:nvSpPr>
+        <p:spPr/>
+        <p:txBody>
+          <a:bodyPr/>
+          <a:lstStyle/>
+          <a:p>
+            <a:endParaRPr lang="zh-TW" altLang="en-US"/>
+          </a:p>
+        </p:txBody>
+      </p:sp>
+      <p:sp>
+        <p:nvSpPr>
+          <p:cNvPr id="6" name="Slide Number Placeholder 5"/>
+          <p:cNvSpPr>
+            <a:spLocks noGrp="1"/>
+          </p:cNvSpPr>
+          <p:nvPr>
+            <p:ph type="sldNum" sz="quarter" idx="12"/>
+          </p:nvPr>
+        </p:nvSpPr>
+        <p:spPr/>
+        <p:txBody>
+          <a:bodyPr/>
+          <a:lstStyle/>
+          <a:p>
+            <a:fld id="{D8D0C523-9ECB-4AE2-A7A0-A8044144E2A1}" type="slidenum">
+              <a:rPr lang="zh-TW" altLang="en-US" smtClean="0"/>
+              <a:pPr/>
+              <a:t>‹#›</a:t>
+            </a:fld>
+            <a:endParaRPr lang="zh-TW" altLang="en-US"/>
+          </a:p>
+        </p:txBody>
+      </p:sp>
+    </p:spTree>
+    <p:extLst>
+      <p:ext uri="{BB962C8B-B14F-4D97-AF65-F5344CB8AC3E}">
+        <p14:creationId xmlns:p14="http://schemas.microsoft.com/office/powerpoint/2010/main" val="3597920026"/>
+      </p:ext>
+    </p:extLst>
+  </p:cSld>
+  <p:clrMapOvr>
+    <a:masterClrMapping/>
+  </p:clrMapOvr>
+</p:sldLayout>
+</file>
+
+<file path=ppt/slideLayouts/slideLayout49.xml><?xml version="1.0" encoding="utf-8"?>
+<p:sldLayout xmlns:a="http://schemas.openxmlformats.org/drawingml/2006/main" xmlns:r="http://schemas.openxmlformats.org/officeDocument/2006/relationships" xmlns:p="http://schemas.openxmlformats.org/presentationml/2006/main" type="vertTitleAndTx" preserve="1">
+  <p:cSld name="直排標題及文字">
+    <p:spTree>
+      <p:nvGrpSpPr>
+        <p:cNvPr id="1" name=""/>
+        <p:cNvGrpSpPr/>
+        <p:nvPr/>
+      </p:nvGrpSpPr>
+      <p:grpSpPr>
+        <a:xfrm>
+          <a:off x="0" y="0"/>
+          <a:ext cx="0" cy="0"/>
+          <a:chOff x="0" y="0"/>
+          <a:chExt cx="0" cy="0"/>
+        </a:xfrm>
+      </p:grpSpPr>
+      <p:sp>
+        <p:nvSpPr>
+          <p:cNvPr id="2" name="Vertical Title 1"/>
+          <p:cNvSpPr>
+            <a:spLocks noGrp="1"/>
+          </p:cNvSpPr>
+          <p:nvPr>
+            <p:ph type="title" orient="vert"/>
+          </p:nvPr>
+        </p:nvSpPr>
+        <p:spPr>
+          <a:xfrm>
+            <a:off x="7967673" y="609599"/>
+            <a:ext cx="1304743" cy="5251451"/>
+          </a:xfrm>
+        </p:spPr>
+        <p:txBody>
+          <a:bodyPr vert="eaVert" anchor="ctr"/>
+          <a:lstStyle/>
+          <a:p>
+            <a:r>
+              <a:rPr lang="zh-TW" altLang="en-US" smtClean="0"/>
+              <a:t>按一下以編輯母片標題樣式</a:t>
+            </a:r>
+            <a:endParaRPr lang="en-US" dirty="0"/>
+          </a:p>
+        </p:txBody>
+      </p:sp>
+      <p:sp>
+        <p:nvSpPr>
+          <p:cNvPr id="3" name="Vertical Text Placeholder 2"/>
+          <p:cNvSpPr>
+            <a:spLocks noGrp="1"/>
+          </p:cNvSpPr>
+          <p:nvPr>
+            <p:ph type="body" orient="vert" idx="1"/>
+          </p:nvPr>
+        </p:nvSpPr>
+        <p:spPr>
+          <a:xfrm>
+            <a:off x="677335" y="609600"/>
+            <a:ext cx="7060150" cy="5251450"/>
+          </a:xfrm>
+        </p:spPr>
+        <p:txBody>
+          <a:bodyPr vert="eaVert"/>
+          <a:lstStyle/>
+          <a:p>
+            <a:pPr lvl="0"/>
+            <a:r>
+              <a:rPr lang="zh-TW" altLang="en-US" smtClean="0"/>
+              <a:t>編輯母片文字樣式</a:t>
+            </a:r>
+          </a:p>
+          <a:p>
+            <a:pPr lvl="1"/>
+            <a:r>
+              <a:rPr lang="zh-TW" altLang="en-US" smtClean="0"/>
+              <a:t>第二層</a:t>
+            </a:r>
+          </a:p>
+          <a:p>
+            <a:pPr lvl="2"/>
+            <a:r>
+              <a:rPr lang="zh-TW" altLang="en-US" smtClean="0"/>
+              <a:t>第三層</a:t>
+            </a:r>
+          </a:p>
+          <a:p>
+            <a:pPr lvl="3"/>
+            <a:r>
+              <a:rPr lang="zh-TW" altLang="en-US" smtClean="0"/>
+              <a:t>第四層</a:t>
+            </a:r>
+          </a:p>
+          <a:p>
+            <a:pPr lvl="4"/>
+            <a:r>
+              <a:rPr lang="zh-TW" altLang="en-US" smtClean="0"/>
+              <a:t>第五層</a:t>
+            </a:r>
+            <a:endParaRPr lang="en-US" dirty="0"/>
+          </a:p>
+        </p:txBody>
+      </p:sp>
+      <p:sp>
+        <p:nvSpPr>
+          <p:cNvPr id="4" name="Date Placeholder 3"/>
+          <p:cNvSpPr>
+            <a:spLocks noGrp="1"/>
+          </p:cNvSpPr>
+          <p:nvPr>
+            <p:ph type="dt" sz="half" idx="10"/>
+          </p:nvPr>
+        </p:nvSpPr>
+        <p:spPr/>
+        <p:txBody>
+          <a:bodyPr/>
+          <a:lstStyle/>
+          <a:p>
+            <a:fld id="{68371185-F1A7-4927-B9D6-E6583EC84139}" type="datetimeFigureOut">
+              <a:rPr lang="zh-TW" altLang="en-US" smtClean="0"/>
+              <a:pPr/>
+              <a:t>2019/12/4</a:t>
+            </a:fld>
+            <a:endParaRPr lang="zh-TW" altLang="en-US"/>
+          </a:p>
+        </p:txBody>
+      </p:sp>
+      <p:sp>
+        <p:nvSpPr>
+          <p:cNvPr id="5" name="Footer Placeholder 4"/>
+          <p:cNvSpPr>
+            <a:spLocks noGrp="1"/>
+          </p:cNvSpPr>
+          <p:nvPr>
+            <p:ph type="ftr" sz="quarter" idx="11"/>
+          </p:nvPr>
+        </p:nvSpPr>
+        <p:spPr/>
+        <p:txBody>
+          <a:bodyPr/>
+          <a:lstStyle/>
+          <a:p>
+            <a:endParaRPr lang="zh-TW" altLang="en-US"/>
+          </a:p>
+        </p:txBody>
+      </p:sp>
+      <p:sp>
+        <p:nvSpPr>
+          <p:cNvPr id="6" name="Slide Number Placeholder 5"/>
+          <p:cNvSpPr>
+            <a:spLocks noGrp="1"/>
+          </p:cNvSpPr>
+          <p:nvPr>
+            <p:ph type="sldNum" sz="quarter" idx="12"/>
+          </p:nvPr>
+        </p:nvSpPr>
+        <p:spPr/>
+        <p:txBody>
+          <a:bodyPr/>
+          <a:lstStyle/>
+          <a:p>
+            <a:fld id="{D8D0C523-9ECB-4AE2-A7A0-A8044144E2A1}" type="slidenum">
+              <a:rPr lang="zh-TW" altLang="en-US" smtClean="0"/>
+              <a:pPr/>
+              <a:t>‹#›</a:t>
+            </a:fld>
+            <a:endParaRPr lang="zh-TW" altLang="en-US"/>
+          </a:p>
+        </p:txBody>
+      </p:sp>
+    </p:spTree>
+    <p:extLst>
+      <p:ext uri="{BB962C8B-B14F-4D97-AF65-F5344CB8AC3E}">
+        <p14:creationId xmlns:p14="http://schemas.microsoft.com/office/powerpoint/2010/main" val="4176908146"/>
       </p:ext>
     </p:extLst>
   </p:cSld>
@@ -12517,6 +17061,1197 @@
 </p:sldMaster>
 </file>
 
+<file path=ppt/slideMasters/slideMaster4.xml><?xml version="1.0" encoding="utf-8"?>
+<p:sldMaster xmlns:a="http://schemas.openxmlformats.org/drawingml/2006/main" xmlns:r="http://schemas.openxmlformats.org/officeDocument/2006/relationships" xmlns:p="http://schemas.openxmlformats.org/presentationml/2006/main">
+  <p:cSld>
+    <p:bg>
+      <p:bgRef idx="1001">
+        <a:schemeClr val="bg1"/>
+      </p:bgRef>
+    </p:bg>
+    <p:spTree>
+      <p:nvGrpSpPr>
+        <p:cNvPr id="1" name=""/>
+        <p:cNvGrpSpPr/>
+        <p:nvPr/>
+      </p:nvGrpSpPr>
+      <p:grpSpPr>
+        <a:xfrm>
+          <a:off x="0" y="0"/>
+          <a:ext cx="0" cy="0"/>
+          <a:chOff x="0" y="0"/>
+          <a:chExt cx="0" cy="0"/>
+        </a:xfrm>
+      </p:grpSpPr>
+      <p:grpSp>
+        <p:nvGrpSpPr>
+          <p:cNvPr id="7" name="Group 6"/>
+          <p:cNvGrpSpPr/>
+          <p:nvPr/>
+        </p:nvGrpSpPr>
+        <p:grpSpPr>
+          <a:xfrm>
+            <a:off x="0" y="-8467"/>
+            <a:ext cx="12192000" cy="6866467"/>
+            <a:chOff x="0" y="-8467"/>
+            <a:chExt cx="12192000" cy="6866467"/>
+          </a:xfrm>
+        </p:grpSpPr>
+        <p:cxnSp>
+          <p:nvCxnSpPr>
+            <p:cNvPr id="20" name="Straight Connector 19"/>
+            <p:cNvCxnSpPr/>
+            <p:nvPr/>
+          </p:nvCxnSpPr>
+          <p:spPr>
+            <a:xfrm>
+              <a:off x="9371012" y="0"/>
+              <a:ext cx="1219200" cy="6858000"/>
+            </a:xfrm>
+            <a:prstGeom prst="line">
+              <a:avLst/>
+            </a:prstGeom>
+            <a:ln w="9525">
+              <a:solidFill>
+                <a:schemeClr val="bg1">
+                  <a:lumMod val="75000"/>
+                </a:schemeClr>
+              </a:solidFill>
+            </a:ln>
+          </p:spPr>
+          <p:style>
+            <a:lnRef idx="2">
+              <a:schemeClr val="accent1"/>
+            </a:lnRef>
+            <a:fillRef idx="0">
+              <a:schemeClr val="accent1"/>
+            </a:fillRef>
+            <a:effectRef idx="1">
+              <a:schemeClr val="accent1"/>
+            </a:effectRef>
+            <a:fontRef idx="minor">
+              <a:schemeClr val="tx1"/>
+            </a:fontRef>
+          </p:style>
+        </p:cxnSp>
+        <p:cxnSp>
+          <p:nvCxnSpPr>
+            <p:cNvPr id="21" name="Straight Connector 20"/>
+            <p:cNvCxnSpPr/>
+            <p:nvPr/>
+          </p:nvCxnSpPr>
+          <p:spPr>
+            <a:xfrm flipH="1">
+              <a:off x="7425267" y="3681413"/>
+              <a:ext cx="4763558" cy="3176587"/>
+            </a:xfrm>
+            <a:prstGeom prst="line">
+              <a:avLst/>
+            </a:prstGeom>
+            <a:ln w="9525">
+              <a:solidFill>
+                <a:schemeClr val="bg1">
+                  <a:lumMod val="85000"/>
+                </a:schemeClr>
+              </a:solidFill>
+            </a:ln>
+          </p:spPr>
+          <p:style>
+            <a:lnRef idx="2">
+              <a:schemeClr val="accent1"/>
+            </a:lnRef>
+            <a:fillRef idx="0">
+              <a:schemeClr val="accent1"/>
+            </a:fillRef>
+            <a:effectRef idx="1">
+              <a:schemeClr val="accent1"/>
+            </a:effectRef>
+            <a:fontRef idx="minor">
+              <a:schemeClr val="tx1"/>
+            </a:fontRef>
+          </p:style>
+        </p:cxnSp>
+        <p:sp>
+          <p:nvSpPr>
+            <p:cNvPr id="22" name="Rectangle 23"/>
+            <p:cNvSpPr/>
+            <p:nvPr/>
+          </p:nvSpPr>
+          <p:spPr>
+            <a:xfrm>
+              <a:off x="9181476" y="-8467"/>
+              <a:ext cx="3007349" cy="6866467"/>
+            </a:xfrm>
+            <a:custGeom>
+              <a:avLst/>
+              <a:gdLst/>
+              <a:ahLst/>
+              <a:cxnLst/>
+              <a:rect l="l" t="t" r="r" b="b"/>
+              <a:pathLst>
+                <a:path w="3007349" h="6866467">
+                  <a:moveTo>
+                    <a:pt x="2045532" y="0"/>
+                  </a:moveTo>
+                  <a:lnTo>
+                    <a:pt x="3007349" y="0"/>
+                  </a:lnTo>
+                  <a:lnTo>
+                    <a:pt x="3007349" y="6866467"/>
+                  </a:lnTo>
+                  <a:lnTo>
+                    <a:pt x="0" y="6866467"/>
+                  </a:lnTo>
+                  <a:lnTo>
+                    <a:pt x="2045532" y="0"/>
+                  </a:lnTo>
+                  <a:close/>
+                </a:path>
+              </a:pathLst>
+            </a:custGeom>
+            <a:solidFill>
+              <a:schemeClr val="accent1">
+                <a:alpha val="30000"/>
+              </a:schemeClr>
+            </a:solidFill>
+            <a:ln>
+              <a:noFill/>
+            </a:ln>
+            <a:effectLst/>
+          </p:spPr>
+          <p:style>
+            <a:lnRef idx="1">
+              <a:schemeClr val="accent1"/>
+            </a:lnRef>
+            <a:fillRef idx="3">
+              <a:schemeClr val="accent1"/>
+            </a:fillRef>
+            <a:effectRef idx="2">
+              <a:schemeClr val="accent1"/>
+            </a:effectRef>
+            <a:fontRef idx="minor">
+              <a:schemeClr val="lt1"/>
+            </a:fontRef>
+          </p:style>
+        </p:sp>
+        <p:sp>
+          <p:nvSpPr>
+            <p:cNvPr id="23" name="Rectangle 25"/>
+            <p:cNvSpPr/>
+            <p:nvPr/>
+          </p:nvSpPr>
+          <p:spPr>
+            <a:xfrm>
+              <a:off x="9603442" y="-8467"/>
+              <a:ext cx="2588558" cy="6866467"/>
+            </a:xfrm>
+            <a:custGeom>
+              <a:avLst/>
+              <a:gdLst/>
+              <a:ahLst/>
+              <a:cxnLst/>
+              <a:rect l="l" t="t" r="r" b="b"/>
+              <a:pathLst>
+                <a:path w="2573311" h="6866467">
+                  <a:moveTo>
+                    <a:pt x="0" y="0"/>
+                  </a:moveTo>
+                  <a:lnTo>
+                    <a:pt x="2573311" y="0"/>
+                  </a:lnTo>
+                  <a:lnTo>
+                    <a:pt x="2573311" y="6866467"/>
+                  </a:lnTo>
+                  <a:lnTo>
+                    <a:pt x="1202336" y="6866467"/>
+                  </a:lnTo>
+                  <a:lnTo>
+                    <a:pt x="0" y="0"/>
+                  </a:lnTo>
+                  <a:close/>
+                </a:path>
+              </a:pathLst>
+            </a:custGeom>
+            <a:solidFill>
+              <a:schemeClr val="accent1">
+                <a:alpha val="20000"/>
+              </a:schemeClr>
+            </a:solidFill>
+            <a:ln>
+              <a:noFill/>
+            </a:ln>
+            <a:effectLst/>
+          </p:spPr>
+          <p:style>
+            <a:lnRef idx="1">
+              <a:schemeClr val="accent1"/>
+            </a:lnRef>
+            <a:fillRef idx="3">
+              <a:schemeClr val="accent1"/>
+            </a:fillRef>
+            <a:effectRef idx="2">
+              <a:schemeClr val="accent1"/>
+            </a:effectRef>
+            <a:fontRef idx="minor">
+              <a:schemeClr val="lt1"/>
+            </a:fontRef>
+          </p:style>
+        </p:sp>
+        <p:sp>
+          <p:nvSpPr>
+            <p:cNvPr id="24" name="Isosceles Triangle 23"/>
+            <p:cNvSpPr/>
+            <p:nvPr/>
+          </p:nvSpPr>
+          <p:spPr>
+            <a:xfrm>
+              <a:off x="8932333" y="3048000"/>
+              <a:ext cx="3259667" cy="3810000"/>
+            </a:xfrm>
+            <a:prstGeom prst="triangle">
+              <a:avLst>
+                <a:gd name="adj" fmla="val 100000"/>
+              </a:avLst>
+            </a:prstGeom>
+            <a:solidFill>
+              <a:schemeClr val="accent2">
+                <a:alpha val="72000"/>
+              </a:schemeClr>
+            </a:solidFill>
+            <a:ln>
+              <a:noFill/>
+            </a:ln>
+            <a:effectLst/>
+          </p:spPr>
+          <p:style>
+            <a:lnRef idx="1">
+              <a:schemeClr val="accent1"/>
+            </a:lnRef>
+            <a:fillRef idx="3">
+              <a:schemeClr val="accent1"/>
+            </a:fillRef>
+            <a:effectRef idx="2">
+              <a:schemeClr val="accent1"/>
+            </a:effectRef>
+            <a:fontRef idx="minor">
+              <a:schemeClr val="lt1"/>
+            </a:fontRef>
+          </p:style>
+        </p:sp>
+        <p:sp>
+          <p:nvSpPr>
+            <p:cNvPr id="25" name="Rectangle 27"/>
+            <p:cNvSpPr/>
+            <p:nvPr/>
+          </p:nvSpPr>
+          <p:spPr>
+            <a:xfrm>
+              <a:off x="9334500" y="-8467"/>
+              <a:ext cx="2854326" cy="6866467"/>
+            </a:xfrm>
+            <a:custGeom>
+              <a:avLst/>
+              <a:gdLst/>
+              <a:ahLst/>
+              <a:cxnLst/>
+              <a:rect l="l" t="t" r="r" b="b"/>
+              <a:pathLst>
+                <a:path w="2858013" h="6866467">
+                  <a:moveTo>
+                    <a:pt x="0" y="0"/>
+                  </a:moveTo>
+                  <a:lnTo>
+                    <a:pt x="2858013" y="0"/>
+                  </a:lnTo>
+                  <a:lnTo>
+                    <a:pt x="2858013" y="6866467"/>
+                  </a:lnTo>
+                  <a:lnTo>
+                    <a:pt x="2473942" y="6866467"/>
+                  </a:lnTo>
+                  <a:lnTo>
+                    <a:pt x="0" y="0"/>
+                  </a:lnTo>
+                  <a:close/>
+                </a:path>
+              </a:pathLst>
+            </a:custGeom>
+            <a:solidFill>
+              <a:schemeClr val="accent2">
+                <a:lumMod val="75000"/>
+                <a:alpha val="70000"/>
+              </a:schemeClr>
+            </a:solidFill>
+            <a:ln>
+              <a:noFill/>
+            </a:ln>
+            <a:effectLst/>
+          </p:spPr>
+          <p:style>
+            <a:lnRef idx="1">
+              <a:schemeClr val="accent1"/>
+            </a:lnRef>
+            <a:fillRef idx="3">
+              <a:schemeClr val="accent1"/>
+            </a:fillRef>
+            <a:effectRef idx="2">
+              <a:schemeClr val="accent1"/>
+            </a:effectRef>
+            <a:fontRef idx="minor">
+              <a:schemeClr val="lt1"/>
+            </a:fontRef>
+          </p:style>
+        </p:sp>
+        <p:sp>
+          <p:nvSpPr>
+            <p:cNvPr id="26" name="Rectangle 28"/>
+            <p:cNvSpPr/>
+            <p:nvPr/>
+          </p:nvSpPr>
+          <p:spPr>
+            <a:xfrm>
+              <a:off x="10898730" y="-8467"/>
+              <a:ext cx="1290094" cy="6866467"/>
+            </a:xfrm>
+            <a:custGeom>
+              <a:avLst/>
+              <a:gdLst/>
+              <a:ahLst/>
+              <a:cxnLst/>
+              <a:rect l="l" t="t" r="r" b="b"/>
+              <a:pathLst>
+                <a:path w="1290094" h="6858000">
+                  <a:moveTo>
+                    <a:pt x="1019735" y="0"/>
+                  </a:moveTo>
+                  <a:lnTo>
+                    <a:pt x="1290094" y="0"/>
+                  </a:lnTo>
+                  <a:lnTo>
+                    <a:pt x="1290094" y="6858000"/>
+                  </a:lnTo>
+                  <a:lnTo>
+                    <a:pt x="0" y="6858000"/>
+                  </a:lnTo>
+                  <a:lnTo>
+                    <a:pt x="1019735" y="0"/>
+                  </a:lnTo>
+                  <a:close/>
+                </a:path>
+              </a:pathLst>
+            </a:custGeom>
+            <a:solidFill>
+              <a:schemeClr val="accent1">
+                <a:lumMod val="60000"/>
+                <a:lumOff val="40000"/>
+                <a:alpha val="70000"/>
+              </a:schemeClr>
+            </a:solidFill>
+            <a:ln>
+              <a:noFill/>
+            </a:ln>
+            <a:effectLst/>
+          </p:spPr>
+          <p:style>
+            <a:lnRef idx="1">
+              <a:schemeClr val="accent1"/>
+            </a:lnRef>
+            <a:fillRef idx="3">
+              <a:schemeClr val="accent1"/>
+            </a:fillRef>
+            <a:effectRef idx="2">
+              <a:schemeClr val="accent1"/>
+            </a:effectRef>
+            <a:fontRef idx="minor">
+              <a:schemeClr val="lt1"/>
+            </a:fontRef>
+          </p:style>
+        </p:sp>
+        <p:sp>
+          <p:nvSpPr>
+            <p:cNvPr id="27" name="Rectangle 29"/>
+            <p:cNvSpPr/>
+            <p:nvPr/>
+          </p:nvSpPr>
+          <p:spPr>
+            <a:xfrm>
+              <a:off x="10938999" y="-8467"/>
+              <a:ext cx="1249825" cy="6866467"/>
+            </a:xfrm>
+            <a:custGeom>
+              <a:avLst/>
+              <a:gdLst/>
+              <a:ahLst/>
+              <a:cxnLst/>
+              <a:rect l="l" t="t" r="r" b="b"/>
+              <a:pathLst>
+                <a:path w="1249825" h="6858000">
+                  <a:moveTo>
+                    <a:pt x="0" y="0"/>
+                  </a:moveTo>
+                  <a:lnTo>
+                    <a:pt x="1249825" y="0"/>
+                  </a:lnTo>
+                  <a:lnTo>
+                    <a:pt x="1249825" y="6858000"/>
+                  </a:lnTo>
+                  <a:lnTo>
+                    <a:pt x="1109382" y="6858000"/>
+                  </a:lnTo>
+                  <a:lnTo>
+                    <a:pt x="0" y="0"/>
+                  </a:lnTo>
+                  <a:close/>
+                </a:path>
+              </a:pathLst>
+            </a:custGeom>
+            <a:solidFill>
+              <a:schemeClr val="accent1">
+                <a:alpha val="65000"/>
+              </a:schemeClr>
+            </a:solidFill>
+            <a:ln>
+              <a:noFill/>
+            </a:ln>
+            <a:effectLst/>
+          </p:spPr>
+          <p:style>
+            <a:lnRef idx="1">
+              <a:schemeClr val="accent1"/>
+            </a:lnRef>
+            <a:fillRef idx="3">
+              <a:schemeClr val="accent1"/>
+            </a:fillRef>
+            <a:effectRef idx="2">
+              <a:schemeClr val="accent1"/>
+            </a:effectRef>
+            <a:fontRef idx="minor">
+              <a:schemeClr val="lt1"/>
+            </a:fontRef>
+          </p:style>
+        </p:sp>
+        <p:sp>
+          <p:nvSpPr>
+            <p:cNvPr id="28" name="Isosceles Triangle 27"/>
+            <p:cNvSpPr/>
+            <p:nvPr/>
+          </p:nvSpPr>
+          <p:spPr>
+            <a:xfrm>
+              <a:off x="10371666" y="3589867"/>
+              <a:ext cx="1817159" cy="3268133"/>
+            </a:xfrm>
+            <a:prstGeom prst="triangle">
+              <a:avLst>
+                <a:gd name="adj" fmla="val 100000"/>
+              </a:avLst>
+            </a:prstGeom>
+            <a:solidFill>
+              <a:schemeClr val="accent1">
+                <a:alpha val="80000"/>
+              </a:schemeClr>
+            </a:solidFill>
+            <a:ln>
+              <a:noFill/>
+            </a:ln>
+            <a:effectLst/>
+          </p:spPr>
+          <p:style>
+            <a:lnRef idx="1">
+              <a:schemeClr val="accent1"/>
+            </a:lnRef>
+            <a:fillRef idx="3">
+              <a:schemeClr val="accent1"/>
+            </a:fillRef>
+            <a:effectRef idx="2">
+              <a:schemeClr val="accent1"/>
+            </a:effectRef>
+            <a:fontRef idx="minor">
+              <a:schemeClr val="lt1"/>
+            </a:fontRef>
+          </p:style>
+        </p:sp>
+        <p:sp>
+          <p:nvSpPr>
+            <p:cNvPr id="29" name="Isosceles Triangle 28"/>
+            <p:cNvSpPr/>
+            <p:nvPr/>
+          </p:nvSpPr>
+          <p:spPr>
+            <a:xfrm>
+              <a:off x="0" y="4013200"/>
+              <a:ext cx="448733" cy="2844800"/>
+            </a:xfrm>
+            <a:prstGeom prst="triangle">
+              <a:avLst>
+                <a:gd name="adj" fmla="val 0"/>
+              </a:avLst>
+            </a:prstGeom>
+            <a:solidFill>
+              <a:schemeClr val="accent1">
+                <a:alpha val="85000"/>
+              </a:schemeClr>
+            </a:solidFill>
+            <a:ln>
+              <a:noFill/>
+            </a:ln>
+            <a:effectLst/>
+          </p:spPr>
+          <p:style>
+            <a:lnRef idx="1">
+              <a:schemeClr val="accent1"/>
+            </a:lnRef>
+            <a:fillRef idx="3">
+              <a:schemeClr val="accent1"/>
+            </a:fillRef>
+            <a:effectRef idx="2">
+              <a:schemeClr val="accent1"/>
+            </a:effectRef>
+            <a:fontRef idx="minor">
+              <a:schemeClr val="lt1"/>
+            </a:fontRef>
+          </p:style>
+        </p:sp>
+      </p:grpSp>
+      <p:sp>
+        <p:nvSpPr>
+          <p:cNvPr id="2" name="Title Placeholder 1"/>
+          <p:cNvSpPr>
+            <a:spLocks noGrp="1"/>
+          </p:cNvSpPr>
+          <p:nvPr>
+            <p:ph type="title"/>
+          </p:nvPr>
+        </p:nvSpPr>
+        <p:spPr>
+          <a:xfrm>
+            <a:off x="677334" y="609600"/>
+            <a:ext cx="8596668" cy="1320800"/>
+          </a:xfrm>
+          <a:prstGeom prst="rect">
+            <a:avLst/>
+          </a:prstGeom>
+        </p:spPr>
+        <p:txBody>
+          <a:bodyPr vert="horz" lIns="91440" tIns="45720" rIns="91440" bIns="45720" rtlCol="0" anchor="t">
+            <a:normAutofit/>
+          </a:bodyPr>
+          <a:lstStyle/>
+          <a:p>
+            <a:r>
+              <a:rPr lang="zh-TW" altLang="en-US" smtClean="0"/>
+              <a:t>按一下以編輯母片標題樣式</a:t>
+            </a:r>
+            <a:endParaRPr lang="en-US" dirty="0"/>
+          </a:p>
+        </p:txBody>
+      </p:sp>
+      <p:sp>
+        <p:nvSpPr>
+          <p:cNvPr id="3" name="Text Placeholder 2"/>
+          <p:cNvSpPr>
+            <a:spLocks noGrp="1"/>
+          </p:cNvSpPr>
+          <p:nvPr>
+            <p:ph type="body" idx="1"/>
+          </p:nvPr>
+        </p:nvSpPr>
+        <p:spPr>
+          <a:xfrm>
+            <a:off x="677334" y="2160589"/>
+            <a:ext cx="8596668" cy="3880773"/>
+          </a:xfrm>
+          <a:prstGeom prst="rect">
+            <a:avLst/>
+          </a:prstGeom>
+        </p:spPr>
+        <p:txBody>
+          <a:bodyPr vert="horz" lIns="91440" tIns="45720" rIns="91440" bIns="45720" rtlCol="0">
+            <a:normAutofit/>
+          </a:bodyPr>
+          <a:lstStyle/>
+          <a:p>
+            <a:pPr lvl="0"/>
+            <a:r>
+              <a:rPr lang="zh-TW" altLang="en-US" smtClean="0"/>
+              <a:t>編輯母片文字樣式</a:t>
+            </a:r>
+          </a:p>
+          <a:p>
+            <a:pPr lvl="1"/>
+            <a:r>
+              <a:rPr lang="zh-TW" altLang="en-US" smtClean="0"/>
+              <a:t>第二層</a:t>
+            </a:r>
+          </a:p>
+          <a:p>
+            <a:pPr lvl="2"/>
+            <a:r>
+              <a:rPr lang="zh-TW" altLang="en-US" smtClean="0"/>
+              <a:t>第三層</a:t>
+            </a:r>
+          </a:p>
+          <a:p>
+            <a:pPr lvl="3"/>
+            <a:r>
+              <a:rPr lang="zh-TW" altLang="en-US" smtClean="0"/>
+              <a:t>第四層</a:t>
+            </a:r>
+          </a:p>
+          <a:p>
+            <a:pPr lvl="4"/>
+            <a:r>
+              <a:rPr lang="zh-TW" altLang="en-US" smtClean="0"/>
+              <a:t>第五層</a:t>
+            </a:r>
+            <a:endParaRPr lang="en-US" dirty="0"/>
+          </a:p>
+        </p:txBody>
+      </p:sp>
+      <p:sp>
+        <p:nvSpPr>
+          <p:cNvPr id="4" name="Date Placeholder 3"/>
+          <p:cNvSpPr>
+            <a:spLocks noGrp="1"/>
+          </p:cNvSpPr>
+          <p:nvPr>
+            <p:ph type="dt" sz="half" idx="2"/>
+          </p:nvPr>
+        </p:nvSpPr>
+        <p:spPr>
+          <a:xfrm>
+            <a:off x="7205133" y="6041362"/>
+            <a:ext cx="911939" cy="365125"/>
+          </a:xfrm>
+          <a:prstGeom prst="rect">
+            <a:avLst/>
+          </a:prstGeom>
+        </p:spPr>
+        <p:txBody>
+          <a:bodyPr vert="horz" lIns="91440" tIns="45720" rIns="91440" bIns="45720" rtlCol="0" anchor="ctr"/>
+          <a:lstStyle>
+            <a:lvl1pPr algn="r">
+              <a:defRPr sz="900">
+                <a:solidFill>
+                  <a:schemeClr val="tx1">
+                    <a:tint val="75000"/>
+                  </a:schemeClr>
+                </a:solidFill>
+              </a:defRPr>
+            </a:lvl1pPr>
+          </a:lstStyle>
+          <a:p>
+            <a:fld id="{68371185-F1A7-4927-B9D6-E6583EC84139}" type="datetimeFigureOut">
+              <a:rPr lang="zh-TW" altLang="en-US" smtClean="0"/>
+              <a:pPr/>
+              <a:t>2019/12/4</a:t>
+            </a:fld>
+            <a:endParaRPr lang="zh-TW" altLang="en-US"/>
+          </a:p>
+        </p:txBody>
+      </p:sp>
+      <p:sp>
+        <p:nvSpPr>
+          <p:cNvPr id="5" name="Footer Placeholder 4"/>
+          <p:cNvSpPr>
+            <a:spLocks noGrp="1"/>
+          </p:cNvSpPr>
+          <p:nvPr>
+            <p:ph type="ftr" sz="quarter" idx="3"/>
+          </p:nvPr>
+        </p:nvSpPr>
+        <p:spPr>
+          <a:xfrm>
+            <a:off x="677334" y="6041362"/>
+            <a:ext cx="6297612" cy="365125"/>
+          </a:xfrm>
+          <a:prstGeom prst="rect">
+            <a:avLst/>
+          </a:prstGeom>
+        </p:spPr>
+        <p:txBody>
+          <a:bodyPr vert="horz" lIns="91440" tIns="45720" rIns="91440" bIns="45720" rtlCol="0" anchor="ctr"/>
+          <a:lstStyle>
+            <a:lvl1pPr algn="l">
+              <a:defRPr sz="900">
+                <a:solidFill>
+                  <a:schemeClr val="tx1">
+                    <a:tint val="75000"/>
+                  </a:schemeClr>
+                </a:solidFill>
+              </a:defRPr>
+            </a:lvl1pPr>
+          </a:lstStyle>
+          <a:p>
+            <a:endParaRPr lang="zh-TW" altLang="en-US"/>
+          </a:p>
+        </p:txBody>
+      </p:sp>
+      <p:sp>
+        <p:nvSpPr>
+          <p:cNvPr id="6" name="Slide Number Placeholder 5"/>
+          <p:cNvSpPr>
+            <a:spLocks noGrp="1"/>
+          </p:cNvSpPr>
+          <p:nvPr>
+            <p:ph type="sldNum" sz="quarter" idx="4"/>
+          </p:nvPr>
+        </p:nvSpPr>
+        <p:spPr>
+          <a:xfrm>
+            <a:off x="8590663" y="6041362"/>
+            <a:ext cx="683339" cy="365125"/>
+          </a:xfrm>
+          <a:prstGeom prst="rect">
+            <a:avLst/>
+          </a:prstGeom>
+        </p:spPr>
+        <p:txBody>
+          <a:bodyPr vert="horz" lIns="91440" tIns="45720" rIns="91440" bIns="45720" rtlCol="0" anchor="ctr"/>
+          <a:lstStyle>
+            <a:lvl1pPr algn="r">
+              <a:defRPr sz="900">
+                <a:solidFill>
+                  <a:schemeClr val="accent1"/>
+                </a:solidFill>
+              </a:defRPr>
+            </a:lvl1pPr>
+          </a:lstStyle>
+          <a:p>
+            <a:fld id="{D8D0C523-9ECB-4AE2-A7A0-A8044144E2A1}" type="slidenum">
+              <a:rPr lang="zh-TW" altLang="en-US" smtClean="0"/>
+              <a:pPr/>
+              <a:t>‹#›</a:t>
+            </a:fld>
+            <a:endParaRPr lang="zh-TW" altLang="en-US"/>
+          </a:p>
+        </p:txBody>
+      </p:sp>
+    </p:spTree>
+    <p:extLst>
+      <p:ext uri="{BB962C8B-B14F-4D97-AF65-F5344CB8AC3E}">
+        <p14:creationId xmlns:p14="http://schemas.microsoft.com/office/powerpoint/2010/main" val="3411925642"/>
+      </p:ext>
+    </p:extLst>
+  </p:cSld>
+  <p:clrMap bg1="lt1" tx1="dk1" bg2="lt2" tx2="dk2" accent1="accent1" accent2="accent2" accent3="accent3" accent4="accent4" accent5="accent5" accent6="accent6" hlink="hlink" folHlink="folHlink"/>
+  <p:sldLayoutIdLst>
+    <p:sldLayoutId id="2147483685" r:id="rId1"/>
+    <p:sldLayoutId id="2147483686" r:id="rId2"/>
+    <p:sldLayoutId id="2147483687" r:id="rId3"/>
+    <p:sldLayoutId id="2147483688" r:id="rId4"/>
+    <p:sldLayoutId id="2147483689" r:id="rId5"/>
+    <p:sldLayoutId id="2147483690" r:id="rId6"/>
+    <p:sldLayoutId id="2147483691" r:id="rId7"/>
+    <p:sldLayoutId id="2147483692" r:id="rId8"/>
+    <p:sldLayoutId id="2147483693" r:id="rId9"/>
+    <p:sldLayoutId id="2147483694" r:id="rId10"/>
+    <p:sldLayoutId id="2147483695" r:id="rId11"/>
+    <p:sldLayoutId id="2147483696" r:id="rId12"/>
+    <p:sldLayoutId id="2147483697" r:id="rId13"/>
+    <p:sldLayoutId id="2147483698" r:id="rId14"/>
+    <p:sldLayoutId id="2147483699" r:id="rId15"/>
+    <p:sldLayoutId id="2147483700" r:id="rId16"/>
+  </p:sldLayoutIdLst>
+  <p:txStyles>
+    <p:titleStyle>
+      <a:lvl1pPr algn="l" defTabSz="457200" rtl="0" eaLnBrk="1" latinLnBrk="0" hangingPunct="1">
+        <a:spcBef>
+          <a:spcPct val="0"/>
+        </a:spcBef>
+        <a:buNone/>
+        <a:defRPr sz="3600" kern="1200">
+          <a:solidFill>
+            <a:schemeClr val="accent1"/>
+          </a:solidFill>
+          <a:latin typeface="+mj-lt"/>
+          <a:ea typeface="+mj-ea"/>
+          <a:cs typeface="+mj-cs"/>
+        </a:defRPr>
+      </a:lvl1pPr>
+      <a:lvl2pPr eaLnBrk="1" hangingPunct="1">
+        <a:defRPr>
+          <a:solidFill>
+            <a:schemeClr val="tx2"/>
+          </a:solidFill>
+        </a:defRPr>
+      </a:lvl2pPr>
+      <a:lvl3pPr eaLnBrk="1" hangingPunct="1">
+        <a:defRPr>
+          <a:solidFill>
+            <a:schemeClr val="tx2"/>
+          </a:solidFill>
+        </a:defRPr>
+      </a:lvl3pPr>
+      <a:lvl4pPr eaLnBrk="1" hangingPunct="1">
+        <a:defRPr>
+          <a:solidFill>
+            <a:schemeClr val="tx2"/>
+          </a:solidFill>
+        </a:defRPr>
+      </a:lvl4pPr>
+      <a:lvl5pPr eaLnBrk="1" hangingPunct="1">
+        <a:defRPr>
+          <a:solidFill>
+            <a:schemeClr val="tx2"/>
+          </a:solidFill>
+        </a:defRPr>
+      </a:lvl5pPr>
+      <a:lvl6pPr eaLnBrk="1" hangingPunct="1">
+        <a:defRPr>
+          <a:solidFill>
+            <a:schemeClr val="tx2"/>
+          </a:solidFill>
+        </a:defRPr>
+      </a:lvl6pPr>
+      <a:lvl7pPr eaLnBrk="1" hangingPunct="1">
+        <a:defRPr>
+          <a:solidFill>
+            <a:schemeClr val="tx2"/>
+          </a:solidFill>
+        </a:defRPr>
+      </a:lvl7pPr>
+      <a:lvl8pPr eaLnBrk="1" hangingPunct="1">
+        <a:defRPr>
+          <a:solidFill>
+            <a:schemeClr val="tx2"/>
+          </a:solidFill>
+        </a:defRPr>
+      </a:lvl8pPr>
+      <a:lvl9pPr eaLnBrk="1" hangingPunct="1">
+        <a:defRPr>
+          <a:solidFill>
+            <a:schemeClr val="tx2"/>
+          </a:solidFill>
+        </a:defRPr>
+      </a:lvl9pPr>
+    </p:titleStyle>
+    <p:bodyStyle>
+      <a:lvl1pPr marL="342900" indent="-342900" algn="l" defTabSz="457200" rtl="0" eaLnBrk="1" latinLnBrk="0" hangingPunct="1">
+        <a:spcBef>
+          <a:spcPts val="1000"/>
+        </a:spcBef>
+        <a:spcAft>
+          <a:spcPts val="0"/>
+        </a:spcAft>
+        <a:buClr>
+          <a:schemeClr val="accent1"/>
+        </a:buClr>
+        <a:buSzPct val="80000"/>
+        <a:buFont typeface="Wingdings 3" charset="2"/>
+        <a:buChar char=""/>
+        <a:defRPr sz="1800" kern="1200">
+          <a:solidFill>
+            <a:schemeClr val="tx1">
+              <a:lumMod val="75000"/>
+              <a:lumOff val="25000"/>
+            </a:schemeClr>
+          </a:solidFill>
+          <a:latin typeface="+mn-lt"/>
+          <a:ea typeface="+mn-ea"/>
+          <a:cs typeface="+mn-cs"/>
+        </a:defRPr>
+      </a:lvl1pPr>
+      <a:lvl2pPr marL="742950" indent="-285750" algn="l" defTabSz="457200" rtl="0" eaLnBrk="1" latinLnBrk="0" hangingPunct="1">
+        <a:spcBef>
+          <a:spcPts val="1000"/>
+        </a:spcBef>
+        <a:spcAft>
+          <a:spcPts val="0"/>
+        </a:spcAft>
+        <a:buClr>
+          <a:schemeClr val="accent1"/>
+        </a:buClr>
+        <a:buSzPct val="80000"/>
+        <a:buFont typeface="Wingdings 3" charset="2"/>
+        <a:buChar char=""/>
+        <a:defRPr sz="1600" kern="1200">
+          <a:solidFill>
+            <a:schemeClr val="tx1">
+              <a:lumMod val="75000"/>
+              <a:lumOff val="25000"/>
+            </a:schemeClr>
+          </a:solidFill>
+          <a:latin typeface="+mn-lt"/>
+          <a:ea typeface="+mn-ea"/>
+          <a:cs typeface="+mn-cs"/>
+        </a:defRPr>
+      </a:lvl2pPr>
+      <a:lvl3pPr marL="1143000" indent="-228600" algn="l" defTabSz="457200" rtl="0" eaLnBrk="1" latinLnBrk="0" hangingPunct="1">
+        <a:spcBef>
+          <a:spcPts val="1000"/>
+        </a:spcBef>
+        <a:spcAft>
+          <a:spcPts val="0"/>
+        </a:spcAft>
+        <a:buClr>
+          <a:schemeClr val="accent1"/>
+        </a:buClr>
+        <a:buSzPct val="80000"/>
+        <a:buFont typeface="Wingdings 3" charset="2"/>
+        <a:buChar char=""/>
+        <a:defRPr sz="1400" kern="1200">
+          <a:solidFill>
+            <a:schemeClr val="tx1">
+              <a:lumMod val="75000"/>
+              <a:lumOff val="25000"/>
+            </a:schemeClr>
+          </a:solidFill>
+          <a:latin typeface="+mn-lt"/>
+          <a:ea typeface="+mn-ea"/>
+          <a:cs typeface="+mn-cs"/>
+        </a:defRPr>
+      </a:lvl3pPr>
+      <a:lvl4pPr marL="1600200" indent="-228600" algn="l" defTabSz="457200" rtl="0" eaLnBrk="1" latinLnBrk="0" hangingPunct="1">
+        <a:spcBef>
+          <a:spcPts val="1000"/>
+        </a:spcBef>
+        <a:spcAft>
+          <a:spcPts val="0"/>
+        </a:spcAft>
+        <a:buClr>
+          <a:schemeClr val="accent1"/>
+        </a:buClr>
+        <a:buSzPct val="80000"/>
+        <a:buFont typeface="Wingdings 3" charset="2"/>
+        <a:buChar char=""/>
+        <a:defRPr sz="1200" kern="1200">
+          <a:solidFill>
+            <a:schemeClr val="tx1">
+              <a:lumMod val="75000"/>
+              <a:lumOff val="25000"/>
+            </a:schemeClr>
+          </a:solidFill>
+          <a:latin typeface="+mn-lt"/>
+          <a:ea typeface="+mn-ea"/>
+          <a:cs typeface="+mn-cs"/>
+        </a:defRPr>
+      </a:lvl4pPr>
+      <a:lvl5pPr marL="2057400" indent="-228600" algn="l" defTabSz="457200" rtl="0" eaLnBrk="1" latinLnBrk="0" hangingPunct="1">
+        <a:spcBef>
+          <a:spcPts val="1000"/>
+        </a:spcBef>
+        <a:spcAft>
+          <a:spcPts val="0"/>
+        </a:spcAft>
+        <a:buClr>
+          <a:schemeClr val="accent1"/>
+        </a:buClr>
+        <a:buSzPct val="80000"/>
+        <a:buFont typeface="Wingdings 3" charset="2"/>
+        <a:buChar char=""/>
+        <a:defRPr sz="1200" kern="1200">
+          <a:solidFill>
+            <a:schemeClr val="tx1">
+              <a:lumMod val="75000"/>
+              <a:lumOff val="25000"/>
+            </a:schemeClr>
+          </a:solidFill>
+          <a:latin typeface="+mn-lt"/>
+          <a:ea typeface="+mn-ea"/>
+          <a:cs typeface="+mn-cs"/>
+        </a:defRPr>
+      </a:lvl5pPr>
+      <a:lvl6pPr marL="2514600" indent="-228600" algn="l" defTabSz="457200" rtl="0" eaLnBrk="1" latinLnBrk="0" hangingPunct="1">
+        <a:spcBef>
+          <a:spcPts val="1000"/>
+        </a:spcBef>
+        <a:spcAft>
+          <a:spcPts val="0"/>
+        </a:spcAft>
+        <a:buClr>
+          <a:schemeClr val="accent1"/>
+        </a:buClr>
+        <a:buSzPct val="80000"/>
+        <a:buFont typeface="Wingdings 3" charset="2"/>
+        <a:buChar char=""/>
+        <a:defRPr sz="1200" kern="1200">
+          <a:solidFill>
+            <a:schemeClr val="tx1">
+              <a:lumMod val="75000"/>
+              <a:lumOff val="25000"/>
+            </a:schemeClr>
+          </a:solidFill>
+          <a:latin typeface="+mn-lt"/>
+          <a:ea typeface="+mn-ea"/>
+          <a:cs typeface="+mn-cs"/>
+        </a:defRPr>
+      </a:lvl6pPr>
+      <a:lvl7pPr marL="2971800" indent="-228600" algn="l" defTabSz="457200" rtl="0" eaLnBrk="1" latinLnBrk="0" hangingPunct="1">
+        <a:spcBef>
+          <a:spcPts val="1000"/>
+        </a:spcBef>
+        <a:spcAft>
+          <a:spcPts val="0"/>
+        </a:spcAft>
+        <a:buClr>
+          <a:schemeClr val="accent1"/>
+        </a:buClr>
+        <a:buSzPct val="80000"/>
+        <a:buFont typeface="Wingdings 3" charset="2"/>
+        <a:buChar char=""/>
+        <a:defRPr sz="1200" kern="1200">
+          <a:solidFill>
+            <a:schemeClr val="tx1">
+              <a:lumMod val="75000"/>
+              <a:lumOff val="25000"/>
+            </a:schemeClr>
+          </a:solidFill>
+          <a:latin typeface="+mn-lt"/>
+          <a:ea typeface="+mn-ea"/>
+          <a:cs typeface="+mn-cs"/>
+        </a:defRPr>
+      </a:lvl7pPr>
+      <a:lvl8pPr marL="3429000" indent="-228600" algn="l" defTabSz="457200" rtl="0" eaLnBrk="1" latinLnBrk="0" hangingPunct="1">
+        <a:spcBef>
+          <a:spcPts val="1000"/>
+        </a:spcBef>
+        <a:spcAft>
+          <a:spcPts val="0"/>
+        </a:spcAft>
+        <a:buClr>
+          <a:schemeClr val="accent1"/>
+        </a:buClr>
+        <a:buSzPct val="80000"/>
+        <a:buFont typeface="Wingdings 3" charset="2"/>
+        <a:buChar char=""/>
+        <a:defRPr sz="1200" kern="1200">
+          <a:solidFill>
+            <a:schemeClr val="tx1">
+              <a:lumMod val="75000"/>
+              <a:lumOff val="25000"/>
+            </a:schemeClr>
+          </a:solidFill>
+          <a:latin typeface="+mn-lt"/>
+          <a:ea typeface="+mn-ea"/>
+          <a:cs typeface="+mn-cs"/>
+        </a:defRPr>
+      </a:lvl8pPr>
+      <a:lvl9pPr marL="3886200" indent="-228600" algn="l" defTabSz="457200" rtl="0" eaLnBrk="1" latinLnBrk="0" hangingPunct="1">
+        <a:spcBef>
+          <a:spcPts val="1000"/>
+        </a:spcBef>
+        <a:spcAft>
+          <a:spcPts val="0"/>
+        </a:spcAft>
+        <a:buClr>
+          <a:schemeClr val="accent1"/>
+        </a:buClr>
+        <a:buSzPct val="80000"/>
+        <a:buFont typeface="Wingdings 3" charset="2"/>
+        <a:buChar char=""/>
+        <a:defRPr sz="1200" kern="1200">
+          <a:solidFill>
+            <a:schemeClr val="tx1">
+              <a:lumMod val="75000"/>
+              <a:lumOff val="25000"/>
+            </a:schemeClr>
+          </a:solidFill>
+          <a:latin typeface="+mn-lt"/>
+          <a:ea typeface="+mn-ea"/>
+          <a:cs typeface="+mn-cs"/>
+        </a:defRPr>
+      </a:lvl9pPr>
+    </p:bodyStyle>
+    <p:otherStyle>
+      <a:defPPr>
+        <a:defRPr lang="en-US"/>
+      </a:defPPr>
+      <a:lvl1pPr marL="0" algn="l" defTabSz="457200" rtl="0" eaLnBrk="1" latinLnBrk="0" hangingPunct="1">
+        <a:defRPr sz="1800" kern="1200">
+          <a:solidFill>
+            <a:schemeClr val="tx1"/>
+          </a:solidFill>
+          <a:latin typeface="+mn-lt"/>
+          <a:ea typeface="+mn-ea"/>
+          <a:cs typeface="+mn-cs"/>
+        </a:defRPr>
+      </a:lvl1pPr>
+      <a:lvl2pPr marL="457200" algn="l" defTabSz="457200" rtl="0" eaLnBrk="1" latinLnBrk="0" hangingPunct="1">
+        <a:defRPr sz="1800" kern="1200">
+          <a:solidFill>
+            <a:schemeClr val="tx1"/>
+          </a:solidFill>
+          <a:latin typeface="+mn-lt"/>
+          <a:ea typeface="+mn-ea"/>
+          <a:cs typeface="+mn-cs"/>
+        </a:defRPr>
+      </a:lvl2pPr>
+      <a:lvl3pPr marL="914400" algn="l" defTabSz="457200" rtl="0" eaLnBrk="1" latinLnBrk="0" hangingPunct="1">
+        <a:defRPr sz="1800" kern="1200">
+          <a:solidFill>
+            <a:schemeClr val="tx1"/>
+          </a:solidFill>
+          <a:latin typeface="+mn-lt"/>
+          <a:ea typeface="+mn-ea"/>
+          <a:cs typeface="+mn-cs"/>
+        </a:defRPr>
+      </a:lvl3pPr>
+      <a:lvl4pPr marL="1371600" algn="l" defTabSz="457200" rtl="0" eaLnBrk="1" latinLnBrk="0" hangingPunct="1">
+        <a:defRPr sz="1800" kern="1200">
+          <a:solidFill>
+            <a:schemeClr val="tx1"/>
+          </a:solidFill>
+          <a:latin typeface="+mn-lt"/>
+          <a:ea typeface="+mn-ea"/>
+          <a:cs typeface="+mn-cs"/>
+        </a:defRPr>
+      </a:lvl4pPr>
+      <a:lvl5pPr marL="1828800" algn="l" defTabSz="457200" rtl="0" eaLnBrk="1" latinLnBrk="0" hangingPunct="1">
+        <a:defRPr sz="1800" kern="1200">
+          <a:solidFill>
+            <a:schemeClr val="tx1"/>
+          </a:solidFill>
+          <a:latin typeface="+mn-lt"/>
+          <a:ea typeface="+mn-ea"/>
+          <a:cs typeface="+mn-cs"/>
+        </a:defRPr>
+      </a:lvl5pPr>
+      <a:lvl6pPr marL="2286000" algn="l" defTabSz="457200" rtl="0" eaLnBrk="1" latinLnBrk="0" hangingPunct="1">
+        <a:defRPr sz="1800" kern="1200">
+          <a:solidFill>
+            <a:schemeClr val="tx1"/>
+          </a:solidFill>
+          <a:latin typeface="+mn-lt"/>
+          <a:ea typeface="+mn-ea"/>
+          <a:cs typeface="+mn-cs"/>
+        </a:defRPr>
+      </a:lvl6pPr>
+      <a:lvl7pPr marL="2743200" algn="l" defTabSz="457200" rtl="0" eaLnBrk="1" latinLnBrk="0" hangingPunct="1">
+        <a:defRPr sz="1800" kern="1200">
+          <a:solidFill>
+            <a:schemeClr val="tx1"/>
+          </a:solidFill>
+          <a:latin typeface="+mn-lt"/>
+          <a:ea typeface="+mn-ea"/>
+          <a:cs typeface="+mn-cs"/>
+        </a:defRPr>
+      </a:lvl7pPr>
+      <a:lvl8pPr marL="3200400" algn="l" defTabSz="457200" rtl="0" eaLnBrk="1" latinLnBrk="0" hangingPunct="1">
+        <a:defRPr sz="1800" kern="1200">
+          <a:solidFill>
+            <a:schemeClr val="tx1"/>
+          </a:solidFill>
+          <a:latin typeface="+mn-lt"/>
+          <a:ea typeface="+mn-ea"/>
+          <a:cs typeface="+mn-cs"/>
+        </a:defRPr>
+      </a:lvl8pPr>
+      <a:lvl9pPr marL="3657600" algn="l" defTabSz="457200" rtl="0" eaLnBrk="1" latinLnBrk="0" hangingPunct="1">
+        <a:defRPr sz="1800" kern="1200">
+          <a:solidFill>
+            <a:schemeClr val="tx1"/>
+          </a:solidFill>
+          <a:latin typeface="+mn-lt"/>
+          <a:ea typeface="+mn-ea"/>
+          <a:cs typeface="+mn-cs"/>
+        </a:defRPr>
+      </a:lvl9pPr>
+    </p:otherStyle>
+  </p:txStyles>
+</p:sldMaster>
+</file>
+
 <file path=ppt/slides/slide1.xml><?xml version="1.0" encoding="utf-8"?>
 <p:sld xmlns:a="http://schemas.openxmlformats.org/drawingml/2006/main" xmlns:r="http://schemas.openxmlformats.org/officeDocument/2006/relationships" xmlns:p="http://schemas.openxmlformats.org/presentationml/2006/main">
   <p:cSld>
@@ -13104,35 +18839,37 @@
         </p:nvSpPr>
         <p:spPr/>
         <p:txBody>
-          <a:bodyPr/>
-          <a:lstStyle/>
-          <a:p>
-            <a:r>
-              <a:rPr lang="zh-TW" altLang="en-US" dirty="0" smtClean="0"/>
+          <a:bodyPr>
+            <a:normAutofit/>
+          </a:bodyPr>
+          <a:lstStyle/>
+          <a:p>
+            <a:r>
+              <a:rPr lang="zh-TW" altLang="en-US" sz="2800" dirty="0" smtClean="0"/>
               <a:t>圓形碰撞</a:t>
             </a:r>
-            <a:endParaRPr lang="en-US" altLang="zh-TW" dirty="0" smtClean="0"/>
-          </a:p>
-          <a:p>
-            <a:r>
-              <a:rPr lang="zh-TW" altLang="en-US" dirty="0" smtClean="0"/>
+            <a:endParaRPr lang="en-US" altLang="zh-TW" sz="2800" dirty="0" smtClean="0"/>
+          </a:p>
+          <a:p>
+            <a:r>
+              <a:rPr lang="zh-TW" altLang="en-US" sz="2800" dirty="0" smtClean="0"/>
               <a:t>儲存空間</a:t>
             </a:r>
             <a:r>
-              <a:rPr lang="en-US" altLang="zh-TW" dirty="0" smtClean="0"/>
+              <a:rPr lang="en-US" altLang="zh-TW" sz="2800" dirty="0" smtClean="0"/>
               <a:t>(</a:t>
             </a:r>
             <a:r>
-              <a:rPr lang="en-US" altLang="zh-TW" dirty="0" err="1" smtClean="0"/>
+              <a:rPr lang="en-US" altLang="zh-TW" sz="2800" dirty="0" err="1" smtClean="0"/>
               <a:t>localstorage</a:t>
             </a:r>
             <a:r>
-              <a:rPr lang="en-US" altLang="zh-TW" dirty="0" smtClean="0"/>
+              <a:rPr lang="en-US" altLang="zh-TW" sz="2800" dirty="0" smtClean="0"/>
               <a:t>)</a:t>
             </a:r>
           </a:p>
           <a:p>
-            <a:endParaRPr lang="en-US" altLang="zh-TW" dirty="0" smtClean="0"/>
+            <a:endParaRPr lang="en-US" altLang="zh-TW" sz="2800" dirty="0" smtClean="0"/>
           </a:p>
         </p:txBody>
       </p:sp>
@@ -14324,32 +20061,34 @@
         </p:nvSpPr>
         <p:spPr/>
         <p:txBody>
-          <a:bodyPr/>
-          <a:lstStyle/>
-          <a:p>
-            <a:r>
-              <a:rPr lang="zh-TW" altLang="en-US" dirty="0" smtClean="0"/>
+          <a:bodyPr>
+            <a:normAutofit/>
+          </a:bodyPr>
+          <a:lstStyle/>
+          <a:p>
+            <a:r>
+              <a:rPr lang="zh-TW" altLang="en-US" sz="2800" dirty="0" smtClean="0"/>
               <a:t>體力值、金錢、道具，全部都是放在</a:t>
             </a:r>
             <a:r>
-              <a:rPr lang="en-US" altLang="zh-TW" dirty="0" err="1" smtClean="0"/>
+              <a:rPr lang="en-US" altLang="zh-TW" sz="2800" dirty="0" err="1" smtClean="0"/>
               <a:t>LocalStorage</a:t>
             </a:r>
             <a:r>
-              <a:rPr lang="zh-TW" altLang="en-US" dirty="0" smtClean="0"/>
+              <a:rPr lang="zh-TW" altLang="en-US" sz="2800" dirty="0" smtClean="0"/>
               <a:t>裡面，</a:t>
             </a:r>
-            <a:endParaRPr lang="en-US" altLang="zh-TW" dirty="0" smtClean="0"/>
+            <a:endParaRPr lang="en-US" altLang="zh-TW" sz="2800" dirty="0" smtClean="0"/>
           </a:p>
           <a:p>
             <a:pPr>
               <a:buNone/>
             </a:pPr>
             <a:r>
-              <a:rPr lang="zh-TW" altLang="en-US" dirty="0" smtClean="0"/>
+              <a:rPr lang="zh-TW" altLang="en-US" sz="2800" dirty="0" smtClean="0"/>
               <a:t>在網頁間重複使用同樣變數。</a:t>
             </a:r>
-            <a:endParaRPr lang="zh-TW" altLang="en-US" dirty="0"/>
+            <a:endParaRPr lang="zh-TW" altLang="en-US" sz="2800" dirty="0"/>
           </a:p>
         </p:txBody>
       </p:sp>
@@ -14413,41 +20152,135 @@
         </p:nvSpPr>
         <p:spPr/>
         <p:txBody>
-          <a:bodyPr/>
-          <a:lstStyle/>
-          <a:p>
-            <a:r>
-              <a:rPr lang="zh-TW" altLang="en-US" dirty="0" smtClean="0"/>
+          <a:bodyPr>
+            <a:normAutofit/>
+          </a:bodyPr>
+          <a:lstStyle/>
+          <a:p>
+            <a:r>
+              <a:rPr lang="zh-TW" altLang="en-US" sz="2400" dirty="0" smtClean="0"/>
               <a:t>背景音效想要自動撥放 </a:t>
             </a:r>
             <a:r>
-              <a:rPr lang="en-US" altLang="zh-TW" dirty="0" smtClean="0"/>
-              <a:t>&gt;&gt;</a:t>
-            </a:r>
-            <a:r>
-              <a:rPr lang="en-US" altLang="zh-TW" dirty="0" err="1" smtClean="0"/>
+              <a:rPr lang="en-US" altLang="zh-TW" sz="2400" dirty="0" smtClean="0"/>
+              <a:t>&gt;&gt; </a:t>
+            </a:r>
+            <a:r>
+              <a:rPr lang="en-US" altLang="zh-TW" sz="2400" dirty="0" err="1" smtClean="0"/>
               <a:t>autoPlay</a:t>
             </a:r>
             <a:r>
-              <a:rPr lang="zh-TW" altLang="en-US" dirty="0" smtClean="0"/>
-              <a:t>的限制</a:t>
-            </a:r>
-            <a:endParaRPr lang="en-US" altLang="zh-TW" dirty="0" smtClean="0"/>
-          </a:p>
-          <a:p>
-            <a:r>
-              <a:rPr lang="zh-TW" altLang="en-US" dirty="0" smtClean="0"/>
-              <a:t>過程中，每批的第</a:t>
-            </a:r>
-            <a:r>
-              <a:rPr lang="en-US" altLang="zh-TW" dirty="0" smtClean="0"/>
+              <a:rPr lang="zh-TW" altLang="en-US" sz="2400" dirty="0" smtClean="0"/>
+              <a:t>的</a:t>
+            </a:r>
+            <a:r>
+              <a:rPr lang="zh-TW" altLang="en-US" sz="2400" dirty="0" smtClean="0"/>
+              <a:t>限制</a:t>
+            </a:r>
+            <a:endParaRPr lang="en-US" altLang="zh-TW" sz="2400" dirty="0" smtClean="0"/>
+          </a:p>
+          <a:p>
+            <a:r>
+              <a:rPr lang="zh-TW" altLang="en-US" sz="2400" dirty="0" smtClean="0"/>
+              <a:t>每</a:t>
+            </a:r>
+            <a:r>
+              <a:rPr lang="zh-TW" altLang="en-US" sz="2400" dirty="0" smtClean="0"/>
+              <a:t>批的第</a:t>
+            </a:r>
+            <a:r>
+              <a:rPr lang="en-US" altLang="zh-TW" sz="2400" dirty="0" smtClean="0"/>
               <a:t>1</a:t>
             </a:r>
             <a:r>
-              <a:rPr lang="zh-TW" altLang="en-US" dirty="0" smtClean="0"/>
-              <a:t>隻魚（陣列），刪除失敗</a:t>
-            </a:r>
-            <a:endParaRPr lang="en-US" altLang="zh-TW" dirty="0" smtClean="0"/>
+              <a:rPr lang="zh-TW" altLang="en-US" sz="2400" dirty="0" smtClean="0"/>
+              <a:t>隻魚（</a:t>
+            </a:r>
+            <a:r>
+              <a:rPr lang="zh-TW" altLang="en-US" sz="2400" dirty="0" smtClean="0"/>
+              <a:t>陣列位置為</a:t>
+            </a:r>
+            <a:r>
+              <a:rPr lang="en-US" altLang="zh-TW" sz="2400" dirty="0" smtClean="0"/>
+              <a:t>0</a:t>
+            </a:r>
+            <a:r>
+              <a:rPr lang="zh-TW" altLang="en-US" sz="2400" dirty="0" smtClean="0"/>
+              <a:t>）</a:t>
+            </a:r>
+            <a:r>
+              <a:rPr lang="zh-TW" altLang="en-US" sz="2400" dirty="0" smtClean="0"/>
+              <a:t>，刪除</a:t>
+            </a:r>
+            <a:r>
+              <a:rPr lang="zh-TW" altLang="en-US" sz="2400" dirty="0" smtClean="0"/>
+              <a:t>失敗</a:t>
+            </a:r>
+            <a:endParaRPr lang="en-US" altLang="zh-TW" sz="2400" dirty="0" smtClean="0"/>
+          </a:p>
+          <a:p>
+            <a:pPr marL="457200" lvl="1" indent="0">
+              <a:buNone/>
+            </a:pPr>
+            <a:r>
+              <a:rPr lang="zh-TW" altLang="en-US" sz="2000" dirty="0" smtClean="0"/>
+              <a:t>因為我寫的方式是</a:t>
+            </a:r>
+            <a:r>
+              <a:rPr lang="en-US" altLang="zh-TW" sz="2000" dirty="0" smtClean="0"/>
+              <a:t>if(</a:t>
+            </a:r>
+            <a:r>
+              <a:rPr lang="zh-TW" altLang="en-US" sz="2000" dirty="0" smtClean="0"/>
+              <a:t>變數</a:t>
+            </a:r>
+            <a:r>
+              <a:rPr lang="en-US" altLang="zh-TW" sz="2000" dirty="0" smtClean="0"/>
+              <a:t>)</a:t>
+            </a:r>
+            <a:r>
+              <a:rPr lang="zh-TW" altLang="en-US" sz="2000" dirty="0" smtClean="0"/>
+              <a:t>，當變數為０，</a:t>
+            </a:r>
+            <a:r>
+              <a:rPr lang="en-US" altLang="zh-TW" sz="2000" dirty="0" err="1" smtClean="0"/>
+              <a:t>javascript</a:t>
+            </a:r>
+            <a:r>
+              <a:rPr lang="zh-TW" altLang="en-US" sz="2000" dirty="0" smtClean="0"/>
+              <a:t>會判定</a:t>
+            </a:r>
+            <a:r>
+              <a:rPr lang="zh-TW" altLang="en-US" sz="2000" dirty="0" smtClean="0"/>
+              <a:t>數字</a:t>
+            </a:r>
+            <a:r>
+              <a:rPr lang="en-US" altLang="zh-TW" sz="2000" dirty="0" smtClean="0"/>
+              <a:t>0</a:t>
+            </a:r>
+            <a:r>
+              <a:rPr lang="zh-TW" altLang="en-US" sz="2000" dirty="0" smtClean="0"/>
+              <a:t>為</a:t>
+            </a:r>
+            <a:r>
+              <a:rPr lang="en-US" altLang="zh-TW" sz="2000" dirty="0" smtClean="0"/>
+              <a:t>false</a:t>
+            </a:r>
+            <a:r>
+              <a:rPr lang="zh-TW" altLang="en-US" sz="2000" dirty="0" smtClean="0"/>
+              <a:t>，</a:t>
+            </a:r>
+            <a:endParaRPr lang="en-US" altLang="zh-TW" sz="2000" dirty="0" smtClean="0"/>
+          </a:p>
+          <a:p>
+            <a:pPr marL="457200" lvl="1" indent="0">
+              <a:buNone/>
+            </a:pPr>
+            <a:r>
+              <a:rPr lang="zh-TW" altLang="en-US" sz="2000" dirty="0" smtClean="0"/>
+              <a:t>所以後來有些地方變數先加１，使用的時候再減１。</a:t>
+            </a:r>
+            <a:endParaRPr lang="en-US" altLang="zh-TW" sz="2000" dirty="0" smtClean="0"/>
           </a:p>
         </p:txBody>
       </p:sp>
@@ -14498,7 +20331,7 @@
           <a:p>
             <a:r>
               <a:rPr lang="zh-TW" altLang="en-US" dirty="0" smtClean="0"/>
-              <a:t>遊戲限制</a:t>
+              <a:t>遊戲開發限制</a:t>
             </a:r>
             <a:endParaRPr lang="zh-TW" altLang="en-US" dirty="0"/>
           </a:p>
@@ -14516,65 +20349,67 @@
         </p:nvSpPr>
         <p:spPr/>
         <p:txBody>
-          <a:bodyPr/>
+          <a:bodyPr>
+            <a:normAutofit/>
+          </a:bodyPr>
           <a:lstStyle/>
           <a:p>
             <a:pPr>
               <a:buNone/>
             </a:pPr>
             <a:r>
-              <a:rPr lang="en-US" altLang="zh-TW" dirty="0" smtClean="0"/>
+              <a:rPr lang="en-US" altLang="zh-TW" sz="2400" dirty="0" smtClean="0"/>
               <a:t>1. IE</a:t>
             </a:r>
             <a:r>
-              <a:rPr lang="zh-TW" altLang="en-US" dirty="0" smtClean="0"/>
+              <a:rPr lang="zh-TW" altLang="en-US" sz="2400" dirty="0" smtClean="0"/>
               <a:t>不完全支援</a:t>
             </a:r>
             <a:r>
-              <a:rPr lang="en-US" altLang="zh-TW" dirty="0" smtClean="0"/>
+              <a:rPr lang="en-US" altLang="zh-TW" sz="2400" dirty="0" smtClean="0"/>
               <a:t>Canvas </a:t>
             </a:r>
             <a:r>
-              <a:rPr lang="zh-TW" altLang="en-US" dirty="0" smtClean="0"/>
+              <a:rPr lang="zh-TW" altLang="en-US" sz="2400" dirty="0" smtClean="0"/>
               <a:t>而</a:t>
             </a:r>
             <a:r>
-              <a:rPr lang="en-US" altLang="zh-TW" dirty="0" smtClean="0"/>
+              <a:rPr lang="en-US" altLang="zh-TW" sz="2400" dirty="0" smtClean="0"/>
               <a:t>Chrome</a:t>
             </a:r>
             <a:r>
-              <a:rPr lang="zh-TW" altLang="en-US" dirty="0" smtClean="0"/>
+              <a:rPr lang="zh-TW" altLang="en-US" sz="2400" dirty="0" smtClean="0"/>
               <a:t>禁止自動撥放</a:t>
             </a:r>
-            <a:endParaRPr lang="en-US" altLang="zh-TW" dirty="0" smtClean="0"/>
+            <a:endParaRPr lang="en-US" altLang="zh-TW" sz="2400" dirty="0" smtClean="0"/>
           </a:p>
           <a:p>
             <a:pPr>
               <a:buNone/>
             </a:pPr>
             <a:r>
-              <a:rPr lang="en-US" altLang="zh-TW" dirty="0" smtClean="0"/>
+              <a:rPr lang="en-US" altLang="zh-TW" sz="2400" dirty="0" smtClean="0"/>
               <a:t>	&gt;&gt;</a:t>
             </a:r>
             <a:r>
-              <a:rPr lang="zh-TW" altLang="en-US" dirty="0" smtClean="0"/>
+              <a:rPr lang="zh-TW" altLang="en-US" sz="2400" dirty="0" smtClean="0"/>
               <a:t>魚碰撞到潛艇無法直接自動撥放音效</a:t>
             </a:r>
-            <a:endParaRPr lang="en-US" altLang="zh-TW" dirty="0" smtClean="0"/>
+            <a:endParaRPr lang="en-US" altLang="zh-TW" sz="2400" dirty="0" smtClean="0"/>
           </a:p>
           <a:p>
             <a:pPr>
               <a:buNone/>
             </a:pPr>
             <a:r>
-              <a:rPr lang="en-US" altLang="zh-TW" dirty="0" smtClean="0"/>
+              <a:rPr lang="en-US" altLang="zh-TW" sz="2400" dirty="0" smtClean="0"/>
               <a:t>2. </a:t>
             </a:r>
             <a:r>
-              <a:rPr lang="zh-TW" altLang="en-US" dirty="0" smtClean="0"/>
+              <a:rPr lang="zh-TW" altLang="en-US" sz="2400" dirty="0" smtClean="0"/>
               <a:t> 因為東西儲存在客戶端，所以可以自己修改數值</a:t>
             </a:r>
-            <a:endParaRPr lang="en-US" altLang="zh-TW" dirty="0" smtClean="0"/>
+            <a:endParaRPr lang="en-US" altLang="zh-TW" sz="2400" dirty="0" smtClean="0"/>
           </a:p>
         </p:txBody>
       </p:sp>
@@ -14808,7 +20643,7 @@
         <p:spPr>
           <a:xfrm>
             <a:off x="847165" y="5593976"/>
-            <a:ext cx="3180679" cy="369332"/>
+            <a:ext cx="5025735" cy="369332"/>
           </a:xfrm>
           <a:prstGeom prst="rect">
             <a:avLst/>
@@ -14827,11 +20662,27 @@
             </a:r>
             <a:r>
               <a:rPr lang="en-US" altLang="zh-TW" dirty="0" smtClean="0"/>
+              <a:t> </a:t>
+            </a:r>
+            <a:r>
+              <a:rPr lang="zh-TW" altLang="en-US" dirty="0" smtClean="0"/>
+              <a:t>和 </a:t>
+            </a:r>
+            <a:r>
+              <a:rPr lang="en-US" altLang="zh-TW" dirty="0" err="1" smtClean="0"/>
+              <a:t>uispace</a:t>
+            </a:r>
+            <a:r>
+              <a:rPr lang="en-US" altLang="zh-TW" dirty="0" smtClean="0"/>
               <a:t>:</a:t>
             </a:r>
             <a:r>
               <a:rPr lang="zh-TW" altLang="en-US" dirty="0" smtClean="0"/>
-              <a:t>免費授權　照片網站</a:t>
+              <a:t>免費授權　照片</a:t>
+            </a:r>
+            <a:r>
+              <a:rPr lang="zh-TW" altLang="en-US" dirty="0" smtClean="0"/>
+              <a:t>網站 和 頭像</a:t>
             </a:r>
             <a:endParaRPr lang="zh-TW" altLang="en-US" dirty="0"/>
           </a:p>
@@ -15100,9 +20951,9 @@
         <p:grpSpPr>
           <a:xfrm>
             <a:off x="7194177" y="4145149"/>
-            <a:ext cx="2954655" cy="2087099"/>
+            <a:ext cx="3185487" cy="2364098"/>
             <a:chOff x="7059706" y="3741737"/>
-            <a:chExt cx="2954655" cy="2087099"/>
+            <a:chExt cx="3185487" cy="2364098"/>
           </a:xfrm>
         </p:grpSpPr>
         <p:pic>
@@ -15177,7 +21028,7 @@
           <p:spPr>
             <a:xfrm>
               <a:off x="7059706" y="5459504"/>
-              <a:ext cx="2954655" cy="369332"/>
+              <a:ext cx="3185487" cy="646331"/>
             </a:xfrm>
             <a:prstGeom prst="rect">
               <a:avLst/>
@@ -15205,13 +21056,48 @@
             <a:p>
               <a:r>
                 <a:rPr lang="zh-TW" altLang="en-US" dirty="0" smtClean="0"/>
-                <a:t>程式碼可以寫到一半丟上去</a:t>
+                <a:t>程式碼可以寫到一半丟</a:t>
+              </a:r>
+              <a:r>
+                <a:rPr lang="zh-TW" altLang="en-US" dirty="0" smtClean="0"/>
+                <a:t>上去，</a:t>
+              </a:r>
+              <a:endParaRPr lang="en-US" altLang="zh-TW" dirty="0" smtClean="0"/>
+            </a:p>
+            <a:p>
+              <a:r>
+                <a:rPr lang="zh-TW" altLang="en-US" dirty="0" smtClean="0"/>
+                <a:t>不用擔心寫錯後回不去。</a:t>
               </a:r>
               <a:endParaRPr lang="zh-TW" altLang="en-US" dirty="0"/>
             </a:p>
           </p:txBody>
         </p:sp>
       </p:grpSp>
+      <p:pic>
+        <p:nvPicPr>
+          <p:cNvPr id="5" name="圖片 4"/>
+          <p:cNvPicPr>
+            <a:picLocks noChangeAspect="1"/>
+          </p:cNvPicPr>
+          <p:nvPr/>
+        </p:nvPicPr>
+        <p:blipFill>
+          <a:blip r:embed="rId7"/>
+          <a:stretch>
+            <a:fillRect/>
+          </a:stretch>
+        </p:blipFill>
+        <p:spPr>
+          <a:xfrm>
+            <a:off x="2268154" y="4606063"/>
+            <a:ext cx="1990167" cy="743315"/>
+          </a:xfrm>
+          <a:prstGeom prst="rect">
+            <a:avLst/>
+          </a:prstGeom>
+        </p:spPr>
+      </p:pic>
     </p:spTree>
   </p:cSld>
   <p:clrMapOvr>
@@ -18832,4 +24718,261 @@
   <a:objectDefaults/>
   <a:extraClrSchemeLst/>
 </a:theme>
+</file>
+
+<file path=ppt/theme/theme4.xml><?xml version="1.0" encoding="utf-8"?>
+<a:theme xmlns:a="http://schemas.openxmlformats.org/drawingml/2006/main" name="多面向">
+  <a:themeElements>
+    <a:clrScheme name="多面向">
+      <a:dk1>
+        <a:sysClr val="windowText" lastClr="000000"/>
+      </a:dk1>
+      <a:lt1>
+        <a:sysClr val="window" lastClr="FFFFFF"/>
+      </a:lt1>
+      <a:dk2>
+        <a:srgbClr val="2C3C43"/>
+      </a:dk2>
+      <a:lt2>
+        <a:srgbClr val="EBEBEB"/>
+      </a:lt2>
+      <a:accent1>
+        <a:srgbClr val="90C226"/>
+      </a:accent1>
+      <a:accent2>
+        <a:srgbClr val="54A021"/>
+      </a:accent2>
+      <a:accent3>
+        <a:srgbClr val="E6B91E"/>
+      </a:accent3>
+      <a:accent4>
+        <a:srgbClr val="E76618"/>
+      </a:accent4>
+      <a:accent5>
+        <a:srgbClr val="C42F1A"/>
+      </a:accent5>
+      <a:accent6>
+        <a:srgbClr val="918655"/>
+      </a:accent6>
+      <a:hlink>
+        <a:srgbClr val="99CA3C"/>
+      </a:hlink>
+      <a:folHlink>
+        <a:srgbClr val="B9D181"/>
+      </a:folHlink>
+    </a:clrScheme>
+    <a:fontScheme name="多面向">
+      <a:majorFont>
+        <a:latin typeface="Trebuchet MS" panose="020B0603020202020204"/>
+        <a:ea typeface=""/>
+        <a:cs typeface=""/>
+        <a:font script="Jpan" typeface="メイリオ"/>
+        <a:font script="Hang" typeface="맑은 고딕"/>
+        <a:font script="Hans" typeface="方正姚体"/>
+        <a:font script="Hant" typeface="微軟正黑體"/>
+        <a:font script="Arab" typeface="Tahoma"/>
+        <a:font script="Hebr" typeface="Arial"/>
+        <a:font script="Thai" typeface="Cordia New"/>
+        <a:font script="Ethi" typeface="Nyala"/>
+        <a:font script="Beng" typeface="Vrinda"/>
+        <a:font script="Gujr" typeface="Shruti"/>
+        <a:font script="Khmr" typeface="DaunPenh"/>
+        <a:font script="Knda" typeface="Tunga"/>
+        <a:font script="Guru" typeface="Raavi"/>
+        <a:font script="Cans" typeface="Euphemia"/>
+        <a:font script="Cher" typeface="Plantagenet Cherokee"/>
+        <a:font script="Yiii" typeface="Microsoft Yi Baiti"/>
+        <a:font script="Tibt" typeface="Microsoft Himalaya"/>
+        <a:font script="Thaa" typeface="MV Boli"/>
+        <a:font script="Deva" typeface="Mangal"/>
+        <a:font script="Telu" typeface="Gautami"/>
+        <a:font script="Taml" typeface="Latha"/>
+        <a:font script="Syrc" typeface="Estrangelo Edessa"/>
+        <a:font script="Orya" typeface="Kalinga"/>
+        <a:font script="Mlym" typeface="Kartika"/>
+        <a:font script="Laoo" typeface="DokChampa"/>
+        <a:font script="Sinh" typeface="Iskoola Pota"/>
+        <a:font script="Mong" typeface="Mongolian Baiti"/>
+        <a:font script="Viet" typeface="Tahoma"/>
+        <a:font script="Uigh" typeface="Microsoft Uighur"/>
+        <a:font script="Geor" typeface="Sylfaen"/>
+      </a:majorFont>
+      <a:minorFont>
+        <a:latin typeface="Trebuchet MS" panose="020B0603020202020204"/>
+        <a:ea typeface=""/>
+        <a:cs typeface=""/>
+        <a:font script="Jpan" typeface="メイリオ"/>
+        <a:font script="Hang" typeface="HY그래픽M"/>
+        <a:font script="Hans" typeface="华文新魏"/>
+        <a:font script="Hant" typeface="微軟正黑體"/>
+        <a:font script="Arab" typeface="Tahoma"/>
+        <a:font script="Hebr" typeface="Gisha"/>
+        <a:font script="Thai" typeface="IrisUPC"/>
+        <a:font script="Ethi" typeface="Nyala"/>
+        <a:font script="Beng" typeface="Vrinda"/>
+        <a:font script="Gujr" typeface="Shruti"/>
+        <a:font script="Khmr" typeface="DaunPenh"/>
+        <a:font script="Knda" typeface="Tunga"/>
+        <a:font script="Guru" typeface="Raavi"/>
+        <a:font script="Cans" typeface="Euphemia"/>
+        <a:font script="Cher" typeface="Plantagenet Cherokee"/>
+        <a:font script="Yiii" typeface="Microsoft Yi Baiti"/>
+        <a:font script="Tibt" typeface="Microsoft Himalaya"/>
+        <a:font script="Thaa" typeface="MV Boli"/>
+        <a:font script="Deva" typeface="Mangal"/>
+        <a:font script="Telu" typeface="Gautami"/>
+        <a:font script="Taml" typeface="Latha"/>
+        <a:font script="Syrc" typeface="Estrangelo Edessa"/>
+        <a:font script="Orya" typeface="Kalinga"/>
+        <a:font script="Mlym" typeface="Kartika"/>
+        <a:font script="Laoo" typeface="DokChampa"/>
+        <a:font script="Sinh" typeface="Iskoola Pota"/>
+        <a:font script="Mong" typeface="Mongolian Baiti"/>
+        <a:font script="Viet" typeface="Arial"/>
+        <a:font script="Uigh" typeface="Microsoft Uighur"/>
+        <a:font script="Geor" typeface="Sylfaen"/>
+      </a:minorFont>
+    </a:fontScheme>
+    <a:fmtScheme name="多面向">
+      <a:fillStyleLst>
+        <a:solidFill>
+          <a:schemeClr val="phClr"/>
+        </a:solidFill>
+        <a:gradFill rotWithShape="1">
+          <a:gsLst>
+            <a:gs pos="0">
+              <a:schemeClr val="phClr">
+                <a:tint val="65000"/>
+                <a:lumMod val="110000"/>
+              </a:schemeClr>
+            </a:gs>
+            <a:gs pos="88000">
+              <a:schemeClr val="phClr">
+                <a:tint val="90000"/>
+              </a:schemeClr>
+            </a:gs>
+          </a:gsLst>
+          <a:lin ang="5400000" scaled="0"/>
+        </a:gradFill>
+        <a:gradFill rotWithShape="1">
+          <a:gsLst>
+            <a:gs pos="0">
+              <a:schemeClr val="phClr">
+                <a:tint val="96000"/>
+                <a:lumMod val="100000"/>
+              </a:schemeClr>
+            </a:gs>
+            <a:gs pos="78000">
+              <a:schemeClr val="phClr">
+                <a:shade val="94000"/>
+                <a:lumMod val="94000"/>
+              </a:schemeClr>
+            </a:gs>
+          </a:gsLst>
+          <a:lin ang="5400000" scaled="0"/>
+        </a:gradFill>
+      </a:fillStyleLst>
+      <a:lnStyleLst>
+        <a:ln w="12700" cap="rnd" cmpd="sng" algn="ctr">
+          <a:solidFill>
+            <a:schemeClr val="phClr"/>
+          </a:solidFill>
+          <a:prstDash val="solid"/>
+        </a:ln>
+        <a:ln w="19050" cap="rnd" cmpd="sng" algn="ctr">
+          <a:solidFill>
+            <a:schemeClr val="phClr"/>
+          </a:solidFill>
+          <a:prstDash val="solid"/>
+        </a:ln>
+        <a:ln w="25400" cap="rnd" cmpd="sng" algn="ctr">
+          <a:solidFill>
+            <a:schemeClr val="phClr"/>
+          </a:solidFill>
+          <a:prstDash val="solid"/>
+        </a:ln>
+      </a:lnStyleLst>
+      <a:effectStyleLst>
+        <a:effectStyle>
+          <a:effectLst/>
+        </a:effectStyle>
+        <a:effectStyle>
+          <a:effectLst>
+            <a:outerShdw blurRad="38100" dist="25400" dir="5400000" rotWithShape="0">
+              <a:srgbClr val="000000">
+                <a:alpha val="35000"/>
+              </a:srgbClr>
+            </a:outerShdw>
+          </a:effectLst>
+        </a:effectStyle>
+        <a:effectStyle>
+          <a:effectLst>
+            <a:outerShdw blurRad="50800" dist="38100" dir="5400000" rotWithShape="0">
+              <a:srgbClr val="000000">
+                <a:alpha val="35000"/>
+              </a:srgbClr>
+            </a:outerShdw>
+          </a:effectLst>
+          <a:scene3d>
+            <a:camera prst="orthographicFront">
+              <a:rot lat="0" lon="0" rev="0"/>
+            </a:camera>
+            <a:lightRig rig="threePt" dir="tl"/>
+          </a:scene3d>
+          <a:sp3d prstMaterial="plastic">
+            <a:bevelT w="0" h="0"/>
+          </a:sp3d>
+        </a:effectStyle>
+      </a:effectStyleLst>
+      <a:bgFillStyleLst>
+        <a:solidFill>
+          <a:schemeClr val="phClr"/>
+        </a:solidFill>
+        <a:gradFill rotWithShape="1">
+          <a:gsLst>
+            <a:gs pos="0">
+              <a:schemeClr val="phClr">
+                <a:tint val="90000"/>
+                <a:lumMod val="104000"/>
+              </a:schemeClr>
+            </a:gs>
+            <a:gs pos="94000">
+              <a:schemeClr val="phClr">
+                <a:shade val="96000"/>
+                <a:lumMod val="82000"/>
+              </a:schemeClr>
+            </a:gs>
+          </a:gsLst>
+          <a:lin ang="5400000" scaled="0"/>
+        </a:gradFill>
+        <a:gradFill rotWithShape="1">
+          <a:gsLst>
+            <a:gs pos="0">
+              <a:schemeClr val="phClr">
+                <a:tint val="90000"/>
+                <a:lumMod val="110000"/>
+              </a:schemeClr>
+            </a:gs>
+            <a:gs pos="100000">
+              <a:schemeClr val="phClr">
+                <a:shade val="94000"/>
+                <a:lumMod val="96000"/>
+              </a:schemeClr>
+            </a:gs>
+          </a:gsLst>
+          <a:path path="circle">
+            <a:fillToRect l="50000" t="50000" r="100000" b="100000"/>
+          </a:path>
+        </a:gradFill>
+      </a:bgFillStyleLst>
+    </a:fmtScheme>
+  </a:themeElements>
+  <a:objectDefaults/>
+  <a:extraClrSchemeLst/>
+  <a:extLst>
+    <a:ext uri="{05A4C25C-085E-4340-85A3-A5531E510DB2}">
+      <thm15:themeFamily xmlns:thm15="http://schemas.microsoft.com/office/thememl/2012/main" name="Facet" id="{C0C680CD-088A-49FC-A102-D699147F32B2}" vid="{CFBC31BA-B70F-4F30-BCAA-4F3011E16C4D}"/>
+    </a:ext>
+  </a:extLst>
+</a:theme>
 </file>
--- a/保衛潛艇戰(守城遊戲).pptx
+++ b/保衛潛艇戰(守城遊戲).pptx
@@ -126,7 +126,7 @@
   </p:defaultTextStyle>
   <p:extLst>
     <p:ext uri="{EFAFB233-063F-42B5-8137-9DF3F51BA10A}">
-      <p15:sldGuideLst xmlns:p15="http://schemas.microsoft.com/office/powerpoint/2012/main">
+      <p15:sldGuideLst xmlns:p15="http://schemas.microsoft.com/office/powerpoint/2012/main" xmlns="">
         <p15:guide id="1" orient="horz" pos="2160">
           <p15:clr>
             <a:srgbClr val="A4A3A4"/>
@@ -275,7 +275,7 @@
             <a:fld id="{68371185-F1A7-4927-B9D6-E6583EC84139}" type="datetimeFigureOut">
               <a:rPr lang="zh-TW" altLang="en-US" smtClean="0"/>
               <a:pPr/>
-              <a:t>2019/12/4</a:t>
+              <a:t>2019/12/8</a:t>
             </a:fld>
             <a:endParaRPr lang="zh-TW" altLang="en-US"/>
           </a:p>
@@ -327,7 +327,7 @@
     </p:spTree>
     <p:extLst>
       <p:ext uri="{BB962C8B-B14F-4D97-AF65-F5344CB8AC3E}">
-        <p14:creationId xmlns:p14="http://schemas.microsoft.com/office/powerpoint/2010/main" val="786275168"/>
+        <p14:creationId xmlns:p14="http://schemas.microsoft.com/office/powerpoint/2010/main" xmlns="" val="786275168"/>
       </p:ext>
     </p:extLst>
   </p:cSld>
@@ -447,7 +447,7 @@
             <a:fld id="{68371185-F1A7-4927-B9D6-E6583EC84139}" type="datetimeFigureOut">
               <a:rPr lang="zh-TW" altLang="en-US" smtClean="0"/>
               <a:pPr/>
-              <a:t>2019/12/4</a:t>
+              <a:t>2019/12/8</a:t>
             </a:fld>
             <a:endParaRPr lang="zh-TW" altLang="en-US"/>
           </a:p>
@@ -499,7 +499,7 @@
     </p:spTree>
     <p:extLst>
       <p:ext uri="{BB962C8B-B14F-4D97-AF65-F5344CB8AC3E}">
-        <p14:creationId xmlns:p14="http://schemas.microsoft.com/office/powerpoint/2010/main" val="2527833522"/>
+        <p14:creationId xmlns:p14="http://schemas.microsoft.com/office/powerpoint/2010/main" xmlns="" val="2527833522"/>
       </p:ext>
     </p:extLst>
   </p:cSld>
@@ -629,7 +629,7 @@
             <a:fld id="{68371185-F1A7-4927-B9D6-E6583EC84139}" type="datetimeFigureOut">
               <a:rPr lang="zh-TW" altLang="en-US" smtClean="0"/>
               <a:pPr/>
-              <a:t>2019/12/4</a:t>
+              <a:t>2019/12/8</a:t>
             </a:fld>
             <a:endParaRPr lang="zh-TW" altLang="en-US"/>
           </a:p>
@@ -681,7 +681,7 @@
     </p:spTree>
     <p:extLst>
       <p:ext uri="{BB962C8B-B14F-4D97-AF65-F5344CB8AC3E}">
-        <p14:creationId xmlns:p14="http://schemas.microsoft.com/office/powerpoint/2010/main" val="547632053"/>
+        <p14:creationId xmlns:p14="http://schemas.microsoft.com/office/powerpoint/2010/main" xmlns="" val="547632053"/>
       </p:ext>
     </p:extLst>
   </p:cSld>
@@ -983,7 +983,7 @@
             <a:fld id="{68371185-F1A7-4927-B9D6-E6583EC84139}" type="datetimeFigureOut">
               <a:rPr lang="zh-TW" altLang="en-US" smtClean="0"/>
               <a:pPr/>
-              <a:t>2019/12/4</a:t>
+              <a:t>2019/12/8</a:t>
             </a:fld>
             <a:endParaRPr lang="zh-TW" altLang="en-US"/>
           </a:p>
@@ -1129,7 +1129,7 @@
             <a:fld id="{68371185-F1A7-4927-B9D6-E6583EC84139}" type="datetimeFigureOut">
               <a:rPr lang="zh-TW" altLang="en-US" smtClean="0"/>
               <a:pPr/>
-              <a:t>2019/12/4</a:t>
+              <a:t>2019/12/8</a:t>
             </a:fld>
             <a:endParaRPr lang="zh-TW" altLang="en-US"/>
           </a:p>
@@ -1547,7 +1547,7 @@
             <a:fld id="{68371185-F1A7-4927-B9D6-E6583EC84139}" type="datetimeFigureOut">
               <a:rPr lang="zh-TW" altLang="en-US" smtClean="0"/>
               <a:pPr/>
-              <a:t>2019/12/4</a:t>
+              <a:t>2019/12/8</a:t>
             </a:fld>
             <a:endParaRPr lang="zh-TW" altLang="en-US"/>
           </a:p>
@@ -1791,7 +1791,7 @@
             <a:fld id="{68371185-F1A7-4927-B9D6-E6583EC84139}" type="datetimeFigureOut">
               <a:rPr lang="zh-TW" altLang="en-US" smtClean="0"/>
               <a:pPr/>
-              <a:t>2019/12/4</a:t>
+              <a:t>2019/12/8</a:t>
             </a:fld>
             <a:endParaRPr lang="zh-TW" altLang="en-US"/>
           </a:p>
@@ -2029,7 +2029,7 @@
             <a:fld id="{68371185-F1A7-4927-B9D6-E6583EC84139}" type="datetimeFigureOut">
               <a:rPr lang="zh-TW" altLang="en-US" smtClean="0"/>
               <a:pPr/>
-              <a:t>2019/12/4</a:t>
+              <a:t>2019/12/8</a:t>
             </a:fld>
             <a:endParaRPr lang="zh-TW" altLang="en-US"/>
           </a:p>
@@ -2226,7 +2226,7 @@
             <a:fld id="{68371185-F1A7-4927-B9D6-E6583EC84139}" type="datetimeFigureOut">
               <a:rPr lang="zh-TW" altLang="en-US" smtClean="0"/>
               <a:pPr/>
-              <a:t>2019/12/4</a:t>
+              <a:t>2019/12/8</a:t>
             </a:fld>
             <a:endParaRPr lang="zh-TW" altLang="en-US"/>
           </a:p>
@@ -2326,7 +2326,7 @@
             <a:fld id="{68371185-F1A7-4927-B9D6-E6583EC84139}" type="datetimeFigureOut">
               <a:rPr lang="zh-TW" altLang="en-US" smtClean="0"/>
               <a:pPr/>
-              <a:t>2019/12/4</a:t>
+              <a:t>2019/12/8</a:t>
             </a:fld>
             <a:endParaRPr lang="zh-TW" altLang="en-US"/>
           </a:p>
@@ -2464,7 +2464,7 @@
             <a:fld id="{68371185-F1A7-4927-B9D6-E6583EC84139}" type="datetimeFigureOut">
               <a:rPr lang="zh-TW" altLang="en-US" smtClean="0"/>
               <a:pPr/>
-              <a:t>2019/12/4</a:t>
+              <a:t>2019/12/8</a:t>
             </a:fld>
             <a:endParaRPr lang="zh-TW" altLang="en-US"/>
           </a:p>
@@ -2770,7 +2770,7 @@
             <a:fld id="{68371185-F1A7-4927-B9D6-E6583EC84139}" type="datetimeFigureOut">
               <a:rPr lang="zh-TW" altLang="en-US" smtClean="0"/>
               <a:pPr/>
-              <a:t>2019/12/4</a:t>
+              <a:t>2019/12/8</a:t>
             </a:fld>
             <a:endParaRPr lang="zh-TW" altLang="en-US"/>
           </a:p>
@@ -2822,7 +2822,7 @@
     </p:spTree>
     <p:extLst>
       <p:ext uri="{BB962C8B-B14F-4D97-AF65-F5344CB8AC3E}">
-        <p14:creationId xmlns:p14="http://schemas.microsoft.com/office/powerpoint/2010/main" val="3623616810"/>
+        <p14:creationId xmlns:p14="http://schemas.microsoft.com/office/powerpoint/2010/main" xmlns="" val="3623616810"/>
       </p:ext>
     </p:extLst>
   </p:cSld>
@@ -3156,7 +3156,7 @@
             <a:fld id="{68371185-F1A7-4927-B9D6-E6583EC84139}" type="datetimeFigureOut">
               <a:rPr lang="zh-TW" altLang="en-US" smtClean="0"/>
               <a:pPr/>
-              <a:t>2019/12/4</a:t>
+              <a:t>2019/12/8</a:t>
             </a:fld>
             <a:endParaRPr lang="zh-TW" altLang="en-US"/>
           </a:p>
@@ -3378,7 +3378,7 @@
             <a:fld id="{68371185-F1A7-4927-B9D6-E6583EC84139}" type="datetimeFigureOut">
               <a:rPr lang="zh-TW" altLang="en-US" smtClean="0"/>
               <a:pPr/>
-              <a:t>2019/12/4</a:t>
+              <a:t>2019/12/8</a:t>
             </a:fld>
             <a:endParaRPr lang="zh-TW" altLang="en-US"/>
           </a:p>
@@ -3565,7 +3565,7 @@
             <a:fld id="{68371185-F1A7-4927-B9D6-E6583EC84139}" type="datetimeFigureOut">
               <a:rPr lang="zh-TW" altLang="en-US" smtClean="0"/>
               <a:pPr/>
-              <a:t>2019/12/4</a:t>
+              <a:t>2019/12/8</a:t>
             </a:fld>
             <a:endParaRPr lang="zh-TW" altLang="en-US"/>
           </a:p>
@@ -4048,7 +4048,7 @@
             <a:fld id="{68371185-F1A7-4927-B9D6-E6583EC84139}" type="datetimeFigureOut">
               <a:rPr lang="zh-TW" altLang="en-US" smtClean="0"/>
               <a:pPr/>
-              <a:t>2019/12/4</a:t>
+              <a:t>2019/12/8</a:t>
             </a:fld>
             <a:endParaRPr lang="zh-TW" altLang="en-US"/>
           </a:p>
@@ -4401,7 +4401,7 @@
             <a:fld id="{68371185-F1A7-4927-B9D6-E6583EC84139}" type="datetimeFigureOut">
               <a:rPr lang="zh-TW" altLang="en-US" smtClean="0"/>
               <a:pPr/>
-              <a:t>2019/12/4</a:t>
+              <a:t>2019/12/8</a:t>
             </a:fld>
             <a:endParaRPr lang="zh-TW" altLang="en-US"/>
           </a:p>
@@ -4946,7 +4946,7 @@
             <a:fld id="{68371185-F1A7-4927-B9D6-E6583EC84139}" type="datetimeFigureOut">
               <a:rPr lang="zh-TW" altLang="en-US" smtClean="0"/>
               <a:pPr/>
-              <a:t>2019/12/4</a:t>
+              <a:t>2019/12/8</a:t>
             </a:fld>
             <a:endParaRPr lang="zh-TW" altLang="en-US"/>
           </a:p>
@@ -5243,7 +5243,7 @@
             <a:fld id="{68371185-F1A7-4927-B9D6-E6583EC84139}" type="datetimeFigureOut">
               <a:rPr lang="zh-TW" altLang="en-US" smtClean="0"/>
               <a:pPr/>
-              <a:t>2019/12/4</a:t>
+              <a:t>2019/12/8</a:t>
             </a:fld>
             <a:endParaRPr lang="zh-TW" altLang="en-US"/>
           </a:p>
@@ -5904,7 +5904,7 @@
             <a:fld id="{68371185-F1A7-4927-B9D6-E6583EC84139}" type="datetimeFigureOut">
               <a:rPr lang="zh-TW" altLang="en-US" smtClean="0"/>
               <a:pPr/>
-              <a:t>2019/12/4</a:t>
+              <a:t>2019/12/8</a:t>
             </a:fld>
             <a:endParaRPr lang="zh-TW" altLang="en-US"/>
           </a:p>
@@ -6342,7 +6342,7 @@
             <a:fld id="{68371185-F1A7-4927-B9D6-E6583EC84139}" type="datetimeFigureOut">
               <a:rPr lang="zh-TW" altLang="en-US" smtClean="0"/>
               <a:pPr/>
-              <a:t>2019/12/4</a:t>
+              <a:t>2019/12/8</a:t>
             </a:fld>
             <a:endParaRPr lang="zh-TW" altLang="en-US"/>
           </a:p>
@@ -6657,7 +6657,7 @@
             <a:fld id="{68371185-F1A7-4927-B9D6-E6583EC84139}" type="datetimeFigureOut">
               <a:rPr lang="zh-TW" altLang="en-US" smtClean="0"/>
               <a:pPr/>
-              <a:t>2019/12/4</a:t>
+              <a:t>2019/12/8</a:t>
             </a:fld>
             <a:endParaRPr lang="zh-TW" altLang="en-US"/>
           </a:p>
@@ -6913,7 +6913,7 @@
             <a:fld id="{68371185-F1A7-4927-B9D6-E6583EC84139}" type="datetimeFigureOut">
               <a:rPr lang="zh-TW" altLang="en-US" smtClean="0"/>
               <a:pPr/>
-              <a:t>2019/12/4</a:t>
+              <a:t>2019/12/8</a:t>
             </a:fld>
             <a:endParaRPr lang="zh-TW" altLang="en-US"/>
           </a:p>
@@ -6965,7 +6965,7 @@
     </p:spTree>
     <p:extLst>
       <p:ext uri="{BB962C8B-B14F-4D97-AF65-F5344CB8AC3E}">
-        <p14:creationId xmlns:p14="http://schemas.microsoft.com/office/powerpoint/2010/main" val="128896734"/>
+        <p14:creationId xmlns:p14="http://schemas.microsoft.com/office/powerpoint/2010/main" xmlns="" val="128896734"/>
       </p:ext>
     </p:extLst>
   </p:cSld>
@@ -7640,7 +7640,7 @@
             <a:fld id="{68371185-F1A7-4927-B9D6-E6583EC84139}" type="datetimeFigureOut">
               <a:rPr lang="zh-TW" altLang="en-US" smtClean="0"/>
               <a:pPr/>
-              <a:t>2019/12/4</a:t>
+              <a:t>2019/12/8</a:t>
             </a:fld>
             <a:endParaRPr lang="zh-TW" altLang="en-US"/>
           </a:p>
@@ -8306,7 +8306,7 @@
             <a:fld id="{68371185-F1A7-4927-B9D6-E6583EC84139}" type="datetimeFigureOut">
               <a:rPr lang="zh-TW" altLang="en-US" smtClean="0"/>
               <a:pPr/>
-              <a:t>2019/12/4</a:t>
+              <a:t>2019/12/8</a:t>
             </a:fld>
             <a:endParaRPr lang="zh-TW" altLang="en-US"/>
           </a:p>
@@ -8459,7 +8459,7 @@
             <a:fld id="{68371185-F1A7-4927-B9D6-E6583EC84139}" type="datetimeFigureOut">
               <a:rPr lang="zh-TW" altLang="en-US" smtClean="0"/>
               <a:pPr/>
-              <a:t>2019/12/4</a:t>
+              <a:t>2019/12/8</a:t>
             </a:fld>
             <a:endParaRPr lang="zh-TW" altLang="en-US"/>
           </a:p>
@@ -8994,7 +8994,7 @@
             <a:fld id="{68371185-F1A7-4927-B9D6-E6583EC84139}" type="datetimeFigureOut">
               <a:rPr lang="zh-TW" altLang="en-US" smtClean="0"/>
               <a:pPr/>
-              <a:t>2019/12/4</a:t>
+              <a:t>2019/12/8</a:t>
             </a:fld>
             <a:endParaRPr lang="zh-TW" altLang="en-US"/>
           </a:p>
@@ -9778,7 +9778,7 @@
             <a:fld id="{68371185-F1A7-4927-B9D6-E6583EC84139}" type="datetimeFigureOut">
               <a:rPr lang="zh-TW" altLang="en-US" smtClean="0"/>
               <a:pPr/>
-              <a:t>2019/12/4</a:t>
+              <a:t>2019/12/8</a:t>
             </a:fld>
             <a:endParaRPr lang="zh-TW" altLang="en-US"/>
           </a:p>
@@ -9830,7 +9830,7 @@
     </p:spTree>
     <p:extLst>
       <p:ext uri="{BB962C8B-B14F-4D97-AF65-F5344CB8AC3E}">
-        <p14:creationId xmlns:p14="http://schemas.microsoft.com/office/powerpoint/2010/main" val="438416949"/>
+        <p14:creationId xmlns:p14="http://schemas.microsoft.com/office/powerpoint/2010/main" xmlns="" val="438416949"/>
       </p:ext>
     </p:extLst>
   </p:cSld>
@@ -9956,7 +9956,7 @@
             <a:fld id="{68371185-F1A7-4927-B9D6-E6583EC84139}" type="datetimeFigureOut">
               <a:rPr lang="zh-TW" altLang="en-US" smtClean="0"/>
               <a:pPr/>
-              <a:t>2019/12/4</a:t>
+              <a:t>2019/12/8</a:t>
             </a:fld>
             <a:endParaRPr lang="zh-TW" altLang="en-US"/>
           </a:p>
@@ -10008,7 +10008,7 @@
     </p:spTree>
     <p:extLst>
       <p:ext uri="{BB962C8B-B14F-4D97-AF65-F5344CB8AC3E}">
-        <p14:creationId xmlns:p14="http://schemas.microsoft.com/office/powerpoint/2010/main" val="2748490259"/>
+        <p14:creationId xmlns:p14="http://schemas.microsoft.com/office/powerpoint/2010/main" xmlns="" val="2748490259"/>
       </p:ext>
     </p:extLst>
   </p:cSld>
@@ -10205,7 +10205,7 @@
             <a:fld id="{68371185-F1A7-4927-B9D6-E6583EC84139}" type="datetimeFigureOut">
               <a:rPr lang="zh-TW" altLang="en-US" smtClean="0"/>
               <a:pPr/>
-              <a:t>2019/12/4</a:t>
+              <a:t>2019/12/8</a:t>
             </a:fld>
             <a:endParaRPr lang="zh-TW" altLang="en-US"/>
           </a:p>
@@ -10257,7 +10257,7 @@
     </p:spTree>
     <p:extLst>
       <p:ext uri="{BB962C8B-B14F-4D97-AF65-F5344CB8AC3E}">
-        <p14:creationId xmlns:p14="http://schemas.microsoft.com/office/powerpoint/2010/main" val="591487899"/>
+        <p14:creationId xmlns:p14="http://schemas.microsoft.com/office/powerpoint/2010/main" xmlns="" val="591487899"/>
       </p:ext>
     </p:extLst>
   </p:cSld>
@@ -10439,7 +10439,7 @@
             <a:fld id="{68371185-F1A7-4927-B9D6-E6583EC84139}" type="datetimeFigureOut">
               <a:rPr lang="zh-TW" altLang="en-US" smtClean="0"/>
               <a:pPr/>
-              <a:t>2019/12/4</a:t>
+              <a:t>2019/12/8</a:t>
             </a:fld>
             <a:endParaRPr lang="zh-TW" altLang="en-US"/>
           </a:p>
@@ -10491,7 +10491,7 @@
     </p:spTree>
     <p:extLst>
       <p:ext uri="{BB962C8B-B14F-4D97-AF65-F5344CB8AC3E}">
-        <p14:creationId xmlns:p14="http://schemas.microsoft.com/office/powerpoint/2010/main" val="1094863266"/>
+        <p14:creationId xmlns:p14="http://schemas.microsoft.com/office/powerpoint/2010/main" xmlns="" val="1094863266"/>
       </p:ext>
     </p:extLst>
   </p:cSld>
@@ -10815,7 +10815,7 @@
             <a:fld id="{68371185-F1A7-4927-B9D6-E6583EC84139}" type="datetimeFigureOut">
               <a:rPr lang="zh-TW" altLang="en-US" smtClean="0"/>
               <a:pPr/>
-              <a:t>2019/12/4</a:t>
+              <a:t>2019/12/8</a:t>
             </a:fld>
             <a:endParaRPr lang="zh-TW" altLang="en-US"/>
           </a:p>
@@ -10867,7 +10867,7 @@
     </p:spTree>
     <p:extLst>
       <p:ext uri="{BB962C8B-B14F-4D97-AF65-F5344CB8AC3E}">
-        <p14:creationId xmlns:p14="http://schemas.microsoft.com/office/powerpoint/2010/main" val="4256742869"/>
+        <p14:creationId xmlns:p14="http://schemas.microsoft.com/office/powerpoint/2010/main" xmlns="" val="4256742869"/>
       </p:ext>
     </p:extLst>
   </p:cSld>
@@ -10940,7 +10940,7 @@
             <a:fld id="{68371185-F1A7-4927-B9D6-E6583EC84139}" type="datetimeFigureOut">
               <a:rPr lang="zh-TW" altLang="en-US" smtClean="0"/>
               <a:pPr/>
-              <a:t>2019/12/4</a:t>
+              <a:t>2019/12/8</a:t>
             </a:fld>
             <a:endParaRPr lang="zh-TW" altLang="en-US"/>
           </a:p>
@@ -10992,7 +10992,7 @@
     </p:spTree>
     <p:extLst>
       <p:ext uri="{BB962C8B-B14F-4D97-AF65-F5344CB8AC3E}">
-        <p14:creationId xmlns:p14="http://schemas.microsoft.com/office/powerpoint/2010/main" val="1452659025"/>
+        <p14:creationId xmlns:p14="http://schemas.microsoft.com/office/powerpoint/2010/main" xmlns="" val="1452659025"/>
       </p:ext>
     </p:extLst>
   </p:cSld>
@@ -11174,7 +11174,7 @@
             <a:fld id="{68371185-F1A7-4927-B9D6-E6583EC84139}" type="datetimeFigureOut">
               <a:rPr lang="zh-TW" altLang="en-US" smtClean="0"/>
               <a:pPr/>
-              <a:t>2019/12/4</a:t>
+              <a:t>2019/12/8</a:t>
             </a:fld>
             <a:endParaRPr lang="zh-TW" altLang="en-US"/>
           </a:p>
@@ -11226,7 +11226,7 @@
     </p:spTree>
     <p:extLst>
       <p:ext uri="{BB962C8B-B14F-4D97-AF65-F5344CB8AC3E}">
-        <p14:creationId xmlns:p14="http://schemas.microsoft.com/office/powerpoint/2010/main" val="3715991765"/>
+        <p14:creationId xmlns:p14="http://schemas.microsoft.com/office/powerpoint/2010/main" xmlns="" val="3715991765"/>
       </p:ext>
     </p:extLst>
   </p:cSld>
@@ -11271,7 +11271,7 @@
             <a:fld id="{68371185-F1A7-4927-B9D6-E6583EC84139}" type="datetimeFigureOut">
               <a:rPr lang="zh-TW" altLang="en-US" smtClean="0"/>
               <a:pPr/>
-              <a:t>2019/12/4</a:t>
+              <a:t>2019/12/8</a:t>
             </a:fld>
             <a:endParaRPr lang="zh-TW" altLang="en-US"/>
           </a:p>
@@ -11323,7 +11323,7 @@
     </p:spTree>
     <p:extLst>
       <p:ext uri="{BB962C8B-B14F-4D97-AF65-F5344CB8AC3E}">
-        <p14:creationId xmlns:p14="http://schemas.microsoft.com/office/powerpoint/2010/main" val="1552664573"/>
+        <p14:creationId xmlns:p14="http://schemas.microsoft.com/office/powerpoint/2010/main" xmlns="" val="1552664573"/>
       </p:ext>
     </p:extLst>
   </p:cSld>
@@ -11528,7 +11528,7 @@
             <a:fld id="{68371185-F1A7-4927-B9D6-E6583EC84139}" type="datetimeFigureOut">
               <a:rPr lang="zh-TW" altLang="en-US" smtClean="0"/>
               <a:pPr/>
-              <a:t>2019/12/4</a:t>
+              <a:t>2019/12/8</a:t>
             </a:fld>
             <a:endParaRPr lang="zh-TW" altLang="en-US"/>
           </a:p>
@@ -11580,7 +11580,7 @@
     </p:spTree>
     <p:extLst>
       <p:ext uri="{BB962C8B-B14F-4D97-AF65-F5344CB8AC3E}">
-        <p14:creationId xmlns:p14="http://schemas.microsoft.com/office/powerpoint/2010/main" val="2710509491"/>
+        <p14:creationId xmlns:p14="http://schemas.microsoft.com/office/powerpoint/2010/main" xmlns="" val="2710509491"/>
       </p:ext>
     </p:extLst>
   </p:cSld>
@@ -11793,7 +11793,7 @@
             <a:fld id="{68371185-F1A7-4927-B9D6-E6583EC84139}" type="datetimeFigureOut">
               <a:rPr lang="zh-TW" altLang="en-US" smtClean="0"/>
               <a:pPr/>
-              <a:t>2019/12/4</a:t>
+              <a:t>2019/12/8</a:t>
             </a:fld>
             <a:endParaRPr lang="zh-TW" altLang="en-US"/>
           </a:p>
@@ -11845,7 +11845,7 @@
     </p:spTree>
     <p:extLst>
       <p:ext uri="{BB962C8B-B14F-4D97-AF65-F5344CB8AC3E}">
-        <p14:creationId xmlns:p14="http://schemas.microsoft.com/office/powerpoint/2010/main" val="2029938781"/>
+        <p14:creationId xmlns:p14="http://schemas.microsoft.com/office/powerpoint/2010/main" xmlns="" val="2029938781"/>
       </p:ext>
     </p:extLst>
   </p:cSld>
@@ -12046,7 +12046,7 @@
             <a:fld id="{68371185-F1A7-4927-B9D6-E6583EC84139}" type="datetimeFigureOut">
               <a:rPr lang="zh-TW" altLang="en-US" smtClean="0"/>
               <a:pPr/>
-              <a:t>2019/12/4</a:t>
+              <a:t>2019/12/8</a:t>
             </a:fld>
             <a:endParaRPr lang="zh-TW" altLang="en-US"/>
           </a:p>
@@ -12098,7 +12098,7 @@
     </p:spTree>
     <p:extLst>
       <p:ext uri="{BB962C8B-B14F-4D97-AF65-F5344CB8AC3E}">
-        <p14:creationId xmlns:p14="http://schemas.microsoft.com/office/powerpoint/2010/main" val="3201205308"/>
+        <p14:creationId xmlns:p14="http://schemas.microsoft.com/office/powerpoint/2010/main" xmlns="" val="3201205308"/>
       </p:ext>
     </p:extLst>
   </p:cSld>
@@ -12362,7 +12362,7 @@
             <a:fld id="{68371185-F1A7-4927-B9D6-E6583EC84139}" type="datetimeFigureOut">
               <a:rPr lang="zh-TW" altLang="en-US" smtClean="0"/>
               <a:pPr/>
-              <a:t>2019/12/4</a:t>
+              <a:t>2019/12/8</a:t>
             </a:fld>
             <a:endParaRPr lang="zh-TW" altLang="en-US"/>
           </a:p>
@@ -12504,7 +12504,7 @@
     </p:spTree>
     <p:extLst>
       <p:ext uri="{BB962C8B-B14F-4D97-AF65-F5344CB8AC3E}">
-        <p14:creationId xmlns:p14="http://schemas.microsoft.com/office/powerpoint/2010/main" val="2049513647"/>
+        <p14:creationId xmlns:p14="http://schemas.microsoft.com/office/powerpoint/2010/main" xmlns="" val="2049513647"/>
       </p:ext>
     </p:extLst>
   </p:cSld>
@@ -12705,7 +12705,7 @@
             <a:fld id="{68371185-F1A7-4927-B9D6-E6583EC84139}" type="datetimeFigureOut">
               <a:rPr lang="zh-TW" altLang="en-US" smtClean="0"/>
               <a:pPr/>
-              <a:t>2019/12/4</a:t>
+              <a:t>2019/12/8</a:t>
             </a:fld>
             <a:endParaRPr lang="zh-TW" altLang="en-US"/>
           </a:p>
@@ -12757,7 +12757,7 @@
     </p:spTree>
     <p:extLst>
       <p:ext uri="{BB962C8B-B14F-4D97-AF65-F5344CB8AC3E}">
-        <p14:creationId xmlns:p14="http://schemas.microsoft.com/office/powerpoint/2010/main" val="4198173561"/>
+        <p14:creationId xmlns:p14="http://schemas.microsoft.com/office/powerpoint/2010/main" xmlns="" val="4198173561"/>
       </p:ext>
     </p:extLst>
   </p:cSld>
@@ -13021,7 +13021,7 @@
             <a:fld id="{68371185-F1A7-4927-B9D6-E6583EC84139}" type="datetimeFigureOut">
               <a:rPr lang="zh-TW" altLang="en-US" smtClean="0"/>
               <a:pPr/>
-              <a:t>2019/12/4</a:t>
+              <a:t>2019/12/8</a:t>
             </a:fld>
             <a:endParaRPr lang="zh-TW" altLang="en-US"/>
           </a:p>
@@ -13155,7 +13155,7 @@
     </p:spTree>
     <p:extLst>
       <p:ext uri="{BB962C8B-B14F-4D97-AF65-F5344CB8AC3E}">
-        <p14:creationId xmlns:p14="http://schemas.microsoft.com/office/powerpoint/2010/main" val="864248112"/>
+        <p14:creationId xmlns:p14="http://schemas.microsoft.com/office/powerpoint/2010/main" xmlns="" val="864248112"/>
       </p:ext>
     </p:extLst>
   </p:cSld>
@@ -13416,7 +13416,7 @@
             <a:fld id="{68371185-F1A7-4927-B9D6-E6583EC84139}" type="datetimeFigureOut">
               <a:rPr lang="zh-TW" altLang="en-US" smtClean="0"/>
               <a:pPr/>
-              <a:t>2019/12/4</a:t>
+              <a:t>2019/12/8</a:t>
             </a:fld>
             <a:endParaRPr lang="zh-TW" altLang="en-US"/>
           </a:p>
@@ -13468,7 +13468,7 @@
     </p:spTree>
     <p:extLst>
       <p:ext uri="{BB962C8B-B14F-4D97-AF65-F5344CB8AC3E}">
-        <p14:creationId xmlns:p14="http://schemas.microsoft.com/office/powerpoint/2010/main" val="2647261571"/>
+        <p14:creationId xmlns:p14="http://schemas.microsoft.com/office/powerpoint/2010/main" xmlns="" val="2647261571"/>
       </p:ext>
     </p:extLst>
   </p:cSld>
@@ -13588,7 +13588,7 @@
             <a:fld id="{68371185-F1A7-4927-B9D6-E6583EC84139}" type="datetimeFigureOut">
               <a:rPr lang="zh-TW" altLang="en-US" smtClean="0"/>
               <a:pPr/>
-              <a:t>2019/12/4</a:t>
+              <a:t>2019/12/8</a:t>
             </a:fld>
             <a:endParaRPr lang="zh-TW" altLang="en-US"/>
           </a:p>
@@ -13640,7 +13640,7 @@
     </p:spTree>
     <p:extLst>
       <p:ext uri="{BB962C8B-B14F-4D97-AF65-F5344CB8AC3E}">
-        <p14:creationId xmlns:p14="http://schemas.microsoft.com/office/powerpoint/2010/main" val="3597920026"/>
+        <p14:creationId xmlns:p14="http://schemas.microsoft.com/office/powerpoint/2010/main" xmlns="" val="3597920026"/>
       </p:ext>
     </p:extLst>
   </p:cSld>
@@ -13770,7 +13770,7 @@
             <a:fld id="{68371185-F1A7-4927-B9D6-E6583EC84139}" type="datetimeFigureOut">
               <a:rPr lang="zh-TW" altLang="en-US" smtClean="0"/>
               <a:pPr/>
-              <a:t>2019/12/4</a:t>
+              <a:t>2019/12/8</a:t>
             </a:fld>
             <a:endParaRPr lang="zh-TW" altLang="en-US"/>
           </a:p>
@@ -13822,7 +13822,7 @@
     </p:spTree>
     <p:extLst>
       <p:ext uri="{BB962C8B-B14F-4D97-AF65-F5344CB8AC3E}">
-        <p14:creationId xmlns:p14="http://schemas.microsoft.com/office/powerpoint/2010/main" val="4176908146"/>
+        <p14:creationId xmlns:p14="http://schemas.microsoft.com/office/powerpoint/2010/main" xmlns="" val="4176908146"/>
       </p:ext>
     </p:extLst>
   </p:cSld>
@@ -14139,7 +14139,7 @@
             <a:fld id="{68371185-F1A7-4927-B9D6-E6583EC84139}" type="datetimeFigureOut">
               <a:rPr lang="zh-TW" altLang="en-US" smtClean="0"/>
               <a:pPr/>
-              <a:t>2019/12/4</a:t>
+              <a:t>2019/12/8</a:t>
             </a:fld>
             <a:endParaRPr lang="zh-TW" altLang="en-US"/>
           </a:p>
@@ -14191,7 +14191,7 @@
     </p:spTree>
     <p:extLst>
       <p:ext uri="{BB962C8B-B14F-4D97-AF65-F5344CB8AC3E}">
-        <p14:creationId xmlns:p14="http://schemas.microsoft.com/office/powerpoint/2010/main" val="2617057455"/>
+        <p14:creationId xmlns:p14="http://schemas.microsoft.com/office/powerpoint/2010/main" xmlns="" val="2617057455"/>
       </p:ext>
     </p:extLst>
   </p:cSld>
@@ -14259,7 +14259,7 @@
             <a:fld id="{68371185-F1A7-4927-B9D6-E6583EC84139}" type="datetimeFigureOut">
               <a:rPr lang="zh-TW" altLang="en-US" smtClean="0"/>
               <a:pPr/>
-              <a:t>2019/12/4</a:t>
+              <a:t>2019/12/8</a:t>
             </a:fld>
             <a:endParaRPr lang="zh-TW" altLang="en-US"/>
           </a:p>
@@ -14311,7 +14311,7 @@
     </p:spTree>
     <p:extLst>
       <p:ext uri="{BB962C8B-B14F-4D97-AF65-F5344CB8AC3E}">
-        <p14:creationId xmlns:p14="http://schemas.microsoft.com/office/powerpoint/2010/main" val="2340801654"/>
+        <p14:creationId xmlns:p14="http://schemas.microsoft.com/office/powerpoint/2010/main" xmlns="" val="2340801654"/>
       </p:ext>
     </p:extLst>
   </p:cSld>
@@ -14356,7 +14356,7 @@
             <a:fld id="{68371185-F1A7-4927-B9D6-E6583EC84139}" type="datetimeFigureOut">
               <a:rPr lang="zh-TW" altLang="en-US" smtClean="0"/>
               <a:pPr/>
-              <a:t>2019/12/4</a:t>
+              <a:t>2019/12/8</a:t>
             </a:fld>
             <a:endParaRPr lang="zh-TW" altLang="en-US"/>
           </a:p>
@@ -14408,7 +14408,7 @@
     </p:spTree>
     <p:extLst>
       <p:ext uri="{BB962C8B-B14F-4D97-AF65-F5344CB8AC3E}">
-        <p14:creationId xmlns:p14="http://schemas.microsoft.com/office/powerpoint/2010/main" val="195575142"/>
+        <p14:creationId xmlns:p14="http://schemas.microsoft.com/office/powerpoint/2010/main" xmlns="" val="195575142"/>
       </p:ext>
     </p:extLst>
   </p:cSld>
@@ -14635,7 +14635,7 @@
             <a:fld id="{68371185-F1A7-4927-B9D6-E6583EC84139}" type="datetimeFigureOut">
               <a:rPr lang="zh-TW" altLang="en-US" smtClean="0"/>
               <a:pPr/>
-              <a:t>2019/12/4</a:t>
+              <a:t>2019/12/8</a:t>
             </a:fld>
             <a:endParaRPr lang="zh-TW" altLang="en-US"/>
           </a:p>
@@ -14687,7 +14687,7 @@
     </p:spTree>
     <p:extLst>
       <p:ext uri="{BB962C8B-B14F-4D97-AF65-F5344CB8AC3E}">
-        <p14:creationId xmlns:p14="http://schemas.microsoft.com/office/powerpoint/2010/main" val="2209875420"/>
+        <p14:creationId xmlns:p14="http://schemas.microsoft.com/office/powerpoint/2010/main" xmlns="" val="2209875420"/>
       </p:ext>
     </p:extLst>
   </p:cSld>
@@ -14890,7 +14890,7 @@
             <a:fld id="{68371185-F1A7-4927-B9D6-E6583EC84139}" type="datetimeFigureOut">
               <a:rPr lang="zh-TW" altLang="en-US" smtClean="0"/>
               <a:pPr/>
-              <a:t>2019/12/4</a:t>
+              <a:t>2019/12/8</a:t>
             </a:fld>
             <a:endParaRPr lang="zh-TW" altLang="en-US"/>
           </a:p>
@@ -14942,7 +14942,7 @@
     </p:spTree>
     <p:extLst>
       <p:ext uri="{BB962C8B-B14F-4D97-AF65-F5344CB8AC3E}">
-        <p14:creationId xmlns:p14="http://schemas.microsoft.com/office/powerpoint/2010/main" val="1448689589"/>
+        <p14:creationId xmlns:p14="http://schemas.microsoft.com/office/powerpoint/2010/main" xmlns="" val="1448689589"/>
       </p:ext>
     </p:extLst>
   </p:cSld>
@@ -15105,7 +15105,7 @@
             <a:fld id="{68371185-F1A7-4927-B9D6-E6583EC84139}" type="datetimeFigureOut">
               <a:rPr lang="zh-TW" altLang="en-US" smtClean="0"/>
               <a:pPr/>
-              <a:t>2019/12/4</a:t>
+              <a:t>2019/12/8</a:t>
             </a:fld>
             <a:endParaRPr lang="zh-TW" altLang="en-US"/>
           </a:p>
@@ -15193,7 +15193,7 @@
     </p:spTree>
     <p:extLst>
       <p:ext uri="{BB962C8B-B14F-4D97-AF65-F5344CB8AC3E}">
-        <p14:creationId xmlns:p14="http://schemas.microsoft.com/office/powerpoint/2010/main" val="1734713806"/>
+        <p14:creationId xmlns:p14="http://schemas.microsoft.com/office/powerpoint/2010/main" xmlns="" val="1734713806"/>
       </p:ext>
     </p:extLst>
   </p:cSld>
@@ -15645,7 +15645,7 @@
             <a:fld id="{68371185-F1A7-4927-B9D6-E6583EC84139}" type="datetimeFigureOut">
               <a:rPr lang="zh-TW" altLang="en-US" smtClean="0"/>
               <a:pPr/>
-              <a:t>2019/12/4</a:t>
+              <a:t>2019/12/8</a:t>
             </a:fld>
             <a:endParaRPr lang="zh-TW" altLang="en-US"/>
           </a:p>
@@ -16404,7 +16404,7 @@
             <a:fld id="{68371185-F1A7-4927-B9D6-E6583EC84139}" type="datetimeFigureOut">
               <a:rPr lang="zh-TW" altLang="en-US" smtClean="0"/>
               <a:pPr/>
-              <a:t>2019/12/4</a:t>
+              <a:t>2019/12/8</a:t>
             </a:fld>
             <a:endParaRPr lang="zh-TW" altLang="en-US"/>
           </a:p>
@@ -17744,7 +17744,7 @@
             <a:fld id="{68371185-F1A7-4927-B9D6-E6583EC84139}" type="datetimeFigureOut">
               <a:rPr lang="zh-TW" altLang="en-US" smtClean="0"/>
               <a:pPr/>
-              <a:t>2019/12/4</a:t>
+              <a:t>2019/12/8</a:t>
             </a:fld>
             <a:endParaRPr lang="zh-TW" altLang="en-US"/>
           </a:p>
@@ -17830,7 +17830,7 @@
     </p:spTree>
     <p:extLst>
       <p:ext uri="{BB962C8B-B14F-4D97-AF65-F5344CB8AC3E}">
-        <p14:creationId xmlns:p14="http://schemas.microsoft.com/office/powerpoint/2010/main" val="3411925642"/>
+        <p14:creationId xmlns:p14="http://schemas.microsoft.com/office/powerpoint/2010/main" xmlns="" val="3411925642"/>
       </p:ext>
     </p:extLst>
   </p:cSld>
@@ -18386,7 +18386,7 @@
     </p:spTree>
     <p:extLst>
       <p:ext uri="{BB962C8B-B14F-4D97-AF65-F5344CB8AC3E}">
-        <p14:creationId xmlns:p14="http://schemas.microsoft.com/office/powerpoint/2010/main" val="3338767960"/>
+        <p14:creationId xmlns:p14="http://schemas.microsoft.com/office/powerpoint/2010/main" xmlns="" val="3338767960"/>
       </p:ext>
     </p:extLst>
   </p:cSld>
@@ -18420,6 +18420,70 @@
           <a:chExt cx="0" cy="0"/>
         </a:xfrm>
       </p:grpSpPr>
+      <p:pic>
+        <p:nvPicPr>
+          <p:cNvPr id="4099" name="Picture 3"/>
+          <p:cNvPicPr>
+            <a:picLocks noChangeAspect="1" noChangeArrowheads="1"/>
+          </p:cNvPicPr>
+          <p:nvPr/>
+        </p:nvPicPr>
+        <p:blipFill>
+          <a:blip r:embed="rId2" cstate="print"/>
+          <a:srcRect/>
+          <a:stretch>
+            <a:fillRect/>
+          </a:stretch>
+        </p:blipFill>
+        <p:spPr bwMode="auto">
+          <a:xfrm>
+            <a:off x="6679783" y="2329866"/>
+            <a:ext cx="4543425" cy="3609975"/>
+          </a:xfrm>
+          <a:prstGeom prst="rect">
+            <a:avLst/>
+          </a:prstGeom>
+          <a:noFill/>
+          <a:ln w="9525">
+            <a:noFill/>
+            <a:miter lim="800000"/>
+            <a:headEnd/>
+            <a:tailEnd/>
+          </a:ln>
+        </p:spPr>
+      </p:pic>
+      <p:pic>
+        <p:nvPicPr>
+          <p:cNvPr id="4098" name="Picture 2"/>
+          <p:cNvPicPr>
+            <a:picLocks noChangeAspect="1" noChangeArrowheads="1"/>
+          </p:cNvPicPr>
+          <p:nvPr/>
+        </p:nvPicPr>
+        <p:blipFill>
+          <a:blip r:embed="rId3" cstate="print"/>
+          <a:srcRect/>
+          <a:stretch>
+            <a:fillRect/>
+          </a:stretch>
+        </p:blipFill>
+        <p:spPr bwMode="auto">
+          <a:xfrm>
+            <a:off x="911643" y="2338137"/>
+            <a:ext cx="4657725" cy="3657600"/>
+          </a:xfrm>
+          <a:prstGeom prst="rect">
+            <a:avLst/>
+          </a:prstGeom>
+          <a:noFill/>
+          <a:ln w="9525">
+            <a:noFill/>
+            <a:miter lim="800000"/>
+            <a:headEnd/>
+            <a:tailEnd/>
+          </a:ln>
+        </p:spPr>
+      </p:pic>
       <p:sp>
         <p:nvSpPr>
           <p:cNvPr id="13" name="文字方塊 12"/>
@@ -18486,70 +18550,6 @@
           </a:p>
         </p:txBody>
       </p:sp>
-      <p:pic>
-        <p:nvPicPr>
-          <p:cNvPr id="18434" name="Picture 2"/>
-          <p:cNvPicPr>
-            <a:picLocks noChangeAspect="1" noChangeArrowheads="1"/>
-          </p:cNvPicPr>
-          <p:nvPr/>
-        </p:nvPicPr>
-        <p:blipFill>
-          <a:blip r:embed="rId2" cstate="print"/>
-          <a:srcRect/>
-          <a:stretch>
-            <a:fillRect/>
-          </a:stretch>
-        </p:blipFill>
-        <p:spPr bwMode="auto">
-          <a:xfrm>
-            <a:off x="517432" y="2376208"/>
-            <a:ext cx="4810125" cy="3638550"/>
-          </a:xfrm>
-          <a:prstGeom prst="rect">
-            <a:avLst/>
-          </a:prstGeom>
-          <a:noFill/>
-          <a:ln w="9525">
-            <a:noFill/>
-            <a:miter lim="800000"/>
-            <a:headEnd/>
-            <a:tailEnd/>
-          </a:ln>
-        </p:spPr>
-      </p:pic>
-      <p:pic>
-        <p:nvPicPr>
-          <p:cNvPr id="18435" name="Picture 3"/>
-          <p:cNvPicPr>
-            <a:picLocks noChangeAspect="1" noChangeArrowheads="1"/>
-          </p:cNvPicPr>
-          <p:nvPr/>
-        </p:nvPicPr>
-        <p:blipFill>
-          <a:blip r:embed="rId3" cstate="print"/>
-          <a:srcRect/>
-          <a:stretch>
-            <a:fillRect/>
-          </a:stretch>
-        </p:blipFill>
-        <p:spPr bwMode="auto">
-          <a:xfrm>
-            <a:off x="6299107" y="2291603"/>
-            <a:ext cx="4676775" cy="3619500"/>
-          </a:xfrm>
-          <a:prstGeom prst="rect">
-            <a:avLst/>
-          </a:prstGeom>
-          <a:noFill/>
-          <a:ln w="9525">
-            <a:noFill/>
-            <a:miter lim="800000"/>
-            <a:headEnd/>
-            <a:tailEnd/>
-          </a:ln>
-        </p:spPr>
-      </p:pic>
       <p:sp>
         <p:nvSpPr>
           <p:cNvPr id="6" name="橢圓 5"/>
@@ -18721,6 +18721,13 @@
   <p:clrMapOvr>
     <a:masterClrMapping/>
   </p:clrMapOvr>
+  <p:timing>
+    <p:tnLst>
+      <p:par>
+        <p:cTn id="1" dur="indefinite" restart="never" nodeType="tmRoot"/>
+      </p:par>
+    </p:tnLst>
+  </p:timing>
 </p:sld>
 </file>
 
@@ -18867,6 +18874,13 @@
               <a:rPr lang="en-US" altLang="zh-TW" sz="2800" dirty="0" smtClean="0"/>
               <a:t>)</a:t>
             </a:r>
+          </a:p>
+          <a:p>
+            <a:r>
+              <a:rPr lang="zh-TW" altLang="en-US" sz="2800" dirty="0" smtClean="0"/>
+              <a:t>修改畫面</a:t>
+            </a:r>
+            <a:endParaRPr lang="en-US" altLang="zh-TW" sz="2800" dirty="0" smtClean="0"/>
           </a:p>
           <a:p>
             <a:endParaRPr lang="en-US" altLang="zh-TW" sz="2800" dirty="0" smtClean="0"/>
@@ -20001,6 +20015,43 @@
           </a:p>
         </p:txBody>
       </p:sp>
+      <p:sp>
+        <p:nvSpPr>
+          <p:cNvPr id="12" name="文字方塊 11"/>
+          <p:cNvSpPr txBox="1"/>
+          <p:nvPr/>
+        </p:nvSpPr>
+        <p:spPr>
+          <a:xfrm>
+            <a:off x="1636294" y="753980"/>
+            <a:ext cx="6288505" cy="646331"/>
+          </a:xfrm>
+          <a:prstGeom prst="rect">
+            <a:avLst/>
+          </a:prstGeom>
+          <a:noFill/>
+        </p:spPr>
+        <p:txBody>
+          <a:bodyPr wrap="square" rtlCol="0">
+            <a:spAutoFit/>
+          </a:bodyPr>
+          <a:lstStyle/>
+          <a:p>
+            <a:r>
+              <a:rPr lang="zh-TW" altLang="en-US" dirty="0" smtClean="0"/>
+              <a:t>註：因為我只有判斷單個半徑，實際上並非是圓形碰撞，</a:t>
+            </a:r>
+            <a:endParaRPr lang="en-US" altLang="zh-TW" dirty="0" smtClean="0"/>
+          </a:p>
+          <a:p>
+            <a:r>
+              <a:rPr lang="zh-TW" altLang="en-US" dirty="0" smtClean="0"/>
+              <a:t>而是點對圓形碰撞。</a:t>
+            </a:r>
+            <a:endParaRPr lang="zh-TW" altLang="en-US" dirty="0"/>
+          </a:p>
+        </p:txBody>
+      </p:sp>
     </p:spTree>
   </p:cSld>
   <p:clrMapOvr>
@@ -20166,27 +20217,27 @@
               <a:t>&gt;&gt; </a:t>
             </a:r>
             <a:r>
+              <a:rPr lang="en-US" altLang="zh-TW" sz="2400" dirty="0" smtClean="0"/>
+              <a:t>Chrome  </a:t>
+            </a:r>
+            <a:r>
+              <a:rPr lang="zh-TW" altLang="en-US" sz="2400" dirty="0" smtClean="0"/>
+              <a:t>的</a:t>
+            </a:r>
+            <a:r>
               <a:rPr lang="en-US" altLang="zh-TW" sz="2400" dirty="0" err="1" smtClean="0"/>
               <a:t>autoPlay</a:t>
             </a:r>
             <a:r>
               <a:rPr lang="zh-TW" altLang="en-US" sz="2400" dirty="0" smtClean="0"/>
-              <a:t>的</a:t>
-            </a:r>
+              <a:t>的限制</a:t>
+            </a:r>
+            <a:endParaRPr lang="en-US" altLang="zh-TW" sz="2400" dirty="0" smtClean="0"/>
+          </a:p>
+          <a:p>
             <a:r>
               <a:rPr lang="zh-TW" altLang="en-US" sz="2400" dirty="0" smtClean="0"/>
-              <a:t>限制</a:t>
-            </a:r>
-            <a:endParaRPr lang="en-US" altLang="zh-TW" sz="2400" dirty="0" smtClean="0"/>
-          </a:p>
-          <a:p>
-            <a:r>
-              <a:rPr lang="zh-TW" altLang="en-US" sz="2400" dirty="0" smtClean="0"/>
-              <a:t>每</a:t>
-            </a:r>
-            <a:r>
-              <a:rPr lang="zh-TW" altLang="en-US" sz="2400" dirty="0" smtClean="0"/>
-              <a:t>批的第</a:t>
+              <a:t>每批的第</a:t>
             </a:r>
             <a:r>
               <a:rPr lang="en-US" altLang="zh-TW" sz="2400" dirty="0" smtClean="0"/>
@@ -20194,11 +20245,7 @@
             </a:r>
             <a:r>
               <a:rPr lang="zh-TW" altLang="en-US" sz="2400" dirty="0" smtClean="0"/>
-              <a:t>隻魚（</a:t>
-            </a:r>
-            <a:r>
-              <a:rPr lang="zh-TW" altLang="en-US" sz="2400" dirty="0" smtClean="0"/>
-              <a:t>陣列位置為</a:t>
+              <a:t>隻魚（陣列位置為</a:t>
             </a:r>
             <a:r>
               <a:rPr lang="en-US" altLang="zh-TW" sz="2400" dirty="0" smtClean="0"/>
@@ -20206,15 +20253,7 @@
             </a:r>
             <a:r>
               <a:rPr lang="zh-TW" altLang="en-US" sz="2400" dirty="0" smtClean="0"/>
-              <a:t>）</a:t>
-            </a:r>
-            <a:r>
-              <a:rPr lang="zh-TW" altLang="en-US" sz="2400" dirty="0" smtClean="0"/>
-              <a:t>，刪除</a:t>
-            </a:r>
-            <a:r>
-              <a:rPr lang="zh-TW" altLang="en-US" sz="2400" dirty="0" smtClean="0"/>
-              <a:t>失敗</a:t>
+              <a:t>），刪除失敗</a:t>
             </a:r>
             <a:endParaRPr lang="en-US" altLang="zh-TW" sz="2400" dirty="0" smtClean="0"/>
           </a:p>
@@ -20248,11 +20287,7 @@
             </a:r>
             <a:r>
               <a:rPr lang="zh-TW" altLang="en-US" sz="2000" dirty="0" smtClean="0"/>
-              <a:t>會判定</a:t>
-            </a:r>
-            <a:r>
-              <a:rPr lang="zh-TW" altLang="en-US" sz="2000" dirty="0" smtClean="0"/>
-              <a:t>數字</a:t>
+              <a:t>會判定數字</a:t>
             </a:r>
             <a:r>
               <a:rPr lang="en-US" altLang="zh-TW" sz="2000" dirty="0" smtClean="0"/>
@@ -20268,17 +20303,11 @@
             </a:r>
             <a:r>
               <a:rPr lang="zh-TW" altLang="en-US" sz="2000" dirty="0" smtClean="0"/>
-              <a:t>，</a:t>
-            </a:r>
-            <a:endParaRPr lang="en-US" altLang="zh-TW" sz="2000" dirty="0" smtClean="0"/>
-          </a:p>
-          <a:p>
-            <a:pPr marL="457200" lvl="1" indent="0">
-              <a:buNone/>
-            </a:pPr>
-            <a:r>
-              <a:rPr lang="zh-TW" altLang="en-US" sz="2000" dirty="0" smtClean="0"/>
-              <a:t>所以後來有些地方變數先加１，使用的時候再減１。</a:t>
+              <a:t>。因此改寫成</a:t>
+            </a:r>
+            <a:r>
+              <a:rPr lang="en-US" altLang="zh-TW" sz="2000" dirty="0" smtClean="0"/>
+              <a:t>!= null</a:t>
             </a:r>
             <a:endParaRPr lang="en-US" altLang="zh-TW" sz="2000" dirty="0" smtClean="0"/>
           </a:p>
@@ -20287,7 +20316,7 @@
     </p:spTree>
     <p:extLst>
       <p:ext uri="{BB962C8B-B14F-4D97-AF65-F5344CB8AC3E}">
-        <p14:creationId xmlns:p14="http://schemas.microsoft.com/office/powerpoint/2010/main" val="3578967659"/>
+        <p14:creationId xmlns:p14="http://schemas.microsoft.com/office/powerpoint/2010/main" xmlns="" val="3578967659"/>
       </p:ext>
     </p:extLst>
   </p:cSld>
@@ -20379,7 +20408,11 @@
             </a:r>
             <a:r>
               <a:rPr lang="zh-TW" altLang="en-US" sz="2400" dirty="0" smtClean="0"/>
-              <a:t>禁止自動撥放</a:t>
+              <a:t>禁止自動撥</a:t>
+            </a:r>
+            <a:r>
+              <a:rPr lang="zh-TW" altLang="en-US" sz="2400" dirty="0" smtClean="0"/>
+              <a:t>放</a:t>
             </a:r>
             <a:endParaRPr lang="en-US" altLang="zh-TW" sz="2400" dirty="0" smtClean="0"/>
           </a:p>
@@ -20389,21 +20422,11 @@
             </a:pPr>
             <a:r>
               <a:rPr lang="en-US" altLang="zh-TW" sz="2400" dirty="0" smtClean="0"/>
-              <a:t>	&gt;&gt;</a:t>
-            </a:r>
-            <a:r>
-              <a:rPr lang="zh-TW" altLang="en-US" sz="2400" dirty="0" smtClean="0"/>
-              <a:t>魚碰撞到潛艇無法直接自動撥放音效</a:t>
-            </a:r>
-            <a:endParaRPr lang="en-US" altLang="zh-TW" sz="2400" dirty="0" smtClean="0"/>
-          </a:p>
-          <a:p>
-            <a:pPr>
-              <a:buNone/>
-            </a:pPr>
+              <a:t>2</a:t>
+            </a:r>
             <a:r>
               <a:rPr lang="en-US" altLang="zh-TW" sz="2400" dirty="0" smtClean="0"/>
-              <a:t>2. </a:t>
+              <a:t>. </a:t>
             </a:r>
             <a:r>
               <a:rPr lang="zh-TW" altLang="en-US" sz="2400" dirty="0" smtClean="0"/>
@@ -20678,11 +20701,7 @@
             </a:r>
             <a:r>
               <a:rPr lang="zh-TW" altLang="en-US" dirty="0" smtClean="0"/>
-              <a:t>免費授權　照片</a:t>
-            </a:r>
-            <a:r>
-              <a:rPr lang="zh-TW" altLang="en-US" dirty="0" smtClean="0"/>
-              <a:t>網站 和 頭像</a:t>
+              <a:t>免費授權　照片網站 和 頭像</a:t>
             </a:r>
             <a:endParaRPr lang="zh-TW" altLang="en-US" dirty="0"/>
           </a:p>
@@ -21056,11 +21075,7 @@
             <a:p>
               <a:r>
                 <a:rPr lang="zh-TW" altLang="en-US" dirty="0" smtClean="0"/>
-                <a:t>程式碼可以寫到一半丟</a:t>
-              </a:r>
-              <a:r>
-                <a:rPr lang="zh-TW" altLang="en-US" dirty="0" smtClean="0"/>
-                <a:t>上去，</a:t>
+                <a:t>程式碼可以寫到一半丟上去，</a:t>
               </a:r>
               <a:endParaRPr lang="en-US" altLang="zh-TW" dirty="0" smtClean="0"/>
             </a:p>
@@ -21083,7 +21098,7 @@
           <p:nvPr/>
         </p:nvPicPr>
         <p:blipFill>
-          <a:blip r:embed="rId7"/>
+          <a:blip r:embed="rId7" cstate="print"/>
           <a:stretch>
             <a:fillRect/>
           </a:stretch>
@@ -21265,7 +21280,7 @@
     </p:spTree>
     <p:extLst>
       <p:ext uri="{BB962C8B-B14F-4D97-AF65-F5344CB8AC3E}">
-        <p14:creationId xmlns:p14="http://schemas.microsoft.com/office/powerpoint/2010/main" val="3327407705"/>
+        <p14:creationId xmlns:p14="http://schemas.microsoft.com/office/powerpoint/2010/main" xmlns="" val="3327407705"/>
       </p:ext>
     </p:extLst>
   </p:cSld>
@@ -21301,7 +21316,7 @@
       </p:grpSpPr>
       <p:pic>
         <p:nvPicPr>
-          <p:cNvPr id="16386" name="Picture 2"/>
+          <p:cNvPr id="1026" name="Picture 2"/>
           <p:cNvPicPr>
             <a:picLocks noChangeAspect="1" noChangeArrowheads="1"/>
           </p:cNvPicPr>
@@ -21309,15 +21324,15 @@
         </p:nvPicPr>
         <p:blipFill>
           <a:blip r:embed="rId2" cstate="print"/>
-          <a:srcRect/>
+          <a:srcRect r="14494"/>
           <a:stretch>
             <a:fillRect/>
           </a:stretch>
         </p:blipFill>
         <p:spPr bwMode="auto">
           <a:xfrm>
-            <a:off x="1233488" y="442913"/>
-            <a:ext cx="9725025" cy="5972175"/>
+            <a:off x="789071" y="192504"/>
+            <a:ext cx="10392276" cy="6438900"/>
           </a:xfrm>
           <a:prstGeom prst="rect">
             <a:avLst/>
@@ -21339,7 +21354,7 @@
         </p:nvSpPr>
         <p:spPr>
           <a:xfrm>
-            <a:off x="1586753" y="1465730"/>
+            <a:off x="1474459" y="1706360"/>
             <a:ext cx="1707776" cy="1836665"/>
           </a:xfrm>
           <a:prstGeom prst="ellipse">
@@ -21385,7 +21400,7 @@
         </p:nvSpPr>
         <p:spPr>
           <a:xfrm>
-            <a:off x="268941" y="1129553"/>
+            <a:off x="268941" y="1370183"/>
             <a:ext cx="2258952" cy="646331"/>
           </a:xfrm>
           <a:prstGeom prst="rect">
@@ -21433,7 +21448,7 @@
         </p:nvSpPr>
         <p:spPr>
           <a:xfrm>
-            <a:off x="5728446" y="1734670"/>
+            <a:off x="5728446" y="1975300"/>
             <a:ext cx="5490606" cy="369332"/>
           </a:xfrm>
           <a:prstGeom prst="rect">
@@ -21474,7 +21489,7 @@
         </p:nvSpPr>
         <p:spPr>
           <a:xfrm>
-            <a:off x="5728446" y="2353235"/>
+            <a:off x="5728446" y="2593865"/>
             <a:ext cx="3647152" cy="646331"/>
           </a:xfrm>
           <a:prstGeom prst="rect">
@@ -21522,7 +21537,7 @@
         </p:nvSpPr>
         <p:spPr>
           <a:xfrm>
-            <a:off x="5728446" y="3254188"/>
+            <a:off x="5728446" y="3494818"/>
             <a:ext cx="4105611" cy="369332"/>
           </a:xfrm>
           <a:prstGeom prst="rect">
@@ -21563,7 +21578,7 @@
         </p:nvSpPr>
         <p:spPr>
           <a:xfrm>
-            <a:off x="3025587" y="5217458"/>
+            <a:off x="3025587" y="5458088"/>
             <a:ext cx="2489784" cy="369332"/>
           </a:xfrm>
           <a:prstGeom prst="rect">
@@ -21604,7 +21619,7 @@
         </p:nvSpPr>
         <p:spPr>
           <a:xfrm>
-            <a:off x="3025587" y="5715000"/>
+            <a:off x="3025587" y="5955630"/>
             <a:ext cx="2028119" cy="369332"/>
           </a:xfrm>
           <a:prstGeom prst="rect">
@@ -21645,7 +21660,7 @@
         </p:nvSpPr>
         <p:spPr>
           <a:xfrm>
-            <a:off x="268941" y="363070"/>
+            <a:off x="268941" y="603700"/>
             <a:ext cx="3300904" cy="646331"/>
           </a:xfrm>
           <a:prstGeom prst="rect">
@@ -21704,7 +21719,7 @@
         </p:nvSpPr>
         <p:spPr>
           <a:xfrm>
-            <a:off x="3200399" y="3133164"/>
+            <a:off x="3200399" y="3373794"/>
             <a:ext cx="2262158" cy="369332"/>
           </a:xfrm>
           <a:prstGeom prst="rect">
@@ -21730,6 +21745,48 @@
               <a:t>星數會隨著破關改變</a:t>
             </a:r>
             <a:endParaRPr lang="zh-TW" altLang="en-US" dirty="0"/>
+          </a:p>
+        </p:txBody>
+      </p:sp>
+      <p:sp>
+        <p:nvSpPr>
+          <p:cNvPr id="14" name="文字方塊 13"/>
+          <p:cNvSpPr txBox="1"/>
+          <p:nvPr/>
+        </p:nvSpPr>
+        <p:spPr>
+          <a:xfrm>
+            <a:off x="4247383" y="1020795"/>
+            <a:ext cx="3185487" cy="369332"/>
+          </a:xfrm>
+          <a:prstGeom prst="rect">
+            <a:avLst/>
+          </a:prstGeom>
+          <a:solidFill>
+            <a:schemeClr val="bg1"/>
+          </a:solidFill>
+          <a:ln>
+            <a:solidFill>
+              <a:srgbClr val="FF0000"/>
+            </a:solidFill>
+          </a:ln>
+        </p:spPr>
+        <p:txBody>
+          <a:bodyPr wrap="none" rtlCol="0">
+            <a:spAutoFit/>
+          </a:bodyPr>
+          <a:lstStyle/>
+          <a:p>
+            <a:pPr marL="342900" indent="-342900"/>
+            <a:r>
+              <a:rPr lang="zh-TW" altLang="en-US" dirty="0" smtClean="0"/>
+              <a:t>提醒使用者要先取得預設值</a:t>
+            </a:r>
+            <a:r>
+              <a:rPr lang="zh-TW" altLang="en-US" dirty="0" smtClean="0"/>
+              <a:t>！</a:t>
+            </a:r>
+            <a:endParaRPr lang="en-US" altLang="zh-TW" dirty="0" smtClean="0"/>
           </a:p>
         </p:txBody>
       </p:sp>
@@ -21772,7 +21829,7 @@
                                           </p:stCondLst>
                                         </p:cTn>
                                         <p:tgtEl>
-                                          <p:spTgt spid="12">
+                                          <p:spTgt spid="14">
                                             <p:bg/>
                                           </p:spTgt>
                                         </p:tgtEl>
@@ -21788,7 +21845,7 @@
                                       <p:cBhvr>
                                         <p:cTn id="7" dur="2000"/>
                                         <p:tgtEl>
-                                          <p:spTgt spid="12">
+                                          <p:spTgt spid="14">
                                             <p:bg/>
                                           </p:spTgt>
                                         </p:tgtEl>
@@ -21811,7 +21868,7 @@
                                           </p:stCondLst>
                                         </p:cTn>
                                         <p:tgtEl>
-                                          <p:spTgt spid="12">
+                                          <p:spTgt spid="14">
                                             <p:txEl>
                                               <p:pRg st="0" end="0"/>
                                             </p:txEl>
@@ -21829,6 +21886,106 @@
                                       <p:cBhvr>
                                         <p:cTn id="10" dur="2000"/>
                                         <p:tgtEl>
+                                          <p:spTgt spid="14">
+                                            <p:txEl>
+                                              <p:pRg st="0" end="0"/>
+                                            </p:txEl>
+                                          </p:spTgt>
+                                        </p:tgtEl>
+                                      </p:cBhvr>
+                                    </p:animEffect>
+                                  </p:childTnLst>
+                                </p:cTn>
+                              </p:par>
+                            </p:childTnLst>
+                          </p:cTn>
+                        </p:par>
+                      </p:childTnLst>
+                    </p:cTn>
+                  </p:par>
+                  <p:par>
+                    <p:cTn id="11" fill="hold">
+                      <p:stCondLst>
+                        <p:cond delay="indefinite"/>
+                      </p:stCondLst>
+                      <p:childTnLst>
+                        <p:par>
+                          <p:cTn id="12" fill="hold">
+                            <p:stCondLst>
+                              <p:cond delay="0"/>
+                            </p:stCondLst>
+                            <p:childTnLst>
+                              <p:par>
+                                <p:cTn id="13" presetID="10" presetClass="entr" presetSubtype="0" fill="hold" grpId="0" nodeType="clickEffect">
+                                  <p:stCondLst>
+                                    <p:cond delay="0"/>
+                                  </p:stCondLst>
+                                  <p:childTnLst>
+                                    <p:set>
+                                      <p:cBhvr>
+                                        <p:cTn id="14" dur="1" fill="hold">
+                                          <p:stCondLst>
+                                            <p:cond delay="0"/>
+                                          </p:stCondLst>
+                                        </p:cTn>
+                                        <p:tgtEl>
+                                          <p:spTgt spid="12">
+                                            <p:bg/>
+                                          </p:spTgt>
+                                        </p:tgtEl>
+                                        <p:attrNameLst>
+                                          <p:attrName>style.visibility</p:attrName>
+                                        </p:attrNameLst>
+                                      </p:cBhvr>
+                                      <p:to>
+                                        <p:strVal val="visible"/>
+                                      </p:to>
+                                    </p:set>
+                                    <p:animEffect transition="in" filter="fade">
+                                      <p:cBhvr>
+                                        <p:cTn id="15" dur="2000"/>
+                                        <p:tgtEl>
+                                          <p:spTgt spid="12">
+                                            <p:bg/>
+                                          </p:spTgt>
+                                        </p:tgtEl>
+                                      </p:cBhvr>
+                                    </p:animEffect>
+                                  </p:childTnLst>
+                                </p:cTn>
+                              </p:par>
+                              <p:par>
+                                <p:cTn id="16" presetID="10" presetClass="entr" presetSubtype="0" fill="hold" grpId="0" nodeType="withEffect">
+                                  <p:stCondLst>
+                                    <p:cond delay="0"/>
+                                  </p:stCondLst>
+                                  <p:childTnLst>
+                                    <p:set>
+                                      <p:cBhvr>
+                                        <p:cTn id="17" dur="1" fill="hold">
+                                          <p:stCondLst>
+                                            <p:cond delay="0"/>
+                                          </p:stCondLst>
+                                        </p:cTn>
+                                        <p:tgtEl>
+                                          <p:spTgt spid="12">
+                                            <p:txEl>
+                                              <p:pRg st="0" end="0"/>
+                                            </p:txEl>
+                                          </p:spTgt>
+                                        </p:tgtEl>
+                                        <p:attrNameLst>
+                                          <p:attrName>style.visibility</p:attrName>
+                                        </p:attrNameLst>
+                                      </p:cBhvr>
+                                      <p:to>
+                                        <p:strVal val="visible"/>
+                                      </p:to>
+                                    </p:set>
+                                    <p:animEffect transition="in" filter="fade">
+                                      <p:cBhvr>
+                                        <p:cTn id="18" dur="2000"/>
+                                        <p:tgtEl>
                                           <p:spTgt spid="12">
                                             <p:txEl>
                                               <p:pRg st="0" end="0"/>
@@ -21841,14 +21998,14 @@
                                 </p:cTn>
                               </p:par>
                               <p:par>
-                                <p:cTn id="11" presetID="10" presetClass="entr" presetSubtype="0" fill="hold" grpId="0" nodeType="withEffect">
+                                <p:cTn id="19" presetID="10" presetClass="entr" presetSubtype="0" fill="hold" grpId="0" nodeType="withEffect">
                                   <p:stCondLst>
                                     <p:cond delay="0"/>
                                   </p:stCondLst>
                                   <p:childTnLst>
                                     <p:set>
                                       <p:cBhvr>
-                                        <p:cTn id="12" dur="1" fill="hold">
+                                        <p:cTn id="20" dur="1" fill="hold">
                                           <p:stCondLst>
                                             <p:cond delay="0"/>
                                           </p:stCondLst>
@@ -21870,7 +22027,7 @@
                                     </p:set>
                                     <p:animEffect transition="in" filter="fade">
                                       <p:cBhvr>
-                                        <p:cTn id="13" dur="2000"/>
+                                        <p:cTn id="21" dur="2000"/>
                                         <p:tgtEl>
                                           <p:spTgt spid="12">
                                             <p:txEl>
@@ -21884,14 +22041,14 @@
                                 </p:cTn>
                               </p:par>
                               <p:par>
-                                <p:cTn id="14" presetID="10" presetClass="entr" presetSubtype="0" fill="hold" grpId="0" nodeType="withEffect">
+                                <p:cTn id="22" presetID="10" presetClass="entr" presetSubtype="0" fill="hold" grpId="0" nodeType="withEffect">
                                   <p:stCondLst>
                                     <p:cond delay="0"/>
                                   </p:stCondLst>
                                   <p:childTnLst>
                                     <p:set>
                                       <p:cBhvr>
-                                        <p:cTn id="15" dur="1" fill="hold">
+                                        <p:cTn id="23" dur="1" fill="hold">
                                           <p:stCondLst>
                                             <p:cond delay="0"/>
                                           </p:stCondLst>
@@ -21911,7 +22068,7 @@
                                     </p:set>
                                     <p:animEffect transition="in" filter="fade">
                                       <p:cBhvr>
-                                        <p:cTn id="16" dur="2000"/>
+                                        <p:cTn id="24" dur="2000"/>
                                         <p:tgtEl>
                                           <p:spTgt spid="6">
                                             <p:bg/>
@@ -21923,14 +22080,14 @@
                                 </p:cTn>
                               </p:par>
                               <p:par>
-                                <p:cTn id="17" presetID="10" presetClass="entr" presetSubtype="0" fill="hold" grpId="0" nodeType="withEffect">
+                                <p:cTn id="25" presetID="10" presetClass="entr" presetSubtype="0" fill="hold" grpId="0" nodeType="withEffect">
                                   <p:stCondLst>
                                     <p:cond delay="0"/>
                                   </p:stCondLst>
                                   <p:childTnLst>
                                     <p:set>
                                       <p:cBhvr>
-                                        <p:cTn id="18" dur="1" fill="hold">
+                                        <p:cTn id="26" dur="1" fill="hold">
                                           <p:stCondLst>
                                             <p:cond delay="0"/>
                                           </p:stCondLst>
@@ -21952,7 +22109,7 @@
                                     </p:set>
                                     <p:animEffect transition="in" filter="fade">
                                       <p:cBhvr>
-                                        <p:cTn id="19" dur="2000"/>
+                                        <p:cTn id="27" dur="2000"/>
                                         <p:tgtEl>
                                           <p:spTgt spid="6">
                                             <p:txEl>
@@ -21966,14 +22123,14 @@
                                 </p:cTn>
                               </p:par>
                               <p:par>
-                                <p:cTn id="20" presetID="10" presetClass="entr" presetSubtype="0" fill="hold" grpId="0" nodeType="withEffect">
+                                <p:cTn id="28" presetID="10" presetClass="entr" presetSubtype="0" fill="hold" grpId="0" nodeType="withEffect">
                                   <p:stCondLst>
                                     <p:cond delay="0"/>
                                   </p:stCondLst>
                                   <p:childTnLst>
                                     <p:set>
                                       <p:cBhvr>
-                                        <p:cTn id="21" dur="1" fill="hold">
+                                        <p:cTn id="29" dur="1" fill="hold">
                                           <p:stCondLst>
                                             <p:cond delay="0"/>
                                           </p:stCondLst>
@@ -21995,7 +22152,7 @@
                                     </p:set>
                                     <p:animEffect transition="in" filter="fade">
                                       <p:cBhvr>
-                                        <p:cTn id="22" dur="2000"/>
+                                        <p:cTn id="30" dur="2000"/>
                                         <p:tgtEl>
                                           <p:spTgt spid="6">
                                             <p:txEl>
@@ -22015,26 +22172,26 @@
                     </p:cTn>
                   </p:par>
                   <p:par>
-                    <p:cTn id="23" fill="hold">
+                    <p:cTn id="31" fill="hold">
                       <p:stCondLst>
                         <p:cond delay="indefinite"/>
                       </p:stCondLst>
                       <p:childTnLst>
                         <p:par>
-                          <p:cTn id="24" fill="hold">
+                          <p:cTn id="32" fill="hold">
                             <p:stCondLst>
                               <p:cond delay="0"/>
                             </p:stCondLst>
                             <p:childTnLst>
                               <p:par>
-                                <p:cTn id="25" presetID="10" presetClass="entr" presetSubtype="0" fill="hold" grpId="0" nodeType="clickEffect">
+                                <p:cTn id="33" presetID="10" presetClass="entr" presetSubtype="0" fill="hold" grpId="0" nodeType="clickEffect">
                                   <p:stCondLst>
                                     <p:cond delay="0"/>
                                   </p:stCondLst>
                                   <p:childTnLst>
                                     <p:set>
                                       <p:cBhvr>
-                                        <p:cTn id="26" dur="1" fill="hold">
+                                        <p:cTn id="34" dur="1" fill="hold">
                                           <p:stCondLst>
                                             <p:cond delay="0"/>
                                           </p:stCondLst>
@@ -22054,7 +22211,7 @@
                                     </p:set>
                                     <p:animEffect transition="in" filter="fade">
                                       <p:cBhvr>
-                                        <p:cTn id="27" dur="2000"/>
+                                        <p:cTn id="35" dur="2000"/>
                                         <p:tgtEl>
                                           <p:spTgt spid="7">
                                             <p:bg/>
@@ -22066,14 +22223,14 @@
                                 </p:cTn>
                               </p:par>
                               <p:par>
-                                <p:cTn id="28" presetID="10" presetClass="entr" presetSubtype="0" fill="hold" grpId="0" nodeType="withEffect">
+                                <p:cTn id="36" presetID="10" presetClass="entr" presetSubtype="0" fill="hold" grpId="0" nodeType="withEffect">
                                   <p:stCondLst>
                                     <p:cond delay="0"/>
                                   </p:stCondLst>
                                   <p:childTnLst>
                                     <p:set>
                                       <p:cBhvr>
-                                        <p:cTn id="29" dur="1" fill="hold">
+                                        <p:cTn id="37" dur="1" fill="hold">
                                           <p:stCondLst>
                                             <p:cond delay="0"/>
                                           </p:stCondLst>
@@ -22095,7 +22252,7 @@
                                     </p:set>
                                     <p:animEffect transition="in" filter="fade">
                                       <p:cBhvr>
-                                        <p:cTn id="30" dur="2000"/>
+                                        <p:cTn id="38" dur="2000"/>
                                         <p:tgtEl>
                                           <p:spTgt spid="7">
                                             <p:txEl>
@@ -22109,14 +22266,14 @@
                                 </p:cTn>
                               </p:par>
                               <p:par>
-                                <p:cTn id="31" presetID="10" presetClass="entr" presetSubtype="0" fill="hold" grpId="0" nodeType="withEffect">
+                                <p:cTn id="39" presetID="10" presetClass="entr" presetSubtype="0" fill="hold" grpId="0" nodeType="withEffect">
                                   <p:stCondLst>
                                     <p:cond delay="0"/>
                                   </p:stCondLst>
                                   <p:childTnLst>
                                     <p:set>
                                       <p:cBhvr>
-                                        <p:cTn id="32" dur="1" fill="hold">
+                                        <p:cTn id="40" dur="1" fill="hold">
                                           <p:stCondLst>
                                             <p:cond delay="0"/>
                                           </p:stCondLst>
@@ -22136,7 +22293,7 @@
                                     </p:set>
                                     <p:animEffect transition="in" filter="fade">
                                       <p:cBhvr>
-                                        <p:cTn id="33" dur="2000"/>
+                                        <p:cTn id="41" dur="2000"/>
                                         <p:tgtEl>
                                           <p:spTgt spid="8">
                                             <p:bg/>
@@ -22148,14 +22305,14 @@
                                 </p:cTn>
                               </p:par>
                               <p:par>
-                                <p:cTn id="34" presetID="10" presetClass="entr" presetSubtype="0" fill="hold" grpId="0" nodeType="withEffect">
+                                <p:cTn id="42" presetID="10" presetClass="entr" presetSubtype="0" fill="hold" grpId="0" nodeType="withEffect">
                                   <p:stCondLst>
                                     <p:cond delay="0"/>
                                   </p:stCondLst>
                                   <p:childTnLst>
                                     <p:set>
                                       <p:cBhvr>
-                                        <p:cTn id="35" dur="1" fill="hold">
+                                        <p:cTn id="43" dur="1" fill="hold">
                                           <p:stCondLst>
                                             <p:cond delay="0"/>
                                           </p:stCondLst>
@@ -22177,7 +22334,7 @@
                                     </p:set>
                                     <p:animEffect transition="in" filter="fade">
                                       <p:cBhvr>
-                                        <p:cTn id="36" dur="2000"/>
+                                        <p:cTn id="44" dur="2000"/>
                                         <p:tgtEl>
                                           <p:spTgt spid="8">
                                             <p:txEl>
@@ -22191,14 +22348,14 @@
                                 </p:cTn>
                               </p:par>
                               <p:par>
-                                <p:cTn id="37" presetID="10" presetClass="entr" presetSubtype="0" fill="hold" grpId="0" nodeType="withEffect">
+                                <p:cTn id="45" presetID="10" presetClass="entr" presetSubtype="0" fill="hold" grpId="0" nodeType="withEffect">
                                   <p:stCondLst>
                                     <p:cond delay="0"/>
                                   </p:stCondLst>
                                   <p:childTnLst>
                                     <p:set>
                                       <p:cBhvr>
-                                        <p:cTn id="38" dur="1" fill="hold">
+                                        <p:cTn id="46" dur="1" fill="hold">
                                           <p:stCondLst>
                                             <p:cond delay="0"/>
                                           </p:stCondLst>
@@ -22220,7 +22377,7 @@
                                     </p:set>
                                     <p:animEffect transition="in" filter="fade">
                                       <p:cBhvr>
-                                        <p:cTn id="39" dur="2000"/>
+                                        <p:cTn id="47" dur="2000"/>
                                         <p:tgtEl>
                                           <p:spTgt spid="8">
                                             <p:txEl>
@@ -22234,14 +22391,14 @@
                                 </p:cTn>
                               </p:par>
                               <p:par>
-                                <p:cTn id="40" presetID="10" presetClass="entr" presetSubtype="0" fill="hold" grpId="0" nodeType="withEffect">
+                                <p:cTn id="48" presetID="10" presetClass="entr" presetSubtype="0" fill="hold" grpId="0" nodeType="withEffect">
                                   <p:stCondLst>
                                     <p:cond delay="0"/>
                                   </p:stCondLst>
                                   <p:childTnLst>
                                     <p:set>
                                       <p:cBhvr>
-                                        <p:cTn id="41" dur="1" fill="hold">
+                                        <p:cTn id="49" dur="1" fill="hold">
                                           <p:stCondLst>
                                             <p:cond delay="0"/>
                                           </p:stCondLst>
@@ -22261,109 +22418,9 @@
                                     </p:set>
                                     <p:animEffect transition="in" filter="fade">
                                       <p:cBhvr>
-                                        <p:cTn id="42" dur="2000"/>
+                                        <p:cTn id="50" dur="2000"/>
                                         <p:tgtEl>
                                           <p:spTgt spid="9">
-                                            <p:bg/>
-                                          </p:spTgt>
-                                        </p:tgtEl>
-                                      </p:cBhvr>
-                                    </p:animEffect>
-                                  </p:childTnLst>
-                                </p:cTn>
-                              </p:par>
-                              <p:par>
-                                <p:cTn id="43" presetID="10" presetClass="entr" presetSubtype="0" fill="hold" grpId="0" nodeType="withEffect">
-                                  <p:stCondLst>
-                                    <p:cond delay="0"/>
-                                  </p:stCondLst>
-                                  <p:childTnLst>
-                                    <p:set>
-                                      <p:cBhvr>
-                                        <p:cTn id="44" dur="1" fill="hold">
-                                          <p:stCondLst>
-                                            <p:cond delay="0"/>
-                                          </p:stCondLst>
-                                        </p:cTn>
-                                        <p:tgtEl>
-                                          <p:spTgt spid="9">
-                                            <p:txEl>
-                                              <p:pRg st="0" end="0"/>
-                                            </p:txEl>
-                                          </p:spTgt>
-                                        </p:tgtEl>
-                                        <p:attrNameLst>
-                                          <p:attrName>style.visibility</p:attrName>
-                                        </p:attrNameLst>
-                                      </p:cBhvr>
-                                      <p:to>
-                                        <p:strVal val="visible"/>
-                                      </p:to>
-                                    </p:set>
-                                    <p:animEffect transition="in" filter="fade">
-                                      <p:cBhvr>
-                                        <p:cTn id="45" dur="2000"/>
-                                        <p:tgtEl>
-                                          <p:spTgt spid="9">
-                                            <p:txEl>
-                                              <p:pRg st="0" end="0"/>
-                                            </p:txEl>
-                                          </p:spTgt>
-                                        </p:tgtEl>
-                                      </p:cBhvr>
-                                    </p:animEffect>
-                                  </p:childTnLst>
-                                </p:cTn>
-                              </p:par>
-                            </p:childTnLst>
-                          </p:cTn>
-                        </p:par>
-                      </p:childTnLst>
-                    </p:cTn>
-                  </p:par>
-                  <p:par>
-                    <p:cTn id="46" fill="hold">
-                      <p:stCondLst>
-                        <p:cond delay="indefinite"/>
-                      </p:stCondLst>
-                      <p:childTnLst>
-                        <p:par>
-                          <p:cTn id="47" fill="hold">
-                            <p:stCondLst>
-                              <p:cond delay="0"/>
-                            </p:stCondLst>
-                            <p:childTnLst>
-                              <p:par>
-                                <p:cTn id="48" presetID="10" presetClass="entr" presetSubtype="0" fill="hold" grpId="0" nodeType="clickEffect">
-                                  <p:stCondLst>
-                                    <p:cond delay="0"/>
-                                  </p:stCondLst>
-                                  <p:childTnLst>
-                                    <p:set>
-                                      <p:cBhvr>
-                                        <p:cTn id="49" dur="1" fill="hold">
-                                          <p:stCondLst>
-                                            <p:cond delay="0"/>
-                                          </p:stCondLst>
-                                        </p:cTn>
-                                        <p:tgtEl>
-                                          <p:spTgt spid="10">
-                                            <p:bg/>
-                                          </p:spTgt>
-                                        </p:tgtEl>
-                                        <p:attrNameLst>
-                                          <p:attrName>style.visibility</p:attrName>
-                                        </p:attrNameLst>
-                                      </p:cBhvr>
-                                      <p:to>
-                                        <p:strVal val="visible"/>
-                                      </p:to>
-                                    </p:set>
-                                    <p:animEffect transition="in" filter="fade">
-                                      <p:cBhvr>
-                                        <p:cTn id="50" dur="2000"/>
-                                        <p:tgtEl>
-                                          <p:spTgt spid="10">
                                             <p:bg/>
                                           </p:spTgt>
                                         </p:tgtEl>
@@ -22386,7 +22443,7 @@
                                           </p:stCondLst>
                                         </p:cTn>
                                         <p:tgtEl>
-                                          <p:spTgt spid="10">
+                                          <p:spTgt spid="9">
                                             <p:txEl>
                                               <p:pRg st="0" end="0"/>
                                             </p:txEl>
@@ -22404,6 +22461,106 @@
                                       <p:cBhvr>
                                         <p:cTn id="53" dur="2000"/>
                                         <p:tgtEl>
+                                          <p:spTgt spid="9">
+                                            <p:txEl>
+                                              <p:pRg st="0" end="0"/>
+                                            </p:txEl>
+                                          </p:spTgt>
+                                        </p:tgtEl>
+                                      </p:cBhvr>
+                                    </p:animEffect>
+                                  </p:childTnLst>
+                                </p:cTn>
+                              </p:par>
+                            </p:childTnLst>
+                          </p:cTn>
+                        </p:par>
+                      </p:childTnLst>
+                    </p:cTn>
+                  </p:par>
+                  <p:par>
+                    <p:cTn id="54" fill="hold">
+                      <p:stCondLst>
+                        <p:cond delay="indefinite"/>
+                      </p:stCondLst>
+                      <p:childTnLst>
+                        <p:par>
+                          <p:cTn id="55" fill="hold">
+                            <p:stCondLst>
+                              <p:cond delay="0"/>
+                            </p:stCondLst>
+                            <p:childTnLst>
+                              <p:par>
+                                <p:cTn id="56" presetID="10" presetClass="entr" presetSubtype="0" fill="hold" grpId="0" nodeType="clickEffect">
+                                  <p:stCondLst>
+                                    <p:cond delay="0"/>
+                                  </p:stCondLst>
+                                  <p:childTnLst>
+                                    <p:set>
+                                      <p:cBhvr>
+                                        <p:cTn id="57" dur="1" fill="hold">
+                                          <p:stCondLst>
+                                            <p:cond delay="0"/>
+                                          </p:stCondLst>
+                                        </p:cTn>
+                                        <p:tgtEl>
+                                          <p:spTgt spid="10">
+                                            <p:bg/>
+                                          </p:spTgt>
+                                        </p:tgtEl>
+                                        <p:attrNameLst>
+                                          <p:attrName>style.visibility</p:attrName>
+                                        </p:attrNameLst>
+                                      </p:cBhvr>
+                                      <p:to>
+                                        <p:strVal val="visible"/>
+                                      </p:to>
+                                    </p:set>
+                                    <p:animEffect transition="in" filter="fade">
+                                      <p:cBhvr>
+                                        <p:cTn id="58" dur="2000"/>
+                                        <p:tgtEl>
+                                          <p:spTgt spid="10">
+                                            <p:bg/>
+                                          </p:spTgt>
+                                        </p:tgtEl>
+                                      </p:cBhvr>
+                                    </p:animEffect>
+                                  </p:childTnLst>
+                                </p:cTn>
+                              </p:par>
+                              <p:par>
+                                <p:cTn id="59" presetID="10" presetClass="entr" presetSubtype="0" fill="hold" grpId="0" nodeType="withEffect">
+                                  <p:stCondLst>
+                                    <p:cond delay="0"/>
+                                  </p:stCondLst>
+                                  <p:childTnLst>
+                                    <p:set>
+                                      <p:cBhvr>
+                                        <p:cTn id="60" dur="1" fill="hold">
+                                          <p:stCondLst>
+                                            <p:cond delay="0"/>
+                                          </p:stCondLst>
+                                        </p:cTn>
+                                        <p:tgtEl>
+                                          <p:spTgt spid="10">
+                                            <p:txEl>
+                                              <p:pRg st="0" end="0"/>
+                                            </p:txEl>
+                                          </p:spTgt>
+                                        </p:tgtEl>
+                                        <p:attrNameLst>
+                                          <p:attrName>style.visibility</p:attrName>
+                                        </p:attrNameLst>
+                                      </p:cBhvr>
+                                      <p:to>
+                                        <p:strVal val="visible"/>
+                                      </p:to>
+                                    </p:set>
+                                    <p:animEffect transition="in" filter="fade">
+                                      <p:cBhvr>
+                                        <p:cTn id="61" dur="2000"/>
+                                        <p:tgtEl>
                                           <p:spTgt spid="10">
                                             <p:txEl>
                                               <p:pRg st="0" end="0"/>
@@ -22416,14 +22573,14 @@
                                 </p:cTn>
                               </p:par>
                               <p:par>
-                                <p:cTn id="54" presetID="10" presetClass="entr" presetSubtype="0" fill="hold" grpId="0" nodeType="withEffect">
+                                <p:cTn id="62" presetID="10" presetClass="entr" presetSubtype="0" fill="hold" grpId="0" nodeType="withEffect">
                                   <p:stCondLst>
                                     <p:cond delay="0"/>
                                   </p:stCondLst>
                                   <p:childTnLst>
                                     <p:set>
                                       <p:cBhvr>
-                                        <p:cTn id="55" dur="1" fill="hold">
+                                        <p:cTn id="63" dur="1" fill="hold">
                                           <p:stCondLst>
                                             <p:cond delay="0"/>
                                           </p:stCondLst>
@@ -22443,109 +22600,9 @@
                                     </p:set>
                                     <p:animEffect transition="in" filter="fade">
                                       <p:cBhvr>
-                                        <p:cTn id="56" dur="2000"/>
+                                        <p:cTn id="64" dur="2000"/>
                                         <p:tgtEl>
                                           <p:spTgt spid="11">
-                                            <p:bg/>
-                                          </p:spTgt>
-                                        </p:tgtEl>
-                                      </p:cBhvr>
-                                    </p:animEffect>
-                                  </p:childTnLst>
-                                </p:cTn>
-                              </p:par>
-                              <p:par>
-                                <p:cTn id="57" presetID="10" presetClass="entr" presetSubtype="0" fill="hold" grpId="0" nodeType="withEffect">
-                                  <p:stCondLst>
-                                    <p:cond delay="0"/>
-                                  </p:stCondLst>
-                                  <p:childTnLst>
-                                    <p:set>
-                                      <p:cBhvr>
-                                        <p:cTn id="58" dur="1" fill="hold">
-                                          <p:stCondLst>
-                                            <p:cond delay="0"/>
-                                          </p:stCondLst>
-                                        </p:cTn>
-                                        <p:tgtEl>
-                                          <p:spTgt spid="11">
-                                            <p:txEl>
-                                              <p:pRg st="0" end="0"/>
-                                            </p:txEl>
-                                          </p:spTgt>
-                                        </p:tgtEl>
-                                        <p:attrNameLst>
-                                          <p:attrName>style.visibility</p:attrName>
-                                        </p:attrNameLst>
-                                      </p:cBhvr>
-                                      <p:to>
-                                        <p:strVal val="visible"/>
-                                      </p:to>
-                                    </p:set>
-                                    <p:animEffect transition="in" filter="fade">
-                                      <p:cBhvr>
-                                        <p:cTn id="59" dur="2000"/>
-                                        <p:tgtEl>
-                                          <p:spTgt spid="11">
-                                            <p:txEl>
-                                              <p:pRg st="0" end="0"/>
-                                            </p:txEl>
-                                          </p:spTgt>
-                                        </p:tgtEl>
-                                      </p:cBhvr>
-                                    </p:animEffect>
-                                  </p:childTnLst>
-                                </p:cTn>
-                              </p:par>
-                            </p:childTnLst>
-                          </p:cTn>
-                        </p:par>
-                      </p:childTnLst>
-                    </p:cTn>
-                  </p:par>
-                  <p:par>
-                    <p:cTn id="60" fill="hold">
-                      <p:stCondLst>
-                        <p:cond delay="indefinite"/>
-                      </p:stCondLst>
-                      <p:childTnLst>
-                        <p:par>
-                          <p:cTn id="61" fill="hold">
-                            <p:stCondLst>
-                              <p:cond delay="0"/>
-                            </p:stCondLst>
-                            <p:childTnLst>
-                              <p:par>
-                                <p:cTn id="62" presetID="10" presetClass="entr" presetSubtype="0" fill="hold" grpId="0" nodeType="clickEffect">
-                                  <p:stCondLst>
-                                    <p:cond delay="0"/>
-                                  </p:stCondLst>
-                                  <p:childTnLst>
-                                    <p:set>
-                                      <p:cBhvr>
-                                        <p:cTn id="63" dur="1" fill="hold">
-                                          <p:stCondLst>
-                                            <p:cond delay="0"/>
-                                          </p:stCondLst>
-                                        </p:cTn>
-                                        <p:tgtEl>
-                                          <p:spTgt spid="13">
-                                            <p:bg/>
-                                          </p:spTgt>
-                                        </p:tgtEl>
-                                        <p:attrNameLst>
-                                          <p:attrName>style.visibility</p:attrName>
-                                        </p:attrNameLst>
-                                      </p:cBhvr>
-                                      <p:to>
-                                        <p:strVal val="visible"/>
-                                      </p:to>
-                                    </p:set>
-                                    <p:animEffect transition="in" filter="fade">
-                                      <p:cBhvr>
-                                        <p:cTn id="64" dur="2000"/>
-                                        <p:tgtEl>
-                                          <p:spTgt spid="13">
                                             <p:bg/>
                                           </p:spTgt>
                                         </p:tgtEl>
@@ -22568,6 +22625,106 @@
                                           </p:stCondLst>
                                         </p:cTn>
                                         <p:tgtEl>
+                                          <p:spTgt spid="11">
+                                            <p:txEl>
+                                              <p:pRg st="0" end="0"/>
+                                            </p:txEl>
+                                          </p:spTgt>
+                                        </p:tgtEl>
+                                        <p:attrNameLst>
+                                          <p:attrName>style.visibility</p:attrName>
+                                        </p:attrNameLst>
+                                      </p:cBhvr>
+                                      <p:to>
+                                        <p:strVal val="visible"/>
+                                      </p:to>
+                                    </p:set>
+                                    <p:animEffect transition="in" filter="fade">
+                                      <p:cBhvr>
+                                        <p:cTn id="67" dur="2000"/>
+                                        <p:tgtEl>
+                                          <p:spTgt spid="11">
+                                            <p:txEl>
+                                              <p:pRg st="0" end="0"/>
+                                            </p:txEl>
+                                          </p:spTgt>
+                                        </p:tgtEl>
+                                      </p:cBhvr>
+                                    </p:animEffect>
+                                  </p:childTnLst>
+                                </p:cTn>
+                              </p:par>
+                            </p:childTnLst>
+                          </p:cTn>
+                        </p:par>
+                      </p:childTnLst>
+                    </p:cTn>
+                  </p:par>
+                  <p:par>
+                    <p:cTn id="68" fill="hold">
+                      <p:stCondLst>
+                        <p:cond delay="indefinite"/>
+                      </p:stCondLst>
+                      <p:childTnLst>
+                        <p:par>
+                          <p:cTn id="69" fill="hold">
+                            <p:stCondLst>
+                              <p:cond delay="0"/>
+                            </p:stCondLst>
+                            <p:childTnLst>
+                              <p:par>
+                                <p:cTn id="70" presetID="10" presetClass="entr" presetSubtype="0" fill="hold" grpId="0" nodeType="clickEffect">
+                                  <p:stCondLst>
+                                    <p:cond delay="0"/>
+                                  </p:stCondLst>
+                                  <p:childTnLst>
+                                    <p:set>
+                                      <p:cBhvr>
+                                        <p:cTn id="71" dur="1" fill="hold">
+                                          <p:stCondLst>
+                                            <p:cond delay="0"/>
+                                          </p:stCondLst>
+                                        </p:cTn>
+                                        <p:tgtEl>
+                                          <p:spTgt spid="13">
+                                            <p:bg/>
+                                          </p:spTgt>
+                                        </p:tgtEl>
+                                        <p:attrNameLst>
+                                          <p:attrName>style.visibility</p:attrName>
+                                        </p:attrNameLst>
+                                      </p:cBhvr>
+                                      <p:to>
+                                        <p:strVal val="visible"/>
+                                      </p:to>
+                                    </p:set>
+                                    <p:animEffect transition="in" filter="fade">
+                                      <p:cBhvr>
+                                        <p:cTn id="72" dur="2000"/>
+                                        <p:tgtEl>
+                                          <p:spTgt spid="13">
+                                            <p:bg/>
+                                          </p:spTgt>
+                                        </p:tgtEl>
+                                      </p:cBhvr>
+                                    </p:animEffect>
+                                  </p:childTnLst>
+                                </p:cTn>
+                              </p:par>
+                              <p:par>
+                                <p:cTn id="73" presetID="10" presetClass="entr" presetSubtype="0" fill="hold" grpId="0" nodeType="withEffect">
+                                  <p:stCondLst>
+                                    <p:cond delay="0"/>
+                                  </p:stCondLst>
+                                  <p:childTnLst>
+                                    <p:set>
+                                      <p:cBhvr>
+                                        <p:cTn id="74" dur="1" fill="hold">
+                                          <p:stCondLst>
+                                            <p:cond delay="0"/>
+                                          </p:stCondLst>
+                                        </p:cTn>
+                                        <p:tgtEl>
                                           <p:spTgt spid="13">
                                             <p:txEl>
                                               <p:pRg st="0" end="0"/>
@@ -22584,7 +22741,7 @@
                                     </p:set>
                                     <p:animEffect transition="in" filter="fade">
                                       <p:cBhvr>
-                                        <p:cTn id="67" dur="2000"/>
+                                        <p:cTn id="75" dur="2000"/>
                                         <p:tgtEl>
                                           <p:spTgt spid="13">
                                             <p:txEl>
@@ -22633,6 +22790,7 @@
       <p:bldP spid="11" grpId="0" build="allAtOnce" animBg="1"/>
       <p:bldP spid="12" grpId="0" build="allAtOnce" animBg="1"/>
       <p:bldP spid="13" grpId="0" build="allAtOnce" animBg="1"/>
+      <p:bldP spid="14" grpId="0" build="allAtOnce" animBg="1"/>
     </p:bldLst>
   </p:timing>
 </p:sld>
@@ -22655,34 +22813,9 @@
           <a:chExt cx="0" cy="0"/>
         </a:xfrm>
       </p:grpSpPr>
-      <p:sp>
-        <p:nvSpPr>
-          <p:cNvPr id="2" name="標題 1"/>
-          <p:cNvSpPr>
-            <a:spLocks noGrp="1"/>
-          </p:cNvSpPr>
-          <p:nvPr>
-            <p:ph type="title"/>
-          </p:nvPr>
-        </p:nvSpPr>
-        <p:spPr/>
-        <p:txBody>
-          <a:bodyPr>
-            <a:normAutofit/>
-          </a:bodyPr>
-          <a:lstStyle/>
-          <a:p>
-            <a:r>
-              <a:rPr lang="en-US" altLang="zh-TW" sz="4800" dirty="0" smtClean="0"/>
-              <a:t>1-1 :</a:t>
-            </a:r>
-            <a:endParaRPr lang="zh-TW" altLang="en-US" sz="4800" dirty="0"/>
-          </a:p>
-        </p:txBody>
-      </p:sp>
       <p:pic>
         <p:nvPicPr>
-          <p:cNvPr id="17410" name="Picture 2"/>
+          <p:cNvPr id="2050" name="Picture 2"/>
           <p:cNvPicPr>
             <a:picLocks noChangeAspect="1" noChangeArrowheads="1"/>
           </p:cNvPicPr>
@@ -22697,8 +22830,8 @@
         </p:blipFill>
         <p:spPr bwMode="auto">
           <a:xfrm>
-            <a:off x="927848" y="1428260"/>
-            <a:ext cx="9560858" cy="4955751"/>
+            <a:off x="1380623" y="1717258"/>
+            <a:ext cx="8873068" cy="4587290"/>
           </a:xfrm>
           <a:prstGeom prst="rect">
             <a:avLst/>
@@ -22712,6 +22845,31 @@
           </a:ln>
         </p:spPr>
       </p:pic>
+      <p:sp>
+        <p:nvSpPr>
+          <p:cNvPr id="2" name="標題 1"/>
+          <p:cNvSpPr>
+            <a:spLocks noGrp="1"/>
+          </p:cNvSpPr>
+          <p:nvPr>
+            <p:ph type="title"/>
+          </p:nvPr>
+        </p:nvSpPr>
+        <p:spPr/>
+        <p:txBody>
+          <a:bodyPr>
+            <a:normAutofit/>
+          </a:bodyPr>
+          <a:lstStyle/>
+          <a:p>
+            <a:r>
+              <a:rPr lang="en-US" altLang="zh-TW" sz="4800" dirty="0" smtClean="0"/>
+              <a:t>1-1 :</a:t>
+            </a:r>
+            <a:endParaRPr lang="zh-TW" altLang="en-US" sz="4800" dirty="0"/>
+          </a:p>
+        </p:txBody>
+      </p:sp>
       <p:sp>
         <p:nvSpPr>
           <p:cNvPr id="5" name="文字方塊 4"/>
@@ -22768,7 +22926,7 @@
         </p:nvSpPr>
         <p:spPr>
           <a:xfrm>
-            <a:off x="2076037" y="2060992"/>
+            <a:off x="3006478" y="2269539"/>
             <a:ext cx="1800493" cy="369332"/>
           </a:xfrm>
           <a:prstGeom prst="rect">
@@ -22816,7 +22974,7 @@
         </p:nvSpPr>
         <p:spPr>
           <a:xfrm>
-            <a:off x="5141966" y="1926521"/>
+            <a:off x="5141966" y="2167153"/>
             <a:ext cx="877163" cy="369332"/>
           </a:xfrm>
           <a:prstGeom prst="rect">
@@ -22864,7 +23022,7 @@
         </p:nvSpPr>
         <p:spPr>
           <a:xfrm>
-            <a:off x="8591747" y="2896340"/>
+            <a:off x="8591747" y="4853477"/>
             <a:ext cx="1107996" cy="369332"/>
           </a:xfrm>
           <a:prstGeom prst="rect">
@@ -22912,7 +23070,7 @@
         </p:nvSpPr>
         <p:spPr>
           <a:xfrm>
-            <a:off x="7372547" y="1912667"/>
+            <a:off x="7356505" y="2153299"/>
             <a:ext cx="646331" cy="369332"/>
           </a:xfrm>
           <a:prstGeom prst="rect">
@@ -22947,6 +23105,54 @@
             <a:r>
               <a:rPr lang="zh-TW" altLang="en-US" dirty="0" smtClean="0"/>
               <a:t>金錢</a:t>
+            </a:r>
+            <a:endParaRPr lang="zh-TW" altLang="en-US" dirty="0"/>
+          </a:p>
+        </p:txBody>
+      </p:sp>
+      <p:sp>
+        <p:nvSpPr>
+          <p:cNvPr id="10" name="矩形 9"/>
+          <p:cNvSpPr/>
+          <p:nvPr/>
+        </p:nvSpPr>
+        <p:spPr>
+          <a:xfrm>
+            <a:off x="937047" y="1419308"/>
+            <a:ext cx="1107996" cy="369332"/>
+          </a:xfrm>
+          <a:prstGeom prst="rect">
+            <a:avLst/>
+          </a:prstGeom>
+          <a:ln>
+            <a:solidFill>
+              <a:srgbClr val="FF0000"/>
+            </a:solidFill>
+          </a:ln>
+        </p:spPr>
+        <p:style>
+          <a:lnRef idx="2">
+            <a:schemeClr val="dk1"/>
+          </a:lnRef>
+          <a:fillRef idx="1">
+            <a:schemeClr val="lt1"/>
+          </a:fillRef>
+          <a:effectRef idx="0">
+            <a:schemeClr val="dk1"/>
+          </a:effectRef>
+          <a:fontRef idx="minor">
+            <a:schemeClr val="dk1"/>
+          </a:fontRef>
+        </p:style>
+        <p:txBody>
+          <a:bodyPr wrap="none">
+            <a:spAutoFit/>
+          </a:bodyPr>
+          <a:lstStyle/>
+          <a:p>
+            <a:r>
+              <a:rPr lang="zh-TW" altLang="en-US" dirty="0" smtClean="0"/>
+              <a:t>聲音撥放</a:t>
             </a:r>
             <a:endParaRPr lang="zh-TW" altLang="en-US" dirty="0"/>
           </a:p>
@@ -23393,6 +23599,106 @@
                       </p:childTnLst>
                     </p:cTn>
                   </p:par>
+                  <p:par>
+                    <p:cTn id="35" fill="hold">
+                      <p:stCondLst>
+                        <p:cond delay="indefinite"/>
+                      </p:stCondLst>
+                      <p:childTnLst>
+                        <p:par>
+                          <p:cTn id="36" fill="hold">
+                            <p:stCondLst>
+                              <p:cond delay="0"/>
+                            </p:stCondLst>
+                            <p:childTnLst>
+                              <p:par>
+                                <p:cTn id="37" presetID="10" presetClass="entr" presetSubtype="0" fill="hold" grpId="0" nodeType="clickEffect">
+                                  <p:stCondLst>
+                                    <p:cond delay="0"/>
+                                  </p:stCondLst>
+                                  <p:childTnLst>
+                                    <p:set>
+                                      <p:cBhvr>
+                                        <p:cTn id="38" dur="1" fill="hold">
+                                          <p:stCondLst>
+                                            <p:cond delay="0"/>
+                                          </p:stCondLst>
+                                        </p:cTn>
+                                        <p:tgtEl>
+                                          <p:spTgt spid="10">
+                                            <p:bg/>
+                                          </p:spTgt>
+                                        </p:tgtEl>
+                                        <p:attrNameLst>
+                                          <p:attrName>style.visibility</p:attrName>
+                                        </p:attrNameLst>
+                                      </p:cBhvr>
+                                      <p:to>
+                                        <p:strVal val="visible"/>
+                                      </p:to>
+                                    </p:set>
+                                    <p:animEffect transition="in" filter="fade">
+                                      <p:cBhvr>
+                                        <p:cTn id="39" dur="2000"/>
+                                        <p:tgtEl>
+                                          <p:spTgt spid="10">
+                                            <p:bg/>
+                                          </p:spTgt>
+                                        </p:tgtEl>
+                                      </p:cBhvr>
+                                    </p:animEffect>
+                                  </p:childTnLst>
+                                </p:cTn>
+                              </p:par>
+                              <p:par>
+                                <p:cTn id="40" presetID="10" presetClass="entr" presetSubtype="0" fill="hold" grpId="0" nodeType="withEffect">
+                                  <p:stCondLst>
+                                    <p:cond delay="0"/>
+                                  </p:stCondLst>
+                                  <p:childTnLst>
+                                    <p:set>
+                                      <p:cBhvr>
+                                        <p:cTn id="41" dur="1" fill="hold">
+                                          <p:stCondLst>
+                                            <p:cond delay="0"/>
+                                          </p:stCondLst>
+                                        </p:cTn>
+                                        <p:tgtEl>
+                                          <p:spTgt spid="10">
+                                            <p:txEl>
+                                              <p:pRg st="0" end="0"/>
+                                            </p:txEl>
+                                          </p:spTgt>
+                                        </p:tgtEl>
+                                        <p:attrNameLst>
+                                          <p:attrName>style.visibility</p:attrName>
+                                        </p:attrNameLst>
+                                      </p:cBhvr>
+                                      <p:to>
+                                        <p:strVal val="visible"/>
+                                      </p:to>
+                                    </p:set>
+                                    <p:animEffect transition="in" filter="fade">
+                                      <p:cBhvr>
+                                        <p:cTn id="42" dur="2000"/>
+                                        <p:tgtEl>
+                                          <p:spTgt spid="10">
+                                            <p:txEl>
+                                              <p:pRg st="0" end="0"/>
+                                            </p:txEl>
+                                          </p:spTgt>
+                                        </p:tgtEl>
+                                      </p:cBhvr>
+                                    </p:animEffect>
+                                  </p:childTnLst>
+                                </p:cTn>
+                              </p:par>
+                            </p:childTnLst>
+                          </p:cTn>
+                        </p:par>
+                      </p:childTnLst>
+                    </p:cTn>
+                  </p:par>
                 </p:childTnLst>
               </p:cTn>
               <p:prevCondLst>
@@ -23420,6 +23726,7 @@
       <p:bldP spid="7" grpId="0" build="allAtOnce" animBg="1"/>
       <p:bldP spid="14" grpId="0" build="allAtOnce" animBg="1"/>
       <p:bldP spid="15" grpId="0" build="allAtOnce" animBg="1"/>
+      <p:bldP spid="10" grpId="0" build="allAtOnce" animBg="1"/>
     </p:bldLst>
   </p:timing>
 </p:sld>
@@ -23467,13 +23774,11 @@
       </p:sp>
       <p:pic>
         <p:nvPicPr>
-          <p:cNvPr id="21506" name="Picture 2"/>
+          <p:cNvPr id="3075" name="Picture 3"/>
           <p:cNvPicPr>
-            <a:picLocks noGrp="1" noChangeAspect="1" noChangeArrowheads="1"/>
+            <a:picLocks noChangeAspect="1" noChangeArrowheads="1"/>
           </p:cNvPicPr>
-          <p:nvPr>
-            <p:ph idx="1"/>
-          </p:nvPr>
+          <p:nvPr/>
         </p:nvPicPr>
         <p:blipFill>
           <a:blip r:embed="rId2" cstate="print"/>
@@ -23484,8 +23789,8 @@
         </p:blipFill>
         <p:spPr bwMode="auto">
           <a:xfrm>
-            <a:off x="1287275" y="2091810"/>
-            <a:ext cx="9441404" cy="3676977"/>
+            <a:off x="3274168" y="2133600"/>
+            <a:ext cx="8506001" cy="3100137"/>
           </a:xfrm>
           <a:prstGeom prst="rect">
             <a:avLst/>
@@ -23499,11 +23804,136 @@
           </a:ln>
         </p:spPr>
       </p:pic>
+      <p:pic>
+        <p:nvPicPr>
+          <p:cNvPr id="3076" name="Picture 4"/>
+          <p:cNvPicPr>
+            <a:picLocks noChangeAspect="1" noChangeArrowheads="1"/>
+          </p:cNvPicPr>
+          <p:nvPr/>
+        </p:nvPicPr>
+        <p:blipFill>
+          <a:blip r:embed="rId3" cstate="print"/>
+          <a:srcRect/>
+          <a:stretch>
+            <a:fillRect/>
+          </a:stretch>
+        </p:blipFill>
+        <p:spPr bwMode="auto">
+          <a:xfrm>
+            <a:off x="420102" y="2749467"/>
+            <a:ext cx="2347087" cy="2063165"/>
+          </a:xfrm>
+          <a:prstGeom prst="rect">
+            <a:avLst/>
+          </a:prstGeom>
+          <a:noFill/>
+          <a:ln w="9525">
+            <a:noFill/>
+            <a:miter lim="800000"/>
+            <a:headEnd/>
+            <a:tailEnd/>
+          </a:ln>
+        </p:spPr>
+      </p:pic>
+      <p:sp>
+        <p:nvSpPr>
+          <p:cNvPr id="8" name="文字方塊 7"/>
+          <p:cNvSpPr txBox="1"/>
+          <p:nvPr/>
+        </p:nvSpPr>
+        <p:spPr>
+          <a:xfrm>
+            <a:off x="609599" y="2245895"/>
+            <a:ext cx="877163" cy="369332"/>
+          </a:xfrm>
+          <a:prstGeom prst="rect">
+            <a:avLst/>
+          </a:prstGeom>
+        </p:spPr>
+        <p:style>
+          <a:lnRef idx="2">
+            <a:schemeClr val="dk1"/>
+          </a:lnRef>
+          <a:fillRef idx="1">
+            <a:schemeClr val="lt1"/>
+          </a:fillRef>
+          <a:effectRef idx="0">
+            <a:schemeClr val="dk1"/>
+          </a:effectRef>
+          <a:fontRef idx="minor">
+            <a:schemeClr val="dk1"/>
+          </a:fontRef>
+        </p:style>
+        <p:txBody>
+          <a:bodyPr wrap="none" rtlCol="0">
+            <a:spAutoFit/>
+          </a:bodyPr>
+          <a:lstStyle/>
+          <a:p>
+            <a:r>
+              <a:rPr lang="zh-TW" altLang="en-US" dirty="0" smtClean="0"/>
+              <a:t>購物車</a:t>
+            </a:r>
+            <a:endParaRPr lang="zh-TW" altLang="en-US" dirty="0"/>
+          </a:p>
+        </p:txBody>
+      </p:sp>
+      <p:sp>
+        <p:nvSpPr>
+          <p:cNvPr id="9" name="文字方塊 8"/>
+          <p:cNvSpPr txBox="1"/>
+          <p:nvPr/>
+        </p:nvSpPr>
+        <p:spPr>
+          <a:xfrm>
+            <a:off x="3769894" y="1652337"/>
+            <a:ext cx="1338828" cy="369332"/>
+          </a:xfrm>
+          <a:prstGeom prst="rect">
+            <a:avLst/>
+          </a:prstGeom>
+        </p:spPr>
+        <p:style>
+          <a:lnRef idx="2">
+            <a:schemeClr val="dk1"/>
+          </a:lnRef>
+          <a:fillRef idx="1">
+            <a:schemeClr val="lt1"/>
+          </a:fillRef>
+          <a:effectRef idx="0">
+            <a:schemeClr val="dk1"/>
+          </a:effectRef>
+          <a:fontRef idx="minor">
+            <a:schemeClr val="dk1"/>
+          </a:fontRef>
+        </p:style>
+        <p:txBody>
+          <a:bodyPr wrap="none" rtlCol="0">
+            <a:spAutoFit/>
+          </a:bodyPr>
+          <a:lstStyle/>
+          <a:p>
+            <a:r>
+              <a:rPr lang="zh-TW" altLang="en-US" dirty="0" smtClean="0"/>
+              <a:t>道具購買列</a:t>
+            </a:r>
+            <a:endParaRPr lang="zh-TW" altLang="en-US" dirty="0"/>
+          </a:p>
+        </p:txBody>
+      </p:sp>
     </p:spTree>
   </p:cSld>
   <p:clrMapOvr>
     <a:masterClrMapping/>
   </p:clrMapOvr>
+  <p:timing>
+    <p:tnLst>
+      <p:par>
+        <p:cTn id="1" dur="indefinite" restart="never" nodeType="tmRoot"/>
+      </p:par>
+    </p:tnLst>
+  </p:timing>
 </p:sld>
 </file>
 
@@ -23977,6 +24407,13 @@
   <p:clrMapOvr>
     <a:masterClrMapping/>
   </p:clrMapOvr>
+  <p:timing>
+    <p:tnLst>
+      <p:par>
+        <p:cTn id="1" dur="indefinite" restart="never" nodeType="tmRoot"/>
+      </p:par>
+    </p:tnLst>
+  </p:timing>
 </p:sld>
 </file>
 
@@ -24235,7 +24672,7 @@
   <a:extraClrSchemeLst/>
   <a:extLst>
     <a:ext uri="{05A4C25C-085E-4340-85A3-A5531E510DB2}">
-      <thm15:themeFamily xmlns:thm15="http://schemas.microsoft.com/office/thememl/2012/main" name="Office Theme" id="{62F939B6-93AF-4DB8-9C6B-D6C7DFDC589F}" vid="{4A3C46E8-61CC-4603-A589-7422A47A8E4A}"/>
+      <thm15:themeFamily xmlns:thm15="http://schemas.microsoft.com/office/thememl/2012/main" xmlns="" name="Office Theme" id="{62F939B6-93AF-4DB8-9C6B-D6C7DFDC589F}" vid="{4A3C46E8-61CC-4603-A589-7422A47A8E4A}"/>
     </a:ext>
   </a:extLst>
 </a:theme>
@@ -24763,7 +25200,7 @@
     </a:clrScheme>
     <a:fontScheme name="多面向">
       <a:majorFont>
-        <a:latin typeface="Trebuchet MS" panose="020B0603020202020204"/>
+        <a:latin typeface="Trebuchet MS"/>
         <a:ea typeface=""/>
         <a:cs typeface=""/>
         <a:font script="Jpan" typeface="メイリオ"/>
@@ -24798,7 +25235,7 @@
         <a:font script="Geor" typeface="Sylfaen"/>
       </a:majorFont>
       <a:minorFont>
-        <a:latin typeface="Trebuchet MS" panose="020B0603020202020204"/>
+        <a:latin typeface="Trebuchet MS"/>
         <a:ea typeface=""/>
         <a:cs typeface=""/>
         <a:font script="Jpan" typeface="メイリオ"/>
@@ -24971,7 +25408,7 @@
   <a:extraClrSchemeLst/>
   <a:extLst>
     <a:ext uri="{05A4C25C-085E-4340-85A3-A5531E510DB2}">
-      <thm15:themeFamily xmlns:thm15="http://schemas.microsoft.com/office/thememl/2012/main" name="Facet" id="{C0C680CD-088A-49FC-A102-D699147F32B2}" vid="{CFBC31BA-B70F-4F30-BCAA-4F3011E16C4D}"/>
+      <thm15:themeFamily xmlns:thm15="http://schemas.microsoft.com/office/thememl/2012/main" xmlns="" name="Facet" id="{C0C680CD-088A-49FC-A102-D699147F32B2}" vid="{CFBC31BA-B70F-4F30-BCAA-4F3011E16C4D}"/>
     </a:ext>
   </a:extLst>
 </a:theme>

--- a/保衛潛艇戰(守城遊戲).pptx
+++ b/保衛潛艇戰(守城遊戲).pptx
@@ -126,7 +126,7 @@
   </p:defaultTextStyle>
   <p:extLst>
     <p:ext uri="{EFAFB233-063F-42B5-8137-9DF3F51BA10A}">
-      <p15:sldGuideLst xmlns:p15="http://schemas.microsoft.com/office/powerpoint/2012/main" xmlns="">
+      <p15:sldGuideLst xmlns="" xmlns:p15="http://schemas.microsoft.com/office/powerpoint/2012/main">
         <p15:guide id="1" orient="horz" pos="2160">
           <p15:clr>
             <a:srgbClr val="A4A3A4"/>
@@ -327,7 +327,7 @@
     </p:spTree>
     <p:extLst>
       <p:ext uri="{BB962C8B-B14F-4D97-AF65-F5344CB8AC3E}">
-        <p14:creationId xmlns:p14="http://schemas.microsoft.com/office/powerpoint/2010/main" xmlns="" val="786275168"/>
+        <p14:creationId xmlns="" xmlns:p14="http://schemas.microsoft.com/office/powerpoint/2010/main" val="786275168"/>
       </p:ext>
     </p:extLst>
   </p:cSld>
@@ -499,7 +499,7 @@
     </p:spTree>
     <p:extLst>
       <p:ext uri="{BB962C8B-B14F-4D97-AF65-F5344CB8AC3E}">
-        <p14:creationId xmlns:p14="http://schemas.microsoft.com/office/powerpoint/2010/main" xmlns="" val="2527833522"/>
+        <p14:creationId xmlns="" xmlns:p14="http://schemas.microsoft.com/office/powerpoint/2010/main" val="2527833522"/>
       </p:ext>
     </p:extLst>
   </p:cSld>
@@ -681,7 +681,7 @@
     </p:spTree>
     <p:extLst>
       <p:ext uri="{BB962C8B-B14F-4D97-AF65-F5344CB8AC3E}">
-        <p14:creationId xmlns:p14="http://schemas.microsoft.com/office/powerpoint/2010/main" xmlns="" val="547632053"/>
+        <p14:creationId xmlns="" xmlns:p14="http://schemas.microsoft.com/office/powerpoint/2010/main" val="547632053"/>
       </p:ext>
     </p:extLst>
   </p:cSld>
@@ -2822,7 +2822,7 @@
     </p:spTree>
     <p:extLst>
       <p:ext uri="{BB962C8B-B14F-4D97-AF65-F5344CB8AC3E}">
-        <p14:creationId xmlns:p14="http://schemas.microsoft.com/office/powerpoint/2010/main" xmlns="" val="3623616810"/>
+        <p14:creationId xmlns="" xmlns:p14="http://schemas.microsoft.com/office/powerpoint/2010/main" val="3623616810"/>
       </p:ext>
     </p:extLst>
   </p:cSld>
@@ -6965,7 +6965,7 @@
     </p:spTree>
     <p:extLst>
       <p:ext uri="{BB962C8B-B14F-4D97-AF65-F5344CB8AC3E}">
-        <p14:creationId xmlns:p14="http://schemas.microsoft.com/office/powerpoint/2010/main" xmlns="" val="128896734"/>
+        <p14:creationId xmlns="" xmlns:p14="http://schemas.microsoft.com/office/powerpoint/2010/main" val="128896734"/>
       </p:ext>
     </p:extLst>
   </p:cSld>
@@ -9830,7 +9830,7 @@
     </p:spTree>
     <p:extLst>
       <p:ext uri="{BB962C8B-B14F-4D97-AF65-F5344CB8AC3E}">
-        <p14:creationId xmlns:p14="http://schemas.microsoft.com/office/powerpoint/2010/main" xmlns="" val="438416949"/>
+        <p14:creationId xmlns="" xmlns:p14="http://schemas.microsoft.com/office/powerpoint/2010/main" val="438416949"/>
       </p:ext>
     </p:extLst>
   </p:cSld>
@@ -10008,7 +10008,7 @@
     </p:spTree>
     <p:extLst>
       <p:ext uri="{BB962C8B-B14F-4D97-AF65-F5344CB8AC3E}">
-        <p14:creationId xmlns:p14="http://schemas.microsoft.com/office/powerpoint/2010/main" xmlns="" val="2748490259"/>
+        <p14:creationId xmlns="" xmlns:p14="http://schemas.microsoft.com/office/powerpoint/2010/main" val="2748490259"/>
       </p:ext>
     </p:extLst>
   </p:cSld>
@@ -10257,7 +10257,7 @@
     </p:spTree>
     <p:extLst>
       <p:ext uri="{BB962C8B-B14F-4D97-AF65-F5344CB8AC3E}">
-        <p14:creationId xmlns:p14="http://schemas.microsoft.com/office/powerpoint/2010/main" xmlns="" val="591487899"/>
+        <p14:creationId xmlns="" xmlns:p14="http://schemas.microsoft.com/office/powerpoint/2010/main" val="591487899"/>
       </p:ext>
     </p:extLst>
   </p:cSld>
@@ -10491,7 +10491,7 @@
     </p:spTree>
     <p:extLst>
       <p:ext uri="{BB962C8B-B14F-4D97-AF65-F5344CB8AC3E}">
-        <p14:creationId xmlns:p14="http://schemas.microsoft.com/office/powerpoint/2010/main" xmlns="" val="1094863266"/>
+        <p14:creationId xmlns="" xmlns:p14="http://schemas.microsoft.com/office/powerpoint/2010/main" val="1094863266"/>
       </p:ext>
     </p:extLst>
   </p:cSld>
@@ -10867,7 +10867,7 @@
     </p:spTree>
     <p:extLst>
       <p:ext uri="{BB962C8B-B14F-4D97-AF65-F5344CB8AC3E}">
-        <p14:creationId xmlns:p14="http://schemas.microsoft.com/office/powerpoint/2010/main" xmlns="" val="4256742869"/>
+        <p14:creationId xmlns="" xmlns:p14="http://schemas.microsoft.com/office/powerpoint/2010/main" val="4256742869"/>
       </p:ext>
     </p:extLst>
   </p:cSld>
@@ -10992,7 +10992,7 @@
     </p:spTree>
     <p:extLst>
       <p:ext uri="{BB962C8B-B14F-4D97-AF65-F5344CB8AC3E}">
-        <p14:creationId xmlns:p14="http://schemas.microsoft.com/office/powerpoint/2010/main" xmlns="" val="1452659025"/>
+        <p14:creationId xmlns="" xmlns:p14="http://schemas.microsoft.com/office/powerpoint/2010/main" val="1452659025"/>
       </p:ext>
     </p:extLst>
   </p:cSld>
@@ -11226,7 +11226,7 @@
     </p:spTree>
     <p:extLst>
       <p:ext uri="{BB962C8B-B14F-4D97-AF65-F5344CB8AC3E}">
-        <p14:creationId xmlns:p14="http://schemas.microsoft.com/office/powerpoint/2010/main" xmlns="" val="3715991765"/>
+        <p14:creationId xmlns="" xmlns:p14="http://schemas.microsoft.com/office/powerpoint/2010/main" val="3715991765"/>
       </p:ext>
     </p:extLst>
   </p:cSld>
@@ -11323,7 +11323,7 @@
     </p:spTree>
     <p:extLst>
       <p:ext uri="{BB962C8B-B14F-4D97-AF65-F5344CB8AC3E}">
-        <p14:creationId xmlns:p14="http://schemas.microsoft.com/office/powerpoint/2010/main" xmlns="" val="1552664573"/>
+        <p14:creationId xmlns="" xmlns:p14="http://schemas.microsoft.com/office/powerpoint/2010/main" val="1552664573"/>
       </p:ext>
     </p:extLst>
   </p:cSld>
@@ -11580,7 +11580,7 @@
     </p:spTree>
     <p:extLst>
       <p:ext uri="{BB962C8B-B14F-4D97-AF65-F5344CB8AC3E}">
-        <p14:creationId xmlns:p14="http://schemas.microsoft.com/office/powerpoint/2010/main" xmlns="" val="2710509491"/>
+        <p14:creationId xmlns="" xmlns:p14="http://schemas.microsoft.com/office/powerpoint/2010/main" val="2710509491"/>
       </p:ext>
     </p:extLst>
   </p:cSld>
@@ -11845,7 +11845,7 @@
     </p:spTree>
     <p:extLst>
       <p:ext uri="{BB962C8B-B14F-4D97-AF65-F5344CB8AC3E}">
-        <p14:creationId xmlns:p14="http://schemas.microsoft.com/office/powerpoint/2010/main" xmlns="" val="2029938781"/>
+        <p14:creationId xmlns="" xmlns:p14="http://schemas.microsoft.com/office/powerpoint/2010/main" val="2029938781"/>
       </p:ext>
     </p:extLst>
   </p:cSld>
@@ -12098,7 +12098,7 @@
     </p:spTree>
     <p:extLst>
       <p:ext uri="{BB962C8B-B14F-4D97-AF65-F5344CB8AC3E}">
-        <p14:creationId xmlns:p14="http://schemas.microsoft.com/office/powerpoint/2010/main" xmlns="" val="3201205308"/>
+        <p14:creationId xmlns="" xmlns:p14="http://schemas.microsoft.com/office/powerpoint/2010/main" val="3201205308"/>
       </p:ext>
     </p:extLst>
   </p:cSld>
@@ -12504,7 +12504,7 @@
     </p:spTree>
     <p:extLst>
       <p:ext uri="{BB962C8B-B14F-4D97-AF65-F5344CB8AC3E}">
-        <p14:creationId xmlns:p14="http://schemas.microsoft.com/office/powerpoint/2010/main" xmlns="" val="2049513647"/>
+        <p14:creationId xmlns="" xmlns:p14="http://schemas.microsoft.com/office/powerpoint/2010/main" val="2049513647"/>
       </p:ext>
     </p:extLst>
   </p:cSld>
@@ -12757,7 +12757,7 @@
     </p:spTree>
     <p:extLst>
       <p:ext uri="{BB962C8B-B14F-4D97-AF65-F5344CB8AC3E}">
-        <p14:creationId xmlns:p14="http://schemas.microsoft.com/office/powerpoint/2010/main" xmlns="" val="4198173561"/>
+        <p14:creationId xmlns="" xmlns:p14="http://schemas.microsoft.com/office/powerpoint/2010/main" val="4198173561"/>
       </p:ext>
     </p:extLst>
   </p:cSld>
@@ -13155,7 +13155,7 @@
     </p:spTree>
     <p:extLst>
       <p:ext uri="{BB962C8B-B14F-4D97-AF65-F5344CB8AC3E}">
-        <p14:creationId xmlns:p14="http://schemas.microsoft.com/office/powerpoint/2010/main" xmlns="" val="864248112"/>
+        <p14:creationId xmlns="" xmlns:p14="http://schemas.microsoft.com/office/powerpoint/2010/main" val="864248112"/>
       </p:ext>
     </p:extLst>
   </p:cSld>
@@ -13468,7 +13468,7 @@
     </p:spTree>
     <p:extLst>
       <p:ext uri="{BB962C8B-B14F-4D97-AF65-F5344CB8AC3E}">
-        <p14:creationId xmlns:p14="http://schemas.microsoft.com/office/powerpoint/2010/main" xmlns="" val="2647261571"/>
+        <p14:creationId xmlns="" xmlns:p14="http://schemas.microsoft.com/office/powerpoint/2010/main" val="2647261571"/>
       </p:ext>
     </p:extLst>
   </p:cSld>
@@ -13640,7 +13640,7 @@
     </p:spTree>
     <p:extLst>
       <p:ext uri="{BB962C8B-B14F-4D97-AF65-F5344CB8AC3E}">
-        <p14:creationId xmlns:p14="http://schemas.microsoft.com/office/powerpoint/2010/main" xmlns="" val="3597920026"/>
+        <p14:creationId xmlns="" xmlns:p14="http://schemas.microsoft.com/office/powerpoint/2010/main" val="3597920026"/>
       </p:ext>
     </p:extLst>
   </p:cSld>
@@ -13822,7 +13822,7 @@
     </p:spTree>
     <p:extLst>
       <p:ext uri="{BB962C8B-B14F-4D97-AF65-F5344CB8AC3E}">
-        <p14:creationId xmlns:p14="http://schemas.microsoft.com/office/powerpoint/2010/main" xmlns="" val="4176908146"/>
+        <p14:creationId xmlns="" xmlns:p14="http://schemas.microsoft.com/office/powerpoint/2010/main" val="4176908146"/>
       </p:ext>
     </p:extLst>
   </p:cSld>
@@ -14191,7 +14191,7 @@
     </p:spTree>
     <p:extLst>
       <p:ext uri="{BB962C8B-B14F-4D97-AF65-F5344CB8AC3E}">
-        <p14:creationId xmlns:p14="http://schemas.microsoft.com/office/powerpoint/2010/main" xmlns="" val="2617057455"/>
+        <p14:creationId xmlns="" xmlns:p14="http://schemas.microsoft.com/office/powerpoint/2010/main" val="2617057455"/>
       </p:ext>
     </p:extLst>
   </p:cSld>
@@ -14311,7 +14311,7 @@
     </p:spTree>
     <p:extLst>
       <p:ext uri="{BB962C8B-B14F-4D97-AF65-F5344CB8AC3E}">
-        <p14:creationId xmlns:p14="http://schemas.microsoft.com/office/powerpoint/2010/main" xmlns="" val="2340801654"/>
+        <p14:creationId xmlns="" xmlns:p14="http://schemas.microsoft.com/office/powerpoint/2010/main" val="2340801654"/>
       </p:ext>
     </p:extLst>
   </p:cSld>
@@ -14408,7 +14408,7 @@
     </p:spTree>
     <p:extLst>
       <p:ext uri="{BB962C8B-B14F-4D97-AF65-F5344CB8AC3E}">
-        <p14:creationId xmlns:p14="http://schemas.microsoft.com/office/powerpoint/2010/main" xmlns="" val="195575142"/>
+        <p14:creationId xmlns="" xmlns:p14="http://schemas.microsoft.com/office/powerpoint/2010/main" val="195575142"/>
       </p:ext>
     </p:extLst>
   </p:cSld>
@@ -14687,7 +14687,7 @@
     </p:spTree>
     <p:extLst>
       <p:ext uri="{BB962C8B-B14F-4D97-AF65-F5344CB8AC3E}">
-        <p14:creationId xmlns:p14="http://schemas.microsoft.com/office/powerpoint/2010/main" xmlns="" val="2209875420"/>
+        <p14:creationId xmlns="" xmlns:p14="http://schemas.microsoft.com/office/powerpoint/2010/main" val="2209875420"/>
       </p:ext>
     </p:extLst>
   </p:cSld>
@@ -14942,7 +14942,7 @@
     </p:spTree>
     <p:extLst>
       <p:ext uri="{BB962C8B-B14F-4D97-AF65-F5344CB8AC3E}">
-        <p14:creationId xmlns:p14="http://schemas.microsoft.com/office/powerpoint/2010/main" xmlns="" val="1448689589"/>
+        <p14:creationId xmlns="" xmlns:p14="http://schemas.microsoft.com/office/powerpoint/2010/main" val="1448689589"/>
       </p:ext>
     </p:extLst>
   </p:cSld>
@@ -15193,7 +15193,7 @@
     </p:spTree>
     <p:extLst>
       <p:ext uri="{BB962C8B-B14F-4D97-AF65-F5344CB8AC3E}">
-        <p14:creationId xmlns:p14="http://schemas.microsoft.com/office/powerpoint/2010/main" xmlns="" val="1734713806"/>
+        <p14:creationId xmlns="" xmlns:p14="http://schemas.microsoft.com/office/powerpoint/2010/main" val="1734713806"/>
       </p:ext>
     </p:extLst>
   </p:cSld>
@@ -17830,7 +17830,7 @@
     </p:spTree>
     <p:extLst>
       <p:ext uri="{BB962C8B-B14F-4D97-AF65-F5344CB8AC3E}">
-        <p14:creationId xmlns:p14="http://schemas.microsoft.com/office/powerpoint/2010/main" xmlns="" val="3411925642"/>
+        <p14:creationId xmlns="" xmlns:p14="http://schemas.microsoft.com/office/powerpoint/2010/main" val="3411925642"/>
       </p:ext>
     </p:extLst>
   </p:cSld>
@@ -18386,7 +18386,7 @@
     </p:spTree>
     <p:extLst>
       <p:ext uri="{BB962C8B-B14F-4D97-AF65-F5344CB8AC3E}">
-        <p14:creationId xmlns:p14="http://schemas.microsoft.com/office/powerpoint/2010/main" xmlns="" val="3338767960"/>
+        <p14:creationId xmlns="" xmlns:p14="http://schemas.microsoft.com/office/powerpoint/2010/main" val="3338767960"/>
       </p:ext>
     </p:extLst>
   </p:cSld>
@@ -18763,7 +18763,15 @@
           <a:bodyPr/>
           <a:lstStyle/>
           <a:p>
-            <a:endParaRPr lang="zh-TW" altLang="en-US"/>
+            <a:r>
+              <a:rPr lang="zh-TW" altLang="en-US" dirty="0" smtClean="0"/>
+              <a:t>一</a:t>
+            </a:r>
+            <a:r>
+              <a:rPr lang="zh-TW" altLang="en-US" dirty="0" smtClean="0"/>
+              <a:t>開始做的時候，沒有特別寫出想要甚麼功能，做一步算一步，有些應該能全部共用的元件，因為最初沒有好好整理，變成重複性很高。</a:t>
+            </a:r>
+            <a:endParaRPr lang="zh-TW" altLang="en-US" dirty="0"/>
           </a:p>
         </p:txBody>
       </p:sp>
@@ -20214,11 +20222,7 @@
             </a:r>
             <a:r>
               <a:rPr lang="en-US" altLang="zh-TW" sz="2400" dirty="0" smtClean="0"/>
-              <a:t>&gt;&gt; </a:t>
-            </a:r>
-            <a:r>
-              <a:rPr lang="en-US" altLang="zh-TW" sz="2400" dirty="0" smtClean="0"/>
-              <a:t>Chrome  </a:t>
+              <a:t>&gt;&gt; Chrome  </a:t>
             </a:r>
             <a:r>
               <a:rPr lang="zh-TW" altLang="en-US" sz="2400" dirty="0" smtClean="0"/>
@@ -20309,14 +20313,13 @@
               <a:rPr lang="en-US" altLang="zh-TW" sz="2000" dirty="0" smtClean="0"/>
               <a:t>!= null</a:t>
             </a:r>
-            <a:endParaRPr lang="en-US" altLang="zh-TW" sz="2000" dirty="0" smtClean="0"/>
           </a:p>
         </p:txBody>
       </p:sp>
     </p:spTree>
     <p:extLst>
       <p:ext uri="{BB962C8B-B14F-4D97-AF65-F5344CB8AC3E}">
-        <p14:creationId xmlns:p14="http://schemas.microsoft.com/office/powerpoint/2010/main" xmlns="" val="3578967659"/>
+        <p14:creationId xmlns="" xmlns:p14="http://schemas.microsoft.com/office/powerpoint/2010/main" val="3578967659"/>
       </p:ext>
     </p:extLst>
   </p:cSld>
@@ -20408,11 +20411,7 @@
             </a:r>
             <a:r>
               <a:rPr lang="zh-TW" altLang="en-US" sz="2400" dirty="0" smtClean="0"/>
-              <a:t>禁止自動撥</a:t>
-            </a:r>
-            <a:r>
-              <a:rPr lang="zh-TW" altLang="en-US" sz="2400" dirty="0" smtClean="0"/>
-              <a:t>放</a:t>
+              <a:t>禁止自動撥放</a:t>
             </a:r>
             <a:endParaRPr lang="en-US" altLang="zh-TW" sz="2400" dirty="0" smtClean="0"/>
           </a:p>
@@ -20422,11 +20421,7 @@
             </a:pPr>
             <a:r>
               <a:rPr lang="en-US" altLang="zh-TW" sz="2400" dirty="0" smtClean="0"/>
-              <a:t>2</a:t>
-            </a:r>
-            <a:r>
-              <a:rPr lang="en-US" altLang="zh-TW" sz="2400" dirty="0" smtClean="0"/>
-              <a:t>. </a:t>
+              <a:t>2. </a:t>
             </a:r>
             <a:r>
               <a:rPr lang="zh-TW" altLang="en-US" sz="2400" dirty="0" smtClean="0"/>
@@ -21280,7 +21275,7 @@
     </p:spTree>
     <p:extLst>
       <p:ext uri="{BB962C8B-B14F-4D97-AF65-F5344CB8AC3E}">
-        <p14:creationId xmlns:p14="http://schemas.microsoft.com/office/powerpoint/2010/main" xmlns="" val="3327407705"/>
+        <p14:creationId xmlns="" xmlns:p14="http://schemas.microsoft.com/office/powerpoint/2010/main" val="3327407705"/>
       </p:ext>
     </p:extLst>
   </p:cSld>
@@ -21780,11 +21775,53 @@
             <a:pPr marL="342900" indent="-342900"/>
             <a:r>
               <a:rPr lang="zh-TW" altLang="en-US" dirty="0" smtClean="0"/>
-              <a:t>提醒使用者要先取得預設值</a:t>
+              <a:t>提醒使用者要先取得預設值！</a:t>
+            </a:r>
+            <a:endParaRPr lang="en-US" altLang="zh-TW" dirty="0" smtClean="0"/>
+          </a:p>
+        </p:txBody>
+      </p:sp>
+      <p:sp>
+        <p:nvSpPr>
+          <p:cNvPr id="16" name="文字方塊 15"/>
+          <p:cNvSpPr txBox="1"/>
+          <p:nvPr/>
+        </p:nvSpPr>
+        <p:spPr>
+          <a:xfrm>
+            <a:off x="7584141" y="5111532"/>
+            <a:ext cx="1443024" cy="369332"/>
+          </a:xfrm>
+          <a:prstGeom prst="rect">
+            <a:avLst/>
+          </a:prstGeom>
+          <a:solidFill>
+            <a:schemeClr val="bg1"/>
+          </a:solidFill>
+          <a:ln>
+            <a:solidFill>
+              <a:srgbClr val="FF0000"/>
+            </a:solidFill>
+          </a:ln>
+        </p:spPr>
+        <p:txBody>
+          <a:bodyPr wrap="none" rtlCol="0">
+            <a:spAutoFit/>
+          </a:bodyPr>
+          <a:lstStyle/>
+          <a:p>
+            <a:pPr marL="342900" indent="-342900"/>
+            <a:r>
+              <a:rPr lang="en-US" altLang="zh-TW" smtClean="0"/>
+              <a:t>CSS</a:t>
+            </a:r>
+            <a:r>
+              <a:rPr lang="zh-TW" altLang="en-US" smtClean="0"/>
+              <a:t>簡易</a:t>
             </a:r>
             <a:r>
               <a:rPr lang="zh-TW" altLang="en-US" dirty="0" smtClean="0"/>
-              <a:t>！</a:t>
+              <a:t>動畫</a:t>
             </a:r>
             <a:endParaRPr lang="en-US" altLang="zh-TW" dirty="0" smtClean="0"/>
           </a:p>
@@ -22760,6 +22797,106 @@
                       </p:childTnLst>
                     </p:cTn>
                   </p:par>
+                  <p:par>
+                    <p:cTn id="76" fill="hold">
+                      <p:stCondLst>
+                        <p:cond delay="indefinite"/>
+                      </p:stCondLst>
+                      <p:childTnLst>
+                        <p:par>
+                          <p:cTn id="77" fill="hold">
+                            <p:stCondLst>
+                              <p:cond delay="0"/>
+                            </p:stCondLst>
+                            <p:childTnLst>
+                              <p:par>
+                                <p:cTn id="78" presetID="10" presetClass="entr" presetSubtype="0" fill="hold" grpId="0" nodeType="clickEffect">
+                                  <p:stCondLst>
+                                    <p:cond delay="0"/>
+                                  </p:stCondLst>
+                                  <p:childTnLst>
+                                    <p:set>
+                                      <p:cBhvr>
+                                        <p:cTn id="79" dur="1" fill="hold">
+                                          <p:stCondLst>
+                                            <p:cond delay="0"/>
+                                          </p:stCondLst>
+                                        </p:cTn>
+                                        <p:tgtEl>
+                                          <p:spTgt spid="16">
+                                            <p:bg/>
+                                          </p:spTgt>
+                                        </p:tgtEl>
+                                        <p:attrNameLst>
+                                          <p:attrName>style.visibility</p:attrName>
+                                        </p:attrNameLst>
+                                      </p:cBhvr>
+                                      <p:to>
+                                        <p:strVal val="visible"/>
+                                      </p:to>
+                                    </p:set>
+                                    <p:animEffect transition="in" filter="fade">
+                                      <p:cBhvr>
+                                        <p:cTn id="80" dur="2000"/>
+                                        <p:tgtEl>
+                                          <p:spTgt spid="16">
+                                            <p:bg/>
+                                          </p:spTgt>
+                                        </p:tgtEl>
+                                      </p:cBhvr>
+                                    </p:animEffect>
+                                  </p:childTnLst>
+                                </p:cTn>
+                              </p:par>
+                              <p:par>
+                                <p:cTn id="81" presetID="10" presetClass="entr" presetSubtype="0" fill="hold" grpId="0" nodeType="withEffect">
+                                  <p:stCondLst>
+                                    <p:cond delay="0"/>
+                                  </p:stCondLst>
+                                  <p:childTnLst>
+                                    <p:set>
+                                      <p:cBhvr>
+                                        <p:cTn id="82" dur="1" fill="hold">
+                                          <p:stCondLst>
+                                            <p:cond delay="0"/>
+                                          </p:stCondLst>
+                                        </p:cTn>
+                                        <p:tgtEl>
+                                          <p:spTgt spid="16">
+                                            <p:txEl>
+                                              <p:pRg st="0" end="0"/>
+                                            </p:txEl>
+                                          </p:spTgt>
+                                        </p:tgtEl>
+                                        <p:attrNameLst>
+                                          <p:attrName>style.visibility</p:attrName>
+                                        </p:attrNameLst>
+                                      </p:cBhvr>
+                                      <p:to>
+                                        <p:strVal val="visible"/>
+                                      </p:to>
+                                    </p:set>
+                                    <p:animEffect transition="in" filter="fade">
+                                      <p:cBhvr>
+                                        <p:cTn id="83" dur="2000"/>
+                                        <p:tgtEl>
+                                          <p:spTgt spid="16">
+                                            <p:txEl>
+                                              <p:pRg st="0" end="0"/>
+                                            </p:txEl>
+                                          </p:spTgt>
+                                        </p:tgtEl>
+                                      </p:cBhvr>
+                                    </p:animEffect>
+                                  </p:childTnLst>
+                                </p:cTn>
+                              </p:par>
+                            </p:childTnLst>
+                          </p:cTn>
+                        </p:par>
+                      </p:childTnLst>
+                    </p:cTn>
+                  </p:par>
                 </p:childTnLst>
               </p:cTn>
               <p:prevCondLst>
@@ -22791,6 +22928,7 @@
       <p:bldP spid="12" grpId="0" build="allAtOnce" animBg="1"/>
       <p:bldP spid="13" grpId="0" build="allAtOnce" animBg="1"/>
       <p:bldP spid="14" grpId="0" build="allAtOnce" animBg="1"/>
+      <p:bldP spid="16" grpId="0" build="allAtOnce" animBg="1"/>
     </p:bldLst>
   </p:timing>
 </p:sld>
@@ -24672,7 +24810,7 @@
   <a:extraClrSchemeLst/>
   <a:extLst>
     <a:ext uri="{05A4C25C-085E-4340-85A3-A5531E510DB2}">
-      <thm15:themeFamily xmlns:thm15="http://schemas.microsoft.com/office/thememl/2012/main" xmlns="" name="Office Theme" id="{62F939B6-93AF-4DB8-9C6B-D6C7DFDC589F}" vid="{4A3C46E8-61CC-4603-A589-7422A47A8E4A}"/>
+      <thm15:themeFamily xmlns="" xmlns:thm15="http://schemas.microsoft.com/office/thememl/2012/main" name="Office Theme" id="{62F939B6-93AF-4DB8-9C6B-D6C7DFDC589F}" vid="{4A3C46E8-61CC-4603-A589-7422A47A8E4A}"/>
     </a:ext>
   </a:extLst>
 </a:theme>
@@ -25408,7 +25546,7 @@
   <a:extraClrSchemeLst/>
   <a:extLst>
     <a:ext uri="{05A4C25C-085E-4340-85A3-A5531E510DB2}">
-      <thm15:themeFamily xmlns:thm15="http://schemas.microsoft.com/office/thememl/2012/main" xmlns="" name="Facet" id="{C0C680CD-088A-49FC-A102-D699147F32B2}" vid="{CFBC31BA-B70F-4F30-BCAA-4F3011E16C4D}"/>
+      <thm15:themeFamily xmlns="" xmlns:thm15="http://schemas.microsoft.com/office/thememl/2012/main" name="Facet" id="{C0C680CD-088A-49FC-A102-D699147F32B2}" vid="{CFBC31BA-B70F-4F30-BCAA-4F3011E16C4D}"/>
     </a:ext>
   </a:extLst>
 </a:theme>

--- a/保衛潛艇戰(守城遊戲).pptx
+++ b/保衛潛艇戰(守城遊戲).pptx
@@ -12,20 +12,21 @@
     <p:sldId id="258" r:id="rId6"/>
     <p:sldId id="266" r:id="rId7"/>
     <p:sldId id="257" r:id="rId8"/>
-    <p:sldId id="259" r:id="rId9"/>
-    <p:sldId id="260" r:id="rId10"/>
-    <p:sldId id="264" r:id="rId11"/>
-    <p:sldId id="261" r:id="rId12"/>
-    <p:sldId id="263" r:id="rId13"/>
-    <p:sldId id="262" r:id="rId14"/>
-    <p:sldId id="265" r:id="rId15"/>
-    <p:sldId id="267" r:id="rId16"/>
-    <p:sldId id="268" r:id="rId17"/>
-    <p:sldId id="269" r:id="rId18"/>
-    <p:sldId id="270" r:id="rId19"/>
-    <p:sldId id="272" r:id="rId20"/>
-    <p:sldId id="273" r:id="rId21"/>
-    <p:sldId id="271" r:id="rId22"/>
+    <p:sldId id="274" r:id="rId9"/>
+    <p:sldId id="259" r:id="rId10"/>
+    <p:sldId id="260" r:id="rId11"/>
+    <p:sldId id="264" r:id="rId12"/>
+    <p:sldId id="261" r:id="rId13"/>
+    <p:sldId id="263" r:id="rId14"/>
+    <p:sldId id="262" r:id="rId15"/>
+    <p:sldId id="265" r:id="rId16"/>
+    <p:sldId id="267" r:id="rId17"/>
+    <p:sldId id="268" r:id="rId18"/>
+    <p:sldId id="269" r:id="rId19"/>
+    <p:sldId id="270" r:id="rId20"/>
+    <p:sldId id="272" r:id="rId21"/>
+    <p:sldId id="273" r:id="rId22"/>
+    <p:sldId id="271" r:id="rId23"/>
   </p:sldIdLst>
   <p:sldSz cx="12192000" cy="6858000"/>
   <p:notesSz cx="6858000" cy="9144000"/>
@@ -126,7 +127,7 @@
   </p:defaultTextStyle>
   <p:extLst>
     <p:ext uri="{EFAFB233-063F-42B5-8137-9DF3F51BA10A}">
-      <p15:sldGuideLst xmlns="" xmlns:p15="http://schemas.microsoft.com/office/powerpoint/2012/main">
+      <p15:sldGuideLst xmlns:p15="http://schemas.microsoft.com/office/powerpoint/2012/main" xmlns="">
         <p15:guide id="1" orient="horz" pos="2160">
           <p15:clr>
             <a:srgbClr val="A4A3A4"/>
@@ -275,7 +276,7 @@
             <a:fld id="{68371185-F1A7-4927-B9D6-E6583EC84139}" type="datetimeFigureOut">
               <a:rPr lang="zh-TW" altLang="en-US" smtClean="0"/>
               <a:pPr/>
-              <a:t>2019/12/8</a:t>
+              <a:t>2019/12/10</a:t>
             </a:fld>
             <a:endParaRPr lang="zh-TW" altLang="en-US"/>
           </a:p>
@@ -327,7 +328,7 @@
     </p:spTree>
     <p:extLst>
       <p:ext uri="{BB962C8B-B14F-4D97-AF65-F5344CB8AC3E}">
-        <p14:creationId xmlns="" xmlns:p14="http://schemas.microsoft.com/office/powerpoint/2010/main" val="786275168"/>
+        <p14:creationId xmlns:p14="http://schemas.microsoft.com/office/powerpoint/2010/main" xmlns="" val="786275168"/>
       </p:ext>
     </p:extLst>
   </p:cSld>
@@ -447,7 +448,7 @@
             <a:fld id="{68371185-F1A7-4927-B9D6-E6583EC84139}" type="datetimeFigureOut">
               <a:rPr lang="zh-TW" altLang="en-US" smtClean="0"/>
               <a:pPr/>
-              <a:t>2019/12/8</a:t>
+              <a:t>2019/12/10</a:t>
             </a:fld>
             <a:endParaRPr lang="zh-TW" altLang="en-US"/>
           </a:p>
@@ -499,7 +500,7 @@
     </p:spTree>
     <p:extLst>
       <p:ext uri="{BB962C8B-B14F-4D97-AF65-F5344CB8AC3E}">
-        <p14:creationId xmlns="" xmlns:p14="http://schemas.microsoft.com/office/powerpoint/2010/main" val="2527833522"/>
+        <p14:creationId xmlns:p14="http://schemas.microsoft.com/office/powerpoint/2010/main" xmlns="" val="2527833522"/>
       </p:ext>
     </p:extLst>
   </p:cSld>
@@ -629,7 +630,7 @@
             <a:fld id="{68371185-F1A7-4927-B9D6-E6583EC84139}" type="datetimeFigureOut">
               <a:rPr lang="zh-TW" altLang="en-US" smtClean="0"/>
               <a:pPr/>
-              <a:t>2019/12/8</a:t>
+              <a:t>2019/12/10</a:t>
             </a:fld>
             <a:endParaRPr lang="zh-TW" altLang="en-US"/>
           </a:p>
@@ -681,7 +682,7 @@
     </p:spTree>
     <p:extLst>
       <p:ext uri="{BB962C8B-B14F-4D97-AF65-F5344CB8AC3E}">
-        <p14:creationId xmlns="" xmlns:p14="http://schemas.microsoft.com/office/powerpoint/2010/main" val="547632053"/>
+        <p14:creationId xmlns:p14="http://schemas.microsoft.com/office/powerpoint/2010/main" xmlns="" val="547632053"/>
       </p:ext>
     </p:extLst>
   </p:cSld>
@@ -983,7 +984,7 @@
             <a:fld id="{68371185-F1A7-4927-B9D6-E6583EC84139}" type="datetimeFigureOut">
               <a:rPr lang="zh-TW" altLang="en-US" smtClean="0"/>
               <a:pPr/>
-              <a:t>2019/12/8</a:t>
+              <a:t>2019/12/10</a:t>
             </a:fld>
             <a:endParaRPr lang="zh-TW" altLang="en-US"/>
           </a:p>
@@ -1129,7 +1130,7 @@
             <a:fld id="{68371185-F1A7-4927-B9D6-E6583EC84139}" type="datetimeFigureOut">
               <a:rPr lang="zh-TW" altLang="en-US" smtClean="0"/>
               <a:pPr/>
-              <a:t>2019/12/8</a:t>
+              <a:t>2019/12/10</a:t>
             </a:fld>
             <a:endParaRPr lang="zh-TW" altLang="en-US"/>
           </a:p>
@@ -1547,7 +1548,7 @@
             <a:fld id="{68371185-F1A7-4927-B9D6-E6583EC84139}" type="datetimeFigureOut">
               <a:rPr lang="zh-TW" altLang="en-US" smtClean="0"/>
               <a:pPr/>
-              <a:t>2019/12/8</a:t>
+              <a:t>2019/12/10</a:t>
             </a:fld>
             <a:endParaRPr lang="zh-TW" altLang="en-US"/>
           </a:p>
@@ -1791,7 +1792,7 @@
             <a:fld id="{68371185-F1A7-4927-B9D6-E6583EC84139}" type="datetimeFigureOut">
               <a:rPr lang="zh-TW" altLang="en-US" smtClean="0"/>
               <a:pPr/>
-              <a:t>2019/12/8</a:t>
+              <a:t>2019/12/10</a:t>
             </a:fld>
             <a:endParaRPr lang="zh-TW" altLang="en-US"/>
           </a:p>
@@ -2029,7 +2030,7 @@
             <a:fld id="{68371185-F1A7-4927-B9D6-E6583EC84139}" type="datetimeFigureOut">
               <a:rPr lang="zh-TW" altLang="en-US" smtClean="0"/>
               <a:pPr/>
-              <a:t>2019/12/8</a:t>
+              <a:t>2019/12/10</a:t>
             </a:fld>
             <a:endParaRPr lang="zh-TW" altLang="en-US"/>
           </a:p>
@@ -2226,7 +2227,7 @@
             <a:fld id="{68371185-F1A7-4927-B9D6-E6583EC84139}" type="datetimeFigureOut">
               <a:rPr lang="zh-TW" altLang="en-US" smtClean="0"/>
               <a:pPr/>
-              <a:t>2019/12/8</a:t>
+              <a:t>2019/12/10</a:t>
             </a:fld>
             <a:endParaRPr lang="zh-TW" altLang="en-US"/>
           </a:p>
@@ -2326,7 +2327,7 @@
             <a:fld id="{68371185-F1A7-4927-B9D6-E6583EC84139}" type="datetimeFigureOut">
               <a:rPr lang="zh-TW" altLang="en-US" smtClean="0"/>
               <a:pPr/>
-              <a:t>2019/12/8</a:t>
+              <a:t>2019/12/10</a:t>
             </a:fld>
             <a:endParaRPr lang="zh-TW" altLang="en-US"/>
           </a:p>
@@ -2464,7 +2465,7 @@
             <a:fld id="{68371185-F1A7-4927-B9D6-E6583EC84139}" type="datetimeFigureOut">
               <a:rPr lang="zh-TW" altLang="en-US" smtClean="0"/>
               <a:pPr/>
-              <a:t>2019/12/8</a:t>
+              <a:t>2019/12/10</a:t>
             </a:fld>
             <a:endParaRPr lang="zh-TW" altLang="en-US"/>
           </a:p>
@@ -2770,7 +2771,7 @@
             <a:fld id="{68371185-F1A7-4927-B9D6-E6583EC84139}" type="datetimeFigureOut">
               <a:rPr lang="zh-TW" altLang="en-US" smtClean="0"/>
               <a:pPr/>
-              <a:t>2019/12/8</a:t>
+              <a:t>2019/12/10</a:t>
             </a:fld>
             <a:endParaRPr lang="zh-TW" altLang="en-US"/>
           </a:p>
@@ -2822,7 +2823,7 @@
     </p:spTree>
     <p:extLst>
       <p:ext uri="{BB962C8B-B14F-4D97-AF65-F5344CB8AC3E}">
-        <p14:creationId xmlns="" xmlns:p14="http://schemas.microsoft.com/office/powerpoint/2010/main" val="3623616810"/>
+        <p14:creationId xmlns:p14="http://schemas.microsoft.com/office/powerpoint/2010/main" xmlns="" val="3623616810"/>
       </p:ext>
     </p:extLst>
   </p:cSld>
@@ -3156,7 +3157,7 @@
             <a:fld id="{68371185-F1A7-4927-B9D6-E6583EC84139}" type="datetimeFigureOut">
               <a:rPr lang="zh-TW" altLang="en-US" smtClean="0"/>
               <a:pPr/>
-              <a:t>2019/12/8</a:t>
+              <a:t>2019/12/10</a:t>
             </a:fld>
             <a:endParaRPr lang="zh-TW" altLang="en-US"/>
           </a:p>
@@ -3378,7 +3379,7 @@
             <a:fld id="{68371185-F1A7-4927-B9D6-E6583EC84139}" type="datetimeFigureOut">
               <a:rPr lang="zh-TW" altLang="en-US" smtClean="0"/>
               <a:pPr/>
-              <a:t>2019/12/8</a:t>
+              <a:t>2019/12/10</a:t>
             </a:fld>
             <a:endParaRPr lang="zh-TW" altLang="en-US"/>
           </a:p>
@@ -3565,7 +3566,7 @@
             <a:fld id="{68371185-F1A7-4927-B9D6-E6583EC84139}" type="datetimeFigureOut">
               <a:rPr lang="zh-TW" altLang="en-US" smtClean="0"/>
               <a:pPr/>
-              <a:t>2019/12/8</a:t>
+              <a:t>2019/12/10</a:t>
             </a:fld>
             <a:endParaRPr lang="zh-TW" altLang="en-US"/>
           </a:p>
@@ -4048,7 +4049,7 @@
             <a:fld id="{68371185-F1A7-4927-B9D6-E6583EC84139}" type="datetimeFigureOut">
               <a:rPr lang="zh-TW" altLang="en-US" smtClean="0"/>
               <a:pPr/>
-              <a:t>2019/12/8</a:t>
+              <a:t>2019/12/10</a:t>
             </a:fld>
             <a:endParaRPr lang="zh-TW" altLang="en-US"/>
           </a:p>
@@ -4401,7 +4402,7 @@
             <a:fld id="{68371185-F1A7-4927-B9D6-E6583EC84139}" type="datetimeFigureOut">
               <a:rPr lang="zh-TW" altLang="en-US" smtClean="0"/>
               <a:pPr/>
-              <a:t>2019/12/8</a:t>
+              <a:t>2019/12/10</a:t>
             </a:fld>
             <a:endParaRPr lang="zh-TW" altLang="en-US"/>
           </a:p>
@@ -4946,7 +4947,7 @@
             <a:fld id="{68371185-F1A7-4927-B9D6-E6583EC84139}" type="datetimeFigureOut">
               <a:rPr lang="zh-TW" altLang="en-US" smtClean="0"/>
               <a:pPr/>
-              <a:t>2019/12/8</a:t>
+              <a:t>2019/12/10</a:t>
             </a:fld>
             <a:endParaRPr lang="zh-TW" altLang="en-US"/>
           </a:p>
@@ -5243,7 +5244,7 @@
             <a:fld id="{68371185-F1A7-4927-B9D6-E6583EC84139}" type="datetimeFigureOut">
               <a:rPr lang="zh-TW" altLang="en-US" smtClean="0"/>
               <a:pPr/>
-              <a:t>2019/12/8</a:t>
+              <a:t>2019/12/10</a:t>
             </a:fld>
             <a:endParaRPr lang="zh-TW" altLang="en-US"/>
           </a:p>
@@ -5904,7 +5905,7 @@
             <a:fld id="{68371185-F1A7-4927-B9D6-E6583EC84139}" type="datetimeFigureOut">
               <a:rPr lang="zh-TW" altLang="en-US" smtClean="0"/>
               <a:pPr/>
-              <a:t>2019/12/8</a:t>
+              <a:t>2019/12/10</a:t>
             </a:fld>
             <a:endParaRPr lang="zh-TW" altLang="en-US"/>
           </a:p>
@@ -6342,7 +6343,7 @@
             <a:fld id="{68371185-F1A7-4927-B9D6-E6583EC84139}" type="datetimeFigureOut">
               <a:rPr lang="zh-TW" altLang="en-US" smtClean="0"/>
               <a:pPr/>
-              <a:t>2019/12/8</a:t>
+              <a:t>2019/12/10</a:t>
             </a:fld>
             <a:endParaRPr lang="zh-TW" altLang="en-US"/>
           </a:p>
@@ -6657,7 +6658,7 @@
             <a:fld id="{68371185-F1A7-4927-B9D6-E6583EC84139}" type="datetimeFigureOut">
               <a:rPr lang="zh-TW" altLang="en-US" smtClean="0"/>
               <a:pPr/>
-              <a:t>2019/12/8</a:t>
+              <a:t>2019/12/10</a:t>
             </a:fld>
             <a:endParaRPr lang="zh-TW" altLang="en-US"/>
           </a:p>
@@ -6913,7 +6914,7 @@
             <a:fld id="{68371185-F1A7-4927-B9D6-E6583EC84139}" type="datetimeFigureOut">
               <a:rPr lang="zh-TW" altLang="en-US" smtClean="0"/>
               <a:pPr/>
-              <a:t>2019/12/8</a:t>
+              <a:t>2019/12/10</a:t>
             </a:fld>
             <a:endParaRPr lang="zh-TW" altLang="en-US"/>
           </a:p>
@@ -6965,7 +6966,7 @@
     </p:spTree>
     <p:extLst>
       <p:ext uri="{BB962C8B-B14F-4D97-AF65-F5344CB8AC3E}">
-        <p14:creationId xmlns="" xmlns:p14="http://schemas.microsoft.com/office/powerpoint/2010/main" val="128896734"/>
+        <p14:creationId xmlns:p14="http://schemas.microsoft.com/office/powerpoint/2010/main" xmlns="" val="128896734"/>
       </p:ext>
     </p:extLst>
   </p:cSld>
@@ -7640,7 +7641,7 @@
             <a:fld id="{68371185-F1A7-4927-B9D6-E6583EC84139}" type="datetimeFigureOut">
               <a:rPr lang="zh-TW" altLang="en-US" smtClean="0"/>
               <a:pPr/>
-              <a:t>2019/12/8</a:t>
+              <a:t>2019/12/10</a:t>
             </a:fld>
             <a:endParaRPr lang="zh-TW" altLang="en-US"/>
           </a:p>
@@ -8306,7 +8307,7 @@
             <a:fld id="{68371185-F1A7-4927-B9D6-E6583EC84139}" type="datetimeFigureOut">
               <a:rPr lang="zh-TW" altLang="en-US" smtClean="0"/>
               <a:pPr/>
-              <a:t>2019/12/8</a:t>
+              <a:t>2019/12/10</a:t>
             </a:fld>
             <a:endParaRPr lang="zh-TW" altLang="en-US"/>
           </a:p>
@@ -8459,7 +8460,7 @@
             <a:fld id="{68371185-F1A7-4927-B9D6-E6583EC84139}" type="datetimeFigureOut">
               <a:rPr lang="zh-TW" altLang="en-US" smtClean="0"/>
               <a:pPr/>
-              <a:t>2019/12/8</a:t>
+              <a:t>2019/12/10</a:t>
             </a:fld>
             <a:endParaRPr lang="zh-TW" altLang="en-US"/>
           </a:p>
@@ -8994,7 +8995,7 @@
             <a:fld id="{68371185-F1A7-4927-B9D6-E6583EC84139}" type="datetimeFigureOut">
               <a:rPr lang="zh-TW" altLang="en-US" smtClean="0"/>
               <a:pPr/>
-              <a:t>2019/12/8</a:t>
+              <a:t>2019/12/10</a:t>
             </a:fld>
             <a:endParaRPr lang="zh-TW" altLang="en-US"/>
           </a:p>
@@ -9778,7 +9779,7 @@
             <a:fld id="{68371185-F1A7-4927-B9D6-E6583EC84139}" type="datetimeFigureOut">
               <a:rPr lang="zh-TW" altLang="en-US" smtClean="0"/>
               <a:pPr/>
-              <a:t>2019/12/8</a:t>
+              <a:t>2019/12/10</a:t>
             </a:fld>
             <a:endParaRPr lang="zh-TW" altLang="en-US"/>
           </a:p>
@@ -9830,7 +9831,7 @@
     </p:spTree>
     <p:extLst>
       <p:ext uri="{BB962C8B-B14F-4D97-AF65-F5344CB8AC3E}">
-        <p14:creationId xmlns="" xmlns:p14="http://schemas.microsoft.com/office/powerpoint/2010/main" val="438416949"/>
+        <p14:creationId xmlns:p14="http://schemas.microsoft.com/office/powerpoint/2010/main" xmlns="" val="438416949"/>
       </p:ext>
     </p:extLst>
   </p:cSld>
@@ -9956,7 +9957,7 @@
             <a:fld id="{68371185-F1A7-4927-B9D6-E6583EC84139}" type="datetimeFigureOut">
               <a:rPr lang="zh-TW" altLang="en-US" smtClean="0"/>
               <a:pPr/>
-              <a:t>2019/12/8</a:t>
+              <a:t>2019/12/10</a:t>
             </a:fld>
             <a:endParaRPr lang="zh-TW" altLang="en-US"/>
           </a:p>
@@ -10008,7 +10009,7 @@
     </p:spTree>
     <p:extLst>
       <p:ext uri="{BB962C8B-B14F-4D97-AF65-F5344CB8AC3E}">
-        <p14:creationId xmlns="" xmlns:p14="http://schemas.microsoft.com/office/powerpoint/2010/main" val="2748490259"/>
+        <p14:creationId xmlns:p14="http://schemas.microsoft.com/office/powerpoint/2010/main" xmlns="" val="2748490259"/>
       </p:ext>
     </p:extLst>
   </p:cSld>
@@ -10205,7 +10206,7 @@
             <a:fld id="{68371185-F1A7-4927-B9D6-E6583EC84139}" type="datetimeFigureOut">
               <a:rPr lang="zh-TW" altLang="en-US" smtClean="0"/>
               <a:pPr/>
-              <a:t>2019/12/8</a:t>
+              <a:t>2019/12/10</a:t>
             </a:fld>
             <a:endParaRPr lang="zh-TW" altLang="en-US"/>
           </a:p>
@@ -10257,7 +10258,7 @@
     </p:spTree>
     <p:extLst>
       <p:ext uri="{BB962C8B-B14F-4D97-AF65-F5344CB8AC3E}">
-        <p14:creationId xmlns="" xmlns:p14="http://schemas.microsoft.com/office/powerpoint/2010/main" val="591487899"/>
+        <p14:creationId xmlns:p14="http://schemas.microsoft.com/office/powerpoint/2010/main" xmlns="" val="591487899"/>
       </p:ext>
     </p:extLst>
   </p:cSld>
@@ -10439,7 +10440,7 @@
             <a:fld id="{68371185-F1A7-4927-B9D6-E6583EC84139}" type="datetimeFigureOut">
               <a:rPr lang="zh-TW" altLang="en-US" smtClean="0"/>
               <a:pPr/>
-              <a:t>2019/12/8</a:t>
+              <a:t>2019/12/10</a:t>
             </a:fld>
             <a:endParaRPr lang="zh-TW" altLang="en-US"/>
           </a:p>
@@ -10491,7 +10492,7 @@
     </p:spTree>
     <p:extLst>
       <p:ext uri="{BB962C8B-B14F-4D97-AF65-F5344CB8AC3E}">
-        <p14:creationId xmlns="" xmlns:p14="http://schemas.microsoft.com/office/powerpoint/2010/main" val="1094863266"/>
+        <p14:creationId xmlns:p14="http://schemas.microsoft.com/office/powerpoint/2010/main" xmlns="" val="1094863266"/>
       </p:ext>
     </p:extLst>
   </p:cSld>
@@ -10815,7 +10816,7 @@
             <a:fld id="{68371185-F1A7-4927-B9D6-E6583EC84139}" type="datetimeFigureOut">
               <a:rPr lang="zh-TW" altLang="en-US" smtClean="0"/>
               <a:pPr/>
-              <a:t>2019/12/8</a:t>
+              <a:t>2019/12/10</a:t>
             </a:fld>
             <a:endParaRPr lang="zh-TW" altLang="en-US"/>
           </a:p>
@@ -10867,7 +10868,7 @@
     </p:spTree>
     <p:extLst>
       <p:ext uri="{BB962C8B-B14F-4D97-AF65-F5344CB8AC3E}">
-        <p14:creationId xmlns="" xmlns:p14="http://schemas.microsoft.com/office/powerpoint/2010/main" val="4256742869"/>
+        <p14:creationId xmlns:p14="http://schemas.microsoft.com/office/powerpoint/2010/main" xmlns="" val="4256742869"/>
       </p:ext>
     </p:extLst>
   </p:cSld>
@@ -10940,7 +10941,7 @@
             <a:fld id="{68371185-F1A7-4927-B9D6-E6583EC84139}" type="datetimeFigureOut">
               <a:rPr lang="zh-TW" altLang="en-US" smtClean="0"/>
               <a:pPr/>
-              <a:t>2019/12/8</a:t>
+              <a:t>2019/12/10</a:t>
             </a:fld>
             <a:endParaRPr lang="zh-TW" altLang="en-US"/>
           </a:p>
@@ -10992,7 +10993,7 @@
     </p:spTree>
     <p:extLst>
       <p:ext uri="{BB962C8B-B14F-4D97-AF65-F5344CB8AC3E}">
-        <p14:creationId xmlns="" xmlns:p14="http://schemas.microsoft.com/office/powerpoint/2010/main" val="1452659025"/>
+        <p14:creationId xmlns:p14="http://schemas.microsoft.com/office/powerpoint/2010/main" xmlns="" val="1452659025"/>
       </p:ext>
     </p:extLst>
   </p:cSld>
@@ -11174,7 +11175,7 @@
             <a:fld id="{68371185-F1A7-4927-B9D6-E6583EC84139}" type="datetimeFigureOut">
               <a:rPr lang="zh-TW" altLang="en-US" smtClean="0"/>
               <a:pPr/>
-              <a:t>2019/12/8</a:t>
+              <a:t>2019/12/10</a:t>
             </a:fld>
             <a:endParaRPr lang="zh-TW" altLang="en-US"/>
           </a:p>
@@ -11226,7 +11227,7 @@
     </p:spTree>
     <p:extLst>
       <p:ext uri="{BB962C8B-B14F-4D97-AF65-F5344CB8AC3E}">
-        <p14:creationId xmlns="" xmlns:p14="http://schemas.microsoft.com/office/powerpoint/2010/main" val="3715991765"/>
+        <p14:creationId xmlns:p14="http://schemas.microsoft.com/office/powerpoint/2010/main" xmlns="" val="3715991765"/>
       </p:ext>
     </p:extLst>
   </p:cSld>
@@ -11271,7 +11272,7 @@
             <a:fld id="{68371185-F1A7-4927-B9D6-E6583EC84139}" type="datetimeFigureOut">
               <a:rPr lang="zh-TW" altLang="en-US" smtClean="0"/>
               <a:pPr/>
-              <a:t>2019/12/8</a:t>
+              <a:t>2019/12/10</a:t>
             </a:fld>
             <a:endParaRPr lang="zh-TW" altLang="en-US"/>
           </a:p>
@@ -11323,7 +11324,7 @@
     </p:spTree>
     <p:extLst>
       <p:ext uri="{BB962C8B-B14F-4D97-AF65-F5344CB8AC3E}">
-        <p14:creationId xmlns="" xmlns:p14="http://schemas.microsoft.com/office/powerpoint/2010/main" val="1552664573"/>
+        <p14:creationId xmlns:p14="http://schemas.microsoft.com/office/powerpoint/2010/main" xmlns="" val="1552664573"/>
       </p:ext>
     </p:extLst>
   </p:cSld>
@@ -11528,7 +11529,7 @@
             <a:fld id="{68371185-F1A7-4927-B9D6-E6583EC84139}" type="datetimeFigureOut">
               <a:rPr lang="zh-TW" altLang="en-US" smtClean="0"/>
               <a:pPr/>
-              <a:t>2019/12/8</a:t>
+              <a:t>2019/12/10</a:t>
             </a:fld>
             <a:endParaRPr lang="zh-TW" altLang="en-US"/>
           </a:p>
@@ -11580,7 +11581,7 @@
     </p:spTree>
     <p:extLst>
       <p:ext uri="{BB962C8B-B14F-4D97-AF65-F5344CB8AC3E}">
-        <p14:creationId xmlns="" xmlns:p14="http://schemas.microsoft.com/office/powerpoint/2010/main" val="2710509491"/>
+        <p14:creationId xmlns:p14="http://schemas.microsoft.com/office/powerpoint/2010/main" xmlns="" val="2710509491"/>
       </p:ext>
     </p:extLst>
   </p:cSld>
@@ -11793,7 +11794,7 @@
             <a:fld id="{68371185-F1A7-4927-B9D6-E6583EC84139}" type="datetimeFigureOut">
               <a:rPr lang="zh-TW" altLang="en-US" smtClean="0"/>
               <a:pPr/>
-              <a:t>2019/12/8</a:t>
+              <a:t>2019/12/10</a:t>
             </a:fld>
             <a:endParaRPr lang="zh-TW" altLang="en-US"/>
           </a:p>
@@ -11845,7 +11846,7 @@
     </p:spTree>
     <p:extLst>
       <p:ext uri="{BB962C8B-B14F-4D97-AF65-F5344CB8AC3E}">
-        <p14:creationId xmlns="" xmlns:p14="http://schemas.microsoft.com/office/powerpoint/2010/main" val="2029938781"/>
+        <p14:creationId xmlns:p14="http://schemas.microsoft.com/office/powerpoint/2010/main" xmlns="" val="2029938781"/>
       </p:ext>
     </p:extLst>
   </p:cSld>
@@ -12046,7 +12047,7 @@
             <a:fld id="{68371185-F1A7-4927-B9D6-E6583EC84139}" type="datetimeFigureOut">
               <a:rPr lang="zh-TW" altLang="en-US" smtClean="0"/>
               <a:pPr/>
-              <a:t>2019/12/8</a:t>
+              <a:t>2019/12/10</a:t>
             </a:fld>
             <a:endParaRPr lang="zh-TW" altLang="en-US"/>
           </a:p>
@@ -12098,7 +12099,7 @@
     </p:spTree>
     <p:extLst>
       <p:ext uri="{BB962C8B-B14F-4D97-AF65-F5344CB8AC3E}">
-        <p14:creationId xmlns="" xmlns:p14="http://schemas.microsoft.com/office/powerpoint/2010/main" val="3201205308"/>
+        <p14:creationId xmlns:p14="http://schemas.microsoft.com/office/powerpoint/2010/main" xmlns="" val="3201205308"/>
       </p:ext>
     </p:extLst>
   </p:cSld>
@@ -12362,7 +12363,7 @@
             <a:fld id="{68371185-F1A7-4927-B9D6-E6583EC84139}" type="datetimeFigureOut">
               <a:rPr lang="zh-TW" altLang="en-US" smtClean="0"/>
               <a:pPr/>
-              <a:t>2019/12/8</a:t>
+              <a:t>2019/12/10</a:t>
             </a:fld>
             <a:endParaRPr lang="zh-TW" altLang="en-US"/>
           </a:p>
@@ -12504,7 +12505,7 @@
     </p:spTree>
     <p:extLst>
       <p:ext uri="{BB962C8B-B14F-4D97-AF65-F5344CB8AC3E}">
-        <p14:creationId xmlns="" xmlns:p14="http://schemas.microsoft.com/office/powerpoint/2010/main" val="2049513647"/>
+        <p14:creationId xmlns:p14="http://schemas.microsoft.com/office/powerpoint/2010/main" xmlns="" val="2049513647"/>
       </p:ext>
     </p:extLst>
   </p:cSld>
@@ -12705,7 +12706,7 @@
             <a:fld id="{68371185-F1A7-4927-B9D6-E6583EC84139}" type="datetimeFigureOut">
               <a:rPr lang="zh-TW" altLang="en-US" smtClean="0"/>
               <a:pPr/>
-              <a:t>2019/12/8</a:t>
+              <a:t>2019/12/10</a:t>
             </a:fld>
             <a:endParaRPr lang="zh-TW" altLang="en-US"/>
           </a:p>
@@ -12757,7 +12758,7 @@
     </p:spTree>
     <p:extLst>
       <p:ext uri="{BB962C8B-B14F-4D97-AF65-F5344CB8AC3E}">
-        <p14:creationId xmlns="" xmlns:p14="http://schemas.microsoft.com/office/powerpoint/2010/main" val="4198173561"/>
+        <p14:creationId xmlns:p14="http://schemas.microsoft.com/office/powerpoint/2010/main" xmlns="" val="4198173561"/>
       </p:ext>
     </p:extLst>
   </p:cSld>
@@ -13021,7 +13022,7 @@
             <a:fld id="{68371185-F1A7-4927-B9D6-E6583EC84139}" type="datetimeFigureOut">
               <a:rPr lang="zh-TW" altLang="en-US" smtClean="0"/>
               <a:pPr/>
-              <a:t>2019/12/8</a:t>
+              <a:t>2019/12/10</a:t>
             </a:fld>
             <a:endParaRPr lang="zh-TW" altLang="en-US"/>
           </a:p>
@@ -13155,7 +13156,7 @@
     </p:spTree>
     <p:extLst>
       <p:ext uri="{BB962C8B-B14F-4D97-AF65-F5344CB8AC3E}">
-        <p14:creationId xmlns="" xmlns:p14="http://schemas.microsoft.com/office/powerpoint/2010/main" val="864248112"/>
+        <p14:creationId xmlns:p14="http://schemas.microsoft.com/office/powerpoint/2010/main" xmlns="" val="864248112"/>
       </p:ext>
     </p:extLst>
   </p:cSld>
@@ -13416,7 +13417,7 @@
             <a:fld id="{68371185-F1A7-4927-B9D6-E6583EC84139}" type="datetimeFigureOut">
               <a:rPr lang="zh-TW" altLang="en-US" smtClean="0"/>
               <a:pPr/>
-              <a:t>2019/12/8</a:t>
+              <a:t>2019/12/10</a:t>
             </a:fld>
             <a:endParaRPr lang="zh-TW" altLang="en-US"/>
           </a:p>
@@ -13468,7 +13469,7 @@
     </p:spTree>
     <p:extLst>
       <p:ext uri="{BB962C8B-B14F-4D97-AF65-F5344CB8AC3E}">
-        <p14:creationId xmlns="" xmlns:p14="http://schemas.microsoft.com/office/powerpoint/2010/main" val="2647261571"/>
+        <p14:creationId xmlns:p14="http://schemas.microsoft.com/office/powerpoint/2010/main" xmlns="" val="2647261571"/>
       </p:ext>
     </p:extLst>
   </p:cSld>
@@ -13588,7 +13589,7 @@
             <a:fld id="{68371185-F1A7-4927-B9D6-E6583EC84139}" type="datetimeFigureOut">
               <a:rPr lang="zh-TW" altLang="en-US" smtClean="0"/>
               <a:pPr/>
-              <a:t>2019/12/8</a:t>
+              <a:t>2019/12/10</a:t>
             </a:fld>
             <a:endParaRPr lang="zh-TW" altLang="en-US"/>
           </a:p>
@@ -13640,7 +13641,7 @@
     </p:spTree>
     <p:extLst>
       <p:ext uri="{BB962C8B-B14F-4D97-AF65-F5344CB8AC3E}">
-        <p14:creationId xmlns="" xmlns:p14="http://schemas.microsoft.com/office/powerpoint/2010/main" val="3597920026"/>
+        <p14:creationId xmlns:p14="http://schemas.microsoft.com/office/powerpoint/2010/main" xmlns="" val="3597920026"/>
       </p:ext>
     </p:extLst>
   </p:cSld>
@@ -13770,7 +13771,7 @@
             <a:fld id="{68371185-F1A7-4927-B9D6-E6583EC84139}" type="datetimeFigureOut">
               <a:rPr lang="zh-TW" altLang="en-US" smtClean="0"/>
               <a:pPr/>
-              <a:t>2019/12/8</a:t>
+              <a:t>2019/12/10</a:t>
             </a:fld>
             <a:endParaRPr lang="zh-TW" altLang="en-US"/>
           </a:p>
@@ -13822,7 +13823,7 @@
     </p:spTree>
     <p:extLst>
       <p:ext uri="{BB962C8B-B14F-4D97-AF65-F5344CB8AC3E}">
-        <p14:creationId xmlns="" xmlns:p14="http://schemas.microsoft.com/office/powerpoint/2010/main" val="4176908146"/>
+        <p14:creationId xmlns:p14="http://schemas.microsoft.com/office/powerpoint/2010/main" xmlns="" val="4176908146"/>
       </p:ext>
     </p:extLst>
   </p:cSld>
@@ -14139,7 +14140,7 @@
             <a:fld id="{68371185-F1A7-4927-B9D6-E6583EC84139}" type="datetimeFigureOut">
               <a:rPr lang="zh-TW" altLang="en-US" smtClean="0"/>
               <a:pPr/>
-              <a:t>2019/12/8</a:t>
+              <a:t>2019/12/10</a:t>
             </a:fld>
             <a:endParaRPr lang="zh-TW" altLang="en-US"/>
           </a:p>
@@ -14191,7 +14192,7 @@
     </p:spTree>
     <p:extLst>
       <p:ext uri="{BB962C8B-B14F-4D97-AF65-F5344CB8AC3E}">
-        <p14:creationId xmlns="" xmlns:p14="http://schemas.microsoft.com/office/powerpoint/2010/main" val="2617057455"/>
+        <p14:creationId xmlns:p14="http://schemas.microsoft.com/office/powerpoint/2010/main" xmlns="" val="2617057455"/>
       </p:ext>
     </p:extLst>
   </p:cSld>
@@ -14259,7 +14260,7 @@
             <a:fld id="{68371185-F1A7-4927-B9D6-E6583EC84139}" type="datetimeFigureOut">
               <a:rPr lang="zh-TW" altLang="en-US" smtClean="0"/>
               <a:pPr/>
-              <a:t>2019/12/8</a:t>
+              <a:t>2019/12/10</a:t>
             </a:fld>
             <a:endParaRPr lang="zh-TW" altLang="en-US"/>
           </a:p>
@@ -14311,7 +14312,7 @@
     </p:spTree>
     <p:extLst>
       <p:ext uri="{BB962C8B-B14F-4D97-AF65-F5344CB8AC3E}">
-        <p14:creationId xmlns="" xmlns:p14="http://schemas.microsoft.com/office/powerpoint/2010/main" val="2340801654"/>
+        <p14:creationId xmlns:p14="http://schemas.microsoft.com/office/powerpoint/2010/main" xmlns="" val="2340801654"/>
       </p:ext>
     </p:extLst>
   </p:cSld>
@@ -14356,7 +14357,7 @@
             <a:fld id="{68371185-F1A7-4927-B9D6-E6583EC84139}" type="datetimeFigureOut">
               <a:rPr lang="zh-TW" altLang="en-US" smtClean="0"/>
               <a:pPr/>
-              <a:t>2019/12/8</a:t>
+              <a:t>2019/12/10</a:t>
             </a:fld>
             <a:endParaRPr lang="zh-TW" altLang="en-US"/>
           </a:p>
@@ -14408,7 +14409,7 @@
     </p:spTree>
     <p:extLst>
       <p:ext uri="{BB962C8B-B14F-4D97-AF65-F5344CB8AC3E}">
-        <p14:creationId xmlns="" xmlns:p14="http://schemas.microsoft.com/office/powerpoint/2010/main" val="195575142"/>
+        <p14:creationId xmlns:p14="http://schemas.microsoft.com/office/powerpoint/2010/main" xmlns="" val="195575142"/>
       </p:ext>
     </p:extLst>
   </p:cSld>
@@ -14635,7 +14636,7 @@
             <a:fld id="{68371185-F1A7-4927-B9D6-E6583EC84139}" type="datetimeFigureOut">
               <a:rPr lang="zh-TW" altLang="en-US" smtClean="0"/>
               <a:pPr/>
-              <a:t>2019/12/8</a:t>
+              <a:t>2019/12/10</a:t>
             </a:fld>
             <a:endParaRPr lang="zh-TW" altLang="en-US"/>
           </a:p>
@@ -14687,7 +14688,7 @@
     </p:spTree>
     <p:extLst>
       <p:ext uri="{BB962C8B-B14F-4D97-AF65-F5344CB8AC3E}">
-        <p14:creationId xmlns="" xmlns:p14="http://schemas.microsoft.com/office/powerpoint/2010/main" val="2209875420"/>
+        <p14:creationId xmlns:p14="http://schemas.microsoft.com/office/powerpoint/2010/main" xmlns="" val="2209875420"/>
       </p:ext>
     </p:extLst>
   </p:cSld>
@@ -14890,7 +14891,7 @@
             <a:fld id="{68371185-F1A7-4927-B9D6-E6583EC84139}" type="datetimeFigureOut">
               <a:rPr lang="zh-TW" altLang="en-US" smtClean="0"/>
               <a:pPr/>
-              <a:t>2019/12/8</a:t>
+              <a:t>2019/12/10</a:t>
             </a:fld>
             <a:endParaRPr lang="zh-TW" altLang="en-US"/>
           </a:p>
@@ -14942,7 +14943,7 @@
     </p:spTree>
     <p:extLst>
       <p:ext uri="{BB962C8B-B14F-4D97-AF65-F5344CB8AC3E}">
-        <p14:creationId xmlns="" xmlns:p14="http://schemas.microsoft.com/office/powerpoint/2010/main" val="1448689589"/>
+        <p14:creationId xmlns:p14="http://schemas.microsoft.com/office/powerpoint/2010/main" xmlns="" val="1448689589"/>
       </p:ext>
     </p:extLst>
   </p:cSld>
@@ -15105,7 +15106,7 @@
             <a:fld id="{68371185-F1A7-4927-B9D6-E6583EC84139}" type="datetimeFigureOut">
               <a:rPr lang="zh-TW" altLang="en-US" smtClean="0"/>
               <a:pPr/>
-              <a:t>2019/12/8</a:t>
+              <a:t>2019/12/10</a:t>
             </a:fld>
             <a:endParaRPr lang="zh-TW" altLang="en-US"/>
           </a:p>
@@ -15193,7 +15194,7 @@
     </p:spTree>
     <p:extLst>
       <p:ext uri="{BB962C8B-B14F-4D97-AF65-F5344CB8AC3E}">
-        <p14:creationId xmlns="" xmlns:p14="http://schemas.microsoft.com/office/powerpoint/2010/main" val="1734713806"/>
+        <p14:creationId xmlns:p14="http://schemas.microsoft.com/office/powerpoint/2010/main" xmlns="" val="1734713806"/>
       </p:ext>
     </p:extLst>
   </p:cSld>
@@ -15645,7 +15646,7 @@
             <a:fld id="{68371185-F1A7-4927-B9D6-E6583EC84139}" type="datetimeFigureOut">
               <a:rPr lang="zh-TW" altLang="en-US" smtClean="0"/>
               <a:pPr/>
-              <a:t>2019/12/8</a:t>
+              <a:t>2019/12/10</a:t>
             </a:fld>
             <a:endParaRPr lang="zh-TW" altLang="en-US"/>
           </a:p>
@@ -16404,7 +16405,7 @@
             <a:fld id="{68371185-F1A7-4927-B9D6-E6583EC84139}" type="datetimeFigureOut">
               <a:rPr lang="zh-TW" altLang="en-US" smtClean="0"/>
               <a:pPr/>
-              <a:t>2019/12/8</a:t>
+              <a:t>2019/12/10</a:t>
             </a:fld>
             <a:endParaRPr lang="zh-TW" altLang="en-US"/>
           </a:p>
@@ -17744,7 +17745,7 @@
             <a:fld id="{68371185-F1A7-4927-B9D6-E6583EC84139}" type="datetimeFigureOut">
               <a:rPr lang="zh-TW" altLang="en-US" smtClean="0"/>
               <a:pPr/>
-              <a:t>2019/12/8</a:t>
+              <a:t>2019/12/10</a:t>
             </a:fld>
             <a:endParaRPr lang="zh-TW" altLang="en-US"/>
           </a:p>
@@ -17830,7 +17831,7 @@
     </p:spTree>
     <p:extLst>
       <p:ext uri="{BB962C8B-B14F-4D97-AF65-F5344CB8AC3E}">
-        <p14:creationId xmlns="" xmlns:p14="http://schemas.microsoft.com/office/powerpoint/2010/main" val="3411925642"/>
+        <p14:creationId xmlns:p14="http://schemas.microsoft.com/office/powerpoint/2010/main" xmlns="" val="3411925642"/>
       </p:ext>
     </p:extLst>
   </p:cSld>
@@ -18386,7 +18387,7 @@
     </p:spTree>
     <p:extLst>
       <p:ext uri="{BB962C8B-B14F-4D97-AF65-F5344CB8AC3E}">
-        <p14:creationId xmlns="" xmlns:p14="http://schemas.microsoft.com/office/powerpoint/2010/main" val="3338767960"/>
+        <p14:creationId xmlns:p14="http://schemas.microsoft.com/office/powerpoint/2010/main" xmlns="" val="3338767960"/>
       </p:ext>
     </p:extLst>
   </p:cSld>
@@ -18420,9 +18421,36 @@
           <a:chExt cx="0" cy="0"/>
         </a:xfrm>
       </p:grpSpPr>
+      <p:sp>
+        <p:nvSpPr>
+          <p:cNvPr id="2" name="標題 1"/>
+          <p:cNvSpPr>
+            <a:spLocks noGrp="1"/>
+          </p:cNvSpPr>
+          <p:nvPr>
+            <p:ph type="title"/>
+          </p:nvPr>
+        </p:nvSpPr>
+        <p:spPr/>
+        <p:txBody>
+          <a:bodyPr/>
+          <a:lstStyle/>
+          <a:p>
+            <a:r>
+              <a:rPr lang="en-US" altLang="zh-TW" dirty="0" smtClean="0"/>
+              <a:t>1-5: BOSS</a:t>
+            </a:r>
+            <a:r>
+              <a:rPr lang="zh-TW" altLang="en-US" dirty="0" smtClean="0"/>
+              <a:t>關卡</a:t>
+            </a:r>
+            <a:endParaRPr lang="zh-TW" altLang="en-US" dirty="0"/>
+          </a:p>
+        </p:txBody>
+      </p:sp>
       <p:pic>
         <p:nvPicPr>
-          <p:cNvPr id="4099" name="Picture 3"/>
+          <p:cNvPr id="20482" name="Picture 2"/>
           <p:cNvPicPr>
             <a:picLocks noChangeAspect="1" noChangeArrowheads="1"/>
           </p:cNvPicPr>
@@ -18437,8 +18465,8 @@
         </p:blipFill>
         <p:spPr bwMode="auto">
           <a:xfrm>
-            <a:off x="6679783" y="2329866"/>
-            <a:ext cx="4543425" cy="3609975"/>
+            <a:off x="3097866" y="1945623"/>
+            <a:ext cx="5642722" cy="4017890"/>
           </a:xfrm>
           <a:prstGeom prst="rect">
             <a:avLst/>
@@ -18452,67 +18480,22 @@
           </a:ln>
         </p:spPr>
       </p:pic>
-      <p:pic>
-        <p:nvPicPr>
-          <p:cNvPr id="4098" name="Picture 2"/>
-          <p:cNvPicPr>
-            <a:picLocks noChangeAspect="1" noChangeArrowheads="1"/>
-          </p:cNvPicPr>
+      <p:sp>
+        <p:nvSpPr>
+          <p:cNvPr id="5" name="文字方塊 4"/>
+          <p:cNvSpPr txBox="1"/>
           <p:nvPr/>
-        </p:nvPicPr>
-        <p:blipFill>
-          <a:blip r:embed="rId3" cstate="print"/>
-          <a:srcRect/>
-          <a:stretch>
-            <a:fillRect/>
-          </a:stretch>
-        </p:blipFill>
-        <p:spPr bwMode="auto">
-          <a:xfrm>
-            <a:off x="911643" y="2338137"/>
-            <a:ext cx="4657725" cy="3657600"/>
+        </p:nvSpPr>
+        <p:spPr>
+          <a:xfrm>
+            <a:off x="174812" y="2070848"/>
+            <a:ext cx="2723823" cy="2585323"/>
           </a:xfrm>
           <a:prstGeom prst="rect">
             <a:avLst/>
           </a:prstGeom>
           <a:noFill/>
-          <a:ln w="9525">
-            <a:noFill/>
-            <a:miter lim="800000"/>
-            <a:headEnd/>
-            <a:tailEnd/>
-          </a:ln>
-        </p:spPr>
-      </p:pic>
-      <p:sp>
-        <p:nvSpPr>
-          <p:cNvPr id="13" name="文字方塊 12"/>
-          <p:cNvSpPr txBox="1"/>
-          <p:nvPr/>
-        </p:nvSpPr>
-        <p:spPr>
-          <a:xfrm>
-            <a:off x="5325036" y="1425388"/>
-            <a:ext cx="1723549" cy="461665"/>
-          </a:xfrm>
-          <a:prstGeom prst="rect">
-            <a:avLst/>
-          </a:prstGeom>
-        </p:spPr>
-        <p:style>
-          <a:lnRef idx="2">
-            <a:schemeClr val="dk1"/>
-          </a:lnRef>
-          <a:fillRef idx="1">
-            <a:schemeClr val="lt1"/>
-          </a:fillRef>
-          <a:effectRef idx="0">
-            <a:schemeClr val="dk1"/>
-          </a:effectRef>
-          <a:fontRef idx="minor">
-            <a:schemeClr val="dk1"/>
-          </a:fontRef>
-        </p:style>
+        </p:spPr>
         <p:txBody>
           <a:bodyPr wrap="none" rtlCol="0">
             <a:spAutoFit/>
@@ -18520,202 +18503,65 @@
           <a:lstStyle/>
           <a:p>
             <a:r>
-              <a:rPr lang="zh-TW" altLang="en-US" sz="2400" dirty="0" smtClean="0"/>
-              <a:t>返回主頁面</a:t>
-            </a:r>
-            <a:endParaRPr lang="zh-TW" altLang="en-US" sz="2400" dirty="0"/>
-          </a:p>
-        </p:txBody>
-      </p:sp>
-      <p:sp>
-        <p:nvSpPr>
-          <p:cNvPr id="2" name="標題 1"/>
-          <p:cNvSpPr>
-            <a:spLocks noGrp="1"/>
-          </p:cNvSpPr>
-          <p:nvPr>
-            <p:ph type="title"/>
-          </p:nvPr>
-        </p:nvSpPr>
-        <p:spPr/>
-        <p:txBody>
-          <a:bodyPr/>
-          <a:lstStyle/>
-          <a:p>
+              <a:rPr lang="en-US" altLang="zh-TW" dirty="0" smtClean="0"/>
+              <a:t>BOSS</a:t>
+            </a:r>
             <a:r>
               <a:rPr lang="zh-TW" altLang="en-US" dirty="0" smtClean="0"/>
-              <a:t>成功和失敗畫面</a:t>
-            </a:r>
-            <a:endParaRPr lang="zh-TW" altLang="en-US" dirty="0"/>
-          </a:p>
-        </p:txBody>
-      </p:sp>
-      <p:sp>
-        <p:nvSpPr>
-          <p:cNvPr id="6" name="橢圓 5"/>
-          <p:cNvSpPr/>
-          <p:nvPr/>
-        </p:nvSpPr>
-        <p:spPr>
-          <a:xfrm>
-            <a:off x="3993777" y="4666130"/>
-            <a:ext cx="1183341" cy="1102659"/>
-          </a:xfrm>
-          <a:prstGeom prst="ellipse">
-            <a:avLst/>
-          </a:prstGeom>
-          <a:noFill/>
-          <a:ln w="28575">
-            <a:solidFill>
-              <a:srgbClr val="FF0000"/>
-            </a:solidFill>
-          </a:ln>
-        </p:spPr>
-        <p:style>
-          <a:lnRef idx="2">
-            <a:schemeClr val="accent1">
-              <a:shade val="50000"/>
-            </a:schemeClr>
-          </a:lnRef>
-          <a:fillRef idx="1">
-            <a:schemeClr val="accent1"/>
-          </a:fillRef>
-          <a:effectRef idx="0">
-            <a:schemeClr val="accent1"/>
-          </a:effectRef>
-          <a:fontRef idx="minor">
-            <a:schemeClr val="lt1"/>
-          </a:fontRef>
-        </p:style>
-        <p:txBody>
-          <a:bodyPr rtlCol="0" anchor="ctr"/>
-          <a:lstStyle/>
-          <a:p>
-            <a:pPr algn="ctr"/>
-            <a:endParaRPr lang="zh-TW" altLang="en-US"/>
-          </a:p>
-        </p:txBody>
-      </p:sp>
-      <p:sp>
-        <p:nvSpPr>
-          <p:cNvPr id="7" name="橢圓 6"/>
-          <p:cNvSpPr/>
-          <p:nvPr/>
-        </p:nvSpPr>
-        <p:spPr>
-          <a:xfrm>
-            <a:off x="9749118" y="4639236"/>
-            <a:ext cx="1183341" cy="1102659"/>
-          </a:xfrm>
-          <a:prstGeom prst="ellipse">
-            <a:avLst/>
-          </a:prstGeom>
-          <a:noFill/>
-          <a:ln w="28575">
-            <a:solidFill>
-              <a:srgbClr val="FF0000"/>
-            </a:solidFill>
-          </a:ln>
-        </p:spPr>
-        <p:style>
-          <a:lnRef idx="2">
-            <a:schemeClr val="accent1">
-              <a:shade val="50000"/>
-            </a:schemeClr>
-          </a:lnRef>
-          <a:fillRef idx="1">
-            <a:schemeClr val="accent1"/>
-          </a:fillRef>
-          <a:effectRef idx="0">
-            <a:schemeClr val="accent1"/>
-          </a:effectRef>
-          <a:fontRef idx="minor">
-            <a:schemeClr val="lt1"/>
-          </a:fontRef>
-        </p:style>
-        <p:txBody>
-          <a:bodyPr rtlCol="0" anchor="ctr"/>
-          <a:lstStyle/>
-          <a:p>
-            <a:pPr algn="ctr"/>
-            <a:endParaRPr lang="zh-TW" altLang="en-US"/>
-          </a:p>
-        </p:txBody>
-      </p:sp>
-      <p:cxnSp>
-        <p:nvCxnSpPr>
-          <p:cNvPr id="9" name="直線單箭頭接點 8"/>
-          <p:cNvCxnSpPr>
-            <a:stCxn id="6" idx="0"/>
-          </p:cNvCxnSpPr>
-          <p:nvPr/>
-        </p:nvCxnSpPr>
-        <p:spPr>
-          <a:xfrm flipV="1">
-            <a:off x="4585448" y="1963271"/>
-            <a:ext cx="1062317" cy="2702859"/>
-          </a:xfrm>
-          <a:prstGeom prst="straightConnector1">
-            <a:avLst/>
-          </a:prstGeom>
-          <a:ln w="76200">
-            <a:solidFill>
-              <a:srgbClr val="FF0000"/>
-            </a:solidFill>
-            <a:tailEnd type="arrow"/>
-          </a:ln>
-        </p:spPr>
-        <p:style>
-          <a:lnRef idx="1">
-            <a:schemeClr val="accent1"/>
-          </a:lnRef>
-          <a:fillRef idx="0">
-            <a:schemeClr val="accent1"/>
-          </a:fillRef>
-          <a:effectRef idx="0">
-            <a:schemeClr val="accent1"/>
-          </a:effectRef>
-          <a:fontRef idx="minor">
-            <a:schemeClr val="tx1"/>
-          </a:fontRef>
-        </p:style>
-      </p:cxnSp>
-      <p:cxnSp>
-        <p:nvCxnSpPr>
-          <p:cNvPr id="10" name="直線單箭頭接點 9"/>
-          <p:cNvCxnSpPr/>
-          <p:nvPr/>
-        </p:nvCxnSpPr>
-        <p:spPr>
-          <a:xfrm flipH="1" flipV="1">
-            <a:off x="6710082" y="1761565"/>
-            <a:ext cx="3267637" cy="2958356"/>
-          </a:xfrm>
-          <a:prstGeom prst="straightConnector1">
-            <a:avLst/>
-          </a:prstGeom>
-          <a:ln w="76200">
-            <a:solidFill>
-              <a:srgbClr val="FF0000"/>
-            </a:solidFill>
-            <a:tailEnd type="arrow"/>
-          </a:ln>
-        </p:spPr>
-        <p:style>
-          <a:lnRef idx="1">
-            <a:schemeClr val="accent1"/>
-          </a:lnRef>
-          <a:fillRef idx="0">
-            <a:schemeClr val="accent1"/>
-          </a:fillRef>
-          <a:effectRef idx="0">
-            <a:schemeClr val="accent1"/>
-          </a:effectRef>
-          <a:fontRef idx="minor">
-            <a:schemeClr val="tx1"/>
-          </a:fontRef>
-        </p:style>
-      </p:cxnSp>
+              <a:t>本身不會攻擊，</a:t>
+            </a:r>
+            <a:endParaRPr lang="en-US" altLang="zh-TW" dirty="0" smtClean="0"/>
+          </a:p>
+          <a:p>
+            <a:r>
+              <a:rPr lang="zh-TW" altLang="en-US" dirty="0" smtClean="0"/>
+              <a:t>但會生成小怪</a:t>
+            </a:r>
+            <a:endParaRPr lang="en-US" altLang="zh-TW" dirty="0" smtClean="0"/>
+          </a:p>
+          <a:p>
+            <a:r>
+              <a:rPr lang="en-US" altLang="zh-TW" dirty="0" smtClean="0"/>
+              <a:t>BOSS</a:t>
+            </a:r>
+            <a:r>
+              <a:rPr lang="zh-TW" altLang="en-US" dirty="0" smtClean="0"/>
+              <a:t>本身有血條，</a:t>
+            </a:r>
+            <a:endParaRPr lang="en-US" altLang="zh-TW" dirty="0" smtClean="0"/>
+          </a:p>
+          <a:p>
+            <a:r>
+              <a:rPr lang="zh-TW" altLang="en-US" dirty="0" smtClean="0"/>
+              <a:t>且此關卡沒有時間限制。</a:t>
+            </a:r>
+            <a:endParaRPr lang="en-US" altLang="zh-TW" dirty="0" smtClean="0"/>
+          </a:p>
+          <a:p>
+            <a:endParaRPr lang="en-US" altLang="zh-TW" dirty="0" smtClean="0"/>
+          </a:p>
+          <a:p>
+            <a:r>
+              <a:rPr lang="zh-TW" altLang="en-US" dirty="0" smtClean="0"/>
+              <a:t>破關條件是王血量歸零，</a:t>
+            </a:r>
+            <a:endParaRPr lang="en-US" altLang="zh-TW" dirty="0" smtClean="0"/>
+          </a:p>
+          <a:p>
+            <a:r>
+              <a:rPr lang="zh-TW" altLang="en-US" dirty="0" smtClean="0"/>
+              <a:t>而非時間到還有血量。</a:t>
+            </a:r>
+            <a:endParaRPr lang="en-US" altLang="zh-TW" dirty="0" smtClean="0"/>
+          </a:p>
+          <a:p>
+            <a:endParaRPr lang="en-US" altLang="zh-TW" dirty="0" smtClean="0"/>
+          </a:p>
+          <a:p>
+            <a:endParaRPr lang="en-US" altLang="zh-TW" dirty="0" smtClean="0"/>
+          </a:p>
+        </p:txBody>
+      </p:sp>
     </p:spTree>
   </p:cSld>
   <p:clrMapOvr>
@@ -18748,14 +18594,121 @@
           <a:chExt cx="0" cy="0"/>
         </a:xfrm>
       </p:grpSpPr>
-      <p:sp>
-        <p:nvSpPr>
-          <p:cNvPr id="5" name="文字版面配置區 4"/>
-          <p:cNvSpPr>
-            <a:spLocks noGrp="1"/>
-          </p:cNvSpPr>
-          <p:nvPr>
-            <p:ph type="body" idx="1"/>
+      <p:pic>
+        <p:nvPicPr>
+          <p:cNvPr id="4099" name="Picture 3"/>
+          <p:cNvPicPr>
+            <a:picLocks noChangeAspect="1" noChangeArrowheads="1"/>
+          </p:cNvPicPr>
+          <p:nvPr/>
+        </p:nvPicPr>
+        <p:blipFill>
+          <a:blip r:embed="rId2" cstate="print"/>
+          <a:srcRect/>
+          <a:stretch>
+            <a:fillRect/>
+          </a:stretch>
+        </p:blipFill>
+        <p:spPr bwMode="auto">
+          <a:xfrm>
+            <a:off x="6679783" y="2329866"/>
+            <a:ext cx="4543425" cy="3609975"/>
+          </a:xfrm>
+          <a:prstGeom prst="rect">
+            <a:avLst/>
+          </a:prstGeom>
+          <a:noFill/>
+          <a:ln w="9525">
+            <a:noFill/>
+            <a:miter lim="800000"/>
+            <a:headEnd/>
+            <a:tailEnd/>
+          </a:ln>
+        </p:spPr>
+      </p:pic>
+      <p:pic>
+        <p:nvPicPr>
+          <p:cNvPr id="4098" name="Picture 2"/>
+          <p:cNvPicPr>
+            <a:picLocks noChangeAspect="1" noChangeArrowheads="1"/>
+          </p:cNvPicPr>
+          <p:nvPr/>
+        </p:nvPicPr>
+        <p:blipFill>
+          <a:blip r:embed="rId3" cstate="print"/>
+          <a:srcRect/>
+          <a:stretch>
+            <a:fillRect/>
+          </a:stretch>
+        </p:blipFill>
+        <p:spPr bwMode="auto">
+          <a:xfrm>
+            <a:off x="911643" y="2338137"/>
+            <a:ext cx="4657725" cy="3657600"/>
+          </a:xfrm>
+          <a:prstGeom prst="rect">
+            <a:avLst/>
+          </a:prstGeom>
+          <a:noFill/>
+          <a:ln w="9525">
+            <a:noFill/>
+            <a:miter lim="800000"/>
+            <a:headEnd/>
+            <a:tailEnd/>
+          </a:ln>
+        </p:spPr>
+      </p:pic>
+      <p:sp>
+        <p:nvSpPr>
+          <p:cNvPr id="13" name="文字方塊 12"/>
+          <p:cNvSpPr txBox="1"/>
+          <p:nvPr/>
+        </p:nvSpPr>
+        <p:spPr>
+          <a:xfrm>
+            <a:off x="5325036" y="1425388"/>
+            <a:ext cx="1723549" cy="461665"/>
+          </a:xfrm>
+          <a:prstGeom prst="rect">
+            <a:avLst/>
+          </a:prstGeom>
+        </p:spPr>
+        <p:style>
+          <a:lnRef idx="2">
+            <a:schemeClr val="dk1"/>
+          </a:lnRef>
+          <a:fillRef idx="1">
+            <a:schemeClr val="lt1"/>
+          </a:fillRef>
+          <a:effectRef idx="0">
+            <a:schemeClr val="dk1"/>
+          </a:effectRef>
+          <a:fontRef idx="minor">
+            <a:schemeClr val="dk1"/>
+          </a:fontRef>
+        </p:style>
+        <p:txBody>
+          <a:bodyPr wrap="none" rtlCol="0">
+            <a:spAutoFit/>
+          </a:bodyPr>
+          <a:lstStyle/>
+          <a:p>
+            <a:r>
+              <a:rPr lang="zh-TW" altLang="en-US" sz="2400" dirty="0" smtClean="0"/>
+              <a:t>返回主頁面</a:t>
+            </a:r>
+            <a:endParaRPr lang="zh-TW" altLang="en-US" sz="2400" dirty="0"/>
+          </a:p>
+        </p:txBody>
+      </p:sp>
+      <p:sp>
+        <p:nvSpPr>
+          <p:cNvPr id="2" name="標題 1"/>
+          <p:cNvSpPr>
+            <a:spLocks noGrp="1"/>
+          </p:cNvSpPr>
+          <p:nvPr>
+            <p:ph type="title"/>
           </p:nvPr>
         </p:nvSpPr>
         <p:spPr/>
@@ -18765,11 +18718,7 @@
           <a:p>
             <a:r>
               <a:rPr lang="zh-TW" altLang="en-US" dirty="0" smtClean="0"/>
-              <a:t>一</a:t>
-            </a:r>
-            <a:r>
-              <a:rPr lang="zh-TW" altLang="en-US" dirty="0" smtClean="0"/>
-              <a:t>開始做的時候，沒有特別寫出想要甚麼功能，做一步算一步，有些應該能全部共用的元件，因為最初沒有好好整理，變成重複性很高。</a:t>
+              <a:t>成功和失敗畫面</a:t>
             </a:r>
             <a:endParaRPr lang="zh-TW" altLang="en-US" dirty="0"/>
           </a:p>
@@ -18777,32 +18726,182 @@
       </p:sp>
       <p:sp>
         <p:nvSpPr>
-          <p:cNvPr id="4" name="標題 3"/>
-          <p:cNvSpPr>
-            <a:spLocks noGrp="1"/>
-          </p:cNvSpPr>
-          <p:nvPr>
-            <p:ph type="title"/>
-          </p:nvPr>
-        </p:nvSpPr>
-        <p:spPr/>
-        <p:txBody>
-          <a:bodyPr/>
-          <a:lstStyle/>
-          <a:p>
-            <a:r>
-              <a:rPr lang="zh-TW" altLang="en-US" dirty="0" smtClean="0"/>
-              <a:t>過程分享</a:t>
-            </a:r>
-            <a:endParaRPr lang="zh-TW" altLang="en-US" dirty="0"/>
-          </a:p>
-        </p:txBody>
-      </p:sp>
+          <p:cNvPr id="6" name="橢圓 5"/>
+          <p:cNvSpPr/>
+          <p:nvPr/>
+        </p:nvSpPr>
+        <p:spPr>
+          <a:xfrm>
+            <a:off x="3993777" y="4666130"/>
+            <a:ext cx="1183341" cy="1102659"/>
+          </a:xfrm>
+          <a:prstGeom prst="ellipse">
+            <a:avLst/>
+          </a:prstGeom>
+          <a:noFill/>
+          <a:ln w="28575">
+            <a:solidFill>
+              <a:srgbClr val="FF0000"/>
+            </a:solidFill>
+          </a:ln>
+        </p:spPr>
+        <p:style>
+          <a:lnRef idx="2">
+            <a:schemeClr val="accent1">
+              <a:shade val="50000"/>
+            </a:schemeClr>
+          </a:lnRef>
+          <a:fillRef idx="1">
+            <a:schemeClr val="accent1"/>
+          </a:fillRef>
+          <a:effectRef idx="0">
+            <a:schemeClr val="accent1"/>
+          </a:effectRef>
+          <a:fontRef idx="minor">
+            <a:schemeClr val="lt1"/>
+          </a:fontRef>
+        </p:style>
+        <p:txBody>
+          <a:bodyPr rtlCol="0" anchor="ctr"/>
+          <a:lstStyle/>
+          <a:p>
+            <a:pPr algn="ctr"/>
+            <a:endParaRPr lang="zh-TW" altLang="en-US"/>
+          </a:p>
+        </p:txBody>
+      </p:sp>
+      <p:sp>
+        <p:nvSpPr>
+          <p:cNvPr id="7" name="橢圓 6"/>
+          <p:cNvSpPr/>
+          <p:nvPr/>
+        </p:nvSpPr>
+        <p:spPr>
+          <a:xfrm>
+            <a:off x="9749118" y="4639236"/>
+            <a:ext cx="1183341" cy="1102659"/>
+          </a:xfrm>
+          <a:prstGeom prst="ellipse">
+            <a:avLst/>
+          </a:prstGeom>
+          <a:noFill/>
+          <a:ln w="28575">
+            <a:solidFill>
+              <a:srgbClr val="FF0000"/>
+            </a:solidFill>
+          </a:ln>
+        </p:spPr>
+        <p:style>
+          <a:lnRef idx="2">
+            <a:schemeClr val="accent1">
+              <a:shade val="50000"/>
+            </a:schemeClr>
+          </a:lnRef>
+          <a:fillRef idx="1">
+            <a:schemeClr val="accent1"/>
+          </a:fillRef>
+          <a:effectRef idx="0">
+            <a:schemeClr val="accent1"/>
+          </a:effectRef>
+          <a:fontRef idx="minor">
+            <a:schemeClr val="lt1"/>
+          </a:fontRef>
+        </p:style>
+        <p:txBody>
+          <a:bodyPr rtlCol="0" anchor="ctr"/>
+          <a:lstStyle/>
+          <a:p>
+            <a:pPr algn="ctr"/>
+            <a:endParaRPr lang="zh-TW" altLang="en-US"/>
+          </a:p>
+        </p:txBody>
+      </p:sp>
+      <p:cxnSp>
+        <p:nvCxnSpPr>
+          <p:cNvPr id="9" name="直線單箭頭接點 8"/>
+          <p:cNvCxnSpPr>
+            <a:stCxn id="6" idx="0"/>
+          </p:cNvCxnSpPr>
+          <p:nvPr/>
+        </p:nvCxnSpPr>
+        <p:spPr>
+          <a:xfrm flipV="1">
+            <a:off x="4585448" y="1963271"/>
+            <a:ext cx="1062317" cy="2702859"/>
+          </a:xfrm>
+          <a:prstGeom prst="straightConnector1">
+            <a:avLst/>
+          </a:prstGeom>
+          <a:ln w="76200">
+            <a:solidFill>
+              <a:srgbClr val="FF0000"/>
+            </a:solidFill>
+            <a:tailEnd type="arrow"/>
+          </a:ln>
+        </p:spPr>
+        <p:style>
+          <a:lnRef idx="1">
+            <a:schemeClr val="accent1"/>
+          </a:lnRef>
+          <a:fillRef idx="0">
+            <a:schemeClr val="accent1"/>
+          </a:fillRef>
+          <a:effectRef idx="0">
+            <a:schemeClr val="accent1"/>
+          </a:effectRef>
+          <a:fontRef idx="minor">
+            <a:schemeClr val="tx1"/>
+          </a:fontRef>
+        </p:style>
+      </p:cxnSp>
+      <p:cxnSp>
+        <p:nvCxnSpPr>
+          <p:cNvPr id="10" name="直線單箭頭接點 9"/>
+          <p:cNvCxnSpPr/>
+          <p:nvPr/>
+        </p:nvCxnSpPr>
+        <p:spPr>
+          <a:xfrm flipH="1" flipV="1">
+            <a:off x="6710082" y="1761565"/>
+            <a:ext cx="3267637" cy="2958356"/>
+          </a:xfrm>
+          <a:prstGeom prst="straightConnector1">
+            <a:avLst/>
+          </a:prstGeom>
+          <a:ln w="76200">
+            <a:solidFill>
+              <a:srgbClr val="FF0000"/>
+            </a:solidFill>
+            <a:tailEnd type="arrow"/>
+          </a:ln>
+        </p:spPr>
+        <p:style>
+          <a:lnRef idx="1">
+            <a:schemeClr val="accent1"/>
+          </a:lnRef>
+          <a:fillRef idx="0">
+            <a:schemeClr val="accent1"/>
+          </a:fillRef>
+          <a:effectRef idx="0">
+            <a:schemeClr val="accent1"/>
+          </a:effectRef>
+          <a:fontRef idx="minor">
+            <a:schemeClr val="tx1"/>
+          </a:fontRef>
+        </p:style>
+      </p:cxnSp>
     </p:spTree>
   </p:cSld>
   <p:clrMapOvr>
     <a:masterClrMapping/>
   </p:clrMapOvr>
+  <p:timing>
+    <p:tnLst>
+      <p:par>
+        <p:cTn id="1" dur="indefinite" restart="never" nodeType="tmRoot"/>
+      </p:par>
+    </p:tnLst>
+  </p:timing>
 </p:sld>
 </file>
 
@@ -18825,6 +18924,29 @@
       </p:grpSpPr>
       <p:sp>
         <p:nvSpPr>
+          <p:cNvPr id="5" name="文字版面配置區 4"/>
+          <p:cNvSpPr>
+            <a:spLocks noGrp="1"/>
+          </p:cNvSpPr>
+          <p:nvPr>
+            <p:ph type="body" idx="1"/>
+          </p:nvPr>
+        </p:nvSpPr>
+        <p:spPr/>
+        <p:txBody>
+          <a:bodyPr/>
+          <a:lstStyle/>
+          <a:p>
+            <a:r>
+              <a:rPr lang="zh-TW" altLang="en-US" dirty="0" smtClean="0"/>
+              <a:t>一開始做的時候，沒有特別寫出想要甚麼功能，做一步算一步，有些應該能全部共用的元件，因為最初沒有好好整理，變成重複性很高。</a:t>
+            </a:r>
+            <a:endParaRPr lang="zh-TW" altLang="en-US" dirty="0"/>
+          </a:p>
+        </p:txBody>
+      </p:sp>
+      <p:sp>
+        <p:nvSpPr>
           <p:cNvPr id="4" name="標題 3"/>
           <p:cNvSpPr>
             <a:spLocks noGrp="1"/>
@@ -18838,60 +18960,11 @@
           <a:bodyPr/>
           <a:lstStyle/>
           <a:p>
+            <a:r>
+              <a:rPr lang="zh-TW" altLang="en-US" dirty="0" smtClean="0"/>
+              <a:t>過程分享</a:t>
+            </a:r>
             <a:endParaRPr lang="zh-TW" altLang="en-US" dirty="0"/>
-          </a:p>
-        </p:txBody>
-      </p:sp>
-      <p:sp>
-        <p:nvSpPr>
-          <p:cNvPr id="5" name="內容版面配置區 4"/>
-          <p:cNvSpPr>
-            <a:spLocks noGrp="1"/>
-          </p:cNvSpPr>
-          <p:nvPr>
-            <p:ph idx="1"/>
-          </p:nvPr>
-        </p:nvSpPr>
-        <p:spPr/>
-        <p:txBody>
-          <a:bodyPr>
-            <a:normAutofit/>
-          </a:bodyPr>
-          <a:lstStyle/>
-          <a:p>
-            <a:r>
-              <a:rPr lang="zh-TW" altLang="en-US" sz="2800" dirty="0" smtClean="0"/>
-              <a:t>圓形碰撞</a:t>
-            </a:r>
-            <a:endParaRPr lang="en-US" altLang="zh-TW" sz="2800" dirty="0" smtClean="0"/>
-          </a:p>
-          <a:p>
-            <a:r>
-              <a:rPr lang="zh-TW" altLang="en-US" sz="2800" dirty="0" smtClean="0"/>
-              <a:t>儲存空間</a:t>
-            </a:r>
-            <a:r>
-              <a:rPr lang="en-US" altLang="zh-TW" sz="2800" dirty="0" smtClean="0"/>
-              <a:t>(</a:t>
-            </a:r>
-            <a:r>
-              <a:rPr lang="en-US" altLang="zh-TW" sz="2800" dirty="0" err="1" smtClean="0"/>
-              <a:t>localstorage</a:t>
-            </a:r>
-            <a:r>
-              <a:rPr lang="en-US" altLang="zh-TW" sz="2800" dirty="0" smtClean="0"/>
-              <a:t>)</a:t>
-            </a:r>
-          </a:p>
-          <a:p>
-            <a:r>
-              <a:rPr lang="zh-TW" altLang="en-US" sz="2800" dirty="0" smtClean="0"/>
-              <a:t>修改畫面</a:t>
-            </a:r>
-            <a:endParaRPr lang="en-US" altLang="zh-TW" sz="2800" dirty="0" smtClean="0"/>
-          </a:p>
-          <a:p>
-            <a:endParaRPr lang="en-US" altLang="zh-TW" sz="2800" dirty="0" smtClean="0"/>
           </a:p>
         </p:txBody>
       </p:sp>
@@ -18922,7 +18995,7 @@
       </p:grpSpPr>
       <p:sp>
         <p:nvSpPr>
-          <p:cNvPr id="2" name="標題 1"/>
+          <p:cNvPr id="4" name="標題 3"/>
           <p:cNvSpPr>
             <a:spLocks noGrp="1"/>
           </p:cNvSpPr>
@@ -18935,392 +19008,60 @@
           <a:bodyPr/>
           <a:lstStyle/>
           <a:p>
-            <a:r>
-              <a:rPr lang="zh-TW" altLang="en-US" dirty="0" smtClean="0"/>
+            <a:endParaRPr lang="zh-TW" altLang="en-US" dirty="0"/>
+          </a:p>
+        </p:txBody>
+      </p:sp>
+      <p:sp>
+        <p:nvSpPr>
+          <p:cNvPr id="5" name="內容版面配置區 4"/>
+          <p:cNvSpPr>
+            <a:spLocks noGrp="1"/>
+          </p:cNvSpPr>
+          <p:nvPr>
+            <p:ph idx="1"/>
+          </p:nvPr>
+        </p:nvSpPr>
+        <p:spPr/>
+        <p:txBody>
+          <a:bodyPr>
+            <a:normAutofit/>
+          </a:bodyPr>
+          <a:lstStyle/>
+          <a:p>
+            <a:r>
+              <a:rPr lang="zh-TW" altLang="en-US" sz="2800" dirty="0" smtClean="0"/>
               <a:t>圓形碰撞</a:t>
             </a:r>
-            <a:endParaRPr lang="zh-TW" altLang="en-US" dirty="0"/>
-          </a:p>
-        </p:txBody>
-      </p:sp>
-      <p:pic>
-        <p:nvPicPr>
-          <p:cNvPr id="4" name="Picture 2"/>
-          <p:cNvPicPr>
-            <a:picLocks noGrp="1" noChangeAspect="1" noChangeArrowheads="1"/>
-          </p:cNvPicPr>
-          <p:nvPr>
-            <p:ph idx="1"/>
-          </p:nvPr>
-        </p:nvPicPr>
-        <p:blipFill>
-          <a:blip r:embed="rId2" cstate="print"/>
-          <a:srcRect l="81422" t="4106" b="60629"/>
-          <a:stretch>
-            <a:fillRect/>
-          </a:stretch>
-        </p:blipFill>
-        <p:spPr bwMode="auto">
-          <a:xfrm>
-            <a:off x="874059" y="1855693"/>
-            <a:ext cx="2610344" cy="2568389"/>
-          </a:xfrm>
-          <a:prstGeom prst="rect">
-            <a:avLst/>
-          </a:prstGeom>
-          <a:noFill/>
-          <a:ln w="9525">
-            <a:noFill/>
-            <a:miter lim="800000"/>
-            <a:headEnd/>
-            <a:tailEnd/>
-          </a:ln>
-        </p:spPr>
-      </p:pic>
-      <p:sp>
-        <p:nvSpPr>
-          <p:cNvPr id="5" name="橢圓 4"/>
-          <p:cNvSpPr/>
-          <p:nvPr/>
-        </p:nvSpPr>
-        <p:spPr>
-          <a:xfrm>
-            <a:off x="1102658" y="2393575"/>
-            <a:ext cx="2205318" cy="1882588"/>
-          </a:xfrm>
-          <a:prstGeom prst="ellipse">
-            <a:avLst/>
-          </a:prstGeom>
-          <a:noFill/>
-          <a:ln w="38100">
-            <a:solidFill>
-              <a:srgbClr val="FF0000"/>
-            </a:solidFill>
-          </a:ln>
-        </p:spPr>
-        <p:style>
-          <a:lnRef idx="2">
-            <a:schemeClr val="accent1">
-              <a:shade val="50000"/>
-            </a:schemeClr>
-          </a:lnRef>
-          <a:fillRef idx="1">
-            <a:schemeClr val="accent1"/>
-          </a:fillRef>
-          <a:effectRef idx="0">
-            <a:schemeClr val="accent1"/>
-          </a:effectRef>
-          <a:fontRef idx="minor">
-            <a:schemeClr val="lt1"/>
-          </a:fontRef>
-        </p:style>
-        <p:txBody>
-          <a:bodyPr rtlCol="0" anchor="ctr"/>
-          <a:lstStyle/>
-          <a:p>
-            <a:pPr algn="ctr"/>
-            <a:endParaRPr lang="zh-TW" altLang="en-US"/>
-          </a:p>
-        </p:txBody>
-      </p:sp>
-      <p:sp>
-        <p:nvSpPr>
-          <p:cNvPr id="6" name="文字方塊 5"/>
-          <p:cNvSpPr txBox="1"/>
-          <p:nvPr/>
-        </p:nvSpPr>
-        <p:spPr>
-          <a:xfrm>
-            <a:off x="4437528" y="1142999"/>
-            <a:ext cx="5957048" cy="5016758"/>
-          </a:xfrm>
-          <a:prstGeom prst="rect">
-            <a:avLst/>
-          </a:prstGeom>
-          <a:noFill/>
-        </p:spPr>
-        <p:txBody>
-          <a:bodyPr wrap="square" rtlCol="0">
-            <a:spAutoFit/>
-          </a:bodyPr>
-          <a:lstStyle/>
-          <a:p>
-            <a:r>
-              <a:rPr lang="zh-TW" altLang="en-US" sz="2000" dirty="0" smtClean="0">
-                <a:latin typeface="微軟正黑體" pitchFamily="34" charset="-120"/>
-                <a:ea typeface="微軟正黑體" pitchFamily="34" charset="-120"/>
-              </a:rPr>
-              <a:t>碰撞範圍的判定都是正圓形，</a:t>
-            </a:r>
-            <a:endParaRPr lang="en-US" altLang="zh-TW" sz="2000" dirty="0" smtClean="0">
-              <a:latin typeface="微軟正黑體" pitchFamily="34" charset="-120"/>
-              <a:ea typeface="微軟正黑體" pitchFamily="34" charset="-120"/>
-            </a:endParaRPr>
-          </a:p>
-          <a:p>
-            <a:r>
-              <a:rPr lang="zh-TW" altLang="en-US" sz="2000" dirty="0" smtClean="0">
-                <a:latin typeface="微軟正黑體" pitchFamily="34" charset="-120"/>
-                <a:ea typeface="微軟正黑體" pitchFamily="34" charset="-120"/>
-              </a:rPr>
-              <a:t>圖片越偏向正方形，判斷越準確，</a:t>
-            </a:r>
-            <a:endParaRPr lang="en-US" altLang="zh-TW" sz="2000" dirty="0" smtClean="0">
-              <a:latin typeface="微軟正黑體" pitchFamily="34" charset="-120"/>
-              <a:ea typeface="微軟正黑體" pitchFamily="34" charset="-120"/>
-            </a:endParaRPr>
-          </a:p>
-          <a:p>
-            <a:r>
-              <a:rPr lang="zh-TW" altLang="en-US" sz="2000" dirty="0" smtClean="0">
-                <a:latin typeface="微軟正黑體" pitchFamily="34" charset="-120"/>
-                <a:ea typeface="微軟正黑體" pitchFamily="34" charset="-120"/>
-              </a:rPr>
-              <a:t>網路上找的圖片大小比較不一定，</a:t>
-            </a:r>
-            <a:endParaRPr lang="en-US" altLang="zh-TW" sz="2000" dirty="0" smtClean="0">
-              <a:latin typeface="微軟正黑體" pitchFamily="34" charset="-120"/>
-              <a:ea typeface="微軟正黑體" pitchFamily="34" charset="-120"/>
-            </a:endParaRPr>
-          </a:p>
-          <a:p>
-            <a:r>
-              <a:rPr lang="zh-TW" altLang="en-US" sz="2000" dirty="0" smtClean="0">
-                <a:latin typeface="微軟正黑體" pitchFamily="34" charset="-120"/>
-                <a:ea typeface="微軟正黑體" pitchFamily="34" charset="-120"/>
-              </a:rPr>
-              <a:t>所以乾脆自己畫。</a:t>
-            </a:r>
-            <a:endParaRPr lang="en-US" altLang="zh-TW" sz="2000" dirty="0" smtClean="0">
-              <a:latin typeface="微軟正黑體" pitchFamily="34" charset="-120"/>
-              <a:ea typeface="微軟正黑體" pitchFamily="34" charset="-120"/>
-            </a:endParaRPr>
-          </a:p>
-          <a:p>
-            <a:endParaRPr lang="en-US" altLang="zh-TW" sz="2000" dirty="0" smtClean="0">
-              <a:latin typeface="微軟正黑體" pitchFamily="34" charset="-120"/>
-              <a:ea typeface="微軟正黑體" pitchFamily="34" charset="-120"/>
-            </a:endParaRPr>
-          </a:p>
-          <a:p>
-            <a:r>
-              <a:rPr lang="zh-TW" altLang="en-US" sz="2000" dirty="0" smtClean="0">
-                <a:latin typeface="微軟正黑體" pitchFamily="34" charset="-120"/>
-                <a:ea typeface="微軟正黑體" pitchFamily="34" charset="-120"/>
-              </a:rPr>
-              <a:t>判斷的程式碼邏輯原理是 </a:t>
-            </a:r>
-            <a:endParaRPr lang="en-US" altLang="zh-TW" sz="2000" dirty="0" smtClean="0">
-              <a:latin typeface="微軟正黑體" pitchFamily="34" charset="-120"/>
-              <a:ea typeface="微軟正黑體" pitchFamily="34" charset="-120"/>
-            </a:endParaRPr>
-          </a:p>
-          <a:p>
-            <a:r>
-              <a:rPr lang="zh-TW" altLang="en-US" sz="2000" dirty="0" smtClean="0">
-                <a:latin typeface="微軟正黑體" pitchFamily="34" charset="-120"/>
-                <a:ea typeface="微軟正黑體" pitchFamily="34" charset="-120"/>
-              </a:rPr>
-              <a:t>［畢氏定理］和［小於被碰撞圓形半徑，必定碰撞］</a:t>
-            </a:r>
-            <a:endParaRPr lang="en-US" altLang="zh-TW" sz="2000" dirty="0" smtClean="0">
-              <a:latin typeface="微軟正黑體" pitchFamily="34" charset="-120"/>
-              <a:ea typeface="微軟正黑體" pitchFamily="34" charset="-120"/>
-            </a:endParaRPr>
-          </a:p>
-          <a:p>
-            <a:endParaRPr lang="en-US" altLang="zh-TW" sz="2000" dirty="0" smtClean="0">
-              <a:latin typeface="微軟正黑體" pitchFamily="34" charset="-120"/>
-              <a:ea typeface="微軟正黑體" pitchFamily="34" charset="-120"/>
-            </a:endParaRPr>
-          </a:p>
-          <a:p>
-            <a:r>
-              <a:rPr lang="zh-TW" altLang="en-US" sz="2000" dirty="0" smtClean="0">
-                <a:latin typeface="微軟正黑體" pitchFamily="34" charset="-120"/>
-                <a:ea typeface="微軟正黑體" pitchFamily="34" charset="-120"/>
-              </a:rPr>
-              <a:t>邏輯程式碼為</a:t>
-            </a:r>
-            <a:endParaRPr lang="en-US" altLang="zh-TW" sz="2000" dirty="0" smtClean="0">
-              <a:latin typeface="微軟正黑體" pitchFamily="34" charset="-120"/>
-              <a:ea typeface="微軟正黑體" pitchFamily="34" charset="-120"/>
-            </a:endParaRPr>
-          </a:p>
-          <a:p>
-            <a:r>
-              <a:rPr lang="en-US" altLang="zh-TW" sz="2000" dirty="0" smtClean="0">
-                <a:latin typeface="微軟正黑體" pitchFamily="34" charset="-120"/>
-                <a:ea typeface="微軟正黑體" pitchFamily="34" charset="-120"/>
-              </a:rPr>
-              <a:t>X = </a:t>
-            </a:r>
-            <a:r>
-              <a:rPr lang="zh-TW" altLang="en-US" sz="2000" dirty="0" smtClean="0">
-                <a:latin typeface="微軟正黑體" pitchFamily="34" charset="-120"/>
-                <a:ea typeface="微軟正黑體" pitchFamily="34" charset="-120"/>
-              </a:rPr>
-              <a:t>滑鼠的</a:t>
-            </a:r>
-            <a:r>
-              <a:rPr lang="en-US" altLang="zh-TW" sz="2000" dirty="0" smtClean="0">
-                <a:latin typeface="微軟正黑體" pitchFamily="34" charset="-120"/>
-                <a:ea typeface="微軟正黑體" pitchFamily="34" charset="-120"/>
-              </a:rPr>
-              <a:t>X</a:t>
-            </a:r>
-            <a:r>
-              <a:rPr lang="zh-TW" altLang="en-US" sz="2000" dirty="0" smtClean="0">
-                <a:latin typeface="微軟正黑體" pitchFamily="34" charset="-120"/>
-                <a:ea typeface="微軟正黑體" pitchFamily="34" charset="-120"/>
-              </a:rPr>
-              <a:t>位置　減去　該圖片的圓心的</a:t>
-            </a:r>
-            <a:r>
-              <a:rPr lang="en-US" altLang="zh-TW" sz="2000" dirty="0" smtClean="0">
-                <a:latin typeface="微軟正黑體" pitchFamily="34" charset="-120"/>
-                <a:ea typeface="微軟正黑體" pitchFamily="34" charset="-120"/>
-              </a:rPr>
-              <a:t>X</a:t>
-            </a:r>
-            <a:r>
-              <a:rPr lang="zh-TW" altLang="en-US" sz="2000" dirty="0" smtClean="0">
-                <a:latin typeface="微軟正黑體" pitchFamily="34" charset="-120"/>
-                <a:ea typeface="微軟正黑體" pitchFamily="34" charset="-120"/>
-              </a:rPr>
-              <a:t>位置</a:t>
-            </a:r>
-            <a:endParaRPr lang="en-US" altLang="zh-TW" sz="2000" dirty="0" smtClean="0">
-              <a:latin typeface="微軟正黑體" pitchFamily="34" charset="-120"/>
-              <a:ea typeface="微軟正黑體" pitchFamily="34" charset="-120"/>
-            </a:endParaRPr>
-          </a:p>
-          <a:p>
-            <a:r>
-              <a:rPr lang="en-US" altLang="zh-TW" sz="2000" dirty="0" smtClean="0">
-                <a:latin typeface="微軟正黑體" pitchFamily="34" charset="-120"/>
-                <a:ea typeface="微軟正黑體" pitchFamily="34" charset="-120"/>
-              </a:rPr>
-              <a:t>Y = </a:t>
-            </a:r>
-            <a:r>
-              <a:rPr lang="zh-TW" altLang="en-US" sz="2000" dirty="0" smtClean="0">
-                <a:latin typeface="微軟正黑體" pitchFamily="34" charset="-120"/>
-                <a:ea typeface="微軟正黑體" pitchFamily="34" charset="-120"/>
-              </a:rPr>
-              <a:t>滑鼠的</a:t>
-            </a:r>
-            <a:r>
-              <a:rPr lang="en-US" altLang="zh-TW" sz="2000" dirty="0" smtClean="0">
-                <a:latin typeface="微軟正黑體" pitchFamily="34" charset="-120"/>
-                <a:ea typeface="微軟正黑體" pitchFamily="34" charset="-120"/>
-              </a:rPr>
-              <a:t>Y</a:t>
-            </a:r>
-            <a:r>
-              <a:rPr lang="zh-TW" altLang="en-US" sz="2000" dirty="0" smtClean="0">
-                <a:latin typeface="微軟正黑體" pitchFamily="34" charset="-120"/>
-                <a:ea typeface="微軟正黑體" pitchFamily="34" charset="-120"/>
-              </a:rPr>
-              <a:t>位置　減去　該圖片的圓心的</a:t>
-            </a:r>
-            <a:r>
-              <a:rPr lang="en-US" altLang="zh-TW" sz="2000" dirty="0" smtClean="0">
-                <a:latin typeface="微軟正黑體" pitchFamily="34" charset="-120"/>
-                <a:ea typeface="微軟正黑體" pitchFamily="34" charset="-120"/>
-              </a:rPr>
-              <a:t>Y</a:t>
-            </a:r>
-            <a:r>
-              <a:rPr lang="zh-TW" altLang="en-US" sz="2000" dirty="0" smtClean="0">
-                <a:latin typeface="微軟正黑體" pitchFamily="34" charset="-120"/>
-                <a:ea typeface="微軟正黑體" pitchFamily="34" charset="-120"/>
-              </a:rPr>
-              <a:t>位置</a:t>
-            </a:r>
-            <a:endParaRPr lang="en-US" altLang="zh-TW" sz="2000" dirty="0" smtClean="0">
-              <a:latin typeface="微軟正黑體" pitchFamily="34" charset="-120"/>
-              <a:ea typeface="微軟正黑體" pitchFamily="34" charset="-120"/>
-            </a:endParaRPr>
-          </a:p>
-          <a:p>
-            <a:r>
-              <a:rPr lang="zh-TW" altLang="en-US" sz="2000" dirty="0" smtClean="0">
-                <a:latin typeface="微軟正黑體" pitchFamily="34" charset="-120"/>
-                <a:ea typeface="微軟正黑體" pitchFamily="34" charset="-120"/>
-              </a:rPr>
-              <a:t>（</a:t>
-            </a:r>
-            <a:r>
-              <a:rPr lang="en-US" altLang="zh-TW" sz="2000" dirty="0" smtClean="0">
-                <a:latin typeface="微軟正黑體" pitchFamily="34" charset="-120"/>
-                <a:ea typeface="微軟正黑體" pitchFamily="34" charset="-120"/>
-              </a:rPr>
-              <a:t>X</a:t>
-            </a:r>
-            <a:r>
-              <a:rPr lang="zh-TW" altLang="en-US" sz="2000" dirty="0" smtClean="0">
-                <a:latin typeface="微軟正黑體" pitchFamily="34" charset="-120"/>
-                <a:ea typeface="微軟正黑體" pitchFamily="34" charset="-120"/>
-              </a:rPr>
-              <a:t>平方</a:t>
-            </a:r>
-            <a:r>
-              <a:rPr lang="en-US" altLang="zh-TW" sz="2000" dirty="0" smtClean="0">
-                <a:latin typeface="微軟正黑體" pitchFamily="34" charset="-120"/>
-                <a:ea typeface="微軟正黑體" pitchFamily="34" charset="-120"/>
-              </a:rPr>
-              <a:t>+Y</a:t>
-            </a:r>
-            <a:r>
-              <a:rPr lang="zh-TW" altLang="en-US" sz="2000" dirty="0" smtClean="0">
-                <a:latin typeface="微軟正黑體" pitchFamily="34" charset="-120"/>
-                <a:ea typeface="微軟正黑體" pitchFamily="34" charset="-120"/>
-              </a:rPr>
-              <a:t>平方）的開根號　＝兩者圓心距離</a:t>
-            </a:r>
-            <a:endParaRPr lang="en-US" altLang="zh-TW" sz="2000" dirty="0" smtClean="0">
-              <a:latin typeface="微軟正黑體" pitchFamily="34" charset="-120"/>
-              <a:ea typeface="微軟正黑體" pitchFamily="34" charset="-120"/>
-            </a:endParaRPr>
-          </a:p>
-          <a:p>
-            <a:endParaRPr lang="en-US" altLang="zh-TW" sz="2000" dirty="0" smtClean="0">
-              <a:latin typeface="微軟正黑體" pitchFamily="34" charset="-120"/>
-              <a:ea typeface="微軟正黑體" pitchFamily="34" charset="-120"/>
-            </a:endParaRPr>
-          </a:p>
-          <a:p>
-            <a:r>
-              <a:rPr lang="zh-TW" altLang="en-US" sz="2000" dirty="0" smtClean="0">
-                <a:latin typeface="微軟正黑體" pitchFamily="34" charset="-120"/>
-                <a:ea typeface="微軟正黑體" pitchFamily="34" charset="-120"/>
-              </a:rPr>
-              <a:t>兩者圓心距離若小於　被碰撞圓形半徑</a:t>
-            </a:r>
-            <a:endParaRPr lang="en-US" altLang="zh-TW" sz="2000" dirty="0" smtClean="0">
-              <a:latin typeface="微軟正黑體" pitchFamily="34" charset="-120"/>
-              <a:ea typeface="微軟正黑體" pitchFamily="34" charset="-120"/>
-            </a:endParaRPr>
-          </a:p>
-          <a:p>
-            <a:r>
-              <a:rPr lang="zh-TW" altLang="en-US" sz="2000" dirty="0" smtClean="0">
-                <a:latin typeface="微軟正黑體" pitchFamily="34" charset="-120"/>
-                <a:ea typeface="微軟正黑體" pitchFamily="34" charset="-120"/>
-              </a:rPr>
-              <a:t>則判定為碰撞</a:t>
-            </a:r>
-            <a:endParaRPr lang="en-US" altLang="zh-TW" sz="2000" dirty="0" smtClean="0">
-              <a:latin typeface="微軟正黑體" pitchFamily="34" charset="-120"/>
-              <a:ea typeface="微軟正黑體" pitchFamily="34" charset="-120"/>
-            </a:endParaRPr>
-          </a:p>
-          <a:p>
-            <a:endParaRPr lang="en-US" altLang="zh-TW" sz="2000" dirty="0" smtClean="0">
-              <a:latin typeface="微軟正黑體" pitchFamily="34" charset="-120"/>
-              <a:ea typeface="微軟正黑體" pitchFamily="34" charset="-120"/>
-            </a:endParaRPr>
+            <a:endParaRPr lang="en-US" altLang="zh-TW" sz="2800" dirty="0" smtClean="0"/>
+          </a:p>
+          <a:p>
+            <a:r>
+              <a:rPr lang="zh-TW" altLang="en-US" sz="2800" dirty="0" smtClean="0"/>
+              <a:t>儲存空間</a:t>
+            </a:r>
+            <a:r>
+              <a:rPr lang="en-US" altLang="zh-TW" sz="2800" dirty="0" smtClean="0"/>
+              <a:t>(</a:t>
+            </a:r>
+            <a:r>
+              <a:rPr lang="en-US" altLang="zh-TW" sz="2800" dirty="0" err="1" smtClean="0"/>
+              <a:t>localstorage</a:t>
+            </a:r>
+            <a:r>
+              <a:rPr lang="en-US" altLang="zh-TW" sz="2800" dirty="0" smtClean="0"/>
+              <a:t>)</a:t>
+            </a:r>
+          </a:p>
+          <a:p>
+            <a:r>
+              <a:rPr lang="zh-TW" altLang="en-US" sz="2800" dirty="0" smtClean="0"/>
+              <a:t>修改畫面</a:t>
+            </a:r>
+            <a:endParaRPr lang="en-US" altLang="zh-TW" sz="2800" dirty="0" smtClean="0"/>
+          </a:p>
+          <a:p>
+            <a:endParaRPr lang="en-US" altLang="zh-TW" sz="2800" dirty="0" smtClean="0"/>
           </a:p>
         </p:txBody>
       </p:sp>
@@ -19349,6 +19090,435 @@
           <a:chExt cx="0" cy="0"/>
         </a:xfrm>
       </p:grpSpPr>
+      <p:sp>
+        <p:nvSpPr>
+          <p:cNvPr id="2" name="標題 1"/>
+          <p:cNvSpPr>
+            <a:spLocks noGrp="1"/>
+          </p:cNvSpPr>
+          <p:nvPr>
+            <p:ph type="title"/>
+          </p:nvPr>
+        </p:nvSpPr>
+        <p:spPr/>
+        <p:txBody>
+          <a:bodyPr/>
+          <a:lstStyle/>
+          <a:p>
+            <a:r>
+              <a:rPr lang="zh-TW" altLang="en-US" dirty="0" smtClean="0"/>
+              <a:t>圓形碰撞</a:t>
+            </a:r>
+            <a:endParaRPr lang="zh-TW" altLang="en-US" dirty="0"/>
+          </a:p>
+        </p:txBody>
+      </p:sp>
+      <p:pic>
+        <p:nvPicPr>
+          <p:cNvPr id="4" name="Picture 2"/>
+          <p:cNvPicPr>
+            <a:picLocks noGrp="1" noChangeAspect="1" noChangeArrowheads="1"/>
+          </p:cNvPicPr>
+          <p:nvPr>
+            <p:ph idx="1"/>
+          </p:nvPr>
+        </p:nvPicPr>
+        <p:blipFill>
+          <a:blip r:embed="rId2" cstate="print"/>
+          <a:srcRect l="81422" t="4106" b="60629"/>
+          <a:stretch>
+            <a:fillRect/>
+          </a:stretch>
+        </p:blipFill>
+        <p:spPr bwMode="auto">
+          <a:xfrm>
+            <a:off x="874059" y="1855693"/>
+            <a:ext cx="2610344" cy="2568389"/>
+          </a:xfrm>
+          <a:prstGeom prst="rect">
+            <a:avLst/>
+          </a:prstGeom>
+          <a:noFill/>
+          <a:ln w="9525">
+            <a:noFill/>
+            <a:miter lim="800000"/>
+            <a:headEnd/>
+            <a:tailEnd/>
+          </a:ln>
+        </p:spPr>
+      </p:pic>
+      <p:sp>
+        <p:nvSpPr>
+          <p:cNvPr id="5" name="橢圓 4"/>
+          <p:cNvSpPr/>
+          <p:nvPr/>
+        </p:nvSpPr>
+        <p:spPr>
+          <a:xfrm>
+            <a:off x="1102658" y="2393575"/>
+            <a:ext cx="2205318" cy="1882588"/>
+          </a:xfrm>
+          <a:prstGeom prst="ellipse">
+            <a:avLst/>
+          </a:prstGeom>
+          <a:noFill/>
+          <a:ln w="38100">
+            <a:solidFill>
+              <a:srgbClr val="FF0000"/>
+            </a:solidFill>
+          </a:ln>
+        </p:spPr>
+        <p:style>
+          <a:lnRef idx="2">
+            <a:schemeClr val="accent1">
+              <a:shade val="50000"/>
+            </a:schemeClr>
+          </a:lnRef>
+          <a:fillRef idx="1">
+            <a:schemeClr val="accent1"/>
+          </a:fillRef>
+          <a:effectRef idx="0">
+            <a:schemeClr val="accent1"/>
+          </a:effectRef>
+          <a:fontRef idx="minor">
+            <a:schemeClr val="lt1"/>
+          </a:fontRef>
+        </p:style>
+        <p:txBody>
+          <a:bodyPr rtlCol="0" anchor="ctr"/>
+          <a:lstStyle/>
+          <a:p>
+            <a:pPr algn="ctr"/>
+            <a:endParaRPr lang="zh-TW" altLang="en-US"/>
+          </a:p>
+        </p:txBody>
+      </p:sp>
+      <p:sp>
+        <p:nvSpPr>
+          <p:cNvPr id="6" name="文字方塊 5"/>
+          <p:cNvSpPr txBox="1"/>
+          <p:nvPr/>
+        </p:nvSpPr>
+        <p:spPr>
+          <a:xfrm>
+            <a:off x="4437528" y="1142999"/>
+            <a:ext cx="5957048" cy="5016758"/>
+          </a:xfrm>
+          <a:prstGeom prst="rect">
+            <a:avLst/>
+          </a:prstGeom>
+          <a:noFill/>
+        </p:spPr>
+        <p:txBody>
+          <a:bodyPr wrap="square" rtlCol="0">
+            <a:spAutoFit/>
+          </a:bodyPr>
+          <a:lstStyle/>
+          <a:p>
+            <a:r>
+              <a:rPr lang="zh-TW" altLang="en-US" sz="2000" dirty="0" smtClean="0">
+                <a:latin typeface="微軟正黑體" pitchFamily="34" charset="-120"/>
+                <a:ea typeface="微軟正黑體" pitchFamily="34" charset="-120"/>
+              </a:rPr>
+              <a:t>碰撞範圍的判定都是正圓形，</a:t>
+            </a:r>
+            <a:endParaRPr lang="en-US" altLang="zh-TW" sz="2000" dirty="0" smtClean="0">
+              <a:latin typeface="微軟正黑體" pitchFamily="34" charset="-120"/>
+              <a:ea typeface="微軟正黑體" pitchFamily="34" charset="-120"/>
+            </a:endParaRPr>
+          </a:p>
+          <a:p>
+            <a:r>
+              <a:rPr lang="zh-TW" altLang="en-US" sz="2000" dirty="0" smtClean="0">
+                <a:latin typeface="微軟正黑體" pitchFamily="34" charset="-120"/>
+                <a:ea typeface="微軟正黑體" pitchFamily="34" charset="-120"/>
+              </a:rPr>
+              <a:t>圖片越偏向正方形，判斷越準確，</a:t>
+            </a:r>
+            <a:endParaRPr lang="en-US" altLang="zh-TW" sz="2000" dirty="0" smtClean="0">
+              <a:latin typeface="微軟正黑體" pitchFamily="34" charset="-120"/>
+              <a:ea typeface="微軟正黑體" pitchFamily="34" charset="-120"/>
+            </a:endParaRPr>
+          </a:p>
+          <a:p>
+            <a:r>
+              <a:rPr lang="zh-TW" altLang="en-US" sz="2000" dirty="0" smtClean="0">
+                <a:latin typeface="微軟正黑體" pitchFamily="34" charset="-120"/>
+                <a:ea typeface="微軟正黑體" pitchFamily="34" charset="-120"/>
+              </a:rPr>
+              <a:t>網路上找的圖片大小比較不一定，</a:t>
+            </a:r>
+            <a:endParaRPr lang="en-US" altLang="zh-TW" sz="2000" dirty="0" smtClean="0">
+              <a:latin typeface="微軟正黑體" pitchFamily="34" charset="-120"/>
+              <a:ea typeface="微軟正黑體" pitchFamily="34" charset="-120"/>
+            </a:endParaRPr>
+          </a:p>
+          <a:p>
+            <a:r>
+              <a:rPr lang="zh-TW" altLang="en-US" sz="2000" dirty="0" smtClean="0">
+                <a:latin typeface="微軟正黑體" pitchFamily="34" charset="-120"/>
+                <a:ea typeface="微軟正黑體" pitchFamily="34" charset="-120"/>
+              </a:rPr>
+              <a:t>所以乾脆自己畫。</a:t>
+            </a:r>
+            <a:endParaRPr lang="en-US" altLang="zh-TW" sz="2000" dirty="0" smtClean="0">
+              <a:latin typeface="微軟正黑體" pitchFamily="34" charset="-120"/>
+              <a:ea typeface="微軟正黑體" pitchFamily="34" charset="-120"/>
+            </a:endParaRPr>
+          </a:p>
+          <a:p>
+            <a:endParaRPr lang="en-US" altLang="zh-TW" sz="2000" dirty="0" smtClean="0">
+              <a:latin typeface="微軟正黑體" pitchFamily="34" charset="-120"/>
+              <a:ea typeface="微軟正黑體" pitchFamily="34" charset="-120"/>
+            </a:endParaRPr>
+          </a:p>
+          <a:p>
+            <a:r>
+              <a:rPr lang="zh-TW" altLang="en-US" sz="2000" dirty="0" smtClean="0">
+                <a:latin typeface="微軟正黑體" pitchFamily="34" charset="-120"/>
+                <a:ea typeface="微軟正黑體" pitchFamily="34" charset="-120"/>
+              </a:rPr>
+              <a:t>判斷的程式碼邏輯原理是 </a:t>
+            </a:r>
+            <a:endParaRPr lang="en-US" altLang="zh-TW" sz="2000" dirty="0" smtClean="0">
+              <a:latin typeface="微軟正黑體" pitchFamily="34" charset="-120"/>
+              <a:ea typeface="微軟正黑體" pitchFamily="34" charset="-120"/>
+            </a:endParaRPr>
+          </a:p>
+          <a:p>
+            <a:r>
+              <a:rPr lang="zh-TW" altLang="en-US" sz="2000" dirty="0" smtClean="0">
+                <a:latin typeface="微軟正黑體" pitchFamily="34" charset="-120"/>
+                <a:ea typeface="微軟正黑體" pitchFamily="34" charset="-120"/>
+              </a:rPr>
+              <a:t>［畢氏定理］和［小於被碰撞圓形半徑，必定碰撞］</a:t>
+            </a:r>
+            <a:endParaRPr lang="en-US" altLang="zh-TW" sz="2000" dirty="0" smtClean="0">
+              <a:latin typeface="微軟正黑體" pitchFamily="34" charset="-120"/>
+              <a:ea typeface="微軟正黑體" pitchFamily="34" charset="-120"/>
+            </a:endParaRPr>
+          </a:p>
+          <a:p>
+            <a:endParaRPr lang="en-US" altLang="zh-TW" sz="2000" dirty="0" smtClean="0">
+              <a:latin typeface="微軟正黑體" pitchFamily="34" charset="-120"/>
+              <a:ea typeface="微軟正黑體" pitchFamily="34" charset="-120"/>
+            </a:endParaRPr>
+          </a:p>
+          <a:p>
+            <a:r>
+              <a:rPr lang="zh-TW" altLang="en-US" sz="2000" dirty="0" smtClean="0">
+                <a:latin typeface="微軟正黑體" pitchFamily="34" charset="-120"/>
+                <a:ea typeface="微軟正黑體" pitchFamily="34" charset="-120"/>
+              </a:rPr>
+              <a:t>邏輯程式碼為</a:t>
+            </a:r>
+            <a:endParaRPr lang="en-US" altLang="zh-TW" sz="2000" dirty="0" smtClean="0">
+              <a:latin typeface="微軟正黑體" pitchFamily="34" charset="-120"/>
+              <a:ea typeface="微軟正黑體" pitchFamily="34" charset="-120"/>
+            </a:endParaRPr>
+          </a:p>
+          <a:p>
+            <a:r>
+              <a:rPr lang="en-US" altLang="zh-TW" sz="2000" dirty="0" smtClean="0">
+                <a:latin typeface="微軟正黑體" pitchFamily="34" charset="-120"/>
+                <a:ea typeface="微軟正黑體" pitchFamily="34" charset="-120"/>
+              </a:rPr>
+              <a:t>X = </a:t>
+            </a:r>
+            <a:r>
+              <a:rPr lang="zh-TW" altLang="en-US" sz="2000" dirty="0" smtClean="0">
+                <a:latin typeface="微軟正黑體" pitchFamily="34" charset="-120"/>
+                <a:ea typeface="微軟正黑體" pitchFamily="34" charset="-120"/>
+              </a:rPr>
+              <a:t>滑鼠的</a:t>
+            </a:r>
+            <a:r>
+              <a:rPr lang="en-US" altLang="zh-TW" sz="2000" dirty="0" smtClean="0">
+                <a:latin typeface="微軟正黑體" pitchFamily="34" charset="-120"/>
+                <a:ea typeface="微軟正黑體" pitchFamily="34" charset="-120"/>
+              </a:rPr>
+              <a:t>X</a:t>
+            </a:r>
+            <a:r>
+              <a:rPr lang="zh-TW" altLang="en-US" sz="2000" dirty="0" smtClean="0">
+                <a:latin typeface="微軟正黑體" pitchFamily="34" charset="-120"/>
+                <a:ea typeface="微軟正黑體" pitchFamily="34" charset="-120"/>
+              </a:rPr>
+              <a:t>位置　減去　該圖片的圓心的</a:t>
+            </a:r>
+            <a:r>
+              <a:rPr lang="en-US" altLang="zh-TW" sz="2000" dirty="0" smtClean="0">
+                <a:latin typeface="微軟正黑體" pitchFamily="34" charset="-120"/>
+                <a:ea typeface="微軟正黑體" pitchFamily="34" charset="-120"/>
+              </a:rPr>
+              <a:t>X</a:t>
+            </a:r>
+            <a:r>
+              <a:rPr lang="zh-TW" altLang="en-US" sz="2000" dirty="0" smtClean="0">
+                <a:latin typeface="微軟正黑體" pitchFamily="34" charset="-120"/>
+                <a:ea typeface="微軟正黑體" pitchFamily="34" charset="-120"/>
+              </a:rPr>
+              <a:t>位置</a:t>
+            </a:r>
+            <a:endParaRPr lang="en-US" altLang="zh-TW" sz="2000" dirty="0" smtClean="0">
+              <a:latin typeface="微軟正黑體" pitchFamily="34" charset="-120"/>
+              <a:ea typeface="微軟正黑體" pitchFamily="34" charset="-120"/>
+            </a:endParaRPr>
+          </a:p>
+          <a:p>
+            <a:r>
+              <a:rPr lang="en-US" altLang="zh-TW" sz="2000" dirty="0" smtClean="0">
+                <a:latin typeface="微軟正黑體" pitchFamily="34" charset="-120"/>
+                <a:ea typeface="微軟正黑體" pitchFamily="34" charset="-120"/>
+              </a:rPr>
+              <a:t>Y = </a:t>
+            </a:r>
+            <a:r>
+              <a:rPr lang="zh-TW" altLang="en-US" sz="2000" dirty="0" smtClean="0">
+                <a:latin typeface="微軟正黑體" pitchFamily="34" charset="-120"/>
+                <a:ea typeface="微軟正黑體" pitchFamily="34" charset="-120"/>
+              </a:rPr>
+              <a:t>滑鼠的</a:t>
+            </a:r>
+            <a:r>
+              <a:rPr lang="en-US" altLang="zh-TW" sz="2000" dirty="0" smtClean="0">
+                <a:latin typeface="微軟正黑體" pitchFamily="34" charset="-120"/>
+                <a:ea typeface="微軟正黑體" pitchFamily="34" charset="-120"/>
+              </a:rPr>
+              <a:t>Y</a:t>
+            </a:r>
+            <a:r>
+              <a:rPr lang="zh-TW" altLang="en-US" sz="2000" dirty="0" smtClean="0">
+                <a:latin typeface="微軟正黑體" pitchFamily="34" charset="-120"/>
+                <a:ea typeface="微軟正黑體" pitchFamily="34" charset="-120"/>
+              </a:rPr>
+              <a:t>位置　減去　該圖片的圓心的</a:t>
+            </a:r>
+            <a:r>
+              <a:rPr lang="en-US" altLang="zh-TW" sz="2000" dirty="0" smtClean="0">
+                <a:latin typeface="微軟正黑體" pitchFamily="34" charset="-120"/>
+                <a:ea typeface="微軟正黑體" pitchFamily="34" charset="-120"/>
+              </a:rPr>
+              <a:t>Y</a:t>
+            </a:r>
+            <a:r>
+              <a:rPr lang="zh-TW" altLang="en-US" sz="2000" dirty="0" smtClean="0">
+                <a:latin typeface="微軟正黑體" pitchFamily="34" charset="-120"/>
+                <a:ea typeface="微軟正黑體" pitchFamily="34" charset="-120"/>
+              </a:rPr>
+              <a:t>位置</a:t>
+            </a:r>
+            <a:endParaRPr lang="en-US" altLang="zh-TW" sz="2000" dirty="0" smtClean="0">
+              <a:latin typeface="微軟正黑體" pitchFamily="34" charset="-120"/>
+              <a:ea typeface="微軟正黑體" pitchFamily="34" charset="-120"/>
+            </a:endParaRPr>
+          </a:p>
+          <a:p>
+            <a:r>
+              <a:rPr lang="zh-TW" altLang="en-US" sz="2000" dirty="0" smtClean="0">
+                <a:latin typeface="微軟正黑體" pitchFamily="34" charset="-120"/>
+                <a:ea typeface="微軟正黑體" pitchFamily="34" charset="-120"/>
+              </a:rPr>
+              <a:t>（</a:t>
+            </a:r>
+            <a:r>
+              <a:rPr lang="en-US" altLang="zh-TW" sz="2000" dirty="0" smtClean="0">
+                <a:latin typeface="微軟正黑體" pitchFamily="34" charset="-120"/>
+                <a:ea typeface="微軟正黑體" pitchFamily="34" charset="-120"/>
+              </a:rPr>
+              <a:t>X</a:t>
+            </a:r>
+            <a:r>
+              <a:rPr lang="zh-TW" altLang="en-US" sz="2000" dirty="0" smtClean="0">
+                <a:latin typeface="微軟正黑體" pitchFamily="34" charset="-120"/>
+                <a:ea typeface="微軟正黑體" pitchFamily="34" charset="-120"/>
+              </a:rPr>
+              <a:t>平方</a:t>
+            </a:r>
+            <a:r>
+              <a:rPr lang="en-US" altLang="zh-TW" sz="2000" dirty="0" smtClean="0">
+                <a:latin typeface="微軟正黑體" pitchFamily="34" charset="-120"/>
+                <a:ea typeface="微軟正黑體" pitchFamily="34" charset="-120"/>
+              </a:rPr>
+              <a:t>+Y</a:t>
+            </a:r>
+            <a:r>
+              <a:rPr lang="zh-TW" altLang="en-US" sz="2000" dirty="0" smtClean="0">
+                <a:latin typeface="微軟正黑體" pitchFamily="34" charset="-120"/>
+                <a:ea typeface="微軟正黑體" pitchFamily="34" charset="-120"/>
+              </a:rPr>
+              <a:t>平方）的開根號　＝兩者圓心距離</a:t>
+            </a:r>
+            <a:endParaRPr lang="en-US" altLang="zh-TW" sz="2000" dirty="0" smtClean="0">
+              <a:latin typeface="微軟正黑體" pitchFamily="34" charset="-120"/>
+              <a:ea typeface="微軟正黑體" pitchFamily="34" charset="-120"/>
+            </a:endParaRPr>
+          </a:p>
+          <a:p>
+            <a:endParaRPr lang="en-US" altLang="zh-TW" sz="2000" dirty="0" smtClean="0">
+              <a:latin typeface="微軟正黑體" pitchFamily="34" charset="-120"/>
+              <a:ea typeface="微軟正黑體" pitchFamily="34" charset="-120"/>
+            </a:endParaRPr>
+          </a:p>
+          <a:p>
+            <a:r>
+              <a:rPr lang="zh-TW" altLang="en-US" sz="2000" dirty="0" smtClean="0">
+                <a:latin typeface="微軟正黑體" pitchFamily="34" charset="-120"/>
+                <a:ea typeface="微軟正黑體" pitchFamily="34" charset="-120"/>
+              </a:rPr>
+              <a:t>兩者圓心距離若小於　被碰撞圓形半徑</a:t>
+            </a:r>
+            <a:endParaRPr lang="en-US" altLang="zh-TW" sz="2000" dirty="0" smtClean="0">
+              <a:latin typeface="微軟正黑體" pitchFamily="34" charset="-120"/>
+              <a:ea typeface="微軟正黑體" pitchFamily="34" charset="-120"/>
+            </a:endParaRPr>
+          </a:p>
+          <a:p>
+            <a:r>
+              <a:rPr lang="zh-TW" altLang="en-US" sz="2000" dirty="0" smtClean="0">
+                <a:latin typeface="微軟正黑體" pitchFamily="34" charset="-120"/>
+                <a:ea typeface="微軟正黑體" pitchFamily="34" charset="-120"/>
+              </a:rPr>
+              <a:t>則判定為碰撞</a:t>
+            </a:r>
+            <a:endParaRPr lang="en-US" altLang="zh-TW" sz="2000" dirty="0" smtClean="0">
+              <a:latin typeface="微軟正黑體" pitchFamily="34" charset="-120"/>
+              <a:ea typeface="微軟正黑體" pitchFamily="34" charset="-120"/>
+            </a:endParaRPr>
+          </a:p>
+          <a:p>
+            <a:endParaRPr lang="en-US" altLang="zh-TW" sz="2000" dirty="0" smtClean="0">
+              <a:latin typeface="微軟正黑體" pitchFamily="34" charset="-120"/>
+              <a:ea typeface="微軟正黑體" pitchFamily="34" charset="-120"/>
+            </a:endParaRPr>
+          </a:p>
+        </p:txBody>
+      </p:sp>
+    </p:spTree>
+  </p:cSld>
+  <p:clrMapOvr>
+    <a:masterClrMapping/>
+  </p:clrMapOvr>
+</p:sld>
+</file>
+
+<file path=ppt/slides/slide15.xml><?xml version="1.0" encoding="utf-8"?>
+<p:sld xmlns:a="http://schemas.openxmlformats.org/drawingml/2006/main" xmlns:r="http://schemas.openxmlformats.org/officeDocument/2006/relationships" xmlns:p="http://schemas.openxmlformats.org/presentationml/2006/main">
+  <p:cSld>
+    <p:spTree>
+      <p:nvGrpSpPr>
+        <p:cNvPr id="1" name=""/>
+        <p:cNvGrpSpPr/>
+        <p:nvPr/>
+      </p:nvGrpSpPr>
+      <p:grpSpPr>
+        <a:xfrm>
+          <a:off x="0" y="0"/>
+          <a:ext cx="0" cy="0"/>
+          <a:chOff x="0" y="0"/>
+          <a:chExt cx="0" cy="0"/>
+        </a:xfrm>
+      </p:grpSpPr>
       <p:cxnSp>
         <p:nvCxnSpPr>
           <p:cNvPr id="5" name="直線接點 4"/>
@@ -19708,366 +19878,6 @@
 </p:sld>
 </file>
 
-<file path=ppt/slides/slide15.xml><?xml version="1.0" encoding="utf-8"?>
-<p:sld xmlns:a="http://schemas.openxmlformats.org/drawingml/2006/main" xmlns:r="http://schemas.openxmlformats.org/officeDocument/2006/relationships" xmlns:p="http://schemas.openxmlformats.org/presentationml/2006/main">
-  <p:cSld>
-    <p:spTree>
-      <p:nvGrpSpPr>
-        <p:cNvPr id="1" name=""/>
-        <p:cNvGrpSpPr/>
-        <p:nvPr/>
-      </p:nvGrpSpPr>
-      <p:grpSpPr>
-        <a:xfrm>
-          <a:off x="0" y="0"/>
-          <a:ext cx="0" cy="0"/>
-          <a:chOff x="0" y="0"/>
-          <a:chExt cx="0" cy="0"/>
-        </a:xfrm>
-      </p:grpSpPr>
-      <p:sp>
-        <p:nvSpPr>
-          <p:cNvPr id="4" name="橢圓 3"/>
-          <p:cNvSpPr/>
-          <p:nvPr/>
-        </p:nvSpPr>
-        <p:spPr>
-          <a:xfrm>
-            <a:off x="1627094" y="2837329"/>
-            <a:ext cx="2541494" cy="2541494"/>
-          </a:xfrm>
-          <a:prstGeom prst="ellipse">
-            <a:avLst/>
-          </a:prstGeom>
-          <a:noFill/>
-          <a:ln w="38100"/>
-        </p:spPr>
-        <p:style>
-          <a:lnRef idx="2">
-            <a:schemeClr val="accent1">
-              <a:shade val="50000"/>
-            </a:schemeClr>
-          </a:lnRef>
-          <a:fillRef idx="1">
-            <a:schemeClr val="accent1"/>
-          </a:fillRef>
-          <a:effectRef idx="0">
-            <a:schemeClr val="accent1"/>
-          </a:effectRef>
-          <a:fontRef idx="minor">
-            <a:schemeClr val="lt1"/>
-          </a:fontRef>
-        </p:style>
-        <p:txBody>
-          <a:bodyPr rtlCol="0" anchor="ctr"/>
-          <a:lstStyle/>
-          <a:p>
-            <a:pPr algn="ctr"/>
-            <a:endParaRPr lang="zh-TW" altLang="en-US"/>
-          </a:p>
-        </p:txBody>
-      </p:sp>
-      <p:sp>
-        <p:nvSpPr>
-          <p:cNvPr id="5" name="橢圓 4"/>
-          <p:cNvSpPr/>
-          <p:nvPr/>
-        </p:nvSpPr>
-        <p:spPr>
-          <a:xfrm>
-            <a:off x="4262718" y="3845859"/>
-            <a:ext cx="322729" cy="322729"/>
-          </a:xfrm>
-          <a:prstGeom prst="ellipse">
-            <a:avLst/>
-          </a:prstGeom>
-          <a:noFill/>
-          <a:ln w="38100"/>
-        </p:spPr>
-        <p:style>
-          <a:lnRef idx="2">
-            <a:schemeClr val="accent1">
-              <a:shade val="50000"/>
-            </a:schemeClr>
-          </a:lnRef>
-          <a:fillRef idx="1">
-            <a:schemeClr val="accent1"/>
-          </a:fillRef>
-          <a:effectRef idx="0">
-            <a:schemeClr val="accent1"/>
-          </a:effectRef>
-          <a:fontRef idx="minor">
-            <a:schemeClr val="lt1"/>
-          </a:fontRef>
-        </p:style>
-        <p:txBody>
-          <a:bodyPr rtlCol="0" anchor="ctr"/>
-          <a:lstStyle/>
-          <a:p>
-            <a:pPr algn="ctr"/>
-            <a:endParaRPr lang="zh-TW" altLang="en-US"/>
-          </a:p>
-        </p:txBody>
-      </p:sp>
-      <p:cxnSp>
-        <p:nvCxnSpPr>
-          <p:cNvPr id="7" name="直線接點 6"/>
-          <p:cNvCxnSpPr/>
-          <p:nvPr/>
-        </p:nvCxnSpPr>
-        <p:spPr>
-          <a:xfrm flipV="1">
-            <a:off x="2850776" y="4020671"/>
-            <a:ext cx="1600200" cy="174811"/>
-          </a:xfrm>
-          <a:prstGeom prst="line">
-            <a:avLst/>
-          </a:prstGeom>
-          <a:ln w="57150">
-            <a:solidFill>
-              <a:srgbClr val="FF0000"/>
-            </a:solidFill>
-          </a:ln>
-        </p:spPr>
-        <p:style>
-          <a:lnRef idx="1">
-            <a:schemeClr val="accent1"/>
-          </a:lnRef>
-          <a:fillRef idx="0">
-            <a:schemeClr val="accent1"/>
-          </a:fillRef>
-          <a:effectRef idx="0">
-            <a:schemeClr val="accent1"/>
-          </a:effectRef>
-          <a:fontRef idx="minor">
-            <a:schemeClr val="tx1"/>
-          </a:fontRef>
-        </p:style>
-      </p:cxnSp>
-      <p:sp>
-        <p:nvSpPr>
-          <p:cNvPr id="9" name="橢圓 8"/>
-          <p:cNvSpPr/>
-          <p:nvPr/>
-        </p:nvSpPr>
-        <p:spPr>
-          <a:xfrm>
-            <a:off x="6333564" y="2595282"/>
-            <a:ext cx="2541494" cy="2541494"/>
-          </a:xfrm>
-          <a:prstGeom prst="ellipse">
-            <a:avLst/>
-          </a:prstGeom>
-          <a:noFill/>
-          <a:ln w="38100"/>
-        </p:spPr>
-        <p:style>
-          <a:lnRef idx="2">
-            <a:schemeClr val="accent1">
-              <a:shade val="50000"/>
-            </a:schemeClr>
-          </a:lnRef>
-          <a:fillRef idx="1">
-            <a:schemeClr val="accent1"/>
-          </a:fillRef>
-          <a:effectRef idx="0">
-            <a:schemeClr val="accent1"/>
-          </a:effectRef>
-          <a:fontRef idx="minor">
-            <a:schemeClr val="lt1"/>
-          </a:fontRef>
-        </p:style>
-        <p:txBody>
-          <a:bodyPr rtlCol="0" anchor="ctr"/>
-          <a:lstStyle/>
-          <a:p>
-            <a:pPr algn="ctr"/>
-            <a:endParaRPr lang="zh-TW" altLang="en-US"/>
-          </a:p>
-        </p:txBody>
-      </p:sp>
-      <p:sp>
-        <p:nvSpPr>
-          <p:cNvPr id="10" name="橢圓 9"/>
-          <p:cNvSpPr/>
-          <p:nvPr/>
-        </p:nvSpPr>
-        <p:spPr>
-          <a:xfrm>
-            <a:off x="8202705" y="3429000"/>
-            <a:ext cx="322729" cy="322729"/>
-          </a:xfrm>
-          <a:prstGeom prst="ellipse">
-            <a:avLst/>
-          </a:prstGeom>
-          <a:noFill/>
-          <a:ln w="38100"/>
-        </p:spPr>
-        <p:style>
-          <a:lnRef idx="2">
-            <a:schemeClr val="accent1">
-              <a:shade val="50000"/>
-            </a:schemeClr>
-          </a:lnRef>
-          <a:fillRef idx="1">
-            <a:schemeClr val="accent1"/>
-          </a:fillRef>
-          <a:effectRef idx="0">
-            <a:schemeClr val="accent1"/>
-          </a:effectRef>
-          <a:fontRef idx="minor">
-            <a:schemeClr val="lt1"/>
-          </a:fontRef>
-        </p:style>
-        <p:txBody>
-          <a:bodyPr rtlCol="0" anchor="ctr"/>
-          <a:lstStyle/>
-          <a:p>
-            <a:pPr algn="ctr"/>
-            <a:endParaRPr lang="zh-TW" altLang="en-US"/>
-          </a:p>
-        </p:txBody>
-      </p:sp>
-      <p:cxnSp>
-        <p:nvCxnSpPr>
-          <p:cNvPr id="11" name="直線接點 10"/>
-          <p:cNvCxnSpPr/>
-          <p:nvPr/>
-        </p:nvCxnSpPr>
-        <p:spPr>
-          <a:xfrm flipV="1">
-            <a:off x="7557246" y="3590365"/>
-            <a:ext cx="806825" cy="363072"/>
-          </a:xfrm>
-          <a:prstGeom prst="line">
-            <a:avLst/>
-          </a:prstGeom>
-          <a:ln w="57150">
-            <a:solidFill>
-              <a:srgbClr val="FF0000"/>
-            </a:solidFill>
-          </a:ln>
-        </p:spPr>
-        <p:style>
-          <a:lnRef idx="1">
-            <a:schemeClr val="accent1"/>
-          </a:lnRef>
-          <a:fillRef idx="0">
-            <a:schemeClr val="accent1"/>
-          </a:fillRef>
-          <a:effectRef idx="0">
-            <a:schemeClr val="accent1"/>
-          </a:effectRef>
-          <a:fontRef idx="minor">
-            <a:schemeClr val="tx1"/>
-          </a:fontRef>
-        </p:style>
-      </p:cxnSp>
-      <p:sp>
-        <p:nvSpPr>
-          <p:cNvPr id="16" name="文字方塊 15"/>
-          <p:cNvSpPr txBox="1"/>
-          <p:nvPr/>
-        </p:nvSpPr>
-        <p:spPr>
-          <a:xfrm>
-            <a:off x="1600200" y="2057400"/>
-            <a:ext cx="3570208" cy="461665"/>
-          </a:xfrm>
-          <a:prstGeom prst="rect">
-            <a:avLst/>
-          </a:prstGeom>
-          <a:noFill/>
-        </p:spPr>
-        <p:txBody>
-          <a:bodyPr wrap="none" rtlCol="0">
-            <a:spAutoFit/>
-          </a:bodyPr>
-          <a:lstStyle/>
-          <a:p>
-            <a:r>
-              <a:rPr lang="zh-TW" altLang="en-US" sz="2400" b="1" dirty="0" smtClean="0"/>
-              <a:t>距離大於半徑：沒有碰撞</a:t>
-            </a:r>
-            <a:endParaRPr lang="zh-TW" altLang="en-US" sz="2400" b="1" dirty="0"/>
-          </a:p>
-        </p:txBody>
-      </p:sp>
-      <p:sp>
-        <p:nvSpPr>
-          <p:cNvPr id="17" name="文字方塊 16"/>
-          <p:cNvSpPr txBox="1"/>
-          <p:nvPr/>
-        </p:nvSpPr>
-        <p:spPr>
-          <a:xfrm>
-            <a:off x="6723530" y="1896035"/>
-            <a:ext cx="3570208" cy="461665"/>
-          </a:xfrm>
-          <a:prstGeom prst="rect">
-            <a:avLst/>
-          </a:prstGeom>
-          <a:noFill/>
-        </p:spPr>
-        <p:txBody>
-          <a:bodyPr wrap="none" rtlCol="0">
-            <a:spAutoFit/>
-          </a:bodyPr>
-          <a:lstStyle/>
-          <a:p>
-            <a:r>
-              <a:rPr lang="zh-TW" altLang="en-US" sz="2400" b="1" dirty="0" smtClean="0"/>
-              <a:t>距離小於半徑：產生碰撞</a:t>
-            </a:r>
-            <a:endParaRPr lang="zh-TW" altLang="en-US" sz="2400" b="1" dirty="0"/>
-          </a:p>
-        </p:txBody>
-      </p:sp>
-      <p:sp>
-        <p:nvSpPr>
-          <p:cNvPr id="12" name="文字方塊 11"/>
-          <p:cNvSpPr txBox="1"/>
-          <p:nvPr/>
-        </p:nvSpPr>
-        <p:spPr>
-          <a:xfrm>
-            <a:off x="1636294" y="753980"/>
-            <a:ext cx="6288505" cy="646331"/>
-          </a:xfrm>
-          <a:prstGeom prst="rect">
-            <a:avLst/>
-          </a:prstGeom>
-          <a:noFill/>
-        </p:spPr>
-        <p:txBody>
-          <a:bodyPr wrap="square" rtlCol="0">
-            <a:spAutoFit/>
-          </a:bodyPr>
-          <a:lstStyle/>
-          <a:p>
-            <a:r>
-              <a:rPr lang="zh-TW" altLang="en-US" dirty="0" smtClean="0"/>
-              <a:t>註：因為我只有判斷單個半徑，實際上並非是圓形碰撞，</a:t>
-            </a:r>
-            <a:endParaRPr lang="en-US" altLang="zh-TW" dirty="0" smtClean="0"/>
-          </a:p>
-          <a:p>
-            <a:r>
-              <a:rPr lang="zh-TW" altLang="en-US" dirty="0" smtClean="0"/>
-              <a:t>而是點對圓形碰撞。</a:t>
-            </a:r>
-            <a:endParaRPr lang="zh-TW" altLang="en-US" dirty="0"/>
-          </a:p>
-        </p:txBody>
-      </p:sp>
-    </p:spTree>
-  </p:cSld>
-  <p:clrMapOvr>
-    <a:masterClrMapping/>
-  </p:clrMapOvr>
-</p:sld>
-</file>
-
 <file path=ppt/slides/slide16.xml><?xml version="1.0" encoding="utf-8"?>
 <p:sld xmlns:a="http://schemas.openxmlformats.org/drawingml/2006/main" xmlns:r="http://schemas.openxmlformats.org/officeDocument/2006/relationships" xmlns:p="http://schemas.openxmlformats.org/presentationml/2006/main">
   <p:cSld>
@@ -20087,67 +19897,336 @@
       </p:grpSpPr>
       <p:sp>
         <p:nvSpPr>
-          <p:cNvPr id="2" name="標題 1"/>
-          <p:cNvSpPr>
-            <a:spLocks noGrp="1"/>
-          </p:cNvSpPr>
-          <p:nvPr>
-            <p:ph type="title"/>
-          </p:nvPr>
-        </p:nvSpPr>
-        <p:spPr/>
-        <p:txBody>
-          <a:bodyPr/>
-          <a:lstStyle/>
-          <a:p>
-            <a:r>
-              <a:rPr lang="en-US" altLang="zh-TW" dirty="0" err="1" smtClean="0"/>
-              <a:t>LocalStorage</a:t>
+          <p:cNvPr id="4" name="橢圓 3"/>
+          <p:cNvSpPr/>
+          <p:nvPr/>
+        </p:nvSpPr>
+        <p:spPr>
+          <a:xfrm>
+            <a:off x="1627094" y="2837329"/>
+            <a:ext cx="2541494" cy="2541494"/>
+          </a:xfrm>
+          <a:prstGeom prst="ellipse">
+            <a:avLst/>
+          </a:prstGeom>
+          <a:noFill/>
+          <a:ln w="38100"/>
+        </p:spPr>
+        <p:style>
+          <a:lnRef idx="2">
+            <a:schemeClr val="accent1">
+              <a:shade val="50000"/>
+            </a:schemeClr>
+          </a:lnRef>
+          <a:fillRef idx="1">
+            <a:schemeClr val="accent1"/>
+          </a:fillRef>
+          <a:effectRef idx="0">
+            <a:schemeClr val="accent1"/>
+          </a:effectRef>
+          <a:fontRef idx="minor">
+            <a:schemeClr val="lt1"/>
+          </a:fontRef>
+        </p:style>
+        <p:txBody>
+          <a:bodyPr rtlCol="0" anchor="ctr"/>
+          <a:lstStyle/>
+          <a:p>
+            <a:pPr algn="ctr"/>
+            <a:endParaRPr lang="zh-TW" altLang="en-US"/>
+          </a:p>
+        </p:txBody>
+      </p:sp>
+      <p:sp>
+        <p:nvSpPr>
+          <p:cNvPr id="5" name="橢圓 4"/>
+          <p:cNvSpPr/>
+          <p:nvPr/>
+        </p:nvSpPr>
+        <p:spPr>
+          <a:xfrm>
+            <a:off x="4262718" y="3845859"/>
+            <a:ext cx="322729" cy="322729"/>
+          </a:xfrm>
+          <a:prstGeom prst="ellipse">
+            <a:avLst/>
+          </a:prstGeom>
+          <a:noFill/>
+          <a:ln w="38100"/>
+        </p:spPr>
+        <p:style>
+          <a:lnRef idx="2">
+            <a:schemeClr val="accent1">
+              <a:shade val="50000"/>
+            </a:schemeClr>
+          </a:lnRef>
+          <a:fillRef idx="1">
+            <a:schemeClr val="accent1"/>
+          </a:fillRef>
+          <a:effectRef idx="0">
+            <a:schemeClr val="accent1"/>
+          </a:effectRef>
+          <a:fontRef idx="minor">
+            <a:schemeClr val="lt1"/>
+          </a:fontRef>
+        </p:style>
+        <p:txBody>
+          <a:bodyPr rtlCol="0" anchor="ctr"/>
+          <a:lstStyle/>
+          <a:p>
+            <a:pPr algn="ctr"/>
+            <a:endParaRPr lang="zh-TW" altLang="en-US"/>
+          </a:p>
+        </p:txBody>
+      </p:sp>
+      <p:cxnSp>
+        <p:nvCxnSpPr>
+          <p:cNvPr id="7" name="直線接點 6"/>
+          <p:cNvCxnSpPr/>
+          <p:nvPr/>
+        </p:nvCxnSpPr>
+        <p:spPr>
+          <a:xfrm flipV="1">
+            <a:off x="2850776" y="4020671"/>
+            <a:ext cx="1600200" cy="174811"/>
+          </a:xfrm>
+          <a:prstGeom prst="line">
+            <a:avLst/>
+          </a:prstGeom>
+          <a:ln w="57150">
+            <a:solidFill>
+              <a:srgbClr val="FF0000"/>
+            </a:solidFill>
+          </a:ln>
+        </p:spPr>
+        <p:style>
+          <a:lnRef idx="1">
+            <a:schemeClr val="accent1"/>
+          </a:lnRef>
+          <a:fillRef idx="0">
+            <a:schemeClr val="accent1"/>
+          </a:fillRef>
+          <a:effectRef idx="0">
+            <a:schemeClr val="accent1"/>
+          </a:effectRef>
+          <a:fontRef idx="minor">
+            <a:schemeClr val="tx1"/>
+          </a:fontRef>
+        </p:style>
+      </p:cxnSp>
+      <p:sp>
+        <p:nvSpPr>
+          <p:cNvPr id="9" name="橢圓 8"/>
+          <p:cNvSpPr/>
+          <p:nvPr/>
+        </p:nvSpPr>
+        <p:spPr>
+          <a:xfrm>
+            <a:off x="6333564" y="2595282"/>
+            <a:ext cx="2541494" cy="2541494"/>
+          </a:xfrm>
+          <a:prstGeom prst="ellipse">
+            <a:avLst/>
+          </a:prstGeom>
+          <a:noFill/>
+          <a:ln w="38100"/>
+        </p:spPr>
+        <p:style>
+          <a:lnRef idx="2">
+            <a:schemeClr val="accent1">
+              <a:shade val="50000"/>
+            </a:schemeClr>
+          </a:lnRef>
+          <a:fillRef idx="1">
+            <a:schemeClr val="accent1"/>
+          </a:fillRef>
+          <a:effectRef idx="0">
+            <a:schemeClr val="accent1"/>
+          </a:effectRef>
+          <a:fontRef idx="minor">
+            <a:schemeClr val="lt1"/>
+          </a:fontRef>
+        </p:style>
+        <p:txBody>
+          <a:bodyPr rtlCol="0" anchor="ctr"/>
+          <a:lstStyle/>
+          <a:p>
+            <a:pPr algn="ctr"/>
+            <a:endParaRPr lang="zh-TW" altLang="en-US"/>
+          </a:p>
+        </p:txBody>
+      </p:sp>
+      <p:sp>
+        <p:nvSpPr>
+          <p:cNvPr id="10" name="橢圓 9"/>
+          <p:cNvSpPr/>
+          <p:nvPr/>
+        </p:nvSpPr>
+        <p:spPr>
+          <a:xfrm>
+            <a:off x="8202705" y="3429000"/>
+            <a:ext cx="322729" cy="322729"/>
+          </a:xfrm>
+          <a:prstGeom prst="ellipse">
+            <a:avLst/>
+          </a:prstGeom>
+          <a:noFill/>
+          <a:ln w="38100"/>
+        </p:spPr>
+        <p:style>
+          <a:lnRef idx="2">
+            <a:schemeClr val="accent1">
+              <a:shade val="50000"/>
+            </a:schemeClr>
+          </a:lnRef>
+          <a:fillRef idx="1">
+            <a:schemeClr val="accent1"/>
+          </a:fillRef>
+          <a:effectRef idx="0">
+            <a:schemeClr val="accent1"/>
+          </a:effectRef>
+          <a:fontRef idx="minor">
+            <a:schemeClr val="lt1"/>
+          </a:fontRef>
+        </p:style>
+        <p:txBody>
+          <a:bodyPr rtlCol="0" anchor="ctr"/>
+          <a:lstStyle/>
+          <a:p>
+            <a:pPr algn="ctr"/>
+            <a:endParaRPr lang="zh-TW" altLang="en-US"/>
+          </a:p>
+        </p:txBody>
+      </p:sp>
+      <p:cxnSp>
+        <p:nvCxnSpPr>
+          <p:cNvPr id="11" name="直線接點 10"/>
+          <p:cNvCxnSpPr/>
+          <p:nvPr/>
+        </p:nvCxnSpPr>
+        <p:spPr>
+          <a:xfrm flipV="1">
+            <a:off x="7557246" y="3590365"/>
+            <a:ext cx="806825" cy="363072"/>
+          </a:xfrm>
+          <a:prstGeom prst="line">
+            <a:avLst/>
+          </a:prstGeom>
+          <a:ln w="57150">
+            <a:solidFill>
+              <a:srgbClr val="FF0000"/>
+            </a:solidFill>
+          </a:ln>
+        </p:spPr>
+        <p:style>
+          <a:lnRef idx="1">
+            <a:schemeClr val="accent1"/>
+          </a:lnRef>
+          <a:fillRef idx="0">
+            <a:schemeClr val="accent1"/>
+          </a:fillRef>
+          <a:effectRef idx="0">
+            <a:schemeClr val="accent1"/>
+          </a:effectRef>
+          <a:fontRef idx="minor">
+            <a:schemeClr val="tx1"/>
+          </a:fontRef>
+        </p:style>
+      </p:cxnSp>
+      <p:sp>
+        <p:nvSpPr>
+          <p:cNvPr id="16" name="文字方塊 15"/>
+          <p:cNvSpPr txBox="1"/>
+          <p:nvPr/>
+        </p:nvSpPr>
+        <p:spPr>
+          <a:xfrm>
+            <a:off x="1600200" y="2057400"/>
+            <a:ext cx="3570208" cy="461665"/>
+          </a:xfrm>
+          <a:prstGeom prst="rect">
+            <a:avLst/>
+          </a:prstGeom>
+          <a:noFill/>
+        </p:spPr>
+        <p:txBody>
+          <a:bodyPr wrap="none" rtlCol="0">
+            <a:spAutoFit/>
+          </a:bodyPr>
+          <a:lstStyle/>
+          <a:p>
+            <a:r>
+              <a:rPr lang="zh-TW" altLang="en-US" sz="2400" b="1" dirty="0" smtClean="0"/>
+              <a:t>距離大於半徑：沒有碰撞</a:t>
+            </a:r>
+            <a:endParaRPr lang="zh-TW" altLang="en-US" sz="2400" b="1" dirty="0"/>
+          </a:p>
+        </p:txBody>
+      </p:sp>
+      <p:sp>
+        <p:nvSpPr>
+          <p:cNvPr id="17" name="文字方塊 16"/>
+          <p:cNvSpPr txBox="1"/>
+          <p:nvPr/>
+        </p:nvSpPr>
+        <p:spPr>
+          <a:xfrm>
+            <a:off x="6723530" y="1896035"/>
+            <a:ext cx="3570208" cy="461665"/>
+          </a:xfrm>
+          <a:prstGeom prst="rect">
+            <a:avLst/>
+          </a:prstGeom>
+          <a:noFill/>
+        </p:spPr>
+        <p:txBody>
+          <a:bodyPr wrap="none" rtlCol="0">
+            <a:spAutoFit/>
+          </a:bodyPr>
+          <a:lstStyle/>
+          <a:p>
+            <a:r>
+              <a:rPr lang="zh-TW" altLang="en-US" sz="2400" b="1" dirty="0" smtClean="0"/>
+              <a:t>距離小於半徑：產生碰撞</a:t>
+            </a:r>
+            <a:endParaRPr lang="zh-TW" altLang="en-US" sz="2400" b="1" dirty="0"/>
+          </a:p>
+        </p:txBody>
+      </p:sp>
+      <p:sp>
+        <p:nvSpPr>
+          <p:cNvPr id="12" name="文字方塊 11"/>
+          <p:cNvSpPr txBox="1"/>
+          <p:nvPr/>
+        </p:nvSpPr>
+        <p:spPr>
+          <a:xfrm>
+            <a:off x="1636294" y="753980"/>
+            <a:ext cx="6288505" cy="646331"/>
+          </a:xfrm>
+          <a:prstGeom prst="rect">
+            <a:avLst/>
+          </a:prstGeom>
+          <a:noFill/>
+        </p:spPr>
+        <p:txBody>
+          <a:bodyPr wrap="square" rtlCol="0">
+            <a:spAutoFit/>
+          </a:bodyPr>
+          <a:lstStyle/>
+          <a:p>
+            <a:r>
+              <a:rPr lang="zh-TW" altLang="en-US" dirty="0" smtClean="0"/>
+              <a:t>註：因為我只有判斷單個半徑，實際上並非是圓形碰撞，</a:t>
+            </a:r>
+            <a:endParaRPr lang="en-US" altLang="zh-TW" dirty="0" smtClean="0"/>
+          </a:p>
+          <a:p>
+            <a:r>
+              <a:rPr lang="zh-TW" altLang="en-US" dirty="0" smtClean="0"/>
+              <a:t>而是點對圓形碰撞。</a:t>
             </a:r>
             <a:endParaRPr lang="zh-TW" altLang="en-US" dirty="0"/>
-          </a:p>
-        </p:txBody>
-      </p:sp>
-      <p:sp>
-        <p:nvSpPr>
-          <p:cNvPr id="3" name="內容版面配置區 2"/>
-          <p:cNvSpPr>
-            <a:spLocks noGrp="1"/>
-          </p:cNvSpPr>
-          <p:nvPr>
-            <p:ph idx="1"/>
-          </p:nvPr>
-        </p:nvSpPr>
-        <p:spPr/>
-        <p:txBody>
-          <a:bodyPr>
-            <a:normAutofit/>
-          </a:bodyPr>
-          <a:lstStyle/>
-          <a:p>
-            <a:r>
-              <a:rPr lang="zh-TW" altLang="en-US" sz="2800" dirty="0" smtClean="0"/>
-              <a:t>體力值、金錢、道具，全部都是放在</a:t>
-            </a:r>
-            <a:r>
-              <a:rPr lang="en-US" altLang="zh-TW" sz="2800" dirty="0" err="1" smtClean="0"/>
-              <a:t>LocalStorage</a:t>
-            </a:r>
-            <a:r>
-              <a:rPr lang="zh-TW" altLang="en-US" sz="2800" dirty="0" smtClean="0"/>
-              <a:t>裡面，</a:t>
-            </a:r>
-            <a:endParaRPr lang="en-US" altLang="zh-TW" sz="2800" dirty="0" smtClean="0"/>
-          </a:p>
-          <a:p>
-            <a:pPr>
-              <a:buNone/>
-            </a:pPr>
-            <a:r>
-              <a:rPr lang="zh-TW" altLang="en-US" sz="2800" dirty="0" smtClean="0"/>
-              <a:t>在網頁間重複使用同樣變數。</a:t>
-            </a:r>
-            <a:endParaRPr lang="zh-TW" altLang="en-US" sz="2800" dirty="0"/>
           </a:p>
         </p:txBody>
       </p:sp>
@@ -20192,8 +20271,8 @@
           <a:lstStyle/>
           <a:p>
             <a:r>
-              <a:rPr lang="zh-TW" altLang="en-US" dirty="0" smtClean="0"/>
-              <a:t>碰到的問題</a:t>
+              <a:rPr lang="en-US" altLang="zh-TW" dirty="0" err="1" smtClean="0"/>
+              <a:t>LocalStorage</a:t>
             </a:r>
             <a:endParaRPr lang="zh-TW" altLang="en-US" dirty="0"/>
           </a:p>
@@ -20217,6 +20296,97 @@
           <a:lstStyle/>
           <a:p>
             <a:r>
+              <a:rPr lang="zh-TW" altLang="en-US" sz="2800" dirty="0" smtClean="0"/>
+              <a:t>體力值、金錢、道具，全部都是放在</a:t>
+            </a:r>
+            <a:r>
+              <a:rPr lang="en-US" altLang="zh-TW" sz="2800" dirty="0" err="1" smtClean="0"/>
+              <a:t>LocalStorage</a:t>
+            </a:r>
+            <a:r>
+              <a:rPr lang="zh-TW" altLang="en-US" sz="2800" dirty="0" smtClean="0"/>
+              <a:t>裡面，</a:t>
+            </a:r>
+            <a:endParaRPr lang="en-US" altLang="zh-TW" sz="2800" dirty="0" smtClean="0"/>
+          </a:p>
+          <a:p>
+            <a:pPr>
+              <a:buNone/>
+            </a:pPr>
+            <a:r>
+              <a:rPr lang="zh-TW" altLang="en-US" sz="2800" dirty="0" smtClean="0"/>
+              <a:t>在網頁間重複使用同樣變數。</a:t>
+            </a:r>
+            <a:endParaRPr lang="zh-TW" altLang="en-US" sz="2800" dirty="0"/>
+          </a:p>
+        </p:txBody>
+      </p:sp>
+    </p:spTree>
+  </p:cSld>
+  <p:clrMapOvr>
+    <a:masterClrMapping/>
+  </p:clrMapOvr>
+</p:sld>
+</file>
+
+<file path=ppt/slides/slide18.xml><?xml version="1.0" encoding="utf-8"?>
+<p:sld xmlns:a="http://schemas.openxmlformats.org/drawingml/2006/main" xmlns:r="http://schemas.openxmlformats.org/officeDocument/2006/relationships" xmlns:p="http://schemas.openxmlformats.org/presentationml/2006/main">
+  <p:cSld>
+    <p:spTree>
+      <p:nvGrpSpPr>
+        <p:cNvPr id="1" name=""/>
+        <p:cNvGrpSpPr/>
+        <p:nvPr/>
+      </p:nvGrpSpPr>
+      <p:grpSpPr>
+        <a:xfrm>
+          <a:off x="0" y="0"/>
+          <a:ext cx="0" cy="0"/>
+          <a:chOff x="0" y="0"/>
+          <a:chExt cx="0" cy="0"/>
+        </a:xfrm>
+      </p:grpSpPr>
+      <p:sp>
+        <p:nvSpPr>
+          <p:cNvPr id="2" name="標題 1"/>
+          <p:cNvSpPr>
+            <a:spLocks noGrp="1"/>
+          </p:cNvSpPr>
+          <p:nvPr>
+            <p:ph type="title"/>
+          </p:nvPr>
+        </p:nvSpPr>
+        <p:spPr/>
+        <p:txBody>
+          <a:bodyPr/>
+          <a:lstStyle/>
+          <a:p>
+            <a:r>
+              <a:rPr lang="zh-TW" altLang="en-US" dirty="0" smtClean="0"/>
+              <a:t>碰到的問題</a:t>
+            </a:r>
+            <a:endParaRPr lang="zh-TW" altLang="en-US" dirty="0"/>
+          </a:p>
+        </p:txBody>
+      </p:sp>
+      <p:sp>
+        <p:nvSpPr>
+          <p:cNvPr id="3" name="內容版面配置區 2"/>
+          <p:cNvSpPr>
+            <a:spLocks noGrp="1"/>
+          </p:cNvSpPr>
+          <p:nvPr>
+            <p:ph idx="1"/>
+          </p:nvPr>
+        </p:nvSpPr>
+        <p:spPr/>
+        <p:txBody>
+          <a:bodyPr>
+            <a:normAutofit/>
+          </a:bodyPr>
+          <a:lstStyle/>
+          <a:p>
+            <a:r>
               <a:rPr lang="zh-TW" altLang="en-US" sz="2400" dirty="0" smtClean="0"/>
               <a:t>背景音效想要自動撥放 </a:t>
             </a:r>
@@ -20319,7 +20489,7 @@
     </p:spTree>
     <p:extLst>
       <p:ext uri="{BB962C8B-B14F-4D97-AF65-F5344CB8AC3E}">
-        <p14:creationId xmlns="" xmlns:p14="http://schemas.microsoft.com/office/powerpoint/2010/main" val="3578967659"/>
+        <p14:creationId xmlns:p14="http://schemas.microsoft.com/office/powerpoint/2010/main" xmlns="" val="3578967659"/>
       </p:ext>
     </p:extLst>
   </p:cSld>
@@ -20329,7 +20499,7 @@
 </p:sld>
 </file>
 
-<file path=ppt/slides/slide18.xml><?xml version="1.0" encoding="utf-8"?>
+<file path=ppt/slides/slide19.xml><?xml version="1.0" encoding="utf-8"?>
 <p:sld xmlns:a="http://schemas.openxmlformats.org/drawingml/2006/main" xmlns:r="http://schemas.openxmlformats.org/officeDocument/2006/relationships" xmlns:p="http://schemas.openxmlformats.org/presentationml/2006/main">
   <p:cSld>
     <p:spTree>
@@ -21275,7 +21445,7 @@
     </p:spTree>
     <p:extLst>
       <p:ext uri="{BB962C8B-B14F-4D97-AF65-F5344CB8AC3E}">
-        <p14:creationId xmlns="" xmlns:p14="http://schemas.microsoft.com/office/powerpoint/2010/main" val="3327407705"/>
+        <p14:creationId xmlns:p14="http://schemas.microsoft.com/office/powerpoint/2010/main" xmlns="" val="3327407705"/>
       </p:ext>
     </p:extLst>
   </p:cSld>
@@ -21293,6 +21463,77 @@
 </file>
 
 <file path=ppt/slides/slide5.xml><?xml version="1.0" encoding="utf-8"?>
+<p:sld xmlns:a="http://schemas.openxmlformats.org/drawingml/2006/main" xmlns:r="http://schemas.openxmlformats.org/officeDocument/2006/relationships" xmlns:p="http://schemas.openxmlformats.org/presentationml/2006/main">
+  <p:cSld>
+    <p:spTree>
+      <p:nvGrpSpPr>
+        <p:cNvPr id="1" name=""/>
+        <p:cNvGrpSpPr/>
+        <p:nvPr/>
+      </p:nvGrpSpPr>
+      <p:grpSpPr>
+        <a:xfrm>
+          <a:off x="0" y="0"/>
+          <a:ext cx="0" cy="0"/>
+          <a:chOff x="0" y="0"/>
+          <a:chExt cx="0" cy="0"/>
+        </a:xfrm>
+      </p:grpSpPr>
+      <p:sp>
+        <p:nvSpPr>
+          <p:cNvPr id="2" name="標題 1"/>
+          <p:cNvSpPr>
+            <a:spLocks noGrp="1"/>
+          </p:cNvSpPr>
+          <p:nvPr>
+            <p:ph type="title"/>
+          </p:nvPr>
+        </p:nvSpPr>
+        <p:spPr/>
+        <p:txBody>
+          <a:bodyPr/>
+          <a:lstStyle/>
+          <a:p>
+            <a:r>
+              <a:rPr lang="zh-TW" altLang="en-US" dirty="0" smtClean="0"/>
+              <a:t>起始畫面</a:t>
+            </a:r>
+            <a:endParaRPr lang="zh-TW" altLang="en-US" dirty="0"/>
+          </a:p>
+        </p:txBody>
+      </p:sp>
+      <p:pic>
+        <p:nvPicPr>
+          <p:cNvPr id="4" name="內容版面配置區 3" descr="startgame.png"/>
+          <p:cNvPicPr>
+            <a:picLocks noGrp="1" noChangeAspect="1"/>
+          </p:cNvPicPr>
+          <p:nvPr>
+            <p:ph sz="quarter" idx="1"/>
+          </p:nvPr>
+        </p:nvPicPr>
+        <p:blipFill>
+          <a:blip r:embed="rId2" cstate="print"/>
+          <a:stretch>
+            <a:fillRect/>
+          </a:stretch>
+        </p:blipFill>
+        <p:spPr>
+          <a:xfrm>
+            <a:off x="3420444" y="1600200"/>
+            <a:ext cx="5665438" cy="4495800"/>
+          </a:xfrm>
+        </p:spPr>
+      </p:pic>
+    </p:spTree>
+  </p:cSld>
+  <p:clrMapOvr>
+    <a:masterClrMapping/>
+  </p:clrMapOvr>
+</p:sld>
+</file>
+
+<file path=ppt/slides/slide6.xml><?xml version="1.0" encoding="utf-8"?>
 <p:sld xmlns:a="http://schemas.openxmlformats.org/drawingml/2006/main" xmlns:r="http://schemas.openxmlformats.org/officeDocument/2006/relationships" xmlns:p="http://schemas.openxmlformats.org/presentationml/2006/main">
   <p:cSld>
     <p:spTree>
@@ -22934,7 +23175,7 @@
 </p:sld>
 </file>
 
-<file path=ppt/slides/slide6.xml><?xml version="1.0" encoding="utf-8"?>
+<file path=ppt/slides/slide7.xml><?xml version="1.0" encoding="utf-8"?>
 <p:sld xmlns:a="http://schemas.openxmlformats.org/drawingml/2006/main" xmlns:r="http://schemas.openxmlformats.org/officeDocument/2006/relationships" xmlns:p="http://schemas.openxmlformats.org/presentationml/2006/main">
   <p:cSld>
     <p:spTree>
@@ -23870,7 +24111,7 @@
 </p:sld>
 </file>
 
-<file path=ppt/slides/slide7.xml><?xml version="1.0" encoding="utf-8"?>
+<file path=ppt/slides/slide8.xml><?xml version="1.0" encoding="utf-8"?>
 <p:sld xmlns:a="http://schemas.openxmlformats.org/drawingml/2006/main" xmlns:r="http://schemas.openxmlformats.org/officeDocument/2006/relationships" xmlns:p="http://schemas.openxmlformats.org/presentationml/2006/main">
   <p:cSld>
     <p:spTree>
@@ -24075,7 +24316,7 @@
 </p:sld>
 </file>
 
-<file path=ppt/slides/slide8.xml><?xml version="1.0" encoding="utf-8"?>
+<file path=ppt/slides/slide9.xml><?xml version="1.0" encoding="utf-8"?>
 <p:sld xmlns:a="http://schemas.openxmlformats.org/drawingml/2006/main" xmlns:r="http://schemas.openxmlformats.org/officeDocument/2006/relationships" xmlns:p="http://schemas.openxmlformats.org/presentationml/2006/main">
   <p:cSld>
     <p:spTree>
@@ -24378,179 +24619,6 @@
     <p:bldLst>
       <p:bldP spid="6" grpId="0" build="allAtOnce" animBg="1"/>
     </p:bldLst>
-  </p:timing>
-</p:sld>
-</file>
-
-<file path=ppt/slides/slide9.xml><?xml version="1.0" encoding="utf-8"?>
-<p:sld xmlns:a="http://schemas.openxmlformats.org/drawingml/2006/main" xmlns:r="http://schemas.openxmlformats.org/officeDocument/2006/relationships" xmlns:p="http://schemas.openxmlformats.org/presentationml/2006/main">
-  <p:cSld>
-    <p:spTree>
-      <p:nvGrpSpPr>
-        <p:cNvPr id="1" name=""/>
-        <p:cNvGrpSpPr/>
-        <p:nvPr/>
-      </p:nvGrpSpPr>
-      <p:grpSpPr>
-        <a:xfrm>
-          <a:off x="0" y="0"/>
-          <a:ext cx="0" cy="0"/>
-          <a:chOff x="0" y="0"/>
-          <a:chExt cx="0" cy="0"/>
-        </a:xfrm>
-      </p:grpSpPr>
-      <p:sp>
-        <p:nvSpPr>
-          <p:cNvPr id="2" name="標題 1"/>
-          <p:cNvSpPr>
-            <a:spLocks noGrp="1"/>
-          </p:cNvSpPr>
-          <p:nvPr>
-            <p:ph type="title"/>
-          </p:nvPr>
-        </p:nvSpPr>
-        <p:spPr/>
-        <p:txBody>
-          <a:bodyPr/>
-          <a:lstStyle/>
-          <a:p>
-            <a:r>
-              <a:rPr lang="en-US" altLang="zh-TW" dirty="0" smtClean="0"/>
-              <a:t>1-5: BOSS</a:t>
-            </a:r>
-            <a:r>
-              <a:rPr lang="zh-TW" altLang="en-US" dirty="0" smtClean="0"/>
-              <a:t>關卡</a:t>
-            </a:r>
-            <a:endParaRPr lang="zh-TW" altLang="en-US" dirty="0"/>
-          </a:p>
-        </p:txBody>
-      </p:sp>
-      <p:pic>
-        <p:nvPicPr>
-          <p:cNvPr id="20482" name="Picture 2"/>
-          <p:cNvPicPr>
-            <a:picLocks noChangeAspect="1" noChangeArrowheads="1"/>
-          </p:cNvPicPr>
-          <p:nvPr/>
-        </p:nvPicPr>
-        <p:blipFill>
-          <a:blip r:embed="rId2" cstate="print"/>
-          <a:srcRect/>
-          <a:stretch>
-            <a:fillRect/>
-          </a:stretch>
-        </p:blipFill>
-        <p:spPr bwMode="auto">
-          <a:xfrm>
-            <a:off x="3097866" y="1945623"/>
-            <a:ext cx="5642722" cy="4017890"/>
-          </a:xfrm>
-          <a:prstGeom prst="rect">
-            <a:avLst/>
-          </a:prstGeom>
-          <a:noFill/>
-          <a:ln w="9525">
-            <a:noFill/>
-            <a:miter lim="800000"/>
-            <a:headEnd/>
-            <a:tailEnd/>
-          </a:ln>
-        </p:spPr>
-      </p:pic>
-      <p:sp>
-        <p:nvSpPr>
-          <p:cNvPr id="5" name="文字方塊 4"/>
-          <p:cNvSpPr txBox="1"/>
-          <p:nvPr/>
-        </p:nvSpPr>
-        <p:spPr>
-          <a:xfrm>
-            <a:off x="174812" y="2070848"/>
-            <a:ext cx="2723823" cy="2585323"/>
-          </a:xfrm>
-          <a:prstGeom prst="rect">
-            <a:avLst/>
-          </a:prstGeom>
-          <a:noFill/>
-        </p:spPr>
-        <p:txBody>
-          <a:bodyPr wrap="none" rtlCol="0">
-            <a:spAutoFit/>
-          </a:bodyPr>
-          <a:lstStyle/>
-          <a:p>
-            <a:r>
-              <a:rPr lang="en-US" altLang="zh-TW" dirty="0" smtClean="0"/>
-              <a:t>BOSS</a:t>
-            </a:r>
-            <a:r>
-              <a:rPr lang="zh-TW" altLang="en-US" dirty="0" smtClean="0"/>
-              <a:t>本身不會攻擊，</a:t>
-            </a:r>
-            <a:endParaRPr lang="en-US" altLang="zh-TW" dirty="0" smtClean="0"/>
-          </a:p>
-          <a:p>
-            <a:r>
-              <a:rPr lang="zh-TW" altLang="en-US" dirty="0" smtClean="0"/>
-              <a:t>但會生成小怪</a:t>
-            </a:r>
-            <a:endParaRPr lang="en-US" altLang="zh-TW" dirty="0" smtClean="0"/>
-          </a:p>
-          <a:p>
-            <a:r>
-              <a:rPr lang="en-US" altLang="zh-TW" dirty="0" smtClean="0"/>
-              <a:t>BOSS</a:t>
-            </a:r>
-            <a:r>
-              <a:rPr lang="zh-TW" altLang="en-US" dirty="0" smtClean="0"/>
-              <a:t>本身有血條，</a:t>
-            </a:r>
-            <a:endParaRPr lang="en-US" altLang="zh-TW" dirty="0" smtClean="0"/>
-          </a:p>
-          <a:p>
-            <a:r>
-              <a:rPr lang="zh-TW" altLang="en-US" dirty="0" smtClean="0"/>
-              <a:t>且此關卡沒有時間限制。</a:t>
-            </a:r>
-            <a:endParaRPr lang="en-US" altLang="zh-TW" dirty="0" smtClean="0"/>
-          </a:p>
-          <a:p>
-            <a:endParaRPr lang="en-US" altLang="zh-TW" dirty="0" smtClean="0"/>
-          </a:p>
-          <a:p>
-            <a:r>
-              <a:rPr lang="zh-TW" altLang="en-US" dirty="0" smtClean="0"/>
-              <a:t>破關條件是王血量歸零，</a:t>
-            </a:r>
-            <a:endParaRPr lang="en-US" altLang="zh-TW" dirty="0" smtClean="0"/>
-          </a:p>
-          <a:p>
-            <a:r>
-              <a:rPr lang="zh-TW" altLang="en-US" dirty="0" smtClean="0"/>
-              <a:t>而非時間到還有血量。</a:t>
-            </a:r>
-            <a:endParaRPr lang="en-US" altLang="zh-TW" dirty="0" smtClean="0"/>
-          </a:p>
-          <a:p>
-            <a:endParaRPr lang="en-US" altLang="zh-TW" dirty="0" smtClean="0"/>
-          </a:p>
-          <a:p>
-            <a:endParaRPr lang="en-US" altLang="zh-TW" dirty="0" smtClean="0"/>
-          </a:p>
-        </p:txBody>
-      </p:sp>
-    </p:spTree>
-  </p:cSld>
-  <p:clrMapOvr>
-    <a:masterClrMapping/>
-  </p:clrMapOvr>
-  <p:timing>
-    <p:tnLst>
-      <p:par>
-        <p:cTn id="1" dur="indefinite" restart="never" nodeType="tmRoot"/>
-      </p:par>
-    </p:tnLst>
   </p:timing>
 </p:sld>
 </file>
@@ -24810,7 +24878,7 @@
   <a:extraClrSchemeLst/>
   <a:extLst>
     <a:ext uri="{05A4C25C-085E-4340-85A3-A5531E510DB2}">
-      <thm15:themeFamily xmlns="" xmlns:thm15="http://schemas.microsoft.com/office/thememl/2012/main" name="Office Theme" id="{62F939B6-93AF-4DB8-9C6B-D6C7DFDC589F}" vid="{4A3C46E8-61CC-4603-A589-7422A47A8E4A}"/>
+      <thm15:themeFamily xmlns:thm15="http://schemas.microsoft.com/office/thememl/2012/main" xmlns="" name="Office Theme" id="{62F939B6-93AF-4DB8-9C6B-D6C7DFDC589F}" vid="{4A3C46E8-61CC-4603-A589-7422A47A8E4A}"/>
     </a:ext>
   </a:extLst>
 </a:theme>
@@ -25546,7 +25614,7 @@
   <a:extraClrSchemeLst/>
   <a:extLst>
     <a:ext uri="{05A4C25C-085E-4340-85A3-A5531E510DB2}">
-      <thm15:themeFamily xmlns="" xmlns:thm15="http://schemas.microsoft.com/office/thememl/2012/main" name="Facet" id="{C0C680CD-088A-49FC-A102-D699147F32B2}" vid="{CFBC31BA-B70F-4F30-BCAA-4F3011E16C4D}"/>
+      <thm15:themeFamily xmlns:thm15="http://schemas.microsoft.com/office/thememl/2012/main" xmlns="" name="Facet" id="{C0C680CD-088A-49FC-A102-D699147F32B2}" vid="{CFBC31BA-B70F-4F30-BCAA-4F3011E16C4D}"/>
     </a:ext>
   </a:extLst>
 </a:theme>
